--- a/project_doc_201611263_박성호.pptx
+++ b/project_doc_201611263_박성호.pptx
@@ -9,6 +9,10 @@
     <p:sldId id="257" r:id="rId3"/>
     <p:sldId id="258" r:id="rId4"/>
     <p:sldId id="259" r:id="rId5"/>
+    <p:sldId id="260" r:id="rId6"/>
+    <p:sldId id="261" r:id="rId7"/>
+    <p:sldId id="262" r:id="rId8"/>
+    <p:sldId id="263" r:id="rId9"/>
   </p:sldIdLst>
   <p:sldSz cx="12192000" cy="6858000"/>
   <p:notesSz cx="6858000" cy="9144000"/>
@@ -107,6 +111,11 @@
       </a:defRPr>
     </a:lvl9pPr>
   </p:defaultTextStyle>
+  <p:extLst>
+    <p:ext uri="{EFAFB233-063F-42B5-8137-9DF3F51BA10A}">
+      <p15:sldGuideLst xmlns:p15="http://schemas.microsoft.com/office/powerpoint/2012/main"/>
+    </p:ext>
+  </p:extLst>
 </p:presentation>
 </file>
 
@@ -2979,7 +2988,7 @@
         </p:nvSpPr>
         <p:spPr>
           <a:xfrm>
-            <a:off x="1524000" y="385011"/>
+            <a:off x="1524000" y="946484"/>
             <a:ext cx="9144000" cy="2873412"/>
           </a:xfrm>
         </p:spPr>
@@ -3117,8 +3126,8 @@
         </p:nvSpPr>
         <p:spPr>
           <a:xfrm>
-            <a:off x="1620252" y="1361274"/>
-            <a:ext cx="9144000" cy="1655762"/>
+            <a:off x="1780673" y="1040431"/>
+            <a:ext cx="8951495" cy="4622431"/>
           </a:xfrm>
           <a:prstGeom prst="rect">
             <a:avLst/>
@@ -3292,6 +3301,9 @@
           </a:lstStyle>
           <a:p>
             <a:pPr marL="514350" indent="-514350">
+              <a:lnSpc>
+                <a:spcPct val="150000"/>
+              </a:lnSpc>
               <a:buFont typeface="+mj-lt"/>
               <a:buAutoNum type="arabicPeriod"/>
             </a:pPr>
@@ -3307,6 +3319,9 @@
           </a:p>
           <a:p>
             <a:pPr marL="514350" indent="-514350">
+              <a:lnSpc>
+                <a:spcPct val="150000"/>
+              </a:lnSpc>
               <a:buFont typeface="+mj-lt"/>
               <a:buAutoNum type="arabicPeriod"/>
             </a:pPr>
@@ -3322,6 +3337,9 @@
           </a:p>
           <a:p>
             <a:pPr marL="514350" indent="-514350">
+              <a:lnSpc>
+                <a:spcPct val="150000"/>
+              </a:lnSpc>
               <a:buFont typeface="+mj-lt"/>
               <a:buAutoNum type="arabicPeriod"/>
             </a:pPr>
@@ -3377,8 +3395,8 @@
         </p:nvSpPr>
         <p:spPr>
           <a:xfrm>
-            <a:off x="3609473" y="318536"/>
-            <a:ext cx="8422106" cy="6202580"/>
+            <a:off x="3160294" y="-222886"/>
+            <a:ext cx="9031706" cy="7281411"/>
           </a:xfrm>
           <a:prstGeom prst="rect">
             <a:avLst/>
@@ -3661,9 +3679,66 @@
               <a:rPr lang="ko-KR" altLang="en-US" dirty="0" smtClean="0">
                 <a:latin typeface="+mn-ea"/>
               </a:rPr>
-              <a:t>를 제공받고 다루는데 사용</a:t>
-            </a:r>
-            <a:endParaRPr lang="en-US" altLang="ko-KR" sz="4400" dirty="0" smtClean="0">
+              <a:t>를 제공받고 다루는데 </a:t>
+            </a:r>
+            <a:r>
+              <a:rPr lang="ko-KR" altLang="en-US" dirty="0" smtClean="0">
+                <a:latin typeface="+mn-ea"/>
+              </a:rPr>
+              <a:t>사용</a:t>
+            </a:r>
+            <a:endParaRPr lang="en-US" altLang="ko-KR" dirty="0" smtClean="0">
+              <a:latin typeface="+mn-ea"/>
+            </a:endParaRPr>
+          </a:p>
+          <a:p>
+            <a:pPr>
+              <a:lnSpc>
+                <a:spcPct val="150000"/>
+              </a:lnSpc>
+            </a:pPr>
+            <a:r>
+              <a:rPr lang="en-US" altLang="ko-KR" sz="4400" dirty="0" smtClean="0">
+                <a:latin typeface="+mn-ea"/>
+              </a:rPr>
+              <a:t>Bootstrap</a:t>
+            </a:r>
+            <a:br>
+              <a:rPr lang="en-US" altLang="ko-KR" sz="4400" dirty="0" smtClean="0">
+                <a:latin typeface="+mn-ea"/>
+              </a:rPr>
+            </a:br>
+            <a:r>
+              <a:rPr lang="ko-KR" altLang="en-US" dirty="0" smtClean="0">
+                <a:latin typeface="+mn-ea"/>
+              </a:rPr>
+              <a:t>각종 </a:t>
+            </a:r>
+            <a:r>
+              <a:rPr lang="en-US" altLang="ko-KR" dirty="0" smtClean="0">
+                <a:latin typeface="+mn-ea"/>
+              </a:rPr>
+              <a:t>CSS</a:t>
+            </a:r>
+            <a:r>
+              <a:rPr lang="ko-KR" altLang="en-US" dirty="0">
+                <a:latin typeface="+mn-ea"/>
+              </a:rPr>
+              <a:t> </a:t>
+            </a:r>
+            <a:r>
+              <a:rPr lang="en-US" altLang="ko-KR" dirty="0" smtClean="0">
+                <a:latin typeface="+mn-ea"/>
+              </a:rPr>
+              <a:t>Framework</a:t>
+            </a:r>
+            <a:r>
+              <a:rPr lang="ko-KR" altLang="en-US" dirty="0" smtClean="0">
+                <a:latin typeface="+mn-ea"/>
+              </a:rPr>
+              <a:t>으로 페이지 디자인하는데 사용</a:t>
+            </a:r>
+            <a:endParaRPr lang="en-US" altLang="ko-KR" dirty="0" smtClean="0">
               <a:latin typeface="+mn-ea"/>
             </a:endParaRPr>
           </a:p>
@@ -3679,7 +3754,7 @@
         </p:nvSpPr>
         <p:spPr>
           <a:xfrm>
-            <a:off x="288757" y="2660685"/>
+            <a:off x="128335" y="2628601"/>
             <a:ext cx="3031959" cy="1141294"/>
           </a:xfrm>
           <a:prstGeom prst="rect">
@@ -3912,10 +3987,1294 @@
           <a:chExt cx="0" cy="0"/>
         </a:xfrm>
       </p:grpSpPr>
+      <p:sp>
+        <p:nvSpPr>
+          <p:cNvPr id="2" name="Subtitle 2"/>
+          <p:cNvSpPr txBox="1">
+            <a:spLocks/>
+          </p:cNvSpPr>
+          <p:nvPr/>
+        </p:nvSpPr>
+        <p:spPr>
+          <a:xfrm>
+            <a:off x="-112295" y="126719"/>
+            <a:ext cx="6898105" cy="740243"/>
+          </a:xfrm>
+          <a:prstGeom prst="rect">
+            <a:avLst/>
+          </a:prstGeom>
+        </p:spPr>
+        <p:txBody>
+          <a:bodyPr/>
+          <a:lstStyle>
+            <a:lvl1pPr marL="228600" indent="-228600" algn="l" defTabSz="914400" rtl="0" eaLnBrk="1" latinLnBrk="1" hangingPunct="1">
+              <a:lnSpc>
+                <a:spcPct val="90000"/>
+              </a:lnSpc>
+              <a:spcBef>
+                <a:spcPts val="1000"/>
+              </a:spcBef>
+              <a:buFont typeface="Arial" panose="020B0604020202020204" pitchFamily="34" charset="0"/>
+              <a:buChar char="•"/>
+              <a:defRPr sz="2800" kern="1200">
+                <a:solidFill>
+                  <a:schemeClr val="tx1"/>
+                </a:solidFill>
+                <a:latin typeface="+mn-lt"/>
+                <a:ea typeface="+mn-ea"/>
+                <a:cs typeface="+mn-cs"/>
+              </a:defRPr>
+            </a:lvl1pPr>
+            <a:lvl2pPr marL="685800" indent="-228600" algn="l" defTabSz="914400" rtl="0" eaLnBrk="1" latinLnBrk="1" hangingPunct="1">
+              <a:lnSpc>
+                <a:spcPct val="90000"/>
+              </a:lnSpc>
+              <a:spcBef>
+                <a:spcPts val="500"/>
+              </a:spcBef>
+              <a:buFont typeface="Arial" panose="020B0604020202020204" pitchFamily="34" charset="0"/>
+              <a:buChar char="•"/>
+              <a:defRPr sz="2400" kern="1200">
+                <a:solidFill>
+                  <a:schemeClr val="tx1"/>
+                </a:solidFill>
+                <a:latin typeface="+mn-lt"/>
+                <a:ea typeface="+mn-ea"/>
+                <a:cs typeface="+mn-cs"/>
+              </a:defRPr>
+            </a:lvl2pPr>
+            <a:lvl3pPr marL="1143000" indent="-228600" algn="l" defTabSz="914400" rtl="0" eaLnBrk="1" latinLnBrk="1" hangingPunct="1">
+              <a:lnSpc>
+                <a:spcPct val="90000"/>
+              </a:lnSpc>
+              <a:spcBef>
+                <a:spcPts val="500"/>
+              </a:spcBef>
+              <a:buFont typeface="Arial" panose="020B0604020202020204" pitchFamily="34" charset="0"/>
+              <a:buChar char="•"/>
+              <a:defRPr sz="2000" kern="1200">
+                <a:solidFill>
+                  <a:schemeClr val="tx1"/>
+                </a:solidFill>
+                <a:latin typeface="+mn-lt"/>
+                <a:ea typeface="+mn-ea"/>
+                <a:cs typeface="+mn-cs"/>
+              </a:defRPr>
+            </a:lvl3pPr>
+            <a:lvl4pPr marL="1600200" indent="-228600" algn="l" defTabSz="914400" rtl="0" eaLnBrk="1" latinLnBrk="1" hangingPunct="1">
+              <a:lnSpc>
+                <a:spcPct val="90000"/>
+              </a:lnSpc>
+              <a:spcBef>
+                <a:spcPts val="500"/>
+              </a:spcBef>
+              <a:buFont typeface="Arial" panose="020B0604020202020204" pitchFamily="34" charset="0"/>
+              <a:buChar char="•"/>
+              <a:defRPr sz="1800" kern="1200">
+                <a:solidFill>
+                  <a:schemeClr val="tx1"/>
+                </a:solidFill>
+                <a:latin typeface="+mn-lt"/>
+                <a:ea typeface="+mn-ea"/>
+                <a:cs typeface="+mn-cs"/>
+              </a:defRPr>
+            </a:lvl4pPr>
+            <a:lvl5pPr marL="2057400" indent="-228600" algn="l" defTabSz="914400" rtl="0" eaLnBrk="1" latinLnBrk="1" hangingPunct="1">
+              <a:lnSpc>
+                <a:spcPct val="90000"/>
+              </a:lnSpc>
+              <a:spcBef>
+                <a:spcPts val="500"/>
+              </a:spcBef>
+              <a:buFont typeface="Arial" panose="020B0604020202020204" pitchFamily="34" charset="0"/>
+              <a:buChar char="•"/>
+              <a:defRPr sz="1800" kern="1200">
+                <a:solidFill>
+                  <a:schemeClr val="tx1"/>
+                </a:solidFill>
+                <a:latin typeface="+mn-lt"/>
+                <a:ea typeface="+mn-ea"/>
+                <a:cs typeface="+mn-cs"/>
+              </a:defRPr>
+            </a:lvl5pPr>
+            <a:lvl6pPr marL="2514600" indent="-228600" algn="l" defTabSz="914400" rtl="0" eaLnBrk="1" latinLnBrk="1" hangingPunct="1">
+              <a:lnSpc>
+                <a:spcPct val="90000"/>
+              </a:lnSpc>
+              <a:spcBef>
+                <a:spcPts val="500"/>
+              </a:spcBef>
+              <a:buFont typeface="Arial" panose="020B0604020202020204" pitchFamily="34" charset="0"/>
+              <a:buChar char="•"/>
+              <a:defRPr sz="1800" kern="1200">
+                <a:solidFill>
+                  <a:schemeClr val="tx1"/>
+                </a:solidFill>
+                <a:latin typeface="+mn-lt"/>
+                <a:ea typeface="+mn-ea"/>
+                <a:cs typeface="+mn-cs"/>
+              </a:defRPr>
+            </a:lvl6pPr>
+            <a:lvl7pPr marL="2971800" indent="-228600" algn="l" defTabSz="914400" rtl="0" eaLnBrk="1" latinLnBrk="1" hangingPunct="1">
+              <a:lnSpc>
+                <a:spcPct val="90000"/>
+              </a:lnSpc>
+              <a:spcBef>
+                <a:spcPts val="500"/>
+              </a:spcBef>
+              <a:buFont typeface="Arial" panose="020B0604020202020204" pitchFamily="34" charset="0"/>
+              <a:buChar char="•"/>
+              <a:defRPr sz="1800" kern="1200">
+                <a:solidFill>
+                  <a:schemeClr val="tx1"/>
+                </a:solidFill>
+                <a:latin typeface="+mn-lt"/>
+                <a:ea typeface="+mn-ea"/>
+                <a:cs typeface="+mn-cs"/>
+              </a:defRPr>
+            </a:lvl7pPr>
+            <a:lvl8pPr marL="3429000" indent="-228600" algn="l" defTabSz="914400" rtl="0" eaLnBrk="1" latinLnBrk="1" hangingPunct="1">
+              <a:lnSpc>
+                <a:spcPct val="90000"/>
+              </a:lnSpc>
+              <a:spcBef>
+                <a:spcPts val="500"/>
+              </a:spcBef>
+              <a:buFont typeface="Arial" panose="020B0604020202020204" pitchFamily="34" charset="0"/>
+              <a:buChar char="•"/>
+              <a:defRPr sz="1800" kern="1200">
+                <a:solidFill>
+                  <a:schemeClr val="tx1"/>
+                </a:solidFill>
+                <a:latin typeface="+mn-lt"/>
+                <a:ea typeface="+mn-ea"/>
+                <a:cs typeface="+mn-cs"/>
+              </a:defRPr>
+            </a:lvl8pPr>
+            <a:lvl9pPr marL="3886200" indent="-228600" algn="l" defTabSz="914400" rtl="0" eaLnBrk="1" latinLnBrk="1" hangingPunct="1">
+              <a:lnSpc>
+                <a:spcPct val="90000"/>
+              </a:lnSpc>
+              <a:spcBef>
+                <a:spcPts val="500"/>
+              </a:spcBef>
+              <a:buFont typeface="Arial" panose="020B0604020202020204" pitchFamily="34" charset="0"/>
+              <a:buChar char="•"/>
+              <a:defRPr sz="1800" kern="1200">
+                <a:solidFill>
+                  <a:schemeClr val="tx1"/>
+                </a:solidFill>
+                <a:latin typeface="+mn-lt"/>
+                <a:ea typeface="+mn-ea"/>
+                <a:cs typeface="+mn-cs"/>
+              </a:defRPr>
+            </a:lvl9pPr>
+          </a:lstStyle>
+          <a:p>
+            <a:pPr marL="0" indent="0" algn="ctr">
+              <a:buNone/>
+            </a:pPr>
+            <a:r>
+              <a:rPr lang="ko-KR" altLang="en-US" sz="4000" dirty="0" smtClean="0">
+                <a:latin typeface="+mn-ea"/>
+              </a:rPr>
+              <a:t>레이아웃 구성</a:t>
+            </a:r>
+            <a:r>
+              <a:rPr lang="en-US" altLang="ko-KR" sz="4000" dirty="0" smtClean="0">
+                <a:latin typeface="+mn-ea"/>
+              </a:rPr>
+              <a:t>, Intro Page</a:t>
+            </a:r>
+            <a:endParaRPr lang="ko-KR" altLang="en-US" sz="4000" dirty="0">
+              <a:latin typeface="+mn-ea"/>
+            </a:endParaRPr>
+          </a:p>
+        </p:txBody>
+      </p:sp>
+      <p:pic>
+        <p:nvPicPr>
+          <p:cNvPr id="3" name="Picture 2"/>
+          <p:cNvPicPr>
+            <a:picLocks noChangeAspect="1"/>
+          </p:cNvPicPr>
+          <p:nvPr/>
+        </p:nvPicPr>
+        <p:blipFill>
+          <a:blip r:embed="rId2" cstate="print">
+            <a:extLst>
+              <a:ext uri="{28A0092B-C50C-407E-A947-70E740481C1C}">
+                <a14:useLocalDpi xmlns:a14="http://schemas.microsoft.com/office/drawing/2010/main" val="0"/>
+              </a:ext>
+            </a:extLst>
+          </a:blip>
+          <a:stretch>
+            <a:fillRect/>
+          </a:stretch>
+        </p:blipFill>
+        <p:spPr>
+          <a:xfrm>
+            <a:off x="376023" y="1257859"/>
+            <a:ext cx="11543262" cy="5290663"/>
+          </a:xfrm>
+          <a:prstGeom prst="rect">
+            <a:avLst/>
+          </a:prstGeom>
+          <a:ln>
+            <a:solidFill>
+              <a:schemeClr val="tx1"/>
+            </a:solidFill>
+          </a:ln>
+        </p:spPr>
+      </p:pic>
+      <p:sp>
+        <p:nvSpPr>
+          <p:cNvPr id="4" name="Rectangle 3"/>
+          <p:cNvSpPr/>
+          <p:nvPr/>
+        </p:nvSpPr>
+        <p:spPr>
+          <a:xfrm>
+            <a:off x="3336758" y="1299411"/>
+            <a:ext cx="5502442" cy="3352800"/>
+          </a:xfrm>
+          <a:prstGeom prst="rect">
+            <a:avLst/>
+          </a:prstGeom>
+          <a:noFill/>
+          <a:ln w="57150">
+            <a:solidFill>
+              <a:srgbClr val="FF0000"/>
+            </a:solidFill>
+            <a:prstDash val="dash"/>
+          </a:ln>
+        </p:spPr>
+        <p:style>
+          <a:lnRef idx="2">
+            <a:schemeClr val="accent1">
+              <a:shade val="50000"/>
+            </a:schemeClr>
+          </a:lnRef>
+          <a:fillRef idx="1">
+            <a:schemeClr val="accent1"/>
+          </a:fillRef>
+          <a:effectRef idx="0">
+            <a:schemeClr val="accent1"/>
+          </a:effectRef>
+          <a:fontRef idx="minor">
+            <a:schemeClr val="lt1"/>
+          </a:fontRef>
+        </p:style>
+        <p:txBody>
+          <a:bodyPr rtlCol="0" anchor="ctr"/>
+          <a:lstStyle/>
+          <a:p>
+            <a:pPr algn="ctr"/>
+            <a:endParaRPr lang="ko-KR" altLang="en-US"/>
+          </a:p>
+        </p:txBody>
+      </p:sp>
+      <p:sp>
+        <p:nvSpPr>
+          <p:cNvPr id="6" name="Line Callout 1 (Border and Accent Bar) 5"/>
+          <p:cNvSpPr/>
+          <p:nvPr/>
+        </p:nvSpPr>
+        <p:spPr>
+          <a:xfrm>
+            <a:off x="9252767" y="1462312"/>
+            <a:ext cx="1607738" cy="1329015"/>
+          </a:xfrm>
+          <a:prstGeom prst="accentBorderCallout1">
+            <a:avLst>
+              <a:gd name="adj1" fmla="val 18750"/>
+              <a:gd name="adj2" fmla="val -4670"/>
+              <a:gd name="adj3" fmla="val 77061"/>
+              <a:gd name="adj4" fmla="val -55429"/>
+            </a:avLst>
+          </a:prstGeom>
+        </p:spPr>
+        <p:style>
+          <a:lnRef idx="2">
+            <a:schemeClr val="dk1">
+              <a:shade val="50000"/>
+            </a:schemeClr>
+          </a:lnRef>
+          <a:fillRef idx="1">
+            <a:schemeClr val="dk1"/>
+          </a:fillRef>
+          <a:effectRef idx="0">
+            <a:schemeClr val="dk1"/>
+          </a:effectRef>
+          <a:fontRef idx="minor">
+            <a:schemeClr val="lt1"/>
+          </a:fontRef>
+        </p:style>
+        <p:txBody>
+          <a:bodyPr rtlCol="0" anchor="ctr"/>
+          <a:lstStyle/>
+          <a:p>
+            <a:pPr algn="ctr"/>
+            <a:r>
+              <a:rPr lang="en-US" altLang="ko-KR" dirty="0"/>
+              <a:t>col-md-6 </a:t>
+            </a:r>
+            <a:endParaRPr lang="en-US" altLang="ko-KR" dirty="0" smtClean="0"/>
+          </a:p>
+          <a:p>
+            <a:pPr algn="ctr"/>
+            <a:r>
+              <a:rPr lang="en-US" altLang="ko-KR" dirty="0" smtClean="0"/>
+              <a:t>col-sm-7 </a:t>
+            </a:r>
+          </a:p>
+          <a:p>
+            <a:pPr algn="ctr"/>
+            <a:r>
+              <a:rPr lang="en-US" altLang="ko-KR" dirty="0" smtClean="0"/>
+              <a:t>col-xs-10</a:t>
+            </a:r>
+            <a:endParaRPr lang="ko-KR" altLang="en-US" dirty="0"/>
+          </a:p>
+        </p:txBody>
+      </p:sp>
     </p:spTree>
     <p:extLst>
       <p:ext uri="{BB962C8B-B14F-4D97-AF65-F5344CB8AC3E}">
         <p14:creationId xmlns:p14="http://schemas.microsoft.com/office/powerpoint/2010/main" val="2114835762"/>
+      </p:ext>
+    </p:extLst>
+  </p:cSld>
+  <p:clrMapOvr>
+    <a:masterClrMapping/>
+  </p:clrMapOvr>
+</p:sld>
+</file>
+
+<file path=ppt/slides/slide5.xml><?xml version="1.0" encoding="utf-8"?>
+<p:sld xmlns:a="http://schemas.openxmlformats.org/drawingml/2006/main" xmlns:r="http://schemas.openxmlformats.org/officeDocument/2006/relationships" xmlns:p="http://schemas.openxmlformats.org/presentationml/2006/main">
+  <p:cSld>
+    <p:spTree>
+      <p:nvGrpSpPr>
+        <p:cNvPr id="1" name=""/>
+        <p:cNvGrpSpPr/>
+        <p:nvPr/>
+      </p:nvGrpSpPr>
+      <p:grpSpPr>
+        <a:xfrm>
+          <a:off x="0" y="0"/>
+          <a:ext cx="0" cy="0"/>
+          <a:chOff x="0" y="0"/>
+          <a:chExt cx="0" cy="0"/>
+        </a:xfrm>
+      </p:grpSpPr>
+      <p:sp>
+        <p:nvSpPr>
+          <p:cNvPr id="2" name="Subtitle 2"/>
+          <p:cNvSpPr txBox="1">
+            <a:spLocks/>
+          </p:cNvSpPr>
+          <p:nvPr/>
+        </p:nvSpPr>
+        <p:spPr>
+          <a:xfrm>
+            <a:off x="-192505" y="198725"/>
+            <a:ext cx="8999621" cy="740243"/>
+          </a:xfrm>
+          <a:prstGeom prst="rect">
+            <a:avLst/>
+          </a:prstGeom>
+        </p:spPr>
+        <p:txBody>
+          <a:bodyPr/>
+          <a:lstStyle>
+            <a:lvl1pPr marL="228600" indent="-228600" algn="l" defTabSz="914400" rtl="0" eaLnBrk="1" latinLnBrk="1" hangingPunct="1">
+              <a:lnSpc>
+                <a:spcPct val="90000"/>
+              </a:lnSpc>
+              <a:spcBef>
+                <a:spcPts val="1000"/>
+              </a:spcBef>
+              <a:buFont typeface="Arial" panose="020B0604020202020204" pitchFamily="34" charset="0"/>
+              <a:buChar char="•"/>
+              <a:defRPr sz="2800" kern="1200">
+                <a:solidFill>
+                  <a:schemeClr val="tx1"/>
+                </a:solidFill>
+                <a:latin typeface="+mn-lt"/>
+                <a:ea typeface="+mn-ea"/>
+                <a:cs typeface="+mn-cs"/>
+              </a:defRPr>
+            </a:lvl1pPr>
+            <a:lvl2pPr marL="685800" indent="-228600" algn="l" defTabSz="914400" rtl="0" eaLnBrk="1" latinLnBrk="1" hangingPunct="1">
+              <a:lnSpc>
+                <a:spcPct val="90000"/>
+              </a:lnSpc>
+              <a:spcBef>
+                <a:spcPts val="500"/>
+              </a:spcBef>
+              <a:buFont typeface="Arial" panose="020B0604020202020204" pitchFamily="34" charset="0"/>
+              <a:buChar char="•"/>
+              <a:defRPr sz="2400" kern="1200">
+                <a:solidFill>
+                  <a:schemeClr val="tx1"/>
+                </a:solidFill>
+                <a:latin typeface="+mn-lt"/>
+                <a:ea typeface="+mn-ea"/>
+                <a:cs typeface="+mn-cs"/>
+              </a:defRPr>
+            </a:lvl2pPr>
+            <a:lvl3pPr marL="1143000" indent="-228600" algn="l" defTabSz="914400" rtl="0" eaLnBrk="1" latinLnBrk="1" hangingPunct="1">
+              <a:lnSpc>
+                <a:spcPct val="90000"/>
+              </a:lnSpc>
+              <a:spcBef>
+                <a:spcPts val="500"/>
+              </a:spcBef>
+              <a:buFont typeface="Arial" panose="020B0604020202020204" pitchFamily="34" charset="0"/>
+              <a:buChar char="•"/>
+              <a:defRPr sz="2000" kern="1200">
+                <a:solidFill>
+                  <a:schemeClr val="tx1"/>
+                </a:solidFill>
+                <a:latin typeface="+mn-lt"/>
+                <a:ea typeface="+mn-ea"/>
+                <a:cs typeface="+mn-cs"/>
+              </a:defRPr>
+            </a:lvl3pPr>
+            <a:lvl4pPr marL="1600200" indent="-228600" algn="l" defTabSz="914400" rtl="0" eaLnBrk="1" latinLnBrk="1" hangingPunct="1">
+              <a:lnSpc>
+                <a:spcPct val="90000"/>
+              </a:lnSpc>
+              <a:spcBef>
+                <a:spcPts val="500"/>
+              </a:spcBef>
+              <a:buFont typeface="Arial" panose="020B0604020202020204" pitchFamily="34" charset="0"/>
+              <a:buChar char="•"/>
+              <a:defRPr sz="1800" kern="1200">
+                <a:solidFill>
+                  <a:schemeClr val="tx1"/>
+                </a:solidFill>
+                <a:latin typeface="+mn-lt"/>
+                <a:ea typeface="+mn-ea"/>
+                <a:cs typeface="+mn-cs"/>
+              </a:defRPr>
+            </a:lvl4pPr>
+            <a:lvl5pPr marL="2057400" indent="-228600" algn="l" defTabSz="914400" rtl="0" eaLnBrk="1" latinLnBrk="1" hangingPunct="1">
+              <a:lnSpc>
+                <a:spcPct val="90000"/>
+              </a:lnSpc>
+              <a:spcBef>
+                <a:spcPts val="500"/>
+              </a:spcBef>
+              <a:buFont typeface="Arial" panose="020B0604020202020204" pitchFamily="34" charset="0"/>
+              <a:buChar char="•"/>
+              <a:defRPr sz="1800" kern="1200">
+                <a:solidFill>
+                  <a:schemeClr val="tx1"/>
+                </a:solidFill>
+                <a:latin typeface="+mn-lt"/>
+                <a:ea typeface="+mn-ea"/>
+                <a:cs typeface="+mn-cs"/>
+              </a:defRPr>
+            </a:lvl5pPr>
+            <a:lvl6pPr marL="2514600" indent="-228600" algn="l" defTabSz="914400" rtl="0" eaLnBrk="1" latinLnBrk="1" hangingPunct="1">
+              <a:lnSpc>
+                <a:spcPct val="90000"/>
+              </a:lnSpc>
+              <a:spcBef>
+                <a:spcPts val="500"/>
+              </a:spcBef>
+              <a:buFont typeface="Arial" panose="020B0604020202020204" pitchFamily="34" charset="0"/>
+              <a:buChar char="•"/>
+              <a:defRPr sz="1800" kern="1200">
+                <a:solidFill>
+                  <a:schemeClr val="tx1"/>
+                </a:solidFill>
+                <a:latin typeface="+mn-lt"/>
+                <a:ea typeface="+mn-ea"/>
+                <a:cs typeface="+mn-cs"/>
+              </a:defRPr>
+            </a:lvl6pPr>
+            <a:lvl7pPr marL="2971800" indent="-228600" algn="l" defTabSz="914400" rtl="0" eaLnBrk="1" latinLnBrk="1" hangingPunct="1">
+              <a:lnSpc>
+                <a:spcPct val="90000"/>
+              </a:lnSpc>
+              <a:spcBef>
+                <a:spcPts val="500"/>
+              </a:spcBef>
+              <a:buFont typeface="Arial" panose="020B0604020202020204" pitchFamily="34" charset="0"/>
+              <a:buChar char="•"/>
+              <a:defRPr sz="1800" kern="1200">
+                <a:solidFill>
+                  <a:schemeClr val="tx1"/>
+                </a:solidFill>
+                <a:latin typeface="+mn-lt"/>
+                <a:ea typeface="+mn-ea"/>
+                <a:cs typeface="+mn-cs"/>
+              </a:defRPr>
+            </a:lvl7pPr>
+            <a:lvl8pPr marL="3429000" indent="-228600" algn="l" defTabSz="914400" rtl="0" eaLnBrk="1" latinLnBrk="1" hangingPunct="1">
+              <a:lnSpc>
+                <a:spcPct val="90000"/>
+              </a:lnSpc>
+              <a:spcBef>
+                <a:spcPts val="500"/>
+              </a:spcBef>
+              <a:buFont typeface="Arial" panose="020B0604020202020204" pitchFamily="34" charset="0"/>
+              <a:buChar char="•"/>
+              <a:defRPr sz="1800" kern="1200">
+                <a:solidFill>
+                  <a:schemeClr val="tx1"/>
+                </a:solidFill>
+                <a:latin typeface="+mn-lt"/>
+                <a:ea typeface="+mn-ea"/>
+                <a:cs typeface="+mn-cs"/>
+              </a:defRPr>
+            </a:lvl8pPr>
+            <a:lvl9pPr marL="3886200" indent="-228600" algn="l" defTabSz="914400" rtl="0" eaLnBrk="1" latinLnBrk="1" hangingPunct="1">
+              <a:lnSpc>
+                <a:spcPct val="90000"/>
+              </a:lnSpc>
+              <a:spcBef>
+                <a:spcPts val="500"/>
+              </a:spcBef>
+              <a:buFont typeface="Arial" panose="020B0604020202020204" pitchFamily="34" charset="0"/>
+              <a:buChar char="•"/>
+              <a:defRPr sz="1800" kern="1200">
+                <a:solidFill>
+                  <a:schemeClr val="tx1"/>
+                </a:solidFill>
+                <a:latin typeface="+mn-lt"/>
+                <a:ea typeface="+mn-ea"/>
+                <a:cs typeface="+mn-cs"/>
+              </a:defRPr>
+            </a:lvl9pPr>
+          </a:lstStyle>
+          <a:p>
+            <a:pPr marL="0" indent="0" algn="ctr">
+              <a:buNone/>
+            </a:pPr>
+            <a:r>
+              <a:rPr lang="ko-KR" altLang="en-US" sz="4000" dirty="0" smtClean="0">
+                <a:latin typeface="+mn-ea"/>
+              </a:rPr>
+              <a:t>레이아웃 구성</a:t>
+            </a:r>
+            <a:r>
+              <a:rPr lang="en-US" altLang="ko-KR" sz="4000" dirty="0" smtClean="0">
+                <a:latin typeface="+mn-ea"/>
+              </a:rPr>
+              <a:t>, Intro Page, 3 layout</a:t>
+            </a:r>
+            <a:endParaRPr lang="ko-KR" altLang="en-US" sz="4000" dirty="0">
+              <a:latin typeface="+mn-ea"/>
+            </a:endParaRPr>
+          </a:p>
+        </p:txBody>
+      </p:sp>
+      <p:pic>
+        <p:nvPicPr>
+          <p:cNvPr id="3" name="Picture 2"/>
+          <p:cNvPicPr>
+            <a:picLocks noChangeAspect="1"/>
+          </p:cNvPicPr>
+          <p:nvPr/>
+        </p:nvPicPr>
+        <p:blipFill>
+          <a:blip r:embed="rId2" cstate="print">
+            <a:extLst>
+              <a:ext uri="{28A0092B-C50C-407E-A947-70E740481C1C}">
+                <a14:useLocalDpi xmlns:a14="http://schemas.microsoft.com/office/drawing/2010/main" val="0"/>
+              </a:ext>
+            </a:extLst>
+          </a:blip>
+          <a:stretch>
+            <a:fillRect/>
+          </a:stretch>
+        </p:blipFill>
+        <p:spPr>
+          <a:xfrm>
+            <a:off x="645880" y="1739122"/>
+            <a:ext cx="10609055" cy="4862485"/>
+          </a:xfrm>
+          <a:prstGeom prst="rect">
+            <a:avLst/>
+          </a:prstGeom>
+          <a:ln>
+            <a:solidFill>
+              <a:schemeClr val="tx1"/>
+            </a:solidFill>
+          </a:ln>
+        </p:spPr>
+      </p:pic>
+      <p:sp>
+        <p:nvSpPr>
+          <p:cNvPr id="5" name="TextBox 4"/>
+          <p:cNvSpPr txBox="1"/>
+          <p:nvPr/>
+        </p:nvSpPr>
+        <p:spPr>
+          <a:xfrm>
+            <a:off x="3300847" y="1138990"/>
+            <a:ext cx="5299119" cy="400110"/>
+          </a:xfrm>
+          <a:prstGeom prst="rect">
+            <a:avLst/>
+          </a:prstGeom>
+          <a:noFill/>
+        </p:spPr>
+        <p:txBody>
+          <a:bodyPr wrap="square" rtlCol="0">
+            <a:spAutoFit/>
+          </a:bodyPr>
+          <a:lstStyle/>
+          <a:p>
+            <a:pPr algn="ctr"/>
+            <a:r>
+              <a:rPr lang="en-US" altLang="ko-KR" sz="2000" dirty="0" smtClean="0"/>
+              <a:t>Medium devices ( page width &gt;= 992px)</a:t>
+            </a:r>
+            <a:endParaRPr lang="ko-KR" altLang="en-US" sz="2000" dirty="0"/>
+          </a:p>
+        </p:txBody>
+      </p:sp>
+    </p:spTree>
+    <p:extLst>
+      <p:ext uri="{BB962C8B-B14F-4D97-AF65-F5344CB8AC3E}">
+        <p14:creationId xmlns:p14="http://schemas.microsoft.com/office/powerpoint/2010/main" val="4098584978"/>
+      </p:ext>
+    </p:extLst>
+  </p:cSld>
+  <p:clrMapOvr>
+    <a:masterClrMapping/>
+  </p:clrMapOvr>
+</p:sld>
+</file>
+
+<file path=ppt/slides/slide6.xml><?xml version="1.0" encoding="utf-8"?>
+<p:sld xmlns:a="http://schemas.openxmlformats.org/drawingml/2006/main" xmlns:r="http://schemas.openxmlformats.org/officeDocument/2006/relationships" xmlns:p="http://schemas.openxmlformats.org/presentationml/2006/main">
+  <p:cSld>
+    <p:spTree>
+      <p:nvGrpSpPr>
+        <p:cNvPr id="1" name=""/>
+        <p:cNvGrpSpPr/>
+        <p:nvPr/>
+      </p:nvGrpSpPr>
+      <p:grpSpPr>
+        <a:xfrm>
+          <a:off x="0" y="0"/>
+          <a:ext cx="0" cy="0"/>
+          <a:chOff x="0" y="0"/>
+          <a:chExt cx="0" cy="0"/>
+        </a:xfrm>
+      </p:grpSpPr>
+      <p:sp>
+        <p:nvSpPr>
+          <p:cNvPr id="2" name="Subtitle 2"/>
+          <p:cNvSpPr txBox="1">
+            <a:spLocks/>
+          </p:cNvSpPr>
+          <p:nvPr/>
+        </p:nvSpPr>
+        <p:spPr>
+          <a:xfrm>
+            <a:off x="-192505" y="198725"/>
+            <a:ext cx="8999621" cy="740243"/>
+          </a:xfrm>
+          <a:prstGeom prst="rect">
+            <a:avLst/>
+          </a:prstGeom>
+        </p:spPr>
+        <p:txBody>
+          <a:bodyPr/>
+          <a:lstStyle>
+            <a:lvl1pPr marL="228600" indent="-228600" algn="l" defTabSz="914400" rtl="0" eaLnBrk="1" latinLnBrk="1" hangingPunct="1">
+              <a:lnSpc>
+                <a:spcPct val="90000"/>
+              </a:lnSpc>
+              <a:spcBef>
+                <a:spcPts val="1000"/>
+              </a:spcBef>
+              <a:buFont typeface="Arial" panose="020B0604020202020204" pitchFamily="34" charset="0"/>
+              <a:buChar char="•"/>
+              <a:defRPr sz="2800" kern="1200">
+                <a:solidFill>
+                  <a:schemeClr val="tx1"/>
+                </a:solidFill>
+                <a:latin typeface="+mn-lt"/>
+                <a:ea typeface="+mn-ea"/>
+                <a:cs typeface="+mn-cs"/>
+              </a:defRPr>
+            </a:lvl1pPr>
+            <a:lvl2pPr marL="685800" indent="-228600" algn="l" defTabSz="914400" rtl="0" eaLnBrk="1" latinLnBrk="1" hangingPunct="1">
+              <a:lnSpc>
+                <a:spcPct val="90000"/>
+              </a:lnSpc>
+              <a:spcBef>
+                <a:spcPts val="500"/>
+              </a:spcBef>
+              <a:buFont typeface="Arial" panose="020B0604020202020204" pitchFamily="34" charset="0"/>
+              <a:buChar char="•"/>
+              <a:defRPr sz="2400" kern="1200">
+                <a:solidFill>
+                  <a:schemeClr val="tx1"/>
+                </a:solidFill>
+                <a:latin typeface="+mn-lt"/>
+                <a:ea typeface="+mn-ea"/>
+                <a:cs typeface="+mn-cs"/>
+              </a:defRPr>
+            </a:lvl2pPr>
+            <a:lvl3pPr marL="1143000" indent="-228600" algn="l" defTabSz="914400" rtl="0" eaLnBrk="1" latinLnBrk="1" hangingPunct="1">
+              <a:lnSpc>
+                <a:spcPct val="90000"/>
+              </a:lnSpc>
+              <a:spcBef>
+                <a:spcPts val="500"/>
+              </a:spcBef>
+              <a:buFont typeface="Arial" panose="020B0604020202020204" pitchFamily="34" charset="0"/>
+              <a:buChar char="•"/>
+              <a:defRPr sz="2000" kern="1200">
+                <a:solidFill>
+                  <a:schemeClr val="tx1"/>
+                </a:solidFill>
+                <a:latin typeface="+mn-lt"/>
+                <a:ea typeface="+mn-ea"/>
+                <a:cs typeface="+mn-cs"/>
+              </a:defRPr>
+            </a:lvl3pPr>
+            <a:lvl4pPr marL="1600200" indent="-228600" algn="l" defTabSz="914400" rtl="0" eaLnBrk="1" latinLnBrk="1" hangingPunct="1">
+              <a:lnSpc>
+                <a:spcPct val="90000"/>
+              </a:lnSpc>
+              <a:spcBef>
+                <a:spcPts val="500"/>
+              </a:spcBef>
+              <a:buFont typeface="Arial" panose="020B0604020202020204" pitchFamily="34" charset="0"/>
+              <a:buChar char="•"/>
+              <a:defRPr sz="1800" kern="1200">
+                <a:solidFill>
+                  <a:schemeClr val="tx1"/>
+                </a:solidFill>
+                <a:latin typeface="+mn-lt"/>
+                <a:ea typeface="+mn-ea"/>
+                <a:cs typeface="+mn-cs"/>
+              </a:defRPr>
+            </a:lvl4pPr>
+            <a:lvl5pPr marL="2057400" indent="-228600" algn="l" defTabSz="914400" rtl="0" eaLnBrk="1" latinLnBrk="1" hangingPunct="1">
+              <a:lnSpc>
+                <a:spcPct val="90000"/>
+              </a:lnSpc>
+              <a:spcBef>
+                <a:spcPts val="500"/>
+              </a:spcBef>
+              <a:buFont typeface="Arial" panose="020B0604020202020204" pitchFamily="34" charset="0"/>
+              <a:buChar char="•"/>
+              <a:defRPr sz="1800" kern="1200">
+                <a:solidFill>
+                  <a:schemeClr val="tx1"/>
+                </a:solidFill>
+                <a:latin typeface="+mn-lt"/>
+                <a:ea typeface="+mn-ea"/>
+                <a:cs typeface="+mn-cs"/>
+              </a:defRPr>
+            </a:lvl5pPr>
+            <a:lvl6pPr marL="2514600" indent="-228600" algn="l" defTabSz="914400" rtl="0" eaLnBrk="1" latinLnBrk="1" hangingPunct="1">
+              <a:lnSpc>
+                <a:spcPct val="90000"/>
+              </a:lnSpc>
+              <a:spcBef>
+                <a:spcPts val="500"/>
+              </a:spcBef>
+              <a:buFont typeface="Arial" panose="020B0604020202020204" pitchFamily="34" charset="0"/>
+              <a:buChar char="•"/>
+              <a:defRPr sz="1800" kern="1200">
+                <a:solidFill>
+                  <a:schemeClr val="tx1"/>
+                </a:solidFill>
+                <a:latin typeface="+mn-lt"/>
+                <a:ea typeface="+mn-ea"/>
+                <a:cs typeface="+mn-cs"/>
+              </a:defRPr>
+            </a:lvl6pPr>
+            <a:lvl7pPr marL="2971800" indent="-228600" algn="l" defTabSz="914400" rtl="0" eaLnBrk="1" latinLnBrk="1" hangingPunct="1">
+              <a:lnSpc>
+                <a:spcPct val="90000"/>
+              </a:lnSpc>
+              <a:spcBef>
+                <a:spcPts val="500"/>
+              </a:spcBef>
+              <a:buFont typeface="Arial" panose="020B0604020202020204" pitchFamily="34" charset="0"/>
+              <a:buChar char="•"/>
+              <a:defRPr sz="1800" kern="1200">
+                <a:solidFill>
+                  <a:schemeClr val="tx1"/>
+                </a:solidFill>
+                <a:latin typeface="+mn-lt"/>
+                <a:ea typeface="+mn-ea"/>
+                <a:cs typeface="+mn-cs"/>
+              </a:defRPr>
+            </a:lvl7pPr>
+            <a:lvl8pPr marL="3429000" indent="-228600" algn="l" defTabSz="914400" rtl="0" eaLnBrk="1" latinLnBrk="1" hangingPunct="1">
+              <a:lnSpc>
+                <a:spcPct val="90000"/>
+              </a:lnSpc>
+              <a:spcBef>
+                <a:spcPts val="500"/>
+              </a:spcBef>
+              <a:buFont typeface="Arial" panose="020B0604020202020204" pitchFamily="34" charset="0"/>
+              <a:buChar char="•"/>
+              <a:defRPr sz="1800" kern="1200">
+                <a:solidFill>
+                  <a:schemeClr val="tx1"/>
+                </a:solidFill>
+                <a:latin typeface="+mn-lt"/>
+                <a:ea typeface="+mn-ea"/>
+                <a:cs typeface="+mn-cs"/>
+              </a:defRPr>
+            </a:lvl8pPr>
+            <a:lvl9pPr marL="3886200" indent="-228600" algn="l" defTabSz="914400" rtl="0" eaLnBrk="1" latinLnBrk="1" hangingPunct="1">
+              <a:lnSpc>
+                <a:spcPct val="90000"/>
+              </a:lnSpc>
+              <a:spcBef>
+                <a:spcPts val="500"/>
+              </a:spcBef>
+              <a:buFont typeface="Arial" panose="020B0604020202020204" pitchFamily="34" charset="0"/>
+              <a:buChar char="•"/>
+              <a:defRPr sz="1800" kern="1200">
+                <a:solidFill>
+                  <a:schemeClr val="tx1"/>
+                </a:solidFill>
+                <a:latin typeface="+mn-lt"/>
+                <a:ea typeface="+mn-ea"/>
+                <a:cs typeface="+mn-cs"/>
+              </a:defRPr>
+            </a:lvl9pPr>
+          </a:lstStyle>
+          <a:p>
+            <a:pPr marL="0" indent="0" algn="ctr">
+              <a:buNone/>
+            </a:pPr>
+            <a:r>
+              <a:rPr lang="ko-KR" altLang="en-US" sz="4000" dirty="0" smtClean="0">
+                <a:latin typeface="+mn-ea"/>
+              </a:rPr>
+              <a:t>레이아웃 구성</a:t>
+            </a:r>
+            <a:r>
+              <a:rPr lang="en-US" altLang="ko-KR" sz="4000" dirty="0" smtClean="0">
+                <a:latin typeface="+mn-ea"/>
+              </a:rPr>
+              <a:t>, Intro Page, 3 layout</a:t>
+            </a:r>
+            <a:endParaRPr lang="ko-KR" altLang="en-US" sz="4000" dirty="0">
+              <a:latin typeface="+mn-ea"/>
+            </a:endParaRPr>
+          </a:p>
+        </p:txBody>
+      </p:sp>
+      <p:sp>
+        <p:nvSpPr>
+          <p:cNvPr id="5" name="TextBox 4"/>
+          <p:cNvSpPr txBox="1"/>
+          <p:nvPr/>
+        </p:nvSpPr>
+        <p:spPr>
+          <a:xfrm>
+            <a:off x="2971984" y="1138990"/>
+            <a:ext cx="5956845" cy="400110"/>
+          </a:xfrm>
+          <a:prstGeom prst="rect">
+            <a:avLst/>
+          </a:prstGeom>
+          <a:noFill/>
+        </p:spPr>
+        <p:txBody>
+          <a:bodyPr wrap="square" rtlCol="0">
+            <a:spAutoFit/>
+          </a:bodyPr>
+          <a:lstStyle/>
+          <a:p>
+            <a:pPr algn="ctr"/>
+            <a:r>
+              <a:rPr lang="en-US" altLang="ko-KR" sz="2000" dirty="0" smtClean="0"/>
+              <a:t>Small devices ( 992px &gt; page width &gt;= 768px)</a:t>
+            </a:r>
+            <a:endParaRPr lang="ko-KR" altLang="en-US" sz="2000" dirty="0"/>
+          </a:p>
+        </p:txBody>
+      </p:sp>
+      <p:pic>
+        <p:nvPicPr>
+          <p:cNvPr id="6" name="Picture 5"/>
+          <p:cNvPicPr>
+            <a:picLocks noChangeAspect="1"/>
+          </p:cNvPicPr>
+          <p:nvPr/>
+        </p:nvPicPr>
+        <p:blipFill>
+          <a:blip r:embed="rId2" cstate="print">
+            <a:extLst>
+              <a:ext uri="{28A0092B-C50C-407E-A947-70E740481C1C}">
+                <a14:useLocalDpi xmlns:a14="http://schemas.microsoft.com/office/drawing/2010/main" val="0"/>
+              </a:ext>
+            </a:extLst>
+          </a:blip>
+          <a:stretch>
+            <a:fillRect/>
+          </a:stretch>
+        </p:blipFill>
+        <p:spPr>
+          <a:xfrm>
+            <a:off x="2555410" y="1739122"/>
+            <a:ext cx="7214232" cy="4705294"/>
+          </a:xfrm>
+          <a:prstGeom prst="rect">
+            <a:avLst/>
+          </a:prstGeom>
+          <a:ln>
+            <a:solidFill>
+              <a:schemeClr val="tx1"/>
+            </a:solidFill>
+          </a:ln>
+        </p:spPr>
+      </p:pic>
+    </p:spTree>
+    <p:extLst>
+      <p:ext uri="{BB962C8B-B14F-4D97-AF65-F5344CB8AC3E}">
+        <p14:creationId xmlns:p14="http://schemas.microsoft.com/office/powerpoint/2010/main" val="2991260706"/>
+      </p:ext>
+    </p:extLst>
+  </p:cSld>
+  <p:clrMapOvr>
+    <a:masterClrMapping/>
+  </p:clrMapOvr>
+</p:sld>
+</file>
+
+<file path=ppt/slides/slide7.xml><?xml version="1.0" encoding="utf-8"?>
+<p:sld xmlns:a="http://schemas.openxmlformats.org/drawingml/2006/main" xmlns:r="http://schemas.openxmlformats.org/officeDocument/2006/relationships" xmlns:p="http://schemas.openxmlformats.org/presentationml/2006/main">
+  <p:cSld>
+    <p:spTree>
+      <p:nvGrpSpPr>
+        <p:cNvPr id="1" name=""/>
+        <p:cNvGrpSpPr/>
+        <p:nvPr/>
+      </p:nvGrpSpPr>
+      <p:grpSpPr>
+        <a:xfrm>
+          <a:off x="0" y="0"/>
+          <a:ext cx="0" cy="0"/>
+          <a:chOff x="0" y="0"/>
+          <a:chExt cx="0" cy="0"/>
+        </a:xfrm>
+      </p:grpSpPr>
+      <p:sp>
+        <p:nvSpPr>
+          <p:cNvPr id="2" name="Subtitle 2"/>
+          <p:cNvSpPr txBox="1">
+            <a:spLocks/>
+          </p:cNvSpPr>
+          <p:nvPr/>
+        </p:nvSpPr>
+        <p:spPr>
+          <a:xfrm>
+            <a:off x="-192505" y="198725"/>
+            <a:ext cx="8999621" cy="740243"/>
+          </a:xfrm>
+          <a:prstGeom prst="rect">
+            <a:avLst/>
+          </a:prstGeom>
+        </p:spPr>
+        <p:txBody>
+          <a:bodyPr/>
+          <a:lstStyle>
+            <a:lvl1pPr marL="228600" indent="-228600" algn="l" defTabSz="914400" rtl="0" eaLnBrk="1" latinLnBrk="1" hangingPunct="1">
+              <a:lnSpc>
+                <a:spcPct val="90000"/>
+              </a:lnSpc>
+              <a:spcBef>
+                <a:spcPts val="1000"/>
+              </a:spcBef>
+              <a:buFont typeface="Arial" panose="020B0604020202020204" pitchFamily="34" charset="0"/>
+              <a:buChar char="•"/>
+              <a:defRPr sz="2800" kern="1200">
+                <a:solidFill>
+                  <a:schemeClr val="tx1"/>
+                </a:solidFill>
+                <a:latin typeface="+mn-lt"/>
+                <a:ea typeface="+mn-ea"/>
+                <a:cs typeface="+mn-cs"/>
+              </a:defRPr>
+            </a:lvl1pPr>
+            <a:lvl2pPr marL="685800" indent="-228600" algn="l" defTabSz="914400" rtl="0" eaLnBrk="1" latinLnBrk="1" hangingPunct="1">
+              <a:lnSpc>
+                <a:spcPct val="90000"/>
+              </a:lnSpc>
+              <a:spcBef>
+                <a:spcPts val="500"/>
+              </a:spcBef>
+              <a:buFont typeface="Arial" panose="020B0604020202020204" pitchFamily="34" charset="0"/>
+              <a:buChar char="•"/>
+              <a:defRPr sz="2400" kern="1200">
+                <a:solidFill>
+                  <a:schemeClr val="tx1"/>
+                </a:solidFill>
+                <a:latin typeface="+mn-lt"/>
+                <a:ea typeface="+mn-ea"/>
+                <a:cs typeface="+mn-cs"/>
+              </a:defRPr>
+            </a:lvl2pPr>
+            <a:lvl3pPr marL="1143000" indent="-228600" algn="l" defTabSz="914400" rtl="0" eaLnBrk="1" latinLnBrk="1" hangingPunct="1">
+              <a:lnSpc>
+                <a:spcPct val="90000"/>
+              </a:lnSpc>
+              <a:spcBef>
+                <a:spcPts val="500"/>
+              </a:spcBef>
+              <a:buFont typeface="Arial" panose="020B0604020202020204" pitchFamily="34" charset="0"/>
+              <a:buChar char="•"/>
+              <a:defRPr sz="2000" kern="1200">
+                <a:solidFill>
+                  <a:schemeClr val="tx1"/>
+                </a:solidFill>
+                <a:latin typeface="+mn-lt"/>
+                <a:ea typeface="+mn-ea"/>
+                <a:cs typeface="+mn-cs"/>
+              </a:defRPr>
+            </a:lvl3pPr>
+            <a:lvl4pPr marL="1600200" indent="-228600" algn="l" defTabSz="914400" rtl="0" eaLnBrk="1" latinLnBrk="1" hangingPunct="1">
+              <a:lnSpc>
+                <a:spcPct val="90000"/>
+              </a:lnSpc>
+              <a:spcBef>
+                <a:spcPts val="500"/>
+              </a:spcBef>
+              <a:buFont typeface="Arial" panose="020B0604020202020204" pitchFamily="34" charset="0"/>
+              <a:buChar char="•"/>
+              <a:defRPr sz="1800" kern="1200">
+                <a:solidFill>
+                  <a:schemeClr val="tx1"/>
+                </a:solidFill>
+                <a:latin typeface="+mn-lt"/>
+                <a:ea typeface="+mn-ea"/>
+                <a:cs typeface="+mn-cs"/>
+              </a:defRPr>
+            </a:lvl4pPr>
+            <a:lvl5pPr marL="2057400" indent="-228600" algn="l" defTabSz="914400" rtl="0" eaLnBrk="1" latinLnBrk="1" hangingPunct="1">
+              <a:lnSpc>
+                <a:spcPct val="90000"/>
+              </a:lnSpc>
+              <a:spcBef>
+                <a:spcPts val="500"/>
+              </a:spcBef>
+              <a:buFont typeface="Arial" panose="020B0604020202020204" pitchFamily="34" charset="0"/>
+              <a:buChar char="•"/>
+              <a:defRPr sz="1800" kern="1200">
+                <a:solidFill>
+                  <a:schemeClr val="tx1"/>
+                </a:solidFill>
+                <a:latin typeface="+mn-lt"/>
+                <a:ea typeface="+mn-ea"/>
+                <a:cs typeface="+mn-cs"/>
+              </a:defRPr>
+            </a:lvl5pPr>
+            <a:lvl6pPr marL="2514600" indent="-228600" algn="l" defTabSz="914400" rtl="0" eaLnBrk="1" latinLnBrk="1" hangingPunct="1">
+              <a:lnSpc>
+                <a:spcPct val="90000"/>
+              </a:lnSpc>
+              <a:spcBef>
+                <a:spcPts val="500"/>
+              </a:spcBef>
+              <a:buFont typeface="Arial" panose="020B0604020202020204" pitchFamily="34" charset="0"/>
+              <a:buChar char="•"/>
+              <a:defRPr sz="1800" kern="1200">
+                <a:solidFill>
+                  <a:schemeClr val="tx1"/>
+                </a:solidFill>
+                <a:latin typeface="+mn-lt"/>
+                <a:ea typeface="+mn-ea"/>
+                <a:cs typeface="+mn-cs"/>
+              </a:defRPr>
+            </a:lvl6pPr>
+            <a:lvl7pPr marL="2971800" indent="-228600" algn="l" defTabSz="914400" rtl="0" eaLnBrk="1" latinLnBrk="1" hangingPunct="1">
+              <a:lnSpc>
+                <a:spcPct val="90000"/>
+              </a:lnSpc>
+              <a:spcBef>
+                <a:spcPts val="500"/>
+              </a:spcBef>
+              <a:buFont typeface="Arial" panose="020B0604020202020204" pitchFamily="34" charset="0"/>
+              <a:buChar char="•"/>
+              <a:defRPr sz="1800" kern="1200">
+                <a:solidFill>
+                  <a:schemeClr val="tx1"/>
+                </a:solidFill>
+                <a:latin typeface="+mn-lt"/>
+                <a:ea typeface="+mn-ea"/>
+                <a:cs typeface="+mn-cs"/>
+              </a:defRPr>
+            </a:lvl7pPr>
+            <a:lvl8pPr marL="3429000" indent="-228600" algn="l" defTabSz="914400" rtl="0" eaLnBrk="1" latinLnBrk="1" hangingPunct="1">
+              <a:lnSpc>
+                <a:spcPct val="90000"/>
+              </a:lnSpc>
+              <a:spcBef>
+                <a:spcPts val="500"/>
+              </a:spcBef>
+              <a:buFont typeface="Arial" panose="020B0604020202020204" pitchFamily="34" charset="0"/>
+              <a:buChar char="•"/>
+              <a:defRPr sz="1800" kern="1200">
+                <a:solidFill>
+                  <a:schemeClr val="tx1"/>
+                </a:solidFill>
+                <a:latin typeface="+mn-lt"/>
+                <a:ea typeface="+mn-ea"/>
+                <a:cs typeface="+mn-cs"/>
+              </a:defRPr>
+            </a:lvl8pPr>
+            <a:lvl9pPr marL="3886200" indent="-228600" algn="l" defTabSz="914400" rtl="0" eaLnBrk="1" latinLnBrk="1" hangingPunct="1">
+              <a:lnSpc>
+                <a:spcPct val="90000"/>
+              </a:lnSpc>
+              <a:spcBef>
+                <a:spcPts val="500"/>
+              </a:spcBef>
+              <a:buFont typeface="Arial" panose="020B0604020202020204" pitchFamily="34" charset="0"/>
+              <a:buChar char="•"/>
+              <a:defRPr sz="1800" kern="1200">
+                <a:solidFill>
+                  <a:schemeClr val="tx1"/>
+                </a:solidFill>
+                <a:latin typeface="+mn-lt"/>
+                <a:ea typeface="+mn-ea"/>
+                <a:cs typeface="+mn-cs"/>
+              </a:defRPr>
+            </a:lvl9pPr>
+          </a:lstStyle>
+          <a:p>
+            <a:pPr marL="0" indent="0" algn="ctr">
+              <a:buNone/>
+            </a:pPr>
+            <a:r>
+              <a:rPr lang="ko-KR" altLang="en-US" sz="4000" dirty="0" smtClean="0">
+                <a:latin typeface="+mn-ea"/>
+              </a:rPr>
+              <a:t>레이아웃 구성</a:t>
+            </a:r>
+            <a:r>
+              <a:rPr lang="en-US" altLang="ko-KR" sz="4000" dirty="0" smtClean="0">
+                <a:latin typeface="+mn-ea"/>
+              </a:rPr>
+              <a:t>, Intro Page, 3 layout</a:t>
+            </a:r>
+            <a:endParaRPr lang="ko-KR" altLang="en-US" sz="4000" dirty="0">
+              <a:latin typeface="+mn-ea"/>
+            </a:endParaRPr>
+          </a:p>
+        </p:txBody>
+      </p:sp>
+      <p:sp>
+        <p:nvSpPr>
+          <p:cNvPr id="5" name="TextBox 4"/>
+          <p:cNvSpPr txBox="1"/>
+          <p:nvPr/>
+        </p:nvSpPr>
+        <p:spPr>
+          <a:xfrm>
+            <a:off x="2378426" y="938968"/>
+            <a:ext cx="7375174" cy="400110"/>
+          </a:xfrm>
+          <a:prstGeom prst="rect">
+            <a:avLst/>
+          </a:prstGeom>
+          <a:noFill/>
+        </p:spPr>
+        <p:txBody>
+          <a:bodyPr wrap="square" rtlCol="0">
+            <a:spAutoFit/>
+          </a:bodyPr>
+          <a:lstStyle/>
+          <a:p>
+            <a:pPr algn="ctr"/>
+            <a:r>
+              <a:rPr lang="en-US" altLang="ko-KR" sz="2000" dirty="0" smtClean="0"/>
+              <a:t>Extra small devices ( 768px &gt; page width)</a:t>
+            </a:r>
+            <a:endParaRPr lang="ko-KR" altLang="en-US" sz="2000" dirty="0"/>
+          </a:p>
+        </p:txBody>
+      </p:sp>
+      <p:pic>
+        <p:nvPicPr>
+          <p:cNvPr id="6" name="Picture 5"/>
+          <p:cNvPicPr>
+            <a:picLocks noChangeAspect="1"/>
+          </p:cNvPicPr>
+          <p:nvPr/>
+        </p:nvPicPr>
+        <p:blipFill>
+          <a:blip r:embed="rId2" cstate="print">
+            <a:extLst>
+              <a:ext uri="{28A0092B-C50C-407E-A947-70E740481C1C}">
+                <a14:useLocalDpi xmlns:a14="http://schemas.microsoft.com/office/drawing/2010/main" val="0"/>
+              </a:ext>
+            </a:extLst>
+          </a:blip>
+          <a:stretch>
+            <a:fillRect/>
+          </a:stretch>
+        </p:blipFill>
+        <p:spPr>
+          <a:xfrm>
+            <a:off x="4309402" y="1486706"/>
+            <a:ext cx="3551230" cy="5015564"/>
+          </a:xfrm>
+          <a:prstGeom prst="rect">
+            <a:avLst/>
+          </a:prstGeom>
+          <a:ln>
+            <a:solidFill>
+              <a:schemeClr val="tx1"/>
+            </a:solidFill>
+          </a:ln>
+        </p:spPr>
+      </p:pic>
+    </p:spTree>
+    <p:extLst>
+      <p:ext uri="{BB962C8B-B14F-4D97-AF65-F5344CB8AC3E}">
+        <p14:creationId xmlns:p14="http://schemas.microsoft.com/office/powerpoint/2010/main" val="2222836405"/>
+      </p:ext>
+    </p:extLst>
+  </p:cSld>
+  <p:clrMapOvr>
+    <a:masterClrMapping/>
+  </p:clrMapOvr>
+</p:sld>
+</file>
+
+<file path=ppt/slides/slide8.xml><?xml version="1.0" encoding="utf-8"?>
+<p:sld xmlns:a="http://schemas.openxmlformats.org/drawingml/2006/main" xmlns:r="http://schemas.openxmlformats.org/officeDocument/2006/relationships" xmlns:p="http://schemas.openxmlformats.org/presentationml/2006/main">
+  <p:cSld>
+    <p:spTree>
+      <p:nvGrpSpPr>
+        <p:cNvPr id="1" name=""/>
+        <p:cNvGrpSpPr/>
+        <p:nvPr/>
+      </p:nvGrpSpPr>
+      <p:grpSpPr>
+        <a:xfrm>
+          <a:off x="0" y="0"/>
+          <a:ext cx="0" cy="0"/>
+          <a:chOff x="0" y="0"/>
+          <a:chExt cx="0" cy="0"/>
+        </a:xfrm>
+      </p:grpSpPr>
+    </p:spTree>
+    <p:extLst>
+      <p:ext uri="{BB962C8B-B14F-4D97-AF65-F5344CB8AC3E}">
+        <p14:creationId xmlns:p14="http://schemas.microsoft.com/office/powerpoint/2010/main" val="3604890299"/>
       </p:ext>
     </p:extLst>
   </p:cSld>

--- a/project_doc_201611263_박성호.pptx
+++ b/project_doc_201611263_박성호.pptx
@@ -8,11 +8,25 @@
     <p:sldId id="256" r:id="rId2"/>
     <p:sldId id="257" r:id="rId3"/>
     <p:sldId id="258" r:id="rId4"/>
-    <p:sldId id="259" r:id="rId5"/>
-    <p:sldId id="260" r:id="rId6"/>
-    <p:sldId id="261" r:id="rId7"/>
-    <p:sldId id="262" r:id="rId8"/>
-    <p:sldId id="263" r:id="rId9"/>
+    <p:sldId id="279" r:id="rId5"/>
+    <p:sldId id="259" r:id="rId6"/>
+    <p:sldId id="260" r:id="rId7"/>
+    <p:sldId id="261" r:id="rId8"/>
+    <p:sldId id="262" r:id="rId9"/>
+    <p:sldId id="264" r:id="rId10"/>
+    <p:sldId id="277" r:id="rId11"/>
+    <p:sldId id="265" r:id="rId12"/>
+    <p:sldId id="266" r:id="rId13"/>
+    <p:sldId id="267" r:id="rId14"/>
+    <p:sldId id="268" r:id="rId15"/>
+    <p:sldId id="269" r:id="rId16"/>
+    <p:sldId id="271" r:id="rId17"/>
+    <p:sldId id="272" r:id="rId18"/>
+    <p:sldId id="273" r:id="rId19"/>
+    <p:sldId id="274" r:id="rId20"/>
+    <p:sldId id="275" r:id="rId21"/>
+    <p:sldId id="278" r:id="rId22"/>
+    <p:sldId id="276" r:id="rId23"/>
   </p:sldIdLst>
   <p:sldSz cx="12192000" cy="6858000"/>
   <p:notesSz cx="6858000" cy="9144000"/>
@@ -3096,6 +3110,5737 @@
   <p:clrMapOvr>
     <a:masterClrMapping/>
   </p:clrMapOvr>
+  <p:timing>
+    <p:tnLst>
+      <p:par>
+        <p:cTn id="1" dur="indefinite" restart="never" nodeType="tmRoot"/>
+      </p:par>
+    </p:tnLst>
+  </p:timing>
+</p:sld>
+</file>
+
+<file path=ppt/slides/slide10.xml><?xml version="1.0" encoding="utf-8"?>
+<p:sld xmlns:a="http://schemas.openxmlformats.org/drawingml/2006/main" xmlns:r="http://schemas.openxmlformats.org/officeDocument/2006/relationships" xmlns:p="http://schemas.openxmlformats.org/presentationml/2006/main">
+  <p:cSld>
+    <p:spTree>
+      <p:nvGrpSpPr>
+        <p:cNvPr id="1" name=""/>
+        <p:cNvGrpSpPr/>
+        <p:nvPr/>
+      </p:nvGrpSpPr>
+      <p:grpSpPr>
+        <a:xfrm>
+          <a:off x="0" y="0"/>
+          <a:ext cx="0" cy="0"/>
+          <a:chOff x="0" y="0"/>
+          <a:chExt cx="0" cy="0"/>
+        </a:xfrm>
+      </p:grpSpPr>
+      <p:sp>
+        <p:nvSpPr>
+          <p:cNvPr id="2" name="Subtitle 2"/>
+          <p:cNvSpPr txBox="1">
+            <a:spLocks/>
+          </p:cNvSpPr>
+          <p:nvPr/>
+        </p:nvSpPr>
+        <p:spPr>
+          <a:xfrm>
+            <a:off x="-64169" y="35256"/>
+            <a:ext cx="6898105" cy="740243"/>
+          </a:xfrm>
+          <a:prstGeom prst="rect">
+            <a:avLst/>
+          </a:prstGeom>
+        </p:spPr>
+        <p:txBody>
+          <a:bodyPr/>
+          <a:lstStyle>
+            <a:lvl1pPr marL="228600" indent="-228600" algn="l" defTabSz="914400" rtl="0" eaLnBrk="1" latinLnBrk="1" hangingPunct="1">
+              <a:lnSpc>
+                <a:spcPct val="90000"/>
+              </a:lnSpc>
+              <a:spcBef>
+                <a:spcPts val="1000"/>
+              </a:spcBef>
+              <a:buFont typeface="Arial" panose="020B0604020202020204" pitchFamily="34" charset="0"/>
+              <a:buChar char="•"/>
+              <a:defRPr sz="2800" kern="1200">
+                <a:solidFill>
+                  <a:schemeClr val="tx1"/>
+                </a:solidFill>
+                <a:latin typeface="+mn-lt"/>
+                <a:ea typeface="+mn-ea"/>
+                <a:cs typeface="+mn-cs"/>
+              </a:defRPr>
+            </a:lvl1pPr>
+            <a:lvl2pPr marL="685800" indent="-228600" algn="l" defTabSz="914400" rtl="0" eaLnBrk="1" latinLnBrk="1" hangingPunct="1">
+              <a:lnSpc>
+                <a:spcPct val="90000"/>
+              </a:lnSpc>
+              <a:spcBef>
+                <a:spcPts val="500"/>
+              </a:spcBef>
+              <a:buFont typeface="Arial" panose="020B0604020202020204" pitchFamily="34" charset="0"/>
+              <a:buChar char="•"/>
+              <a:defRPr sz="2400" kern="1200">
+                <a:solidFill>
+                  <a:schemeClr val="tx1"/>
+                </a:solidFill>
+                <a:latin typeface="+mn-lt"/>
+                <a:ea typeface="+mn-ea"/>
+                <a:cs typeface="+mn-cs"/>
+              </a:defRPr>
+            </a:lvl2pPr>
+            <a:lvl3pPr marL="1143000" indent="-228600" algn="l" defTabSz="914400" rtl="0" eaLnBrk="1" latinLnBrk="1" hangingPunct="1">
+              <a:lnSpc>
+                <a:spcPct val="90000"/>
+              </a:lnSpc>
+              <a:spcBef>
+                <a:spcPts val="500"/>
+              </a:spcBef>
+              <a:buFont typeface="Arial" panose="020B0604020202020204" pitchFamily="34" charset="0"/>
+              <a:buChar char="•"/>
+              <a:defRPr sz="2000" kern="1200">
+                <a:solidFill>
+                  <a:schemeClr val="tx1"/>
+                </a:solidFill>
+                <a:latin typeface="+mn-lt"/>
+                <a:ea typeface="+mn-ea"/>
+                <a:cs typeface="+mn-cs"/>
+              </a:defRPr>
+            </a:lvl3pPr>
+            <a:lvl4pPr marL="1600200" indent="-228600" algn="l" defTabSz="914400" rtl="0" eaLnBrk="1" latinLnBrk="1" hangingPunct="1">
+              <a:lnSpc>
+                <a:spcPct val="90000"/>
+              </a:lnSpc>
+              <a:spcBef>
+                <a:spcPts val="500"/>
+              </a:spcBef>
+              <a:buFont typeface="Arial" panose="020B0604020202020204" pitchFamily="34" charset="0"/>
+              <a:buChar char="•"/>
+              <a:defRPr sz="1800" kern="1200">
+                <a:solidFill>
+                  <a:schemeClr val="tx1"/>
+                </a:solidFill>
+                <a:latin typeface="+mn-lt"/>
+                <a:ea typeface="+mn-ea"/>
+                <a:cs typeface="+mn-cs"/>
+              </a:defRPr>
+            </a:lvl4pPr>
+            <a:lvl5pPr marL="2057400" indent="-228600" algn="l" defTabSz="914400" rtl="0" eaLnBrk="1" latinLnBrk="1" hangingPunct="1">
+              <a:lnSpc>
+                <a:spcPct val="90000"/>
+              </a:lnSpc>
+              <a:spcBef>
+                <a:spcPts val="500"/>
+              </a:spcBef>
+              <a:buFont typeface="Arial" panose="020B0604020202020204" pitchFamily="34" charset="0"/>
+              <a:buChar char="•"/>
+              <a:defRPr sz="1800" kern="1200">
+                <a:solidFill>
+                  <a:schemeClr val="tx1"/>
+                </a:solidFill>
+                <a:latin typeface="+mn-lt"/>
+                <a:ea typeface="+mn-ea"/>
+                <a:cs typeface="+mn-cs"/>
+              </a:defRPr>
+            </a:lvl5pPr>
+            <a:lvl6pPr marL="2514600" indent="-228600" algn="l" defTabSz="914400" rtl="0" eaLnBrk="1" latinLnBrk="1" hangingPunct="1">
+              <a:lnSpc>
+                <a:spcPct val="90000"/>
+              </a:lnSpc>
+              <a:spcBef>
+                <a:spcPts val="500"/>
+              </a:spcBef>
+              <a:buFont typeface="Arial" panose="020B0604020202020204" pitchFamily="34" charset="0"/>
+              <a:buChar char="•"/>
+              <a:defRPr sz="1800" kern="1200">
+                <a:solidFill>
+                  <a:schemeClr val="tx1"/>
+                </a:solidFill>
+                <a:latin typeface="+mn-lt"/>
+                <a:ea typeface="+mn-ea"/>
+                <a:cs typeface="+mn-cs"/>
+              </a:defRPr>
+            </a:lvl6pPr>
+            <a:lvl7pPr marL="2971800" indent="-228600" algn="l" defTabSz="914400" rtl="0" eaLnBrk="1" latinLnBrk="1" hangingPunct="1">
+              <a:lnSpc>
+                <a:spcPct val="90000"/>
+              </a:lnSpc>
+              <a:spcBef>
+                <a:spcPts val="500"/>
+              </a:spcBef>
+              <a:buFont typeface="Arial" panose="020B0604020202020204" pitchFamily="34" charset="0"/>
+              <a:buChar char="•"/>
+              <a:defRPr sz="1800" kern="1200">
+                <a:solidFill>
+                  <a:schemeClr val="tx1"/>
+                </a:solidFill>
+                <a:latin typeface="+mn-lt"/>
+                <a:ea typeface="+mn-ea"/>
+                <a:cs typeface="+mn-cs"/>
+              </a:defRPr>
+            </a:lvl7pPr>
+            <a:lvl8pPr marL="3429000" indent="-228600" algn="l" defTabSz="914400" rtl="0" eaLnBrk="1" latinLnBrk="1" hangingPunct="1">
+              <a:lnSpc>
+                <a:spcPct val="90000"/>
+              </a:lnSpc>
+              <a:spcBef>
+                <a:spcPts val="500"/>
+              </a:spcBef>
+              <a:buFont typeface="Arial" panose="020B0604020202020204" pitchFamily="34" charset="0"/>
+              <a:buChar char="•"/>
+              <a:defRPr sz="1800" kern="1200">
+                <a:solidFill>
+                  <a:schemeClr val="tx1"/>
+                </a:solidFill>
+                <a:latin typeface="+mn-lt"/>
+                <a:ea typeface="+mn-ea"/>
+                <a:cs typeface="+mn-cs"/>
+              </a:defRPr>
+            </a:lvl8pPr>
+            <a:lvl9pPr marL="3886200" indent="-228600" algn="l" defTabSz="914400" rtl="0" eaLnBrk="1" latinLnBrk="1" hangingPunct="1">
+              <a:lnSpc>
+                <a:spcPct val="90000"/>
+              </a:lnSpc>
+              <a:spcBef>
+                <a:spcPts val="500"/>
+              </a:spcBef>
+              <a:buFont typeface="Arial" panose="020B0604020202020204" pitchFamily="34" charset="0"/>
+              <a:buChar char="•"/>
+              <a:defRPr sz="1800" kern="1200">
+                <a:solidFill>
+                  <a:schemeClr val="tx1"/>
+                </a:solidFill>
+                <a:latin typeface="+mn-lt"/>
+                <a:ea typeface="+mn-ea"/>
+                <a:cs typeface="+mn-cs"/>
+              </a:defRPr>
+            </a:lvl9pPr>
+          </a:lstStyle>
+          <a:p>
+            <a:pPr marL="0" indent="0" algn="ctr">
+              <a:buNone/>
+            </a:pPr>
+            <a:r>
+              <a:rPr lang="ko-KR" altLang="en-US" sz="4000" dirty="0" smtClean="0">
+                <a:latin typeface="+mn-ea"/>
+              </a:rPr>
+              <a:t>레이아웃 구성</a:t>
+            </a:r>
+            <a:r>
+              <a:rPr lang="en-US" altLang="ko-KR" sz="4000" dirty="0" smtClean="0">
+                <a:latin typeface="+mn-ea"/>
+              </a:rPr>
+              <a:t>, </a:t>
+            </a:r>
+            <a:r>
+              <a:rPr lang="en-US" altLang="ko-KR" sz="4000" dirty="0" smtClean="0">
+                <a:latin typeface="+mn-ea"/>
+              </a:rPr>
+              <a:t>Diary </a:t>
+            </a:r>
+            <a:r>
+              <a:rPr lang="en-US" altLang="ko-KR" sz="4000" dirty="0" smtClean="0">
+                <a:latin typeface="+mn-ea"/>
+              </a:rPr>
+              <a:t>Page</a:t>
+            </a:r>
+            <a:endParaRPr lang="ko-KR" altLang="en-US" sz="4000" dirty="0">
+              <a:latin typeface="+mn-ea"/>
+            </a:endParaRPr>
+          </a:p>
+        </p:txBody>
+      </p:sp>
+      <p:pic>
+        <p:nvPicPr>
+          <p:cNvPr id="5" name="Picture 4"/>
+          <p:cNvPicPr>
+            <a:picLocks noChangeAspect="1"/>
+          </p:cNvPicPr>
+          <p:nvPr/>
+        </p:nvPicPr>
+        <p:blipFill>
+          <a:blip r:embed="rId2" cstate="print">
+            <a:extLst>
+              <a:ext uri="{28A0092B-C50C-407E-A947-70E740481C1C}">
+                <a14:useLocalDpi xmlns:a14="http://schemas.microsoft.com/office/drawing/2010/main" val="0"/>
+              </a:ext>
+            </a:extLst>
+          </a:blip>
+          <a:stretch>
+            <a:fillRect/>
+          </a:stretch>
+        </p:blipFill>
+        <p:spPr>
+          <a:xfrm>
+            <a:off x="866830" y="963214"/>
+            <a:ext cx="10507021" cy="5803434"/>
+          </a:xfrm>
+          <a:prstGeom prst="rect">
+            <a:avLst/>
+          </a:prstGeom>
+          <a:ln>
+            <a:solidFill>
+              <a:schemeClr val="tx1"/>
+            </a:solidFill>
+          </a:ln>
+        </p:spPr>
+      </p:pic>
+      <p:sp>
+        <p:nvSpPr>
+          <p:cNvPr id="9" name="Line Callout 1 (Border and Accent Bar) 8"/>
+          <p:cNvSpPr/>
+          <p:nvPr/>
+        </p:nvSpPr>
+        <p:spPr>
+          <a:xfrm>
+            <a:off x="160421" y="1607205"/>
+            <a:ext cx="979125" cy="706367"/>
+          </a:xfrm>
+          <a:prstGeom prst="accentBorderCallout1">
+            <a:avLst>
+              <a:gd name="adj1" fmla="val 17543"/>
+              <a:gd name="adj2" fmla="val 109080"/>
+              <a:gd name="adj3" fmla="val -49376"/>
+              <a:gd name="adj4" fmla="val 93563"/>
+            </a:avLst>
+          </a:prstGeom>
+        </p:spPr>
+        <p:style>
+          <a:lnRef idx="2">
+            <a:schemeClr val="dk1">
+              <a:shade val="50000"/>
+            </a:schemeClr>
+          </a:lnRef>
+          <a:fillRef idx="1">
+            <a:schemeClr val="dk1"/>
+          </a:fillRef>
+          <a:effectRef idx="0">
+            <a:schemeClr val="dk1"/>
+          </a:effectRef>
+          <a:fontRef idx="minor">
+            <a:schemeClr val="lt1"/>
+          </a:fontRef>
+        </p:style>
+        <p:txBody>
+          <a:bodyPr rtlCol="0" anchor="ctr"/>
+          <a:lstStyle/>
+          <a:p>
+            <a:pPr algn="ctr"/>
+            <a:r>
+              <a:rPr lang="en-US" altLang="ko-KR" dirty="0" smtClean="0"/>
+              <a:t>Home Button</a:t>
+            </a:r>
+          </a:p>
+        </p:txBody>
+      </p:sp>
+      <p:sp>
+        <p:nvSpPr>
+          <p:cNvPr id="10" name="Line Callout 1 (Border and Accent Bar) 9"/>
+          <p:cNvSpPr/>
+          <p:nvPr/>
+        </p:nvSpPr>
+        <p:spPr>
+          <a:xfrm>
+            <a:off x="8886771" y="3125199"/>
+            <a:ext cx="2781654" cy="570650"/>
+          </a:xfrm>
+          <a:prstGeom prst="accentBorderCallout1">
+            <a:avLst>
+              <a:gd name="adj1" fmla="val 18750"/>
+              <a:gd name="adj2" fmla="val -4670"/>
+              <a:gd name="adj3" fmla="val 376111"/>
+              <a:gd name="adj4" fmla="val -61251"/>
+            </a:avLst>
+          </a:prstGeom>
+        </p:spPr>
+        <p:style>
+          <a:lnRef idx="2">
+            <a:schemeClr val="dk1">
+              <a:shade val="50000"/>
+            </a:schemeClr>
+          </a:lnRef>
+          <a:fillRef idx="1">
+            <a:schemeClr val="dk1"/>
+          </a:fillRef>
+          <a:effectRef idx="0">
+            <a:schemeClr val="dk1"/>
+          </a:effectRef>
+          <a:fontRef idx="minor">
+            <a:schemeClr val="lt1"/>
+          </a:fontRef>
+        </p:style>
+        <p:txBody>
+          <a:bodyPr rtlCol="0" anchor="ctr"/>
+          <a:lstStyle/>
+          <a:p>
+            <a:pPr algn="ctr"/>
+            <a:r>
+              <a:rPr lang="ko-KR" altLang="en-US" dirty="0" smtClean="0"/>
+              <a:t>파일 입력 칸</a:t>
+            </a:r>
+            <a:endParaRPr lang="ko-KR" altLang="en-US" dirty="0"/>
+          </a:p>
+        </p:txBody>
+      </p:sp>
+      <p:sp>
+        <p:nvSpPr>
+          <p:cNvPr id="6" name="Line Callout 1 (Border and Accent Bar) 5"/>
+          <p:cNvSpPr/>
+          <p:nvPr/>
+        </p:nvSpPr>
+        <p:spPr>
+          <a:xfrm>
+            <a:off x="1139546" y="5308056"/>
+            <a:ext cx="4699780" cy="884197"/>
+          </a:xfrm>
+          <a:prstGeom prst="accentBorderCallout1">
+            <a:avLst>
+              <a:gd name="adj1" fmla="val 8652"/>
+              <a:gd name="adj2" fmla="val -2964"/>
+              <a:gd name="adj3" fmla="val -137031"/>
+              <a:gd name="adj4" fmla="val 24287"/>
+            </a:avLst>
+          </a:prstGeom>
+        </p:spPr>
+        <p:style>
+          <a:lnRef idx="2">
+            <a:schemeClr val="dk1">
+              <a:shade val="50000"/>
+            </a:schemeClr>
+          </a:lnRef>
+          <a:fillRef idx="1">
+            <a:schemeClr val="dk1"/>
+          </a:fillRef>
+          <a:effectRef idx="0">
+            <a:schemeClr val="dk1"/>
+          </a:effectRef>
+          <a:fontRef idx="minor">
+            <a:schemeClr val="lt1"/>
+          </a:fontRef>
+        </p:style>
+        <p:txBody>
+          <a:bodyPr rtlCol="0" anchor="ctr"/>
+          <a:lstStyle/>
+          <a:p>
+            <a:pPr algn="ctr"/>
+            <a:r>
+              <a:rPr lang="ko-KR" altLang="en-US" dirty="0" smtClean="0"/>
+              <a:t>제목</a:t>
+            </a:r>
+            <a:r>
+              <a:rPr lang="en-US" altLang="ko-KR" dirty="0" smtClean="0"/>
+              <a:t>, </a:t>
+            </a:r>
+            <a:r>
+              <a:rPr lang="ko-KR" altLang="en-US" dirty="0" smtClean="0"/>
+              <a:t>해쉬태그</a:t>
+            </a:r>
+            <a:r>
+              <a:rPr lang="en-US" altLang="ko-KR" dirty="0" smtClean="0"/>
+              <a:t>, </a:t>
+            </a:r>
+            <a:r>
+              <a:rPr lang="ko-KR" altLang="en-US" dirty="0" smtClean="0"/>
+              <a:t>만들어진 날짜 순으로 표기</a:t>
+            </a:r>
+            <a:endParaRPr lang="en-US" altLang="ko-KR" dirty="0" smtClean="0"/>
+          </a:p>
+          <a:p>
+            <a:pPr algn="ctr"/>
+            <a:r>
+              <a:rPr lang="ko-KR" altLang="en-US" dirty="0" smtClean="0"/>
+              <a:t>클릭하면 해당 일기로 이동</a:t>
+            </a:r>
+            <a:endParaRPr lang="ko-KR" altLang="en-US" dirty="0"/>
+          </a:p>
+        </p:txBody>
+      </p:sp>
+      <p:sp>
+        <p:nvSpPr>
+          <p:cNvPr id="11" name="Line Callout 1 (Border and Accent Bar) 10"/>
+          <p:cNvSpPr/>
+          <p:nvPr/>
+        </p:nvSpPr>
+        <p:spPr>
+          <a:xfrm>
+            <a:off x="5046353" y="1396693"/>
+            <a:ext cx="1210345" cy="916879"/>
+          </a:xfrm>
+          <a:prstGeom prst="accentBorderCallout1">
+            <a:avLst>
+              <a:gd name="adj1" fmla="val 32698"/>
+              <a:gd name="adj2" fmla="val -9831"/>
+              <a:gd name="adj3" fmla="val -12634"/>
+              <a:gd name="adj4" fmla="val -233814"/>
+            </a:avLst>
+          </a:prstGeom>
+        </p:spPr>
+        <p:style>
+          <a:lnRef idx="2">
+            <a:schemeClr val="dk1">
+              <a:shade val="50000"/>
+            </a:schemeClr>
+          </a:lnRef>
+          <a:fillRef idx="1">
+            <a:schemeClr val="dk1"/>
+          </a:fillRef>
+          <a:effectRef idx="0">
+            <a:schemeClr val="dk1"/>
+          </a:effectRef>
+          <a:fontRef idx="minor">
+            <a:schemeClr val="lt1"/>
+          </a:fontRef>
+        </p:style>
+        <p:txBody>
+          <a:bodyPr rtlCol="0" anchor="ctr"/>
+          <a:lstStyle/>
+          <a:p>
+            <a:pPr algn="ctr"/>
+            <a:r>
+              <a:rPr lang="ko-KR" altLang="en-US" dirty="0" smtClean="0"/>
+              <a:t>해쉬 태그</a:t>
+            </a:r>
+            <a:endParaRPr lang="en-US" altLang="ko-KR" dirty="0" smtClean="0"/>
+          </a:p>
+          <a:p>
+            <a:pPr algn="ctr"/>
+            <a:r>
+              <a:rPr lang="ko-KR" altLang="en-US" dirty="0" smtClean="0"/>
+              <a:t>검색 버튼</a:t>
+            </a:r>
+            <a:endParaRPr lang="en-US" altLang="ko-KR" dirty="0" smtClean="0"/>
+          </a:p>
+        </p:txBody>
+      </p:sp>
+      <p:sp>
+        <p:nvSpPr>
+          <p:cNvPr id="12" name="Line Callout 1 (Border and Accent Bar) 11"/>
+          <p:cNvSpPr/>
+          <p:nvPr/>
+        </p:nvSpPr>
+        <p:spPr>
+          <a:xfrm>
+            <a:off x="3717897" y="528924"/>
+            <a:ext cx="1210345" cy="916879"/>
+          </a:xfrm>
+          <a:prstGeom prst="accentBorderCallout1">
+            <a:avLst>
+              <a:gd name="adj1" fmla="val 32698"/>
+              <a:gd name="adj2" fmla="val -9831"/>
+              <a:gd name="adj3" fmla="val 57352"/>
+              <a:gd name="adj4" fmla="val -182122"/>
+            </a:avLst>
+          </a:prstGeom>
+        </p:spPr>
+        <p:style>
+          <a:lnRef idx="2">
+            <a:schemeClr val="dk1">
+              <a:shade val="50000"/>
+            </a:schemeClr>
+          </a:lnRef>
+          <a:fillRef idx="1">
+            <a:schemeClr val="dk1"/>
+          </a:fillRef>
+          <a:effectRef idx="0">
+            <a:schemeClr val="dk1"/>
+          </a:effectRef>
+          <a:fontRef idx="minor">
+            <a:schemeClr val="lt1"/>
+          </a:fontRef>
+        </p:style>
+        <p:txBody>
+          <a:bodyPr rtlCol="0" anchor="ctr"/>
+          <a:lstStyle/>
+          <a:p>
+            <a:pPr algn="ctr"/>
+            <a:r>
+              <a:rPr lang="ko-KR" altLang="en-US" dirty="0" smtClean="0"/>
+              <a:t>새로운 </a:t>
+            </a:r>
+            <a:endParaRPr lang="en-US" altLang="ko-KR" dirty="0" smtClean="0"/>
+          </a:p>
+          <a:p>
+            <a:pPr algn="ctr"/>
+            <a:r>
+              <a:rPr lang="ko-KR" altLang="en-US" dirty="0" smtClean="0"/>
+              <a:t>일기 쓰는 </a:t>
+            </a:r>
+            <a:endParaRPr lang="en-US" altLang="ko-KR" dirty="0" smtClean="0"/>
+          </a:p>
+          <a:p>
+            <a:pPr algn="ctr"/>
+            <a:r>
+              <a:rPr lang="ko-KR" altLang="en-US" dirty="0" smtClean="0"/>
+              <a:t>버튼</a:t>
+            </a:r>
+            <a:endParaRPr lang="en-US" altLang="ko-KR" dirty="0" smtClean="0"/>
+          </a:p>
+        </p:txBody>
+      </p:sp>
+      <p:sp>
+        <p:nvSpPr>
+          <p:cNvPr id="13" name="Line Callout 1 (Border and Accent Bar) 12"/>
+          <p:cNvSpPr/>
+          <p:nvPr/>
+        </p:nvSpPr>
+        <p:spPr>
+          <a:xfrm>
+            <a:off x="8886771" y="298707"/>
+            <a:ext cx="2781654" cy="570650"/>
+          </a:xfrm>
+          <a:prstGeom prst="accentBorderCallout1">
+            <a:avLst>
+              <a:gd name="adj1" fmla="val 18750"/>
+              <a:gd name="adj2" fmla="val -4670"/>
+              <a:gd name="adj3" fmla="val 556028"/>
+              <a:gd name="adj4" fmla="val -58367"/>
+            </a:avLst>
+          </a:prstGeom>
+        </p:spPr>
+        <p:style>
+          <a:lnRef idx="2">
+            <a:schemeClr val="dk1">
+              <a:shade val="50000"/>
+            </a:schemeClr>
+          </a:lnRef>
+          <a:fillRef idx="1">
+            <a:schemeClr val="dk1"/>
+          </a:fillRef>
+          <a:effectRef idx="0">
+            <a:schemeClr val="dk1"/>
+          </a:effectRef>
+          <a:fontRef idx="minor">
+            <a:schemeClr val="lt1"/>
+          </a:fontRef>
+        </p:style>
+        <p:txBody>
+          <a:bodyPr rtlCol="0" anchor="ctr"/>
+          <a:lstStyle/>
+          <a:p>
+            <a:pPr algn="ctr"/>
+            <a:r>
+              <a:rPr lang="ko-KR" altLang="en-US" dirty="0" smtClean="0"/>
+              <a:t>제목</a:t>
+            </a:r>
+            <a:r>
+              <a:rPr lang="en-US" altLang="ko-KR" dirty="0" smtClean="0"/>
+              <a:t>, </a:t>
+            </a:r>
+            <a:r>
+              <a:rPr lang="ko-KR" altLang="en-US" dirty="0" smtClean="0"/>
+              <a:t>본문 입력 칸</a:t>
+            </a:r>
+            <a:endParaRPr lang="ko-KR" altLang="en-US" dirty="0"/>
+          </a:p>
+        </p:txBody>
+      </p:sp>
+      <p:sp>
+        <p:nvSpPr>
+          <p:cNvPr id="14" name="Line Callout 1 (Border and Accent Bar) 13"/>
+          <p:cNvSpPr/>
+          <p:nvPr/>
+        </p:nvSpPr>
+        <p:spPr>
+          <a:xfrm>
+            <a:off x="8886771" y="3883564"/>
+            <a:ext cx="2781654" cy="570650"/>
+          </a:xfrm>
+          <a:prstGeom prst="accentBorderCallout1">
+            <a:avLst>
+              <a:gd name="adj1" fmla="val 18750"/>
+              <a:gd name="adj2" fmla="val -4670"/>
+              <a:gd name="adj3" fmla="val 376111"/>
+              <a:gd name="adj4" fmla="val -61251"/>
+            </a:avLst>
+          </a:prstGeom>
+        </p:spPr>
+        <p:style>
+          <a:lnRef idx="2">
+            <a:schemeClr val="dk1">
+              <a:shade val="50000"/>
+            </a:schemeClr>
+          </a:lnRef>
+          <a:fillRef idx="1">
+            <a:schemeClr val="dk1"/>
+          </a:fillRef>
+          <a:effectRef idx="0">
+            <a:schemeClr val="dk1"/>
+          </a:effectRef>
+          <a:fontRef idx="minor">
+            <a:schemeClr val="lt1"/>
+          </a:fontRef>
+        </p:style>
+        <p:txBody>
+          <a:bodyPr rtlCol="0" anchor="ctr"/>
+          <a:lstStyle/>
+          <a:p>
+            <a:pPr algn="ctr"/>
+            <a:r>
+              <a:rPr lang="ko-KR" altLang="en-US" dirty="0" smtClean="0"/>
+              <a:t>저장</a:t>
+            </a:r>
+            <a:r>
+              <a:rPr lang="en-US" altLang="ko-KR" dirty="0" smtClean="0"/>
+              <a:t>, </a:t>
+            </a:r>
+            <a:r>
+              <a:rPr lang="ko-KR" altLang="en-US" dirty="0" smtClean="0"/>
+              <a:t>삭제 버튼</a:t>
+            </a:r>
+            <a:endParaRPr lang="ko-KR" altLang="en-US" dirty="0"/>
+          </a:p>
+        </p:txBody>
+      </p:sp>
+    </p:spTree>
+    <p:extLst>
+      <p:ext uri="{BB962C8B-B14F-4D97-AF65-F5344CB8AC3E}">
+        <p14:creationId xmlns:p14="http://schemas.microsoft.com/office/powerpoint/2010/main" val="3253642429"/>
+      </p:ext>
+    </p:extLst>
+  </p:cSld>
+  <p:clrMapOvr>
+    <a:masterClrMapping/>
+  </p:clrMapOvr>
+  <p:timing>
+    <p:tnLst>
+      <p:par>
+        <p:cTn id="1" dur="indefinite" restart="never" nodeType="tmRoot"/>
+      </p:par>
+    </p:tnLst>
+  </p:timing>
+</p:sld>
+</file>
+
+<file path=ppt/slides/slide11.xml><?xml version="1.0" encoding="utf-8"?>
+<p:sld xmlns:a="http://schemas.openxmlformats.org/drawingml/2006/main" xmlns:r="http://schemas.openxmlformats.org/officeDocument/2006/relationships" xmlns:p="http://schemas.openxmlformats.org/presentationml/2006/main">
+  <p:cSld>
+    <p:spTree>
+      <p:nvGrpSpPr>
+        <p:cNvPr id="1" name=""/>
+        <p:cNvGrpSpPr/>
+        <p:nvPr/>
+      </p:nvGrpSpPr>
+      <p:grpSpPr>
+        <a:xfrm>
+          <a:off x="0" y="0"/>
+          <a:ext cx="0" cy="0"/>
+          <a:chOff x="0" y="0"/>
+          <a:chExt cx="0" cy="0"/>
+        </a:xfrm>
+      </p:grpSpPr>
+      <p:sp>
+        <p:nvSpPr>
+          <p:cNvPr id="2" name="Subtitle 2"/>
+          <p:cNvSpPr txBox="1">
+            <a:spLocks/>
+          </p:cNvSpPr>
+          <p:nvPr/>
+        </p:nvSpPr>
+        <p:spPr>
+          <a:xfrm>
+            <a:off x="-192505" y="198725"/>
+            <a:ext cx="8999621" cy="740243"/>
+          </a:xfrm>
+          <a:prstGeom prst="rect">
+            <a:avLst/>
+          </a:prstGeom>
+        </p:spPr>
+        <p:txBody>
+          <a:bodyPr/>
+          <a:lstStyle>
+            <a:lvl1pPr marL="228600" indent="-228600" algn="l" defTabSz="914400" rtl="0" eaLnBrk="1" latinLnBrk="1" hangingPunct="1">
+              <a:lnSpc>
+                <a:spcPct val="90000"/>
+              </a:lnSpc>
+              <a:spcBef>
+                <a:spcPts val="1000"/>
+              </a:spcBef>
+              <a:buFont typeface="Arial" panose="020B0604020202020204" pitchFamily="34" charset="0"/>
+              <a:buChar char="•"/>
+              <a:defRPr sz="2800" kern="1200">
+                <a:solidFill>
+                  <a:schemeClr val="tx1"/>
+                </a:solidFill>
+                <a:latin typeface="+mn-lt"/>
+                <a:ea typeface="+mn-ea"/>
+                <a:cs typeface="+mn-cs"/>
+              </a:defRPr>
+            </a:lvl1pPr>
+            <a:lvl2pPr marL="685800" indent="-228600" algn="l" defTabSz="914400" rtl="0" eaLnBrk="1" latinLnBrk="1" hangingPunct="1">
+              <a:lnSpc>
+                <a:spcPct val="90000"/>
+              </a:lnSpc>
+              <a:spcBef>
+                <a:spcPts val="500"/>
+              </a:spcBef>
+              <a:buFont typeface="Arial" panose="020B0604020202020204" pitchFamily="34" charset="0"/>
+              <a:buChar char="•"/>
+              <a:defRPr sz="2400" kern="1200">
+                <a:solidFill>
+                  <a:schemeClr val="tx1"/>
+                </a:solidFill>
+                <a:latin typeface="+mn-lt"/>
+                <a:ea typeface="+mn-ea"/>
+                <a:cs typeface="+mn-cs"/>
+              </a:defRPr>
+            </a:lvl2pPr>
+            <a:lvl3pPr marL="1143000" indent="-228600" algn="l" defTabSz="914400" rtl="0" eaLnBrk="1" latinLnBrk="1" hangingPunct="1">
+              <a:lnSpc>
+                <a:spcPct val="90000"/>
+              </a:lnSpc>
+              <a:spcBef>
+                <a:spcPts val="500"/>
+              </a:spcBef>
+              <a:buFont typeface="Arial" panose="020B0604020202020204" pitchFamily="34" charset="0"/>
+              <a:buChar char="•"/>
+              <a:defRPr sz="2000" kern="1200">
+                <a:solidFill>
+                  <a:schemeClr val="tx1"/>
+                </a:solidFill>
+                <a:latin typeface="+mn-lt"/>
+                <a:ea typeface="+mn-ea"/>
+                <a:cs typeface="+mn-cs"/>
+              </a:defRPr>
+            </a:lvl3pPr>
+            <a:lvl4pPr marL="1600200" indent="-228600" algn="l" defTabSz="914400" rtl="0" eaLnBrk="1" latinLnBrk="1" hangingPunct="1">
+              <a:lnSpc>
+                <a:spcPct val="90000"/>
+              </a:lnSpc>
+              <a:spcBef>
+                <a:spcPts val="500"/>
+              </a:spcBef>
+              <a:buFont typeface="Arial" panose="020B0604020202020204" pitchFamily="34" charset="0"/>
+              <a:buChar char="•"/>
+              <a:defRPr sz="1800" kern="1200">
+                <a:solidFill>
+                  <a:schemeClr val="tx1"/>
+                </a:solidFill>
+                <a:latin typeface="+mn-lt"/>
+                <a:ea typeface="+mn-ea"/>
+                <a:cs typeface="+mn-cs"/>
+              </a:defRPr>
+            </a:lvl4pPr>
+            <a:lvl5pPr marL="2057400" indent="-228600" algn="l" defTabSz="914400" rtl="0" eaLnBrk="1" latinLnBrk="1" hangingPunct="1">
+              <a:lnSpc>
+                <a:spcPct val="90000"/>
+              </a:lnSpc>
+              <a:spcBef>
+                <a:spcPts val="500"/>
+              </a:spcBef>
+              <a:buFont typeface="Arial" panose="020B0604020202020204" pitchFamily="34" charset="0"/>
+              <a:buChar char="•"/>
+              <a:defRPr sz="1800" kern="1200">
+                <a:solidFill>
+                  <a:schemeClr val="tx1"/>
+                </a:solidFill>
+                <a:latin typeface="+mn-lt"/>
+                <a:ea typeface="+mn-ea"/>
+                <a:cs typeface="+mn-cs"/>
+              </a:defRPr>
+            </a:lvl5pPr>
+            <a:lvl6pPr marL="2514600" indent="-228600" algn="l" defTabSz="914400" rtl="0" eaLnBrk="1" latinLnBrk="1" hangingPunct="1">
+              <a:lnSpc>
+                <a:spcPct val="90000"/>
+              </a:lnSpc>
+              <a:spcBef>
+                <a:spcPts val="500"/>
+              </a:spcBef>
+              <a:buFont typeface="Arial" panose="020B0604020202020204" pitchFamily="34" charset="0"/>
+              <a:buChar char="•"/>
+              <a:defRPr sz="1800" kern="1200">
+                <a:solidFill>
+                  <a:schemeClr val="tx1"/>
+                </a:solidFill>
+                <a:latin typeface="+mn-lt"/>
+                <a:ea typeface="+mn-ea"/>
+                <a:cs typeface="+mn-cs"/>
+              </a:defRPr>
+            </a:lvl6pPr>
+            <a:lvl7pPr marL="2971800" indent="-228600" algn="l" defTabSz="914400" rtl="0" eaLnBrk="1" latinLnBrk="1" hangingPunct="1">
+              <a:lnSpc>
+                <a:spcPct val="90000"/>
+              </a:lnSpc>
+              <a:spcBef>
+                <a:spcPts val="500"/>
+              </a:spcBef>
+              <a:buFont typeface="Arial" panose="020B0604020202020204" pitchFamily="34" charset="0"/>
+              <a:buChar char="•"/>
+              <a:defRPr sz="1800" kern="1200">
+                <a:solidFill>
+                  <a:schemeClr val="tx1"/>
+                </a:solidFill>
+                <a:latin typeface="+mn-lt"/>
+                <a:ea typeface="+mn-ea"/>
+                <a:cs typeface="+mn-cs"/>
+              </a:defRPr>
+            </a:lvl7pPr>
+            <a:lvl8pPr marL="3429000" indent="-228600" algn="l" defTabSz="914400" rtl="0" eaLnBrk="1" latinLnBrk="1" hangingPunct="1">
+              <a:lnSpc>
+                <a:spcPct val="90000"/>
+              </a:lnSpc>
+              <a:spcBef>
+                <a:spcPts val="500"/>
+              </a:spcBef>
+              <a:buFont typeface="Arial" panose="020B0604020202020204" pitchFamily="34" charset="0"/>
+              <a:buChar char="•"/>
+              <a:defRPr sz="1800" kern="1200">
+                <a:solidFill>
+                  <a:schemeClr val="tx1"/>
+                </a:solidFill>
+                <a:latin typeface="+mn-lt"/>
+                <a:ea typeface="+mn-ea"/>
+                <a:cs typeface="+mn-cs"/>
+              </a:defRPr>
+            </a:lvl8pPr>
+            <a:lvl9pPr marL="3886200" indent="-228600" algn="l" defTabSz="914400" rtl="0" eaLnBrk="1" latinLnBrk="1" hangingPunct="1">
+              <a:lnSpc>
+                <a:spcPct val="90000"/>
+              </a:lnSpc>
+              <a:spcBef>
+                <a:spcPts val="500"/>
+              </a:spcBef>
+              <a:buFont typeface="Arial" panose="020B0604020202020204" pitchFamily="34" charset="0"/>
+              <a:buChar char="•"/>
+              <a:defRPr sz="1800" kern="1200">
+                <a:solidFill>
+                  <a:schemeClr val="tx1"/>
+                </a:solidFill>
+                <a:latin typeface="+mn-lt"/>
+                <a:ea typeface="+mn-ea"/>
+                <a:cs typeface="+mn-cs"/>
+              </a:defRPr>
+            </a:lvl9pPr>
+          </a:lstStyle>
+          <a:p>
+            <a:pPr marL="0" indent="0" algn="ctr">
+              <a:buNone/>
+            </a:pPr>
+            <a:r>
+              <a:rPr lang="ko-KR" altLang="en-US" sz="4000" dirty="0" smtClean="0">
+                <a:latin typeface="+mn-ea"/>
+              </a:rPr>
+              <a:t>레이아웃 구성</a:t>
+            </a:r>
+            <a:r>
+              <a:rPr lang="en-US" altLang="ko-KR" sz="4000" dirty="0" smtClean="0">
+                <a:latin typeface="+mn-ea"/>
+              </a:rPr>
+              <a:t>, </a:t>
+            </a:r>
+            <a:r>
+              <a:rPr lang="en-US" altLang="ko-KR" sz="4000" dirty="0" smtClean="0">
+                <a:latin typeface="+mn-ea"/>
+              </a:rPr>
+              <a:t>Diary</a:t>
+            </a:r>
+            <a:r>
+              <a:rPr lang="en-US" altLang="ko-KR" sz="4000" dirty="0" smtClean="0">
+                <a:latin typeface="+mn-ea"/>
+              </a:rPr>
+              <a:t> </a:t>
+            </a:r>
+            <a:r>
+              <a:rPr lang="en-US" altLang="ko-KR" sz="4000" dirty="0" smtClean="0">
+                <a:latin typeface="+mn-ea"/>
+              </a:rPr>
+              <a:t>Page, 3 layout</a:t>
+            </a:r>
+            <a:endParaRPr lang="ko-KR" altLang="en-US" sz="4000" dirty="0">
+              <a:latin typeface="+mn-ea"/>
+            </a:endParaRPr>
+          </a:p>
+        </p:txBody>
+      </p:sp>
+      <p:sp>
+        <p:nvSpPr>
+          <p:cNvPr id="5" name="TextBox 4"/>
+          <p:cNvSpPr txBox="1"/>
+          <p:nvPr/>
+        </p:nvSpPr>
+        <p:spPr>
+          <a:xfrm>
+            <a:off x="3300847" y="834192"/>
+            <a:ext cx="5299119" cy="400110"/>
+          </a:xfrm>
+          <a:prstGeom prst="rect">
+            <a:avLst/>
+          </a:prstGeom>
+          <a:noFill/>
+        </p:spPr>
+        <p:txBody>
+          <a:bodyPr wrap="square" rtlCol="0">
+            <a:spAutoFit/>
+          </a:bodyPr>
+          <a:lstStyle/>
+          <a:p>
+            <a:pPr algn="ctr"/>
+            <a:r>
+              <a:rPr lang="en-US" altLang="ko-KR" sz="2000" dirty="0" smtClean="0"/>
+              <a:t>Medium devices ( page width &gt;= 992px)</a:t>
+            </a:r>
+            <a:endParaRPr lang="ko-KR" altLang="en-US" sz="2000" dirty="0"/>
+          </a:p>
+        </p:txBody>
+      </p:sp>
+      <p:pic>
+        <p:nvPicPr>
+          <p:cNvPr id="4" name="Picture 3"/>
+          <p:cNvPicPr>
+            <a:picLocks noChangeAspect="1"/>
+          </p:cNvPicPr>
+          <p:nvPr/>
+        </p:nvPicPr>
+        <p:blipFill rotWithShape="1">
+          <a:blip r:embed="rId2" cstate="print">
+            <a:extLst>
+              <a:ext uri="{28A0092B-C50C-407E-A947-70E740481C1C}">
+                <a14:useLocalDpi xmlns:a14="http://schemas.microsoft.com/office/drawing/2010/main" val="0"/>
+              </a:ext>
+            </a:extLst>
+          </a:blip>
+          <a:srcRect t="929" r="4531" b="4593"/>
+          <a:stretch/>
+        </p:blipFill>
+        <p:spPr>
+          <a:xfrm>
+            <a:off x="1155590" y="1369293"/>
+            <a:ext cx="9865336" cy="5392455"/>
+          </a:xfrm>
+          <a:prstGeom prst="rect">
+            <a:avLst/>
+          </a:prstGeom>
+          <a:ln>
+            <a:solidFill>
+              <a:schemeClr val="tx1"/>
+            </a:solidFill>
+          </a:ln>
+        </p:spPr>
+      </p:pic>
+    </p:spTree>
+    <p:extLst>
+      <p:ext uri="{BB962C8B-B14F-4D97-AF65-F5344CB8AC3E}">
+        <p14:creationId xmlns:p14="http://schemas.microsoft.com/office/powerpoint/2010/main" val="2547631527"/>
+      </p:ext>
+    </p:extLst>
+  </p:cSld>
+  <p:clrMapOvr>
+    <a:masterClrMapping/>
+  </p:clrMapOvr>
+  <p:timing>
+    <p:tnLst>
+      <p:par>
+        <p:cTn id="1" dur="indefinite" restart="never" nodeType="tmRoot"/>
+      </p:par>
+    </p:tnLst>
+  </p:timing>
+</p:sld>
+</file>
+
+<file path=ppt/slides/slide12.xml><?xml version="1.0" encoding="utf-8"?>
+<p:sld xmlns:a="http://schemas.openxmlformats.org/drawingml/2006/main" xmlns:r="http://schemas.openxmlformats.org/officeDocument/2006/relationships" xmlns:p="http://schemas.openxmlformats.org/presentationml/2006/main">
+  <p:cSld>
+    <p:spTree>
+      <p:nvGrpSpPr>
+        <p:cNvPr id="1" name=""/>
+        <p:cNvGrpSpPr/>
+        <p:nvPr/>
+      </p:nvGrpSpPr>
+      <p:grpSpPr>
+        <a:xfrm>
+          <a:off x="0" y="0"/>
+          <a:ext cx="0" cy="0"/>
+          <a:chOff x="0" y="0"/>
+          <a:chExt cx="0" cy="0"/>
+        </a:xfrm>
+      </p:grpSpPr>
+      <p:sp>
+        <p:nvSpPr>
+          <p:cNvPr id="2" name="Subtitle 2"/>
+          <p:cNvSpPr txBox="1">
+            <a:spLocks/>
+          </p:cNvSpPr>
+          <p:nvPr/>
+        </p:nvSpPr>
+        <p:spPr>
+          <a:xfrm>
+            <a:off x="-192505" y="198725"/>
+            <a:ext cx="8999621" cy="740243"/>
+          </a:xfrm>
+          <a:prstGeom prst="rect">
+            <a:avLst/>
+          </a:prstGeom>
+        </p:spPr>
+        <p:txBody>
+          <a:bodyPr/>
+          <a:lstStyle>
+            <a:lvl1pPr marL="228600" indent="-228600" algn="l" defTabSz="914400" rtl="0" eaLnBrk="1" latinLnBrk="1" hangingPunct="1">
+              <a:lnSpc>
+                <a:spcPct val="90000"/>
+              </a:lnSpc>
+              <a:spcBef>
+                <a:spcPts val="1000"/>
+              </a:spcBef>
+              <a:buFont typeface="Arial" panose="020B0604020202020204" pitchFamily="34" charset="0"/>
+              <a:buChar char="•"/>
+              <a:defRPr sz="2800" kern="1200">
+                <a:solidFill>
+                  <a:schemeClr val="tx1"/>
+                </a:solidFill>
+                <a:latin typeface="+mn-lt"/>
+                <a:ea typeface="+mn-ea"/>
+                <a:cs typeface="+mn-cs"/>
+              </a:defRPr>
+            </a:lvl1pPr>
+            <a:lvl2pPr marL="685800" indent="-228600" algn="l" defTabSz="914400" rtl="0" eaLnBrk="1" latinLnBrk="1" hangingPunct="1">
+              <a:lnSpc>
+                <a:spcPct val="90000"/>
+              </a:lnSpc>
+              <a:spcBef>
+                <a:spcPts val="500"/>
+              </a:spcBef>
+              <a:buFont typeface="Arial" panose="020B0604020202020204" pitchFamily="34" charset="0"/>
+              <a:buChar char="•"/>
+              <a:defRPr sz="2400" kern="1200">
+                <a:solidFill>
+                  <a:schemeClr val="tx1"/>
+                </a:solidFill>
+                <a:latin typeface="+mn-lt"/>
+                <a:ea typeface="+mn-ea"/>
+                <a:cs typeface="+mn-cs"/>
+              </a:defRPr>
+            </a:lvl2pPr>
+            <a:lvl3pPr marL="1143000" indent="-228600" algn="l" defTabSz="914400" rtl="0" eaLnBrk="1" latinLnBrk="1" hangingPunct="1">
+              <a:lnSpc>
+                <a:spcPct val="90000"/>
+              </a:lnSpc>
+              <a:spcBef>
+                <a:spcPts val="500"/>
+              </a:spcBef>
+              <a:buFont typeface="Arial" panose="020B0604020202020204" pitchFamily="34" charset="0"/>
+              <a:buChar char="•"/>
+              <a:defRPr sz="2000" kern="1200">
+                <a:solidFill>
+                  <a:schemeClr val="tx1"/>
+                </a:solidFill>
+                <a:latin typeface="+mn-lt"/>
+                <a:ea typeface="+mn-ea"/>
+                <a:cs typeface="+mn-cs"/>
+              </a:defRPr>
+            </a:lvl3pPr>
+            <a:lvl4pPr marL="1600200" indent="-228600" algn="l" defTabSz="914400" rtl="0" eaLnBrk="1" latinLnBrk="1" hangingPunct="1">
+              <a:lnSpc>
+                <a:spcPct val="90000"/>
+              </a:lnSpc>
+              <a:spcBef>
+                <a:spcPts val="500"/>
+              </a:spcBef>
+              <a:buFont typeface="Arial" panose="020B0604020202020204" pitchFamily="34" charset="0"/>
+              <a:buChar char="•"/>
+              <a:defRPr sz="1800" kern="1200">
+                <a:solidFill>
+                  <a:schemeClr val="tx1"/>
+                </a:solidFill>
+                <a:latin typeface="+mn-lt"/>
+                <a:ea typeface="+mn-ea"/>
+                <a:cs typeface="+mn-cs"/>
+              </a:defRPr>
+            </a:lvl4pPr>
+            <a:lvl5pPr marL="2057400" indent="-228600" algn="l" defTabSz="914400" rtl="0" eaLnBrk="1" latinLnBrk="1" hangingPunct="1">
+              <a:lnSpc>
+                <a:spcPct val="90000"/>
+              </a:lnSpc>
+              <a:spcBef>
+                <a:spcPts val="500"/>
+              </a:spcBef>
+              <a:buFont typeface="Arial" panose="020B0604020202020204" pitchFamily="34" charset="0"/>
+              <a:buChar char="•"/>
+              <a:defRPr sz="1800" kern="1200">
+                <a:solidFill>
+                  <a:schemeClr val="tx1"/>
+                </a:solidFill>
+                <a:latin typeface="+mn-lt"/>
+                <a:ea typeface="+mn-ea"/>
+                <a:cs typeface="+mn-cs"/>
+              </a:defRPr>
+            </a:lvl5pPr>
+            <a:lvl6pPr marL="2514600" indent="-228600" algn="l" defTabSz="914400" rtl="0" eaLnBrk="1" latinLnBrk="1" hangingPunct="1">
+              <a:lnSpc>
+                <a:spcPct val="90000"/>
+              </a:lnSpc>
+              <a:spcBef>
+                <a:spcPts val="500"/>
+              </a:spcBef>
+              <a:buFont typeface="Arial" panose="020B0604020202020204" pitchFamily="34" charset="0"/>
+              <a:buChar char="•"/>
+              <a:defRPr sz="1800" kern="1200">
+                <a:solidFill>
+                  <a:schemeClr val="tx1"/>
+                </a:solidFill>
+                <a:latin typeface="+mn-lt"/>
+                <a:ea typeface="+mn-ea"/>
+                <a:cs typeface="+mn-cs"/>
+              </a:defRPr>
+            </a:lvl6pPr>
+            <a:lvl7pPr marL="2971800" indent="-228600" algn="l" defTabSz="914400" rtl="0" eaLnBrk="1" latinLnBrk="1" hangingPunct="1">
+              <a:lnSpc>
+                <a:spcPct val="90000"/>
+              </a:lnSpc>
+              <a:spcBef>
+                <a:spcPts val="500"/>
+              </a:spcBef>
+              <a:buFont typeface="Arial" panose="020B0604020202020204" pitchFamily="34" charset="0"/>
+              <a:buChar char="•"/>
+              <a:defRPr sz="1800" kern="1200">
+                <a:solidFill>
+                  <a:schemeClr val="tx1"/>
+                </a:solidFill>
+                <a:latin typeface="+mn-lt"/>
+                <a:ea typeface="+mn-ea"/>
+                <a:cs typeface="+mn-cs"/>
+              </a:defRPr>
+            </a:lvl7pPr>
+            <a:lvl8pPr marL="3429000" indent="-228600" algn="l" defTabSz="914400" rtl="0" eaLnBrk="1" latinLnBrk="1" hangingPunct="1">
+              <a:lnSpc>
+                <a:spcPct val="90000"/>
+              </a:lnSpc>
+              <a:spcBef>
+                <a:spcPts val="500"/>
+              </a:spcBef>
+              <a:buFont typeface="Arial" panose="020B0604020202020204" pitchFamily="34" charset="0"/>
+              <a:buChar char="•"/>
+              <a:defRPr sz="1800" kern="1200">
+                <a:solidFill>
+                  <a:schemeClr val="tx1"/>
+                </a:solidFill>
+                <a:latin typeface="+mn-lt"/>
+                <a:ea typeface="+mn-ea"/>
+                <a:cs typeface="+mn-cs"/>
+              </a:defRPr>
+            </a:lvl8pPr>
+            <a:lvl9pPr marL="3886200" indent="-228600" algn="l" defTabSz="914400" rtl="0" eaLnBrk="1" latinLnBrk="1" hangingPunct="1">
+              <a:lnSpc>
+                <a:spcPct val="90000"/>
+              </a:lnSpc>
+              <a:spcBef>
+                <a:spcPts val="500"/>
+              </a:spcBef>
+              <a:buFont typeface="Arial" panose="020B0604020202020204" pitchFamily="34" charset="0"/>
+              <a:buChar char="•"/>
+              <a:defRPr sz="1800" kern="1200">
+                <a:solidFill>
+                  <a:schemeClr val="tx1"/>
+                </a:solidFill>
+                <a:latin typeface="+mn-lt"/>
+                <a:ea typeface="+mn-ea"/>
+                <a:cs typeface="+mn-cs"/>
+              </a:defRPr>
+            </a:lvl9pPr>
+          </a:lstStyle>
+          <a:p>
+            <a:pPr marL="0" indent="0" algn="ctr">
+              <a:buNone/>
+            </a:pPr>
+            <a:r>
+              <a:rPr lang="ko-KR" altLang="en-US" sz="4000" dirty="0" smtClean="0">
+                <a:latin typeface="+mn-ea"/>
+              </a:rPr>
+              <a:t>레이아웃 구성</a:t>
+            </a:r>
+            <a:r>
+              <a:rPr lang="en-US" altLang="ko-KR" sz="4000" dirty="0" smtClean="0">
+                <a:latin typeface="+mn-ea"/>
+              </a:rPr>
+              <a:t>, </a:t>
+            </a:r>
+            <a:r>
+              <a:rPr lang="en-US" altLang="ko-KR" sz="4000" dirty="0" smtClean="0">
+                <a:latin typeface="+mn-ea"/>
+              </a:rPr>
+              <a:t>Diary</a:t>
+            </a:r>
+            <a:r>
+              <a:rPr lang="en-US" altLang="ko-KR" sz="4000" dirty="0" smtClean="0">
+                <a:latin typeface="+mn-ea"/>
+              </a:rPr>
+              <a:t> </a:t>
+            </a:r>
+            <a:r>
+              <a:rPr lang="en-US" altLang="ko-KR" sz="4000" dirty="0" smtClean="0">
+                <a:latin typeface="+mn-ea"/>
+              </a:rPr>
+              <a:t>Page, 3 layout</a:t>
+            </a:r>
+            <a:endParaRPr lang="ko-KR" altLang="en-US" sz="4000" dirty="0">
+              <a:latin typeface="+mn-ea"/>
+            </a:endParaRPr>
+          </a:p>
+        </p:txBody>
+      </p:sp>
+      <p:sp>
+        <p:nvSpPr>
+          <p:cNvPr id="5" name="TextBox 4"/>
+          <p:cNvSpPr txBox="1"/>
+          <p:nvPr/>
+        </p:nvSpPr>
+        <p:spPr>
+          <a:xfrm>
+            <a:off x="2851668" y="755909"/>
+            <a:ext cx="6661300" cy="400110"/>
+          </a:xfrm>
+          <a:prstGeom prst="rect">
+            <a:avLst/>
+          </a:prstGeom>
+          <a:noFill/>
+        </p:spPr>
+        <p:txBody>
+          <a:bodyPr wrap="square" rtlCol="0">
+            <a:spAutoFit/>
+          </a:bodyPr>
+          <a:lstStyle/>
+          <a:p>
+            <a:pPr algn="ctr"/>
+            <a:r>
+              <a:rPr lang="en-US" altLang="ko-KR" sz="2000" dirty="0"/>
+              <a:t>Small devices ( 992px &gt; page width &gt;= 768px)</a:t>
+            </a:r>
+            <a:endParaRPr lang="ko-KR" altLang="en-US" sz="2000" dirty="0"/>
+          </a:p>
+        </p:txBody>
+      </p:sp>
+      <p:pic>
+        <p:nvPicPr>
+          <p:cNvPr id="3" name="Picture 2"/>
+          <p:cNvPicPr>
+            <a:picLocks noChangeAspect="1"/>
+          </p:cNvPicPr>
+          <p:nvPr/>
+        </p:nvPicPr>
+        <p:blipFill>
+          <a:blip r:embed="rId2" cstate="print">
+            <a:extLst>
+              <a:ext uri="{28A0092B-C50C-407E-A947-70E740481C1C}">
+                <a14:useLocalDpi xmlns:a14="http://schemas.microsoft.com/office/drawing/2010/main" val="0"/>
+              </a:ext>
+            </a:extLst>
+          </a:blip>
+          <a:stretch>
+            <a:fillRect/>
+          </a:stretch>
+        </p:blipFill>
+        <p:spPr>
+          <a:xfrm>
+            <a:off x="6651703" y="2081579"/>
+            <a:ext cx="5120950" cy="4759942"/>
+          </a:xfrm>
+          <a:prstGeom prst="rect">
+            <a:avLst/>
+          </a:prstGeom>
+          <a:ln>
+            <a:solidFill>
+              <a:schemeClr val="tx1"/>
+            </a:solidFill>
+          </a:ln>
+        </p:spPr>
+      </p:pic>
+      <p:pic>
+        <p:nvPicPr>
+          <p:cNvPr id="6" name="Picture 5"/>
+          <p:cNvPicPr>
+            <a:picLocks noChangeAspect="1"/>
+          </p:cNvPicPr>
+          <p:nvPr/>
+        </p:nvPicPr>
+        <p:blipFill rotWithShape="1">
+          <a:blip r:embed="rId3" cstate="print">
+            <a:extLst>
+              <a:ext uri="{28A0092B-C50C-407E-A947-70E740481C1C}">
+                <a14:useLocalDpi xmlns:a14="http://schemas.microsoft.com/office/drawing/2010/main" val="0"/>
+              </a:ext>
+            </a:extLst>
+          </a:blip>
+          <a:srcRect b="8245"/>
+          <a:stretch/>
+        </p:blipFill>
+        <p:spPr>
+          <a:xfrm>
+            <a:off x="780799" y="1867985"/>
+            <a:ext cx="5481729" cy="4885258"/>
+          </a:xfrm>
+          <a:prstGeom prst="rect">
+            <a:avLst/>
+          </a:prstGeom>
+          <a:ln>
+            <a:solidFill>
+              <a:schemeClr val="tx1"/>
+            </a:solidFill>
+          </a:ln>
+        </p:spPr>
+      </p:pic>
+      <p:sp>
+        <p:nvSpPr>
+          <p:cNvPr id="7" name="TextBox 6"/>
+          <p:cNvSpPr txBox="1"/>
+          <p:nvPr/>
+        </p:nvSpPr>
+        <p:spPr>
+          <a:xfrm>
+            <a:off x="16042" y="1355581"/>
+            <a:ext cx="6914147" cy="400110"/>
+          </a:xfrm>
+          <a:prstGeom prst="rect">
+            <a:avLst/>
+          </a:prstGeom>
+          <a:noFill/>
+        </p:spPr>
+        <p:txBody>
+          <a:bodyPr wrap="square" rtlCol="0">
+            <a:spAutoFit/>
+          </a:bodyPr>
+          <a:lstStyle/>
+          <a:p>
+            <a:pPr algn="ctr"/>
+            <a:r>
+              <a:rPr lang="ko-KR" altLang="en-US" sz="2000" dirty="0" smtClean="0"/>
+              <a:t>일기 리스트의 글을 클릭하면 일기 수정 레이아웃으로 이동</a:t>
+            </a:r>
+            <a:endParaRPr lang="ko-KR" altLang="en-US" sz="2000" dirty="0"/>
+          </a:p>
+        </p:txBody>
+      </p:sp>
+      <p:sp>
+        <p:nvSpPr>
+          <p:cNvPr id="8" name="TextBox 7"/>
+          <p:cNvSpPr txBox="1"/>
+          <p:nvPr/>
+        </p:nvSpPr>
+        <p:spPr>
+          <a:xfrm>
+            <a:off x="6978315" y="1264856"/>
+            <a:ext cx="4467726" cy="707886"/>
+          </a:xfrm>
+          <a:prstGeom prst="rect">
+            <a:avLst/>
+          </a:prstGeom>
+          <a:noFill/>
+        </p:spPr>
+        <p:txBody>
+          <a:bodyPr wrap="square" rtlCol="0">
+            <a:spAutoFit/>
+          </a:bodyPr>
+          <a:lstStyle/>
+          <a:p>
+            <a:pPr algn="ctr"/>
+            <a:r>
+              <a:rPr lang="ko-KR" altLang="en-US" sz="2000" dirty="0" smtClean="0"/>
+              <a:t>저장 버튼을 누르면 </a:t>
+            </a:r>
+            <a:endParaRPr lang="en-US" altLang="ko-KR" sz="2000" dirty="0" smtClean="0"/>
+          </a:p>
+          <a:p>
+            <a:pPr algn="ctr"/>
+            <a:r>
+              <a:rPr lang="ko-KR" altLang="en-US" sz="2000" dirty="0" smtClean="0"/>
+              <a:t>일기 리스트 레이아웃으로 이동</a:t>
+            </a:r>
+            <a:endParaRPr lang="ko-KR" altLang="en-US" sz="2000" dirty="0"/>
+          </a:p>
+        </p:txBody>
+      </p:sp>
+    </p:spTree>
+    <p:extLst>
+      <p:ext uri="{BB962C8B-B14F-4D97-AF65-F5344CB8AC3E}">
+        <p14:creationId xmlns:p14="http://schemas.microsoft.com/office/powerpoint/2010/main" val="2946483454"/>
+      </p:ext>
+    </p:extLst>
+  </p:cSld>
+  <p:clrMapOvr>
+    <a:masterClrMapping/>
+  </p:clrMapOvr>
+  <p:timing>
+    <p:tnLst>
+      <p:par>
+        <p:cTn id="1" dur="indefinite" restart="never" nodeType="tmRoot"/>
+      </p:par>
+    </p:tnLst>
+  </p:timing>
+</p:sld>
+</file>
+
+<file path=ppt/slides/slide13.xml><?xml version="1.0" encoding="utf-8"?>
+<p:sld xmlns:a="http://schemas.openxmlformats.org/drawingml/2006/main" xmlns:r="http://schemas.openxmlformats.org/officeDocument/2006/relationships" xmlns:p="http://schemas.openxmlformats.org/presentationml/2006/main">
+  <p:cSld>
+    <p:spTree>
+      <p:nvGrpSpPr>
+        <p:cNvPr id="1" name=""/>
+        <p:cNvGrpSpPr/>
+        <p:nvPr/>
+      </p:nvGrpSpPr>
+      <p:grpSpPr>
+        <a:xfrm>
+          <a:off x="0" y="0"/>
+          <a:ext cx="0" cy="0"/>
+          <a:chOff x="0" y="0"/>
+          <a:chExt cx="0" cy="0"/>
+        </a:xfrm>
+      </p:grpSpPr>
+      <p:sp>
+        <p:nvSpPr>
+          <p:cNvPr id="2" name="Subtitle 2"/>
+          <p:cNvSpPr txBox="1">
+            <a:spLocks/>
+          </p:cNvSpPr>
+          <p:nvPr/>
+        </p:nvSpPr>
+        <p:spPr>
+          <a:xfrm>
+            <a:off x="-192505" y="198725"/>
+            <a:ext cx="8999621" cy="740243"/>
+          </a:xfrm>
+          <a:prstGeom prst="rect">
+            <a:avLst/>
+          </a:prstGeom>
+        </p:spPr>
+        <p:txBody>
+          <a:bodyPr/>
+          <a:lstStyle>
+            <a:lvl1pPr marL="228600" indent="-228600" algn="l" defTabSz="914400" rtl="0" eaLnBrk="1" latinLnBrk="1" hangingPunct="1">
+              <a:lnSpc>
+                <a:spcPct val="90000"/>
+              </a:lnSpc>
+              <a:spcBef>
+                <a:spcPts val="1000"/>
+              </a:spcBef>
+              <a:buFont typeface="Arial" panose="020B0604020202020204" pitchFamily="34" charset="0"/>
+              <a:buChar char="•"/>
+              <a:defRPr sz="2800" kern="1200">
+                <a:solidFill>
+                  <a:schemeClr val="tx1"/>
+                </a:solidFill>
+                <a:latin typeface="+mn-lt"/>
+                <a:ea typeface="+mn-ea"/>
+                <a:cs typeface="+mn-cs"/>
+              </a:defRPr>
+            </a:lvl1pPr>
+            <a:lvl2pPr marL="685800" indent="-228600" algn="l" defTabSz="914400" rtl="0" eaLnBrk="1" latinLnBrk="1" hangingPunct="1">
+              <a:lnSpc>
+                <a:spcPct val="90000"/>
+              </a:lnSpc>
+              <a:spcBef>
+                <a:spcPts val="500"/>
+              </a:spcBef>
+              <a:buFont typeface="Arial" panose="020B0604020202020204" pitchFamily="34" charset="0"/>
+              <a:buChar char="•"/>
+              <a:defRPr sz="2400" kern="1200">
+                <a:solidFill>
+                  <a:schemeClr val="tx1"/>
+                </a:solidFill>
+                <a:latin typeface="+mn-lt"/>
+                <a:ea typeface="+mn-ea"/>
+                <a:cs typeface="+mn-cs"/>
+              </a:defRPr>
+            </a:lvl2pPr>
+            <a:lvl3pPr marL="1143000" indent="-228600" algn="l" defTabSz="914400" rtl="0" eaLnBrk="1" latinLnBrk="1" hangingPunct="1">
+              <a:lnSpc>
+                <a:spcPct val="90000"/>
+              </a:lnSpc>
+              <a:spcBef>
+                <a:spcPts val="500"/>
+              </a:spcBef>
+              <a:buFont typeface="Arial" panose="020B0604020202020204" pitchFamily="34" charset="0"/>
+              <a:buChar char="•"/>
+              <a:defRPr sz="2000" kern="1200">
+                <a:solidFill>
+                  <a:schemeClr val="tx1"/>
+                </a:solidFill>
+                <a:latin typeface="+mn-lt"/>
+                <a:ea typeface="+mn-ea"/>
+                <a:cs typeface="+mn-cs"/>
+              </a:defRPr>
+            </a:lvl3pPr>
+            <a:lvl4pPr marL="1600200" indent="-228600" algn="l" defTabSz="914400" rtl="0" eaLnBrk="1" latinLnBrk="1" hangingPunct="1">
+              <a:lnSpc>
+                <a:spcPct val="90000"/>
+              </a:lnSpc>
+              <a:spcBef>
+                <a:spcPts val="500"/>
+              </a:spcBef>
+              <a:buFont typeface="Arial" panose="020B0604020202020204" pitchFamily="34" charset="0"/>
+              <a:buChar char="•"/>
+              <a:defRPr sz="1800" kern="1200">
+                <a:solidFill>
+                  <a:schemeClr val="tx1"/>
+                </a:solidFill>
+                <a:latin typeface="+mn-lt"/>
+                <a:ea typeface="+mn-ea"/>
+                <a:cs typeface="+mn-cs"/>
+              </a:defRPr>
+            </a:lvl4pPr>
+            <a:lvl5pPr marL="2057400" indent="-228600" algn="l" defTabSz="914400" rtl="0" eaLnBrk="1" latinLnBrk="1" hangingPunct="1">
+              <a:lnSpc>
+                <a:spcPct val="90000"/>
+              </a:lnSpc>
+              <a:spcBef>
+                <a:spcPts val="500"/>
+              </a:spcBef>
+              <a:buFont typeface="Arial" panose="020B0604020202020204" pitchFamily="34" charset="0"/>
+              <a:buChar char="•"/>
+              <a:defRPr sz="1800" kern="1200">
+                <a:solidFill>
+                  <a:schemeClr val="tx1"/>
+                </a:solidFill>
+                <a:latin typeface="+mn-lt"/>
+                <a:ea typeface="+mn-ea"/>
+                <a:cs typeface="+mn-cs"/>
+              </a:defRPr>
+            </a:lvl5pPr>
+            <a:lvl6pPr marL="2514600" indent="-228600" algn="l" defTabSz="914400" rtl="0" eaLnBrk="1" latinLnBrk="1" hangingPunct="1">
+              <a:lnSpc>
+                <a:spcPct val="90000"/>
+              </a:lnSpc>
+              <a:spcBef>
+                <a:spcPts val="500"/>
+              </a:spcBef>
+              <a:buFont typeface="Arial" panose="020B0604020202020204" pitchFamily="34" charset="0"/>
+              <a:buChar char="•"/>
+              <a:defRPr sz="1800" kern="1200">
+                <a:solidFill>
+                  <a:schemeClr val="tx1"/>
+                </a:solidFill>
+                <a:latin typeface="+mn-lt"/>
+                <a:ea typeface="+mn-ea"/>
+                <a:cs typeface="+mn-cs"/>
+              </a:defRPr>
+            </a:lvl6pPr>
+            <a:lvl7pPr marL="2971800" indent="-228600" algn="l" defTabSz="914400" rtl="0" eaLnBrk="1" latinLnBrk="1" hangingPunct="1">
+              <a:lnSpc>
+                <a:spcPct val="90000"/>
+              </a:lnSpc>
+              <a:spcBef>
+                <a:spcPts val="500"/>
+              </a:spcBef>
+              <a:buFont typeface="Arial" panose="020B0604020202020204" pitchFamily="34" charset="0"/>
+              <a:buChar char="•"/>
+              <a:defRPr sz="1800" kern="1200">
+                <a:solidFill>
+                  <a:schemeClr val="tx1"/>
+                </a:solidFill>
+                <a:latin typeface="+mn-lt"/>
+                <a:ea typeface="+mn-ea"/>
+                <a:cs typeface="+mn-cs"/>
+              </a:defRPr>
+            </a:lvl7pPr>
+            <a:lvl8pPr marL="3429000" indent="-228600" algn="l" defTabSz="914400" rtl="0" eaLnBrk="1" latinLnBrk="1" hangingPunct="1">
+              <a:lnSpc>
+                <a:spcPct val="90000"/>
+              </a:lnSpc>
+              <a:spcBef>
+                <a:spcPts val="500"/>
+              </a:spcBef>
+              <a:buFont typeface="Arial" panose="020B0604020202020204" pitchFamily="34" charset="0"/>
+              <a:buChar char="•"/>
+              <a:defRPr sz="1800" kern="1200">
+                <a:solidFill>
+                  <a:schemeClr val="tx1"/>
+                </a:solidFill>
+                <a:latin typeface="+mn-lt"/>
+                <a:ea typeface="+mn-ea"/>
+                <a:cs typeface="+mn-cs"/>
+              </a:defRPr>
+            </a:lvl8pPr>
+            <a:lvl9pPr marL="3886200" indent="-228600" algn="l" defTabSz="914400" rtl="0" eaLnBrk="1" latinLnBrk="1" hangingPunct="1">
+              <a:lnSpc>
+                <a:spcPct val="90000"/>
+              </a:lnSpc>
+              <a:spcBef>
+                <a:spcPts val="500"/>
+              </a:spcBef>
+              <a:buFont typeface="Arial" panose="020B0604020202020204" pitchFamily="34" charset="0"/>
+              <a:buChar char="•"/>
+              <a:defRPr sz="1800" kern="1200">
+                <a:solidFill>
+                  <a:schemeClr val="tx1"/>
+                </a:solidFill>
+                <a:latin typeface="+mn-lt"/>
+                <a:ea typeface="+mn-ea"/>
+                <a:cs typeface="+mn-cs"/>
+              </a:defRPr>
+            </a:lvl9pPr>
+          </a:lstStyle>
+          <a:p>
+            <a:pPr marL="0" indent="0" algn="ctr">
+              <a:buNone/>
+            </a:pPr>
+            <a:r>
+              <a:rPr lang="ko-KR" altLang="en-US" sz="4000" dirty="0" smtClean="0">
+                <a:latin typeface="+mn-ea"/>
+              </a:rPr>
+              <a:t>레이아웃 구성</a:t>
+            </a:r>
+            <a:r>
+              <a:rPr lang="en-US" altLang="ko-KR" sz="4000" dirty="0" smtClean="0">
+                <a:latin typeface="+mn-ea"/>
+              </a:rPr>
+              <a:t>, </a:t>
+            </a:r>
+            <a:r>
+              <a:rPr lang="en-US" altLang="ko-KR" sz="4000" dirty="0" smtClean="0">
+                <a:latin typeface="+mn-ea"/>
+              </a:rPr>
+              <a:t>Diary</a:t>
+            </a:r>
+            <a:r>
+              <a:rPr lang="en-US" altLang="ko-KR" sz="4000" dirty="0" smtClean="0">
+                <a:latin typeface="+mn-ea"/>
+              </a:rPr>
+              <a:t> </a:t>
+            </a:r>
+            <a:r>
+              <a:rPr lang="en-US" altLang="ko-KR" sz="4000" dirty="0" smtClean="0">
+                <a:latin typeface="+mn-ea"/>
+              </a:rPr>
+              <a:t>Page, 3 layout</a:t>
+            </a:r>
+            <a:endParaRPr lang="ko-KR" altLang="en-US" sz="4000" dirty="0">
+              <a:latin typeface="+mn-ea"/>
+            </a:endParaRPr>
+          </a:p>
+        </p:txBody>
+      </p:sp>
+      <p:sp>
+        <p:nvSpPr>
+          <p:cNvPr id="5" name="TextBox 4"/>
+          <p:cNvSpPr txBox="1"/>
+          <p:nvPr/>
+        </p:nvSpPr>
+        <p:spPr>
+          <a:xfrm>
+            <a:off x="3507997" y="834192"/>
+            <a:ext cx="5299119" cy="400110"/>
+          </a:xfrm>
+          <a:prstGeom prst="rect">
+            <a:avLst/>
+          </a:prstGeom>
+          <a:noFill/>
+        </p:spPr>
+        <p:txBody>
+          <a:bodyPr wrap="square" rtlCol="0">
+            <a:spAutoFit/>
+          </a:bodyPr>
+          <a:lstStyle/>
+          <a:p>
+            <a:pPr algn="ctr"/>
+            <a:r>
+              <a:rPr lang="en-US" altLang="ko-KR" sz="2000" dirty="0"/>
+              <a:t>Extra small devices ( 768px &gt; page width)</a:t>
+            </a:r>
+            <a:endParaRPr lang="ko-KR" altLang="en-US" sz="2000" dirty="0"/>
+          </a:p>
+        </p:txBody>
+      </p:sp>
+      <p:pic>
+        <p:nvPicPr>
+          <p:cNvPr id="3" name="Picture 2"/>
+          <p:cNvPicPr>
+            <a:picLocks noChangeAspect="1"/>
+          </p:cNvPicPr>
+          <p:nvPr/>
+        </p:nvPicPr>
+        <p:blipFill>
+          <a:blip r:embed="rId2" cstate="print">
+            <a:extLst>
+              <a:ext uri="{28A0092B-C50C-407E-A947-70E740481C1C}">
+                <a14:useLocalDpi xmlns:a14="http://schemas.microsoft.com/office/drawing/2010/main" val="0"/>
+              </a:ext>
+            </a:extLst>
+          </a:blip>
+          <a:stretch>
+            <a:fillRect/>
+          </a:stretch>
+        </p:blipFill>
+        <p:spPr>
+          <a:xfrm>
+            <a:off x="1415795" y="1823570"/>
+            <a:ext cx="3797890" cy="4934838"/>
+          </a:xfrm>
+          <a:prstGeom prst="rect">
+            <a:avLst/>
+          </a:prstGeom>
+          <a:ln>
+            <a:solidFill>
+              <a:schemeClr val="tx1"/>
+            </a:solidFill>
+          </a:ln>
+        </p:spPr>
+      </p:pic>
+      <p:pic>
+        <p:nvPicPr>
+          <p:cNvPr id="6" name="Picture 5"/>
+          <p:cNvPicPr>
+            <a:picLocks noChangeAspect="1"/>
+          </p:cNvPicPr>
+          <p:nvPr/>
+        </p:nvPicPr>
+        <p:blipFill>
+          <a:blip r:embed="rId3" cstate="print">
+            <a:extLst>
+              <a:ext uri="{28A0092B-C50C-407E-A947-70E740481C1C}">
+                <a14:useLocalDpi xmlns:a14="http://schemas.microsoft.com/office/drawing/2010/main" val="0"/>
+              </a:ext>
+            </a:extLst>
+          </a:blip>
+          <a:stretch>
+            <a:fillRect/>
+          </a:stretch>
+        </p:blipFill>
+        <p:spPr>
+          <a:xfrm>
+            <a:off x="7604245" y="2180400"/>
+            <a:ext cx="3252250" cy="4578008"/>
+          </a:xfrm>
+          <a:prstGeom prst="rect">
+            <a:avLst/>
+          </a:prstGeom>
+          <a:ln>
+            <a:solidFill>
+              <a:schemeClr val="tx1"/>
+            </a:solidFill>
+          </a:ln>
+        </p:spPr>
+      </p:pic>
+      <p:sp>
+        <p:nvSpPr>
+          <p:cNvPr id="7" name="TextBox 6"/>
+          <p:cNvSpPr txBox="1"/>
+          <p:nvPr/>
+        </p:nvSpPr>
+        <p:spPr>
+          <a:xfrm>
+            <a:off x="16042" y="1355581"/>
+            <a:ext cx="6914147" cy="400110"/>
+          </a:xfrm>
+          <a:prstGeom prst="rect">
+            <a:avLst/>
+          </a:prstGeom>
+          <a:noFill/>
+        </p:spPr>
+        <p:txBody>
+          <a:bodyPr wrap="square" rtlCol="0">
+            <a:spAutoFit/>
+          </a:bodyPr>
+          <a:lstStyle/>
+          <a:p>
+            <a:pPr algn="ctr"/>
+            <a:r>
+              <a:rPr lang="ko-KR" altLang="en-US" sz="2000" dirty="0" smtClean="0"/>
+              <a:t>일기 리스트의 글을 클릭하면 일기 수정 레이아웃으로 이동</a:t>
+            </a:r>
+            <a:endParaRPr lang="ko-KR" altLang="en-US" sz="2000" dirty="0"/>
+          </a:p>
+        </p:txBody>
+      </p:sp>
+      <p:sp>
+        <p:nvSpPr>
+          <p:cNvPr id="8" name="TextBox 7"/>
+          <p:cNvSpPr txBox="1"/>
+          <p:nvPr/>
+        </p:nvSpPr>
+        <p:spPr>
+          <a:xfrm>
+            <a:off x="6978315" y="1264856"/>
+            <a:ext cx="4467726" cy="707886"/>
+          </a:xfrm>
+          <a:prstGeom prst="rect">
+            <a:avLst/>
+          </a:prstGeom>
+          <a:noFill/>
+        </p:spPr>
+        <p:txBody>
+          <a:bodyPr wrap="square" rtlCol="0">
+            <a:spAutoFit/>
+          </a:bodyPr>
+          <a:lstStyle/>
+          <a:p>
+            <a:pPr algn="ctr"/>
+            <a:r>
+              <a:rPr lang="ko-KR" altLang="en-US" sz="2000" dirty="0" smtClean="0"/>
+              <a:t>저장 버튼을 누르면 </a:t>
+            </a:r>
+            <a:endParaRPr lang="en-US" altLang="ko-KR" sz="2000" dirty="0" smtClean="0"/>
+          </a:p>
+          <a:p>
+            <a:pPr algn="ctr"/>
+            <a:r>
+              <a:rPr lang="ko-KR" altLang="en-US" sz="2000" dirty="0" smtClean="0"/>
+              <a:t>일기 리스트 레이아웃으로 이동</a:t>
+            </a:r>
+            <a:endParaRPr lang="ko-KR" altLang="en-US" sz="2000" dirty="0"/>
+          </a:p>
+        </p:txBody>
+      </p:sp>
+    </p:spTree>
+    <p:extLst>
+      <p:ext uri="{BB962C8B-B14F-4D97-AF65-F5344CB8AC3E}">
+        <p14:creationId xmlns:p14="http://schemas.microsoft.com/office/powerpoint/2010/main" val="632228185"/>
+      </p:ext>
+    </p:extLst>
+  </p:cSld>
+  <p:clrMapOvr>
+    <a:masterClrMapping/>
+  </p:clrMapOvr>
+  <p:timing>
+    <p:tnLst>
+      <p:par>
+        <p:cTn id="1" dur="indefinite" restart="never" nodeType="tmRoot"/>
+      </p:par>
+    </p:tnLst>
+  </p:timing>
+</p:sld>
+</file>
+
+<file path=ppt/slides/slide14.xml><?xml version="1.0" encoding="utf-8"?>
+<p:sld xmlns:a="http://schemas.openxmlformats.org/drawingml/2006/main" xmlns:r="http://schemas.openxmlformats.org/officeDocument/2006/relationships" xmlns:p="http://schemas.openxmlformats.org/presentationml/2006/main">
+  <p:cSld>
+    <p:spTree>
+      <p:nvGrpSpPr>
+        <p:cNvPr id="1" name=""/>
+        <p:cNvGrpSpPr/>
+        <p:nvPr/>
+      </p:nvGrpSpPr>
+      <p:grpSpPr>
+        <a:xfrm>
+          <a:off x="0" y="0"/>
+          <a:ext cx="0" cy="0"/>
+          <a:chOff x="0" y="0"/>
+          <a:chExt cx="0" cy="0"/>
+        </a:xfrm>
+      </p:grpSpPr>
+      <p:sp>
+        <p:nvSpPr>
+          <p:cNvPr id="2" name="Subtitle 2"/>
+          <p:cNvSpPr txBox="1">
+            <a:spLocks/>
+          </p:cNvSpPr>
+          <p:nvPr/>
+        </p:nvSpPr>
+        <p:spPr>
+          <a:xfrm>
+            <a:off x="160421" y="230810"/>
+            <a:ext cx="3994484" cy="740243"/>
+          </a:xfrm>
+          <a:prstGeom prst="rect">
+            <a:avLst/>
+          </a:prstGeom>
+        </p:spPr>
+        <p:txBody>
+          <a:bodyPr/>
+          <a:lstStyle>
+            <a:lvl1pPr marL="228600" indent="-228600" algn="l" defTabSz="914400" rtl="0" eaLnBrk="1" latinLnBrk="1" hangingPunct="1">
+              <a:lnSpc>
+                <a:spcPct val="90000"/>
+              </a:lnSpc>
+              <a:spcBef>
+                <a:spcPts val="1000"/>
+              </a:spcBef>
+              <a:buFont typeface="Arial" panose="020B0604020202020204" pitchFamily="34" charset="0"/>
+              <a:buChar char="•"/>
+              <a:defRPr sz="2800" kern="1200">
+                <a:solidFill>
+                  <a:schemeClr val="tx1"/>
+                </a:solidFill>
+                <a:latin typeface="+mn-lt"/>
+                <a:ea typeface="+mn-ea"/>
+                <a:cs typeface="+mn-cs"/>
+              </a:defRPr>
+            </a:lvl1pPr>
+            <a:lvl2pPr marL="685800" indent="-228600" algn="l" defTabSz="914400" rtl="0" eaLnBrk="1" latinLnBrk="1" hangingPunct="1">
+              <a:lnSpc>
+                <a:spcPct val="90000"/>
+              </a:lnSpc>
+              <a:spcBef>
+                <a:spcPts val="500"/>
+              </a:spcBef>
+              <a:buFont typeface="Arial" panose="020B0604020202020204" pitchFamily="34" charset="0"/>
+              <a:buChar char="•"/>
+              <a:defRPr sz="2400" kern="1200">
+                <a:solidFill>
+                  <a:schemeClr val="tx1"/>
+                </a:solidFill>
+                <a:latin typeface="+mn-lt"/>
+                <a:ea typeface="+mn-ea"/>
+                <a:cs typeface="+mn-cs"/>
+              </a:defRPr>
+            </a:lvl2pPr>
+            <a:lvl3pPr marL="1143000" indent="-228600" algn="l" defTabSz="914400" rtl="0" eaLnBrk="1" latinLnBrk="1" hangingPunct="1">
+              <a:lnSpc>
+                <a:spcPct val="90000"/>
+              </a:lnSpc>
+              <a:spcBef>
+                <a:spcPts val="500"/>
+              </a:spcBef>
+              <a:buFont typeface="Arial" panose="020B0604020202020204" pitchFamily="34" charset="0"/>
+              <a:buChar char="•"/>
+              <a:defRPr sz="2000" kern="1200">
+                <a:solidFill>
+                  <a:schemeClr val="tx1"/>
+                </a:solidFill>
+                <a:latin typeface="+mn-lt"/>
+                <a:ea typeface="+mn-ea"/>
+                <a:cs typeface="+mn-cs"/>
+              </a:defRPr>
+            </a:lvl3pPr>
+            <a:lvl4pPr marL="1600200" indent="-228600" algn="l" defTabSz="914400" rtl="0" eaLnBrk="1" latinLnBrk="1" hangingPunct="1">
+              <a:lnSpc>
+                <a:spcPct val="90000"/>
+              </a:lnSpc>
+              <a:spcBef>
+                <a:spcPts val="500"/>
+              </a:spcBef>
+              <a:buFont typeface="Arial" panose="020B0604020202020204" pitchFamily="34" charset="0"/>
+              <a:buChar char="•"/>
+              <a:defRPr sz="1800" kern="1200">
+                <a:solidFill>
+                  <a:schemeClr val="tx1"/>
+                </a:solidFill>
+                <a:latin typeface="+mn-lt"/>
+                <a:ea typeface="+mn-ea"/>
+                <a:cs typeface="+mn-cs"/>
+              </a:defRPr>
+            </a:lvl4pPr>
+            <a:lvl5pPr marL="2057400" indent="-228600" algn="l" defTabSz="914400" rtl="0" eaLnBrk="1" latinLnBrk="1" hangingPunct="1">
+              <a:lnSpc>
+                <a:spcPct val="90000"/>
+              </a:lnSpc>
+              <a:spcBef>
+                <a:spcPts val="500"/>
+              </a:spcBef>
+              <a:buFont typeface="Arial" panose="020B0604020202020204" pitchFamily="34" charset="0"/>
+              <a:buChar char="•"/>
+              <a:defRPr sz="1800" kern="1200">
+                <a:solidFill>
+                  <a:schemeClr val="tx1"/>
+                </a:solidFill>
+                <a:latin typeface="+mn-lt"/>
+                <a:ea typeface="+mn-ea"/>
+                <a:cs typeface="+mn-cs"/>
+              </a:defRPr>
+            </a:lvl5pPr>
+            <a:lvl6pPr marL="2514600" indent="-228600" algn="l" defTabSz="914400" rtl="0" eaLnBrk="1" latinLnBrk="1" hangingPunct="1">
+              <a:lnSpc>
+                <a:spcPct val="90000"/>
+              </a:lnSpc>
+              <a:spcBef>
+                <a:spcPts val="500"/>
+              </a:spcBef>
+              <a:buFont typeface="Arial" panose="020B0604020202020204" pitchFamily="34" charset="0"/>
+              <a:buChar char="•"/>
+              <a:defRPr sz="1800" kern="1200">
+                <a:solidFill>
+                  <a:schemeClr val="tx1"/>
+                </a:solidFill>
+                <a:latin typeface="+mn-lt"/>
+                <a:ea typeface="+mn-ea"/>
+                <a:cs typeface="+mn-cs"/>
+              </a:defRPr>
+            </a:lvl6pPr>
+            <a:lvl7pPr marL="2971800" indent="-228600" algn="l" defTabSz="914400" rtl="0" eaLnBrk="1" latinLnBrk="1" hangingPunct="1">
+              <a:lnSpc>
+                <a:spcPct val="90000"/>
+              </a:lnSpc>
+              <a:spcBef>
+                <a:spcPts val="500"/>
+              </a:spcBef>
+              <a:buFont typeface="Arial" panose="020B0604020202020204" pitchFamily="34" charset="0"/>
+              <a:buChar char="•"/>
+              <a:defRPr sz="1800" kern="1200">
+                <a:solidFill>
+                  <a:schemeClr val="tx1"/>
+                </a:solidFill>
+                <a:latin typeface="+mn-lt"/>
+                <a:ea typeface="+mn-ea"/>
+                <a:cs typeface="+mn-cs"/>
+              </a:defRPr>
+            </a:lvl7pPr>
+            <a:lvl8pPr marL="3429000" indent="-228600" algn="l" defTabSz="914400" rtl="0" eaLnBrk="1" latinLnBrk="1" hangingPunct="1">
+              <a:lnSpc>
+                <a:spcPct val="90000"/>
+              </a:lnSpc>
+              <a:spcBef>
+                <a:spcPts val="500"/>
+              </a:spcBef>
+              <a:buFont typeface="Arial" panose="020B0604020202020204" pitchFamily="34" charset="0"/>
+              <a:buChar char="•"/>
+              <a:defRPr sz="1800" kern="1200">
+                <a:solidFill>
+                  <a:schemeClr val="tx1"/>
+                </a:solidFill>
+                <a:latin typeface="+mn-lt"/>
+                <a:ea typeface="+mn-ea"/>
+                <a:cs typeface="+mn-cs"/>
+              </a:defRPr>
+            </a:lvl8pPr>
+            <a:lvl9pPr marL="3886200" indent="-228600" algn="l" defTabSz="914400" rtl="0" eaLnBrk="1" latinLnBrk="1" hangingPunct="1">
+              <a:lnSpc>
+                <a:spcPct val="90000"/>
+              </a:lnSpc>
+              <a:spcBef>
+                <a:spcPts val="500"/>
+              </a:spcBef>
+              <a:buFont typeface="Arial" panose="020B0604020202020204" pitchFamily="34" charset="0"/>
+              <a:buChar char="•"/>
+              <a:defRPr sz="1800" kern="1200">
+                <a:solidFill>
+                  <a:schemeClr val="tx1"/>
+                </a:solidFill>
+                <a:latin typeface="+mn-lt"/>
+                <a:ea typeface="+mn-ea"/>
+                <a:cs typeface="+mn-cs"/>
+              </a:defRPr>
+            </a:lvl9pPr>
+          </a:lstStyle>
+          <a:p>
+            <a:pPr marL="0" indent="0" algn="ctr">
+              <a:buNone/>
+            </a:pPr>
+            <a:r>
+              <a:rPr lang="ko-KR" altLang="en-US" sz="4000" dirty="0" smtClean="0">
+                <a:latin typeface="+mn-ea"/>
+              </a:rPr>
+              <a:t>다이어리 기능들</a:t>
+            </a:r>
+            <a:endParaRPr lang="ko-KR" altLang="en-US" sz="4000" dirty="0">
+              <a:latin typeface="+mn-ea"/>
+            </a:endParaRPr>
+          </a:p>
+        </p:txBody>
+      </p:sp>
+      <p:sp>
+        <p:nvSpPr>
+          <p:cNvPr id="3" name="Subtitle 2"/>
+          <p:cNvSpPr txBox="1">
+            <a:spLocks/>
+          </p:cNvSpPr>
+          <p:nvPr/>
+        </p:nvSpPr>
+        <p:spPr>
+          <a:xfrm>
+            <a:off x="2999874" y="770527"/>
+            <a:ext cx="6801851" cy="6087473"/>
+          </a:xfrm>
+          <a:prstGeom prst="rect">
+            <a:avLst/>
+          </a:prstGeom>
+        </p:spPr>
+        <p:txBody>
+          <a:bodyPr/>
+          <a:lstStyle>
+            <a:lvl1pPr marL="228600" indent="-228600" algn="l" defTabSz="914400" rtl="0" eaLnBrk="1" latinLnBrk="1" hangingPunct="1">
+              <a:lnSpc>
+                <a:spcPct val="90000"/>
+              </a:lnSpc>
+              <a:spcBef>
+                <a:spcPts val="1000"/>
+              </a:spcBef>
+              <a:buFont typeface="Arial" panose="020B0604020202020204" pitchFamily="34" charset="0"/>
+              <a:buChar char="•"/>
+              <a:defRPr sz="2800" kern="1200">
+                <a:solidFill>
+                  <a:schemeClr val="tx1"/>
+                </a:solidFill>
+                <a:latin typeface="+mn-lt"/>
+                <a:ea typeface="+mn-ea"/>
+                <a:cs typeface="+mn-cs"/>
+              </a:defRPr>
+            </a:lvl1pPr>
+            <a:lvl2pPr marL="685800" indent="-228600" algn="l" defTabSz="914400" rtl="0" eaLnBrk="1" latinLnBrk="1" hangingPunct="1">
+              <a:lnSpc>
+                <a:spcPct val="90000"/>
+              </a:lnSpc>
+              <a:spcBef>
+                <a:spcPts val="500"/>
+              </a:spcBef>
+              <a:buFont typeface="Arial" panose="020B0604020202020204" pitchFamily="34" charset="0"/>
+              <a:buChar char="•"/>
+              <a:defRPr sz="2400" kern="1200">
+                <a:solidFill>
+                  <a:schemeClr val="tx1"/>
+                </a:solidFill>
+                <a:latin typeface="+mn-lt"/>
+                <a:ea typeface="+mn-ea"/>
+                <a:cs typeface="+mn-cs"/>
+              </a:defRPr>
+            </a:lvl2pPr>
+            <a:lvl3pPr marL="1143000" indent="-228600" algn="l" defTabSz="914400" rtl="0" eaLnBrk="1" latinLnBrk="1" hangingPunct="1">
+              <a:lnSpc>
+                <a:spcPct val="90000"/>
+              </a:lnSpc>
+              <a:spcBef>
+                <a:spcPts val="500"/>
+              </a:spcBef>
+              <a:buFont typeface="Arial" panose="020B0604020202020204" pitchFamily="34" charset="0"/>
+              <a:buChar char="•"/>
+              <a:defRPr sz="2000" kern="1200">
+                <a:solidFill>
+                  <a:schemeClr val="tx1"/>
+                </a:solidFill>
+                <a:latin typeface="+mn-lt"/>
+                <a:ea typeface="+mn-ea"/>
+                <a:cs typeface="+mn-cs"/>
+              </a:defRPr>
+            </a:lvl3pPr>
+            <a:lvl4pPr marL="1600200" indent="-228600" algn="l" defTabSz="914400" rtl="0" eaLnBrk="1" latinLnBrk="1" hangingPunct="1">
+              <a:lnSpc>
+                <a:spcPct val="90000"/>
+              </a:lnSpc>
+              <a:spcBef>
+                <a:spcPts val="500"/>
+              </a:spcBef>
+              <a:buFont typeface="Arial" panose="020B0604020202020204" pitchFamily="34" charset="0"/>
+              <a:buChar char="•"/>
+              <a:defRPr sz="1800" kern="1200">
+                <a:solidFill>
+                  <a:schemeClr val="tx1"/>
+                </a:solidFill>
+                <a:latin typeface="+mn-lt"/>
+                <a:ea typeface="+mn-ea"/>
+                <a:cs typeface="+mn-cs"/>
+              </a:defRPr>
+            </a:lvl4pPr>
+            <a:lvl5pPr marL="2057400" indent="-228600" algn="l" defTabSz="914400" rtl="0" eaLnBrk="1" latinLnBrk="1" hangingPunct="1">
+              <a:lnSpc>
+                <a:spcPct val="90000"/>
+              </a:lnSpc>
+              <a:spcBef>
+                <a:spcPts val="500"/>
+              </a:spcBef>
+              <a:buFont typeface="Arial" panose="020B0604020202020204" pitchFamily="34" charset="0"/>
+              <a:buChar char="•"/>
+              <a:defRPr sz="1800" kern="1200">
+                <a:solidFill>
+                  <a:schemeClr val="tx1"/>
+                </a:solidFill>
+                <a:latin typeface="+mn-lt"/>
+                <a:ea typeface="+mn-ea"/>
+                <a:cs typeface="+mn-cs"/>
+              </a:defRPr>
+            </a:lvl5pPr>
+            <a:lvl6pPr marL="2514600" indent="-228600" algn="l" defTabSz="914400" rtl="0" eaLnBrk="1" latinLnBrk="1" hangingPunct="1">
+              <a:lnSpc>
+                <a:spcPct val="90000"/>
+              </a:lnSpc>
+              <a:spcBef>
+                <a:spcPts val="500"/>
+              </a:spcBef>
+              <a:buFont typeface="Arial" panose="020B0604020202020204" pitchFamily="34" charset="0"/>
+              <a:buChar char="•"/>
+              <a:defRPr sz="1800" kern="1200">
+                <a:solidFill>
+                  <a:schemeClr val="tx1"/>
+                </a:solidFill>
+                <a:latin typeface="+mn-lt"/>
+                <a:ea typeface="+mn-ea"/>
+                <a:cs typeface="+mn-cs"/>
+              </a:defRPr>
+            </a:lvl6pPr>
+            <a:lvl7pPr marL="2971800" indent="-228600" algn="l" defTabSz="914400" rtl="0" eaLnBrk="1" latinLnBrk="1" hangingPunct="1">
+              <a:lnSpc>
+                <a:spcPct val="90000"/>
+              </a:lnSpc>
+              <a:spcBef>
+                <a:spcPts val="500"/>
+              </a:spcBef>
+              <a:buFont typeface="Arial" panose="020B0604020202020204" pitchFamily="34" charset="0"/>
+              <a:buChar char="•"/>
+              <a:defRPr sz="1800" kern="1200">
+                <a:solidFill>
+                  <a:schemeClr val="tx1"/>
+                </a:solidFill>
+                <a:latin typeface="+mn-lt"/>
+                <a:ea typeface="+mn-ea"/>
+                <a:cs typeface="+mn-cs"/>
+              </a:defRPr>
+            </a:lvl7pPr>
+            <a:lvl8pPr marL="3429000" indent="-228600" algn="l" defTabSz="914400" rtl="0" eaLnBrk="1" latinLnBrk="1" hangingPunct="1">
+              <a:lnSpc>
+                <a:spcPct val="90000"/>
+              </a:lnSpc>
+              <a:spcBef>
+                <a:spcPts val="500"/>
+              </a:spcBef>
+              <a:buFont typeface="Arial" panose="020B0604020202020204" pitchFamily="34" charset="0"/>
+              <a:buChar char="•"/>
+              <a:defRPr sz="1800" kern="1200">
+                <a:solidFill>
+                  <a:schemeClr val="tx1"/>
+                </a:solidFill>
+                <a:latin typeface="+mn-lt"/>
+                <a:ea typeface="+mn-ea"/>
+                <a:cs typeface="+mn-cs"/>
+              </a:defRPr>
+            </a:lvl8pPr>
+            <a:lvl9pPr marL="3886200" indent="-228600" algn="l" defTabSz="914400" rtl="0" eaLnBrk="1" latinLnBrk="1" hangingPunct="1">
+              <a:lnSpc>
+                <a:spcPct val="90000"/>
+              </a:lnSpc>
+              <a:spcBef>
+                <a:spcPts val="500"/>
+              </a:spcBef>
+              <a:buFont typeface="Arial" panose="020B0604020202020204" pitchFamily="34" charset="0"/>
+              <a:buChar char="•"/>
+              <a:defRPr sz="1800" kern="1200">
+                <a:solidFill>
+                  <a:schemeClr val="tx1"/>
+                </a:solidFill>
+                <a:latin typeface="+mn-lt"/>
+                <a:ea typeface="+mn-ea"/>
+                <a:cs typeface="+mn-cs"/>
+              </a:defRPr>
+            </a:lvl9pPr>
+          </a:lstStyle>
+          <a:p>
+            <a:pPr marL="742950" indent="-742950">
+              <a:lnSpc>
+                <a:spcPct val="150000"/>
+              </a:lnSpc>
+              <a:buFont typeface="+mj-lt"/>
+              <a:buAutoNum type="arabicPeriod"/>
+            </a:pPr>
+            <a:r>
+              <a:rPr lang="ko-KR" altLang="en-US" dirty="0" smtClean="0">
+                <a:latin typeface="+mn-ea"/>
+              </a:rPr>
+              <a:t>일기 저장</a:t>
+            </a:r>
+            <a:endParaRPr lang="en-US" altLang="ko-KR" dirty="0" smtClean="0">
+              <a:latin typeface="+mn-ea"/>
+            </a:endParaRPr>
+          </a:p>
+          <a:p>
+            <a:pPr marL="742950" indent="-742950">
+              <a:lnSpc>
+                <a:spcPct val="150000"/>
+              </a:lnSpc>
+              <a:buFont typeface="+mj-lt"/>
+              <a:buAutoNum type="arabicPeriod"/>
+            </a:pPr>
+            <a:r>
+              <a:rPr lang="ko-KR" altLang="en-US" dirty="0" smtClean="0">
+                <a:latin typeface="+mn-ea"/>
+              </a:rPr>
+              <a:t>저장된 일기 수정</a:t>
+            </a:r>
+            <a:r>
+              <a:rPr lang="en-US" altLang="ko-KR" dirty="0" smtClean="0">
+                <a:latin typeface="+mn-ea"/>
+              </a:rPr>
+              <a:t>/</a:t>
+            </a:r>
+            <a:r>
+              <a:rPr lang="ko-KR" altLang="en-US" dirty="0" smtClean="0">
+                <a:latin typeface="+mn-ea"/>
+              </a:rPr>
+              <a:t>삭제</a:t>
+            </a:r>
+            <a:endParaRPr lang="en-US" altLang="ko-KR" dirty="0" smtClean="0">
+              <a:latin typeface="+mn-ea"/>
+            </a:endParaRPr>
+          </a:p>
+          <a:p>
+            <a:pPr marL="742950" indent="-742950">
+              <a:lnSpc>
+                <a:spcPct val="150000"/>
+              </a:lnSpc>
+              <a:buFont typeface="+mj-lt"/>
+              <a:buAutoNum type="arabicPeriod"/>
+            </a:pPr>
+            <a:r>
+              <a:rPr lang="ko-KR" altLang="en-US" dirty="0" smtClean="0">
+                <a:latin typeface="+mn-ea"/>
+              </a:rPr>
+              <a:t>일기에 사진</a:t>
+            </a:r>
+            <a:r>
+              <a:rPr lang="en-US" altLang="ko-KR" dirty="0" smtClean="0">
+                <a:latin typeface="+mn-ea"/>
+              </a:rPr>
+              <a:t>, </a:t>
+            </a:r>
+            <a:r>
+              <a:rPr lang="ko-KR" altLang="en-US" dirty="0" smtClean="0">
+                <a:latin typeface="+mn-ea"/>
+              </a:rPr>
+              <a:t>비디오</a:t>
+            </a:r>
+            <a:r>
+              <a:rPr lang="en-US" altLang="ko-KR" dirty="0" smtClean="0">
+                <a:latin typeface="+mn-ea"/>
+              </a:rPr>
+              <a:t>, </a:t>
+            </a:r>
+            <a:r>
+              <a:rPr lang="ko-KR" altLang="en-US" dirty="0" smtClean="0">
+                <a:latin typeface="+mn-ea"/>
+              </a:rPr>
+              <a:t>일반 파일 저장</a:t>
+            </a:r>
+            <a:endParaRPr lang="en-US" altLang="ko-KR" dirty="0" smtClean="0">
+              <a:latin typeface="+mn-ea"/>
+            </a:endParaRPr>
+          </a:p>
+          <a:p>
+            <a:pPr marL="742950" indent="-742950">
+              <a:lnSpc>
+                <a:spcPct val="150000"/>
+              </a:lnSpc>
+              <a:buFont typeface="+mj-lt"/>
+              <a:buAutoNum type="arabicPeriod"/>
+            </a:pPr>
+            <a:r>
+              <a:rPr lang="ko-KR" altLang="en-US" dirty="0" smtClean="0">
+                <a:latin typeface="+mn-ea"/>
+              </a:rPr>
+              <a:t>일기 로드</a:t>
+            </a:r>
+            <a:endParaRPr lang="en-US" altLang="ko-KR" dirty="0" smtClean="0">
+              <a:latin typeface="+mn-ea"/>
+            </a:endParaRPr>
+          </a:p>
+          <a:p>
+            <a:pPr marL="742950" indent="-742950">
+              <a:lnSpc>
+                <a:spcPct val="150000"/>
+              </a:lnSpc>
+              <a:buFont typeface="+mj-lt"/>
+              <a:buAutoNum type="arabicPeriod"/>
+            </a:pPr>
+            <a:r>
+              <a:rPr lang="ko-KR" altLang="en-US" dirty="0" smtClean="0">
+                <a:latin typeface="+mn-ea"/>
+              </a:rPr>
+              <a:t>일기장들로 이루어진 리스트 출력</a:t>
+            </a:r>
+            <a:endParaRPr lang="en-US" altLang="ko-KR" dirty="0" smtClean="0">
+              <a:latin typeface="+mn-ea"/>
+            </a:endParaRPr>
+          </a:p>
+          <a:p>
+            <a:pPr marL="742950" indent="-742950">
+              <a:lnSpc>
+                <a:spcPct val="150000"/>
+              </a:lnSpc>
+              <a:buFont typeface="+mj-lt"/>
+              <a:buAutoNum type="arabicPeriod"/>
+            </a:pPr>
+            <a:r>
+              <a:rPr lang="ko-KR" altLang="en-US" dirty="0" smtClean="0">
+                <a:latin typeface="+mn-ea"/>
+              </a:rPr>
+              <a:t>해쉬 태그로 일기 검색</a:t>
+            </a:r>
+            <a:endParaRPr lang="en-US" altLang="ko-KR" dirty="0" smtClean="0">
+              <a:latin typeface="+mn-ea"/>
+            </a:endParaRPr>
+          </a:p>
+          <a:p>
+            <a:pPr marL="742950" indent="-742950">
+              <a:lnSpc>
+                <a:spcPct val="150000"/>
+              </a:lnSpc>
+              <a:buFont typeface="+mj-lt"/>
+              <a:buAutoNum type="arabicPeriod"/>
+            </a:pPr>
+            <a:r>
+              <a:rPr lang="ko-KR" altLang="en-US" dirty="0" smtClean="0">
+                <a:latin typeface="+mn-ea"/>
+              </a:rPr>
+              <a:t>일기 리스트 무한 스크롤</a:t>
+            </a:r>
+            <a:endParaRPr lang="en-US" altLang="ko-KR" dirty="0" smtClean="0">
+              <a:latin typeface="+mn-ea"/>
+            </a:endParaRPr>
+          </a:p>
+          <a:p>
+            <a:pPr marL="742950" indent="-742950">
+              <a:lnSpc>
+                <a:spcPct val="150000"/>
+              </a:lnSpc>
+              <a:buFont typeface="+mj-lt"/>
+              <a:buAutoNum type="arabicPeriod"/>
+            </a:pPr>
+            <a:r>
+              <a:rPr lang="ko-KR" altLang="en-US" dirty="0" smtClean="0">
+                <a:latin typeface="+mn-ea"/>
+              </a:rPr>
+              <a:t>일기 리스트 정렬</a:t>
+            </a:r>
+            <a:endParaRPr lang="ko-KR" altLang="en-US" dirty="0">
+              <a:latin typeface="+mn-ea"/>
+            </a:endParaRPr>
+          </a:p>
+        </p:txBody>
+      </p:sp>
+    </p:spTree>
+    <p:extLst>
+      <p:ext uri="{BB962C8B-B14F-4D97-AF65-F5344CB8AC3E}">
+        <p14:creationId xmlns:p14="http://schemas.microsoft.com/office/powerpoint/2010/main" val="3268120843"/>
+      </p:ext>
+    </p:extLst>
+  </p:cSld>
+  <p:clrMapOvr>
+    <a:masterClrMapping/>
+  </p:clrMapOvr>
+  <p:timing>
+    <p:tnLst>
+      <p:par>
+        <p:cTn id="1" dur="indefinite" restart="never" nodeType="tmRoot"/>
+      </p:par>
+    </p:tnLst>
+  </p:timing>
+</p:sld>
+</file>
+
+<file path=ppt/slides/slide15.xml><?xml version="1.0" encoding="utf-8"?>
+<p:sld xmlns:a="http://schemas.openxmlformats.org/drawingml/2006/main" xmlns:r="http://schemas.openxmlformats.org/officeDocument/2006/relationships" xmlns:p="http://schemas.openxmlformats.org/presentationml/2006/main">
+  <p:cSld>
+    <p:spTree>
+      <p:nvGrpSpPr>
+        <p:cNvPr id="1" name=""/>
+        <p:cNvGrpSpPr/>
+        <p:nvPr/>
+      </p:nvGrpSpPr>
+      <p:grpSpPr>
+        <a:xfrm>
+          <a:off x="0" y="0"/>
+          <a:ext cx="0" cy="0"/>
+          <a:chOff x="0" y="0"/>
+          <a:chExt cx="0" cy="0"/>
+        </a:xfrm>
+      </p:grpSpPr>
+      <p:sp>
+        <p:nvSpPr>
+          <p:cNvPr id="2" name="Subtitle 2"/>
+          <p:cNvSpPr txBox="1">
+            <a:spLocks/>
+          </p:cNvSpPr>
+          <p:nvPr/>
+        </p:nvSpPr>
+        <p:spPr>
+          <a:xfrm>
+            <a:off x="272716" y="198725"/>
+            <a:ext cx="5550568" cy="740243"/>
+          </a:xfrm>
+          <a:prstGeom prst="rect">
+            <a:avLst/>
+          </a:prstGeom>
+        </p:spPr>
+        <p:txBody>
+          <a:bodyPr/>
+          <a:lstStyle>
+            <a:lvl1pPr marL="228600" indent="-228600" algn="l" defTabSz="914400" rtl="0" eaLnBrk="1" latinLnBrk="1" hangingPunct="1">
+              <a:lnSpc>
+                <a:spcPct val="90000"/>
+              </a:lnSpc>
+              <a:spcBef>
+                <a:spcPts val="1000"/>
+              </a:spcBef>
+              <a:buFont typeface="Arial" panose="020B0604020202020204" pitchFamily="34" charset="0"/>
+              <a:buChar char="•"/>
+              <a:defRPr sz="2800" kern="1200">
+                <a:solidFill>
+                  <a:schemeClr val="tx1"/>
+                </a:solidFill>
+                <a:latin typeface="+mn-lt"/>
+                <a:ea typeface="+mn-ea"/>
+                <a:cs typeface="+mn-cs"/>
+              </a:defRPr>
+            </a:lvl1pPr>
+            <a:lvl2pPr marL="685800" indent="-228600" algn="l" defTabSz="914400" rtl="0" eaLnBrk="1" latinLnBrk="1" hangingPunct="1">
+              <a:lnSpc>
+                <a:spcPct val="90000"/>
+              </a:lnSpc>
+              <a:spcBef>
+                <a:spcPts val="500"/>
+              </a:spcBef>
+              <a:buFont typeface="Arial" panose="020B0604020202020204" pitchFamily="34" charset="0"/>
+              <a:buChar char="•"/>
+              <a:defRPr sz="2400" kern="1200">
+                <a:solidFill>
+                  <a:schemeClr val="tx1"/>
+                </a:solidFill>
+                <a:latin typeface="+mn-lt"/>
+                <a:ea typeface="+mn-ea"/>
+                <a:cs typeface="+mn-cs"/>
+              </a:defRPr>
+            </a:lvl2pPr>
+            <a:lvl3pPr marL="1143000" indent="-228600" algn="l" defTabSz="914400" rtl="0" eaLnBrk="1" latinLnBrk="1" hangingPunct="1">
+              <a:lnSpc>
+                <a:spcPct val="90000"/>
+              </a:lnSpc>
+              <a:spcBef>
+                <a:spcPts val="500"/>
+              </a:spcBef>
+              <a:buFont typeface="Arial" panose="020B0604020202020204" pitchFamily="34" charset="0"/>
+              <a:buChar char="•"/>
+              <a:defRPr sz="2000" kern="1200">
+                <a:solidFill>
+                  <a:schemeClr val="tx1"/>
+                </a:solidFill>
+                <a:latin typeface="+mn-lt"/>
+                <a:ea typeface="+mn-ea"/>
+                <a:cs typeface="+mn-cs"/>
+              </a:defRPr>
+            </a:lvl3pPr>
+            <a:lvl4pPr marL="1600200" indent="-228600" algn="l" defTabSz="914400" rtl="0" eaLnBrk="1" latinLnBrk="1" hangingPunct="1">
+              <a:lnSpc>
+                <a:spcPct val="90000"/>
+              </a:lnSpc>
+              <a:spcBef>
+                <a:spcPts val="500"/>
+              </a:spcBef>
+              <a:buFont typeface="Arial" panose="020B0604020202020204" pitchFamily="34" charset="0"/>
+              <a:buChar char="•"/>
+              <a:defRPr sz="1800" kern="1200">
+                <a:solidFill>
+                  <a:schemeClr val="tx1"/>
+                </a:solidFill>
+                <a:latin typeface="+mn-lt"/>
+                <a:ea typeface="+mn-ea"/>
+                <a:cs typeface="+mn-cs"/>
+              </a:defRPr>
+            </a:lvl4pPr>
+            <a:lvl5pPr marL="2057400" indent="-228600" algn="l" defTabSz="914400" rtl="0" eaLnBrk="1" latinLnBrk="1" hangingPunct="1">
+              <a:lnSpc>
+                <a:spcPct val="90000"/>
+              </a:lnSpc>
+              <a:spcBef>
+                <a:spcPts val="500"/>
+              </a:spcBef>
+              <a:buFont typeface="Arial" panose="020B0604020202020204" pitchFamily="34" charset="0"/>
+              <a:buChar char="•"/>
+              <a:defRPr sz="1800" kern="1200">
+                <a:solidFill>
+                  <a:schemeClr val="tx1"/>
+                </a:solidFill>
+                <a:latin typeface="+mn-lt"/>
+                <a:ea typeface="+mn-ea"/>
+                <a:cs typeface="+mn-cs"/>
+              </a:defRPr>
+            </a:lvl5pPr>
+            <a:lvl6pPr marL="2514600" indent="-228600" algn="l" defTabSz="914400" rtl="0" eaLnBrk="1" latinLnBrk="1" hangingPunct="1">
+              <a:lnSpc>
+                <a:spcPct val="90000"/>
+              </a:lnSpc>
+              <a:spcBef>
+                <a:spcPts val="500"/>
+              </a:spcBef>
+              <a:buFont typeface="Arial" panose="020B0604020202020204" pitchFamily="34" charset="0"/>
+              <a:buChar char="•"/>
+              <a:defRPr sz="1800" kern="1200">
+                <a:solidFill>
+                  <a:schemeClr val="tx1"/>
+                </a:solidFill>
+                <a:latin typeface="+mn-lt"/>
+                <a:ea typeface="+mn-ea"/>
+                <a:cs typeface="+mn-cs"/>
+              </a:defRPr>
+            </a:lvl6pPr>
+            <a:lvl7pPr marL="2971800" indent="-228600" algn="l" defTabSz="914400" rtl="0" eaLnBrk="1" latinLnBrk="1" hangingPunct="1">
+              <a:lnSpc>
+                <a:spcPct val="90000"/>
+              </a:lnSpc>
+              <a:spcBef>
+                <a:spcPts val="500"/>
+              </a:spcBef>
+              <a:buFont typeface="Arial" panose="020B0604020202020204" pitchFamily="34" charset="0"/>
+              <a:buChar char="•"/>
+              <a:defRPr sz="1800" kern="1200">
+                <a:solidFill>
+                  <a:schemeClr val="tx1"/>
+                </a:solidFill>
+                <a:latin typeface="+mn-lt"/>
+                <a:ea typeface="+mn-ea"/>
+                <a:cs typeface="+mn-cs"/>
+              </a:defRPr>
+            </a:lvl7pPr>
+            <a:lvl8pPr marL="3429000" indent="-228600" algn="l" defTabSz="914400" rtl="0" eaLnBrk="1" latinLnBrk="1" hangingPunct="1">
+              <a:lnSpc>
+                <a:spcPct val="90000"/>
+              </a:lnSpc>
+              <a:spcBef>
+                <a:spcPts val="500"/>
+              </a:spcBef>
+              <a:buFont typeface="Arial" panose="020B0604020202020204" pitchFamily="34" charset="0"/>
+              <a:buChar char="•"/>
+              <a:defRPr sz="1800" kern="1200">
+                <a:solidFill>
+                  <a:schemeClr val="tx1"/>
+                </a:solidFill>
+                <a:latin typeface="+mn-lt"/>
+                <a:ea typeface="+mn-ea"/>
+                <a:cs typeface="+mn-cs"/>
+              </a:defRPr>
+            </a:lvl8pPr>
+            <a:lvl9pPr marL="3886200" indent="-228600" algn="l" defTabSz="914400" rtl="0" eaLnBrk="1" latinLnBrk="1" hangingPunct="1">
+              <a:lnSpc>
+                <a:spcPct val="90000"/>
+              </a:lnSpc>
+              <a:spcBef>
+                <a:spcPts val="500"/>
+              </a:spcBef>
+              <a:buFont typeface="Arial" panose="020B0604020202020204" pitchFamily="34" charset="0"/>
+              <a:buChar char="•"/>
+              <a:defRPr sz="1800" kern="1200">
+                <a:solidFill>
+                  <a:schemeClr val="tx1"/>
+                </a:solidFill>
+                <a:latin typeface="+mn-lt"/>
+                <a:ea typeface="+mn-ea"/>
+                <a:cs typeface="+mn-cs"/>
+              </a:defRPr>
+            </a:lvl9pPr>
+          </a:lstStyle>
+          <a:p>
+            <a:pPr marL="0" indent="0" algn="ctr">
+              <a:buNone/>
+            </a:pPr>
+            <a:r>
+              <a:rPr lang="ko-KR" altLang="en-US" sz="4000" dirty="0" smtClean="0">
+                <a:latin typeface="+mn-ea"/>
+              </a:rPr>
+              <a:t>일기장 저장</a:t>
+            </a:r>
+            <a:r>
+              <a:rPr lang="en-US" altLang="ko-KR" sz="4000" dirty="0" smtClean="0">
+                <a:latin typeface="+mn-ea"/>
+              </a:rPr>
+              <a:t>, </a:t>
+            </a:r>
+            <a:r>
+              <a:rPr lang="ko-KR" altLang="en-US" sz="4000" dirty="0" smtClean="0">
+                <a:latin typeface="+mn-ea"/>
+              </a:rPr>
+              <a:t>수정 방법</a:t>
+            </a:r>
+            <a:endParaRPr lang="ko-KR" altLang="en-US" sz="4000" dirty="0">
+              <a:latin typeface="+mn-ea"/>
+            </a:endParaRPr>
+          </a:p>
+        </p:txBody>
+      </p:sp>
+      <p:sp>
+        <p:nvSpPr>
+          <p:cNvPr id="5" name="TextBox 4"/>
+          <p:cNvSpPr txBox="1"/>
+          <p:nvPr/>
+        </p:nvSpPr>
+        <p:spPr>
+          <a:xfrm>
+            <a:off x="0" y="1909011"/>
+            <a:ext cx="4479667" cy="400110"/>
+          </a:xfrm>
+          <a:prstGeom prst="rect">
+            <a:avLst/>
+          </a:prstGeom>
+          <a:noFill/>
+        </p:spPr>
+        <p:txBody>
+          <a:bodyPr wrap="square" rtlCol="0">
+            <a:spAutoFit/>
+          </a:bodyPr>
+          <a:lstStyle/>
+          <a:p>
+            <a:pPr algn="ctr"/>
+            <a:r>
+              <a:rPr lang="en-US" altLang="ko-KR" sz="2000" dirty="0" err="1"/>
+              <a:t>CKEDITOR.instances.editor.getData</a:t>
+            </a:r>
+            <a:r>
+              <a:rPr lang="en-US" altLang="ko-KR" sz="2000" dirty="0"/>
+              <a:t>()</a:t>
+            </a:r>
+            <a:endParaRPr lang="ko-KR" altLang="en-US" sz="2000" dirty="0"/>
+          </a:p>
+        </p:txBody>
+      </p:sp>
+      <p:sp>
+        <p:nvSpPr>
+          <p:cNvPr id="4" name="Rectangle 3"/>
+          <p:cNvSpPr/>
+          <p:nvPr/>
+        </p:nvSpPr>
+        <p:spPr>
+          <a:xfrm>
+            <a:off x="639959" y="938968"/>
+            <a:ext cx="3199748" cy="746427"/>
+          </a:xfrm>
+          <a:prstGeom prst="rect">
+            <a:avLst/>
+          </a:prstGeom>
+        </p:spPr>
+        <p:style>
+          <a:lnRef idx="1">
+            <a:schemeClr val="accent6"/>
+          </a:lnRef>
+          <a:fillRef idx="2">
+            <a:schemeClr val="accent6"/>
+          </a:fillRef>
+          <a:effectRef idx="1">
+            <a:schemeClr val="accent6"/>
+          </a:effectRef>
+          <a:fontRef idx="minor">
+            <a:schemeClr val="dk1"/>
+          </a:fontRef>
+        </p:style>
+        <p:txBody>
+          <a:bodyPr rtlCol="0" anchor="ctr"/>
+          <a:lstStyle/>
+          <a:p>
+            <a:pPr algn="ctr"/>
+            <a:r>
+              <a:rPr lang="en-US" altLang="ko-KR" sz="2000" dirty="0" smtClean="0"/>
+              <a:t>CKEDITOR</a:t>
+            </a:r>
+            <a:r>
+              <a:rPr lang="ko-KR" altLang="en-US" sz="2000" dirty="0" smtClean="0"/>
+              <a:t>에 쓰여진 글</a:t>
+            </a:r>
+            <a:endParaRPr lang="ko-KR" altLang="en-US" sz="2000" dirty="0"/>
+          </a:p>
+        </p:txBody>
+      </p:sp>
+      <p:sp>
+        <p:nvSpPr>
+          <p:cNvPr id="7" name="Rectangle 6"/>
+          <p:cNvSpPr/>
+          <p:nvPr/>
+        </p:nvSpPr>
+        <p:spPr>
+          <a:xfrm>
+            <a:off x="994191" y="2490171"/>
+            <a:ext cx="10475913" cy="4309764"/>
+          </a:xfrm>
+          <a:prstGeom prst="rect">
+            <a:avLst/>
+          </a:prstGeom>
+        </p:spPr>
+        <p:style>
+          <a:lnRef idx="1">
+            <a:schemeClr val="accent6"/>
+          </a:lnRef>
+          <a:fillRef idx="2">
+            <a:schemeClr val="accent6"/>
+          </a:fillRef>
+          <a:effectRef idx="1">
+            <a:schemeClr val="accent6"/>
+          </a:effectRef>
+          <a:fontRef idx="minor">
+            <a:schemeClr val="dk1"/>
+          </a:fontRef>
+        </p:style>
+        <p:txBody>
+          <a:bodyPr rtlCol="0" anchor="ctr"/>
+          <a:lstStyle/>
+          <a:p>
+            <a:pPr algn="ctr">
+              <a:lnSpc>
+                <a:spcPct val="150000"/>
+              </a:lnSpc>
+            </a:pPr>
+            <a:r>
+              <a:rPr lang="en-US" altLang="ko-KR" sz="3600" dirty="0" smtClean="0"/>
+              <a:t>Function </a:t>
+            </a:r>
+            <a:r>
+              <a:rPr lang="en-US" altLang="ko-KR" sz="3600" dirty="0" err="1" smtClean="0"/>
+              <a:t>saveClick</a:t>
+            </a:r>
+            <a:r>
+              <a:rPr lang="en-US" altLang="ko-KR" sz="3600" dirty="0" smtClean="0"/>
+              <a:t>()</a:t>
+            </a:r>
+          </a:p>
+          <a:p>
+            <a:pPr marL="457200" indent="-457200">
+              <a:lnSpc>
+                <a:spcPct val="150000"/>
+              </a:lnSpc>
+              <a:buFont typeface="+mj-lt"/>
+              <a:buAutoNum type="arabicPeriod"/>
+            </a:pPr>
+            <a:r>
+              <a:rPr lang="en-US" altLang="ko-KR" sz="2000" dirty="0" err="1" smtClean="0"/>
+              <a:t>hashCheck</a:t>
+            </a:r>
+            <a:r>
+              <a:rPr lang="en-US" altLang="ko-KR" sz="2000" dirty="0" smtClean="0"/>
+              <a:t>()</a:t>
+            </a:r>
+            <a:r>
+              <a:rPr lang="ko-KR" altLang="en-US" sz="2000" dirty="0" smtClean="0"/>
+              <a:t>함수로 </a:t>
+            </a:r>
+            <a:r>
+              <a:rPr lang="en-US" altLang="ko-KR" sz="2000" dirty="0" smtClean="0"/>
+              <a:t>hash </a:t>
+            </a:r>
+            <a:r>
+              <a:rPr lang="ko-KR" altLang="en-US" sz="2000" dirty="0" smtClean="0"/>
+              <a:t>태그 판별</a:t>
+            </a:r>
+            <a:endParaRPr lang="en-US" altLang="ko-KR" sz="2000" dirty="0" smtClean="0"/>
+          </a:p>
+          <a:p>
+            <a:pPr marL="457200" indent="-457200">
+              <a:lnSpc>
+                <a:spcPct val="150000"/>
+              </a:lnSpc>
+              <a:buFont typeface="+mj-lt"/>
+              <a:buAutoNum type="arabicPeriod"/>
+            </a:pPr>
+            <a:r>
+              <a:rPr lang="ko-KR" altLang="en-US" sz="2000" dirty="0" smtClean="0"/>
+              <a:t>각종 데이터들</a:t>
+            </a:r>
+            <a:r>
+              <a:rPr lang="en-US" altLang="ko-KR" sz="2000" dirty="0" smtClean="0"/>
+              <a:t>(</a:t>
+            </a:r>
+            <a:r>
+              <a:rPr lang="ko-KR" altLang="en-US" sz="2000" dirty="0" smtClean="0"/>
+              <a:t>제목</a:t>
+            </a:r>
+            <a:r>
+              <a:rPr lang="en-US" altLang="ko-KR" sz="2000" dirty="0" smtClean="0"/>
+              <a:t>, </a:t>
+            </a:r>
+            <a:r>
+              <a:rPr lang="ko-KR" altLang="en-US" sz="2000" dirty="0" smtClean="0"/>
+              <a:t>본문</a:t>
+            </a:r>
+            <a:r>
+              <a:rPr lang="en-US" altLang="ko-KR" sz="2000" dirty="0" smtClean="0"/>
+              <a:t>, </a:t>
+            </a:r>
+            <a:r>
+              <a:rPr lang="ko-KR" altLang="en-US" sz="2000" dirty="0" smtClean="0"/>
+              <a:t>입력된 파일 이름</a:t>
+            </a:r>
+            <a:r>
+              <a:rPr lang="en-US" altLang="ko-KR" sz="2000" dirty="0" smtClean="0"/>
+              <a:t>, </a:t>
+            </a:r>
+            <a:r>
+              <a:rPr lang="ko-KR" altLang="en-US" sz="2000" dirty="0" smtClean="0"/>
+              <a:t>날짜</a:t>
+            </a:r>
+            <a:r>
+              <a:rPr lang="en-US" altLang="ko-KR" sz="2000" dirty="0" smtClean="0"/>
+              <a:t>)</a:t>
+            </a:r>
+            <a:r>
+              <a:rPr lang="ko-KR" altLang="en-US" sz="2000" dirty="0" smtClean="0"/>
+              <a:t>을 </a:t>
+            </a:r>
+            <a:r>
+              <a:rPr lang="en-US" altLang="ko-KR" sz="2000" dirty="0" err="1" smtClean="0"/>
+              <a:t>json</a:t>
+            </a:r>
+            <a:r>
+              <a:rPr lang="en-US" altLang="ko-KR" sz="2000" dirty="0" smtClean="0"/>
+              <a:t> </a:t>
+            </a:r>
+            <a:r>
+              <a:rPr lang="ko-KR" altLang="en-US" sz="2000" dirty="0" smtClean="0"/>
+              <a:t>변수에 입력</a:t>
+            </a:r>
+            <a:endParaRPr lang="en-US" altLang="ko-KR" sz="2000" dirty="0"/>
+          </a:p>
+          <a:p>
+            <a:pPr marL="457200" indent="-457200">
+              <a:lnSpc>
+                <a:spcPct val="150000"/>
+              </a:lnSpc>
+              <a:buFont typeface="+mj-lt"/>
+              <a:buAutoNum type="arabicPeriod"/>
+            </a:pPr>
+            <a:r>
+              <a:rPr lang="en-US" altLang="ko-KR" sz="2000" dirty="0" err="1">
+                <a:latin typeface="+mn-ea"/>
+              </a:rPr>
+              <a:t>fileUpload</a:t>
+            </a:r>
+            <a:r>
+              <a:rPr lang="en-US" altLang="ko-KR" sz="2000" dirty="0">
+                <a:latin typeface="+mn-ea"/>
+              </a:rPr>
+              <a:t>(), </a:t>
+            </a:r>
+            <a:r>
+              <a:rPr lang="en-US" altLang="ko-KR" sz="2000" dirty="0" err="1">
+                <a:latin typeface="+mn-ea"/>
+              </a:rPr>
+              <a:t>imgUpload</a:t>
+            </a:r>
+            <a:r>
+              <a:rPr lang="en-US" altLang="ko-KR" sz="2000" dirty="0">
+                <a:latin typeface="+mn-ea"/>
+              </a:rPr>
+              <a:t>(), </a:t>
+            </a:r>
+            <a:r>
+              <a:rPr lang="en-US" altLang="ko-KR" sz="2000" dirty="0" err="1">
+                <a:latin typeface="+mn-ea"/>
+              </a:rPr>
+              <a:t>videoUpload</a:t>
+            </a:r>
+            <a:r>
+              <a:rPr lang="en-US" altLang="ko-KR" sz="2000" dirty="0" smtClean="0">
+                <a:latin typeface="+mn-ea"/>
+              </a:rPr>
+              <a:t>()</a:t>
+            </a:r>
+            <a:r>
+              <a:rPr lang="ko-KR" altLang="en-US" sz="2000" dirty="0" smtClean="0">
+                <a:latin typeface="+mn-ea"/>
+              </a:rPr>
+              <a:t>를 호출하여 파일을 </a:t>
+            </a:r>
+            <a:r>
+              <a:rPr lang="en-US" altLang="ko-KR" sz="2000" dirty="0" smtClean="0">
+                <a:latin typeface="+mn-ea"/>
+              </a:rPr>
+              <a:t>Firebase storage</a:t>
+            </a:r>
+            <a:r>
+              <a:rPr lang="ko-KR" altLang="en-US" sz="2000" dirty="0" smtClean="0">
+                <a:latin typeface="+mn-ea"/>
+              </a:rPr>
+              <a:t>에 저장</a:t>
+            </a:r>
+            <a:endParaRPr lang="en-US" altLang="ko-KR" sz="2000" dirty="0" smtClean="0"/>
+          </a:p>
+          <a:p>
+            <a:pPr marL="457200" indent="-457200">
+              <a:lnSpc>
+                <a:spcPct val="150000"/>
+              </a:lnSpc>
+              <a:buFont typeface="+mj-lt"/>
+              <a:buAutoNum type="arabicPeriod"/>
+            </a:pPr>
+            <a:r>
+              <a:rPr lang="ko-KR" altLang="en-US" sz="2000" dirty="0" smtClean="0"/>
+              <a:t>새로 쓰여지는 글이면 새로 키를 발급받고 </a:t>
+            </a:r>
+            <a:r>
+              <a:rPr lang="en-US" altLang="ko-KR" sz="2000" dirty="0" smtClean="0"/>
+              <a:t>Firebase DB</a:t>
+            </a:r>
+            <a:r>
+              <a:rPr lang="ko-KR" altLang="en-US" sz="2000" dirty="0" smtClean="0"/>
+              <a:t>에 </a:t>
+            </a:r>
+            <a:r>
+              <a:rPr lang="en-US" altLang="ko-KR" sz="2000" dirty="0" err="1" smtClean="0"/>
+              <a:t>json</a:t>
+            </a:r>
+            <a:r>
+              <a:rPr lang="en-US" altLang="ko-KR" sz="2000" dirty="0" smtClean="0"/>
+              <a:t> </a:t>
+            </a:r>
+            <a:r>
+              <a:rPr lang="ko-KR" altLang="en-US" sz="2000" dirty="0" smtClean="0"/>
+              <a:t>데이터를 전달</a:t>
+            </a:r>
+            <a:r>
+              <a:rPr lang="en-US" altLang="ko-KR" sz="2000" dirty="0"/>
+              <a:t/>
+            </a:r>
+            <a:br>
+              <a:rPr lang="en-US" altLang="ko-KR" sz="2000" dirty="0"/>
+            </a:br>
+            <a:r>
+              <a:rPr lang="en-US" altLang="ko-KR" sz="2000" dirty="0" smtClean="0"/>
+              <a:t>-&gt;  </a:t>
+            </a:r>
+            <a:r>
+              <a:rPr lang="en-US" altLang="ko-KR" sz="2000" dirty="0" err="1" smtClean="0"/>
+              <a:t>firebase.database</a:t>
+            </a:r>
+            <a:r>
+              <a:rPr lang="en-US" altLang="ko-KR" sz="2000" dirty="0" smtClean="0"/>
+              <a:t>().</a:t>
+            </a:r>
+            <a:r>
+              <a:rPr lang="en-US" altLang="ko-KR" sz="2000" dirty="0"/>
+              <a:t>ref('diary</a:t>
+            </a:r>
+            <a:r>
+              <a:rPr lang="en-US" altLang="ko-KR" sz="2000" dirty="0" smtClean="0"/>
+              <a:t>').child(</a:t>
+            </a:r>
+            <a:r>
+              <a:rPr lang="ko-KR" altLang="en-US" sz="2000" dirty="0" smtClean="0"/>
+              <a:t>새로운 키</a:t>
+            </a:r>
+            <a:r>
+              <a:rPr lang="en-US" altLang="ko-KR" sz="2000" dirty="0" smtClean="0"/>
+              <a:t>).update(data);</a:t>
+            </a:r>
+            <a:r>
+              <a:rPr lang="en-US" altLang="ko-KR" sz="2000" dirty="0"/>
+              <a:t/>
+            </a:r>
+            <a:br>
+              <a:rPr lang="en-US" altLang="ko-KR" sz="2000" dirty="0"/>
+            </a:br>
+            <a:r>
+              <a:rPr lang="ko-KR" altLang="en-US" sz="2000" dirty="0" smtClean="0"/>
+              <a:t>이미 있는 글이면 기존 키에 </a:t>
+            </a:r>
+            <a:r>
+              <a:rPr lang="en-US" altLang="ko-KR" sz="2000" dirty="0" err="1" smtClean="0"/>
+              <a:t>json</a:t>
+            </a:r>
+            <a:r>
+              <a:rPr lang="en-US" altLang="ko-KR" sz="2000" dirty="0" smtClean="0"/>
+              <a:t> </a:t>
+            </a:r>
+            <a:r>
+              <a:rPr lang="ko-KR" altLang="en-US" sz="2000" dirty="0" smtClean="0"/>
+              <a:t>데이터를 업데이트 시킴</a:t>
+            </a:r>
+            <a:r>
+              <a:rPr lang="en-US" altLang="ko-KR" sz="2000" dirty="0"/>
+              <a:t/>
+            </a:r>
+            <a:br>
+              <a:rPr lang="en-US" altLang="ko-KR" sz="2000" dirty="0"/>
+            </a:br>
+            <a:r>
+              <a:rPr lang="en-US" altLang="ko-KR" sz="2000" dirty="0" smtClean="0"/>
+              <a:t>-&gt;  </a:t>
+            </a:r>
+            <a:r>
+              <a:rPr lang="en-US" altLang="ko-KR" sz="2000" dirty="0" err="1" smtClean="0"/>
+              <a:t>firebase.database</a:t>
+            </a:r>
+            <a:r>
+              <a:rPr lang="en-US" altLang="ko-KR" sz="2000" dirty="0" smtClean="0"/>
+              <a:t>().</a:t>
+            </a:r>
+            <a:r>
+              <a:rPr lang="en-US" altLang="ko-KR" sz="2000" dirty="0"/>
+              <a:t>ref('diary</a:t>
+            </a:r>
+            <a:r>
+              <a:rPr lang="en-US" altLang="ko-KR" sz="2000" dirty="0" smtClean="0"/>
+              <a:t>').(</a:t>
+            </a:r>
+            <a:r>
+              <a:rPr lang="ko-KR" altLang="en-US" sz="2000" dirty="0" smtClean="0"/>
+              <a:t>기존 키</a:t>
+            </a:r>
+            <a:r>
+              <a:rPr lang="en-US" altLang="ko-KR" sz="2000" dirty="0" smtClean="0"/>
+              <a:t>).update(data);</a:t>
+            </a:r>
+            <a:br>
+              <a:rPr lang="en-US" altLang="ko-KR" sz="2000" dirty="0" smtClean="0"/>
+            </a:br>
+            <a:r>
+              <a:rPr lang="ko-KR" altLang="en-US" sz="2000" dirty="0" smtClean="0"/>
+              <a:t>저장위치 </a:t>
+            </a:r>
+            <a:r>
+              <a:rPr lang="en-US" altLang="ko-KR" sz="2000" dirty="0" smtClean="0"/>
+              <a:t>: /diary/[key]</a:t>
+            </a:r>
+            <a:endParaRPr lang="ko-KR" altLang="en-US" sz="2000" dirty="0"/>
+          </a:p>
+        </p:txBody>
+      </p:sp>
+      <p:sp>
+        <p:nvSpPr>
+          <p:cNvPr id="8" name="Rectangle 7"/>
+          <p:cNvSpPr/>
+          <p:nvPr/>
+        </p:nvSpPr>
+        <p:spPr>
+          <a:xfrm>
+            <a:off x="7586190" y="938968"/>
+            <a:ext cx="3199748" cy="746427"/>
+          </a:xfrm>
+          <a:prstGeom prst="rect">
+            <a:avLst/>
+          </a:prstGeom>
+        </p:spPr>
+        <p:style>
+          <a:lnRef idx="1">
+            <a:schemeClr val="accent6"/>
+          </a:lnRef>
+          <a:fillRef idx="2">
+            <a:schemeClr val="accent6"/>
+          </a:fillRef>
+          <a:effectRef idx="1">
+            <a:schemeClr val="accent6"/>
+          </a:effectRef>
+          <a:fontRef idx="minor">
+            <a:schemeClr val="dk1"/>
+          </a:fontRef>
+        </p:style>
+        <p:txBody>
+          <a:bodyPr rtlCol="0" anchor="ctr"/>
+          <a:lstStyle/>
+          <a:p>
+            <a:pPr algn="ctr"/>
+            <a:r>
+              <a:rPr lang="en-US" altLang="ko-KR" sz="2000" dirty="0" smtClean="0"/>
+              <a:t>Title</a:t>
+            </a:r>
+            <a:endParaRPr lang="ko-KR" altLang="en-US" sz="2000" dirty="0"/>
+          </a:p>
+        </p:txBody>
+      </p:sp>
+      <p:sp>
+        <p:nvSpPr>
+          <p:cNvPr id="9" name="TextBox 8"/>
+          <p:cNvSpPr txBox="1"/>
+          <p:nvPr/>
+        </p:nvSpPr>
+        <p:spPr>
+          <a:xfrm>
+            <a:off x="6817894" y="1923727"/>
+            <a:ext cx="4479667" cy="400110"/>
+          </a:xfrm>
+          <a:prstGeom prst="rect">
+            <a:avLst/>
+          </a:prstGeom>
+          <a:noFill/>
+        </p:spPr>
+        <p:txBody>
+          <a:bodyPr wrap="square" rtlCol="0">
+            <a:spAutoFit/>
+          </a:bodyPr>
+          <a:lstStyle/>
+          <a:p>
+            <a:pPr algn="ctr"/>
+            <a:r>
+              <a:rPr lang="en-US" altLang="ko-KR" sz="2000" dirty="0" smtClean="0"/>
+              <a:t>Function of jQuery </a:t>
+            </a:r>
+            <a:r>
+              <a:rPr lang="en-US" altLang="ko-KR" sz="2000" dirty="0" err="1" smtClean="0"/>
+              <a:t>val</a:t>
+            </a:r>
+            <a:r>
+              <a:rPr lang="en-US" altLang="ko-KR" sz="2000" dirty="0" smtClean="0"/>
+              <a:t>()</a:t>
+            </a:r>
+            <a:endParaRPr lang="ko-KR" altLang="en-US" sz="2000" dirty="0"/>
+          </a:p>
+        </p:txBody>
+      </p:sp>
+      <p:sp>
+        <p:nvSpPr>
+          <p:cNvPr id="11" name="Bent-Up Arrow 10"/>
+          <p:cNvSpPr/>
+          <p:nvPr/>
+        </p:nvSpPr>
+        <p:spPr>
+          <a:xfrm rot="10800000">
+            <a:off x="6966611" y="2075345"/>
+            <a:ext cx="619579" cy="553616"/>
+          </a:xfrm>
+          <a:prstGeom prst="bentUpArrow">
+            <a:avLst>
+              <a:gd name="adj1" fmla="val 30795"/>
+              <a:gd name="adj2" fmla="val 25000"/>
+              <a:gd name="adj3" fmla="val 25000"/>
+            </a:avLst>
+          </a:prstGeom>
+        </p:spPr>
+        <p:style>
+          <a:lnRef idx="1">
+            <a:schemeClr val="accent6"/>
+          </a:lnRef>
+          <a:fillRef idx="2">
+            <a:schemeClr val="accent6"/>
+          </a:fillRef>
+          <a:effectRef idx="1">
+            <a:schemeClr val="accent6"/>
+          </a:effectRef>
+          <a:fontRef idx="minor">
+            <a:schemeClr val="dk1"/>
+          </a:fontRef>
+        </p:style>
+        <p:txBody>
+          <a:bodyPr rtlCol="0" anchor="ctr"/>
+          <a:lstStyle/>
+          <a:p>
+            <a:pPr algn="ctr"/>
+            <a:endParaRPr lang="ko-KR" altLang="en-US"/>
+          </a:p>
+        </p:txBody>
+      </p:sp>
+      <p:sp>
+        <p:nvSpPr>
+          <p:cNvPr id="12" name="Bent-Up Arrow 11"/>
+          <p:cNvSpPr/>
+          <p:nvPr/>
+        </p:nvSpPr>
+        <p:spPr>
+          <a:xfrm rot="10800000" flipH="1">
+            <a:off x="4406589" y="2075345"/>
+            <a:ext cx="619579" cy="553616"/>
+          </a:xfrm>
+          <a:prstGeom prst="bentUpArrow">
+            <a:avLst>
+              <a:gd name="adj1" fmla="val 30795"/>
+              <a:gd name="adj2" fmla="val 25000"/>
+              <a:gd name="adj3" fmla="val 25000"/>
+            </a:avLst>
+          </a:prstGeom>
+        </p:spPr>
+        <p:style>
+          <a:lnRef idx="1">
+            <a:schemeClr val="accent6"/>
+          </a:lnRef>
+          <a:fillRef idx="2">
+            <a:schemeClr val="accent6"/>
+          </a:fillRef>
+          <a:effectRef idx="1">
+            <a:schemeClr val="accent6"/>
+          </a:effectRef>
+          <a:fontRef idx="minor">
+            <a:schemeClr val="dk1"/>
+          </a:fontRef>
+        </p:style>
+        <p:txBody>
+          <a:bodyPr rtlCol="0" anchor="ctr"/>
+          <a:lstStyle/>
+          <a:p>
+            <a:pPr algn="ctr"/>
+            <a:endParaRPr lang="ko-KR" altLang="en-US"/>
+          </a:p>
+        </p:txBody>
+      </p:sp>
+    </p:spTree>
+    <p:extLst>
+      <p:ext uri="{BB962C8B-B14F-4D97-AF65-F5344CB8AC3E}">
+        <p14:creationId xmlns:p14="http://schemas.microsoft.com/office/powerpoint/2010/main" val="2283178911"/>
+      </p:ext>
+    </p:extLst>
+  </p:cSld>
+  <p:clrMapOvr>
+    <a:masterClrMapping/>
+  </p:clrMapOvr>
+  <p:timing>
+    <p:tnLst>
+      <p:par>
+        <p:cTn id="1" dur="indefinite" restart="never" nodeType="tmRoot"/>
+      </p:par>
+    </p:tnLst>
+  </p:timing>
+</p:sld>
+</file>
+
+<file path=ppt/slides/slide16.xml><?xml version="1.0" encoding="utf-8"?>
+<p:sld xmlns:a="http://schemas.openxmlformats.org/drawingml/2006/main" xmlns:r="http://schemas.openxmlformats.org/officeDocument/2006/relationships" xmlns:p="http://schemas.openxmlformats.org/presentationml/2006/main">
+  <p:cSld>
+    <p:spTree>
+      <p:nvGrpSpPr>
+        <p:cNvPr id="1" name=""/>
+        <p:cNvGrpSpPr/>
+        <p:nvPr/>
+      </p:nvGrpSpPr>
+      <p:grpSpPr>
+        <a:xfrm>
+          <a:off x="0" y="0"/>
+          <a:ext cx="0" cy="0"/>
+          <a:chOff x="0" y="0"/>
+          <a:chExt cx="0" cy="0"/>
+        </a:xfrm>
+      </p:grpSpPr>
+      <p:sp>
+        <p:nvSpPr>
+          <p:cNvPr id="2" name="Subtitle 2"/>
+          <p:cNvSpPr txBox="1">
+            <a:spLocks/>
+          </p:cNvSpPr>
+          <p:nvPr/>
+        </p:nvSpPr>
+        <p:spPr>
+          <a:xfrm>
+            <a:off x="272716" y="198725"/>
+            <a:ext cx="5903495" cy="740243"/>
+          </a:xfrm>
+          <a:prstGeom prst="rect">
+            <a:avLst/>
+          </a:prstGeom>
+        </p:spPr>
+        <p:txBody>
+          <a:bodyPr/>
+          <a:lstStyle>
+            <a:lvl1pPr marL="228600" indent="-228600" algn="l" defTabSz="914400" rtl="0" eaLnBrk="1" latinLnBrk="1" hangingPunct="1">
+              <a:lnSpc>
+                <a:spcPct val="90000"/>
+              </a:lnSpc>
+              <a:spcBef>
+                <a:spcPts val="1000"/>
+              </a:spcBef>
+              <a:buFont typeface="Arial" panose="020B0604020202020204" pitchFamily="34" charset="0"/>
+              <a:buChar char="•"/>
+              <a:defRPr sz="2800" kern="1200">
+                <a:solidFill>
+                  <a:schemeClr val="tx1"/>
+                </a:solidFill>
+                <a:latin typeface="+mn-lt"/>
+                <a:ea typeface="+mn-ea"/>
+                <a:cs typeface="+mn-cs"/>
+              </a:defRPr>
+            </a:lvl1pPr>
+            <a:lvl2pPr marL="685800" indent="-228600" algn="l" defTabSz="914400" rtl="0" eaLnBrk="1" latinLnBrk="1" hangingPunct="1">
+              <a:lnSpc>
+                <a:spcPct val="90000"/>
+              </a:lnSpc>
+              <a:spcBef>
+                <a:spcPts val="500"/>
+              </a:spcBef>
+              <a:buFont typeface="Arial" panose="020B0604020202020204" pitchFamily="34" charset="0"/>
+              <a:buChar char="•"/>
+              <a:defRPr sz="2400" kern="1200">
+                <a:solidFill>
+                  <a:schemeClr val="tx1"/>
+                </a:solidFill>
+                <a:latin typeface="+mn-lt"/>
+                <a:ea typeface="+mn-ea"/>
+                <a:cs typeface="+mn-cs"/>
+              </a:defRPr>
+            </a:lvl2pPr>
+            <a:lvl3pPr marL="1143000" indent="-228600" algn="l" defTabSz="914400" rtl="0" eaLnBrk="1" latinLnBrk="1" hangingPunct="1">
+              <a:lnSpc>
+                <a:spcPct val="90000"/>
+              </a:lnSpc>
+              <a:spcBef>
+                <a:spcPts val="500"/>
+              </a:spcBef>
+              <a:buFont typeface="Arial" panose="020B0604020202020204" pitchFamily="34" charset="0"/>
+              <a:buChar char="•"/>
+              <a:defRPr sz="2000" kern="1200">
+                <a:solidFill>
+                  <a:schemeClr val="tx1"/>
+                </a:solidFill>
+                <a:latin typeface="+mn-lt"/>
+                <a:ea typeface="+mn-ea"/>
+                <a:cs typeface="+mn-cs"/>
+              </a:defRPr>
+            </a:lvl3pPr>
+            <a:lvl4pPr marL="1600200" indent="-228600" algn="l" defTabSz="914400" rtl="0" eaLnBrk="1" latinLnBrk="1" hangingPunct="1">
+              <a:lnSpc>
+                <a:spcPct val="90000"/>
+              </a:lnSpc>
+              <a:spcBef>
+                <a:spcPts val="500"/>
+              </a:spcBef>
+              <a:buFont typeface="Arial" panose="020B0604020202020204" pitchFamily="34" charset="0"/>
+              <a:buChar char="•"/>
+              <a:defRPr sz="1800" kern="1200">
+                <a:solidFill>
+                  <a:schemeClr val="tx1"/>
+                </a:solidFill>
+                <a:latin typeface="+mn-lt"/>
+                <a:ea typeface="+mn-ea"/>
+                <a:cs typeface="+mn-cs"/>
+              </a:defRPr>
+            </a:lvl4pPr>
+            <a:lvl5pPr marL="2057400" indent="-228600" algn="l" defTabSz="914400" rtl="0" eaLnBrk="1" latinLnBrk="1" hangingPunct="1">
+              <a:lnSpc>
+                <a:spcPct val="90000"/>
+              </a:lnSpc>
+              <a:spcBef>
+                <a:spcPts val="500"/>
+              </a:spcBef>
+              <a:buFont typeface="Arial" panose="020B0604020202020204" pitchFamily="34" charset="0"/>
+              <a:buChar char="•"/>
+              <a:defRPr sz="1800" kern="1200">
+                <a:solidFill>
+                  <a:schemeClr val="tx1"/>
+                </a:solidFill>
+                <a:latin typeface="+mn-lt"/>
+                <a:ea typeface="+mn-ea"/>
+                <a:cs typeface="+mn-cs"/>
+              </a:defRPr>
+            </a:lvl5pPr>
+            <a:lvl6pPr marL="2514600" indent="-228600" algn="l" defTabSz="914400" rtl="0" eaLnBrk="1" latinLnBrk="1" hangingPunct="1">
+              <a:lnSpc>
+                <a:spcPct val="90000"/>
+              </a:lnSpc>
+              <a:spcBef>
+                <a:spcPts val="500"/>
+              </a:spcBef>
+              <a:buFont typeface="Arial" panose="020B0604020202020204" pitchFamily="34" charset="0"/>
+              <a:buChar char="•"/>
+              <a:defRPr sz="1800" kern="1200">
+                <a:solidFill>
+                  <a:schemeClr val="tx1"/>
+                </a:solidFill>
+                <a:latin typeface="+mn-lt"/>
+                <a:ea typeface="+mn-ea"/>
+                <a:cs typeface="+mn-cs"/>
+              </a:defRPr>
+            </a:lvl6pPr>
+            <a:lvl7pPr marL="2971800" indent="-228600" algn="l" defTabSz="914400" rtl="0" eaLnBrk="1" latinLnBrk="1" hangingPunct="1">
+              <a:lnSpc>
+                <a:spcPct val="90000"/>
+              </a:lnSpc>
+              <a:spcBef>
+                <a:spcPts val="500"/>
+              </a:spcBef>
+              <a:buFont typeface="Arial" panose="020B0604020202020204" pitchFamily="34" charset="0"/>
+              <a:buChar char="•"/>
+              <a:defRPr sz="1800" kern="1200">
+                <a:solidFill>
+                  <a:schemeClr val="tx1"/>
+                </a:solidFill>
+                <a:latin typeface="+mn-lt"/>
+                <a:ea typeface="+mn-ea"/>
+                <a:cs typeface="+mn-cs"/>
+              </a:defRPr>
+            </a:lvl7pPr>
+            <a:lvl8pPr marL="3429000" indent="-228600" algn="l" defTabSz="914400" rtl="0" eaLnBrk="1" latinLnBrk="1" hangingPunct="1">
+              <a:lnSpc>
+                <a:spcPct val="90000"/>
+              </a:lnSpc>
+              <a:spcBef>
+                <a:spcPts val="500"/>
+              </a:spcBef>
+              <a:buFont typeface="Arial" panose="020B0604020202020204" pitchFamily="34" charset="0"/>
+              <a:buChar char="•"/>
+              <a:defRPr sz="1800" kern="1200">
+                <a:solidFill>
+                  <a:schemeClr val="tx1"/>
+                </a:solidFill>
+                <a:latin typeface="+mn-lt"/>
+                <a:ea typeface="+mn-ea"/>
+                <a:cs typeface="+mn-cs"/>
+              </a:defRPr>
+            </a:lvl8pPr>
+            <a:lvl9pPr marL="3886200" indent="-228600" algn="l" defTabSz="914400" rtl="0" eaLnBrk="1" latinLnBrk="1" hangingPunct="1">
+              <a:lnSpc>
+                <a:spcPct val="90000"/>
+              </a:lnSpc>
+              <a:spcBef>
+                <a:spcPts val="500"/>
+              </a:spcBef>
+              <a:buFont typeface="Arial" panose="020B0604020202020204" pitchFamily="34" charset="0"/>
+              <a:buChar char="•"/>
+              <a:defRPr sz="1800" kern="1200">
+                <a:solidFill>
+                  <a:schemeClr val="tx1"/>
+                </a:solidFill>
+                <a:latin typeface="+mn-lt"/>
+                <a:ea typeface="+mn-ea"/>
+                <a:cs typeface="+mn-cs"/>
+              </a:defRPr>
+            </a:lvl9pPr>
+          </a:lstStyle>
+          <a:p>
+            <a:pPr marL="0" indent="0" algn="ctr">
+              <a:buNone/>
+            </a:pPr>
+            <a:r>
+              <a:rPr lang="en-US" altLang="ko-KR" sz="4000" dirty="0" smtClean="0">
+                <a:latin typeface="+mn-ea"/>
+              </a:rPr>
+              <a:t>Function </a:t>
+            </a:r>
+            <a:r>
+              <a:rPr lang="en-US" altLang="ko-KR" sz="4000" dirty="0" err="1" smtClean="0">
+                <a:latin typeface="+mn-ea"/>
+              </a:rPr>
+              <a:t>hashCheck</a:t>
+            </a:r>
+            <a:r>
+              <a:rPr lang="en-US" altLang="ko-KR" sz="4000" dirty="0" smtClean="0">
+                <a:latin typeface="+mn-ea"/>
+              </a:rPr>
+              <a:t>()</a:t>
+            </a:r>
+            <a:endParaRPr lang="ko-KR" altLang="en-US" sz="4000" dirty="0">
+              <a:latin typeface="+mn-ea"/>
+            </a:endParaRPr>
+          </a:p>
+        </p:txBody>
+      </p:sp>
+      <p:sp>
+        <p:nvSpPr>
+          <p:cNvPr id="5" name="TextBox 4"/>
+          <p:cNvSpPr txBox="1"/>
+          <p:nvPr/>
+        </p:nvSpPr>
+        <p:spPr>
+          <a:xfrm>
+            <a:off x="0" y="2132627"/>
+            <a:ext cx="4479667" cy="400110"/>
+          </a:xfrm>
+          <a:prstGeom prst="rect">
+            <a:avLst/>
+          </a:prstGeom>
+          <a:noFill/>
+        </p:spPr>
+        <p:txBody>
+          <a:bodyPr wrap="square" rtlCol="0">
+            <a:spAutoFit/>
+          </a:bodyPr>
+          <a:lstStyle/>
+          <a:p>
+            <a:pPr algn="ctr"/>
+            <a:r>
+              <a:rPr lang="en-US" altLang="ko-KR" sz="2000" dirty="0" err="1"/>
+              <a:t>CKEDITOR.instances.editor.getData</a:t>
+            </a:r>
+            <a:r>
+              <a:rPr lang="en-US" altLang="ko-KR" sz="2000" dirty="0"/>
+              <a:t>()</a:t>
+            </a:r>
+            <a:endParaRPr lang="ko-KR" altLang="en-US" sz="2000" dirty="0"/>
+          </a:p>
+        </p:txBody>
+      </p:sp>
+      <p:sp>
+        <p:nvSpPr>
+          <p:cNvPr id="4" name="Rectangle 3"/>
+          <p:cNvSpPr/>
+          <p:nvPr/>
+        </p:nvSpPr>
+        <p:spPr>
+          <a:xfrm>
+            <a:off x="639959" y="1162584"/>
+            <a:ext cx="3199748" cy="746427"/>
+          </a:xfrm>
+          <a:prstGeom prst="rect">
+            <a:avLst/>
+          </a:prstGeom>
+        </p:spPr>
+        <p:style>
+          <a:lnRef idx="1">
+            <a:schemeClr val="accent6"/>
+          </a:lnRef>
+          <a:fillRef idx="2">
+            <a:schemeClr val="accent6"/>
+          </a:fillRef>
+          <a:effectRef idx="1">
+            <a:schemeClr val="accent6"/>
+          </a:effectRef>
+          <a:fontRef idx="minor">
+            <a:schemeClr val="dk1"/>
+          </a:fontRef>
+        </p:style>
+        <p:txBody>
+          <a:bodyPr rtlCol="0" anchor="ctr"/>
+          <a:lstStyle/>
+          <a:p>
+            <a:pPr algn="ctr"/>
+            <a:r>
+              <a:rPr lang="en-US" altLang="ko-KR" sz="2000" dirty="0" smtClean="0"/>
+              <a:t>CKEDITOR</a:t>
+            </a:r>
+            <a:r>
+              <a:rPr lang="ko-KR" altLang="en-US" sz="2000" dirty="0" smtClean="0"/>
+              <a:t>에 쓰여진 글</a:t>
+            </a:r>
+            <a:endParaRPr lang="ko-KR" altLang="en-US" sz="2000" dirty="0"/>
+          </a:p>
+        </p:txBody>
+      </p:sp>
+      <p:sp>
+        <p:nvSpPr>
+          <p:cNvPr id="7" name="Rectangle 6"/>
+          <p:cNvSpPr/>
+          <p:nvPr/>
+        </p:nvSpPr>
+        <p:spPr>
+          <a:xfrm>
+            <a:off x="1298992" y="3102669"/>
+            <a:ext cx="9486946" cy="3490635"/>
+          </a:xfrm>
+          <a:prstGeom prst="rect">
+            <a:avLst/>
+          </a:prstGeom>
+        </p:spPr>
+        <p:style>
+          <a:lnRef idx="1">
+            <a:schemeClr val="accent6"/>
+          </a:lnRef>
+          <a:fillRef idx="2">
+            <a:schemeClr val="accent6"/>
+          </a:fillRef>
+          <a:effectRef idx="1">
+            <a:schemeClr val="accent6"/>
+          </a:effectRef>
+          <a:fontRef idx="minor">
+            <a:schemeClr val="dk1"/>
+          </a:fontRef>
+        </p:style>
+        <p:txBody>
+          <a:bodyPr rtlCol="0" anchor="ctr"/>
+          <a:lstStyle/>
+          <a:p>
+            <a:pPr algn="ctr"/>
+            <a:r>
+              <a:rPr lang="en-US" altLang="ko-KR" sz="3600" dirty="0">
+                <a:latin typeface="+mn-ea"/>
+              </a:rPr>
+              <a:t>Function </a:t>
+            </a:r>
+            <a:r>
+              <a:rPr lang="en-US" altLang="ko-KR" sz="3600" dirty="0" err="1">
+                <a:latin typeface="+mn-ea"/>
+              </a:rPr>
+              <a:t>hashCheck</a:t>
+            </a:r>
+            <a:r>
+              <a:rPr lang="en-US" altLang="ko-KR" sz="3600" dirty="0" smtClean="0">
+                <a:latin typeface="+mn-ea"/>
+              </a:rPr>
+              <a:t>()</a:t>
+            </a:r>
+          </a:p>
+          <a:p>
+            <a:pPr algn="ctr"/>
+            <a:r>
+              <a:rPr lang="en-US" altLang="ko-KR" sz="3600" dirty="0" smtClean="0">
+                <a:latin typeface="+mn-ea"/>
+              </a:rPr>
+              <a:t>“&lt;p&gt;#</a:t>
+            </a:r>
+            <a:r>
+              <a:rPr lang="en-US" altLang="ko-KR" sz="3600" dirty="0" err="1" smtClean="0">
+                <a:latin typeface="+mn-ea"/>
+              </a:rPr>
+              <a:t>hihi</a:t>
+            </a:r>
+            <a:r>
+              <a:rPr lang="en-US" altLang="ko-KR" sz="3600" dirty="0" smtClean="0">
+                <a:latin typeface="+mn-ea"/>
+              </a:rPr>
+              <a:t>&lt;/p&gt;” </a:t>
+            </a:r>
+            <a:r>
+              <a:rPr lang="ko-KR" altLang="en-US" sz="3600" dirty="0" smtClean="0">
+                <a:latin typeface="+mn-ea"/>
+              </a:rPr>
+              <a:t>입력됐다고 가정</a:t>
+            </a:r>
+            <a:endParaRPr lang="ko-KR" altLang="en-US" sz="3600" dirty="0">
+              <a:latin typeface="+mn-ea"/>
+            </a:endParaRPr>
+          </a:p>
+          <a:p>
+            <a:pPr marL="457200" indent="-457200">
+              <a:lnSpc>
+                <a:spcPct val="150000"/>
+              </a:lnSpc>
+              <a:buFont typeface="+mj-lt"/>
+              <a:buAutoNum type="arabicPeriod"/>
+            </a:pPr>
+            <a:r>
+              <a:rPr lang="en-US" altLang="ko-KR" sz="2000" dirty="0" smtClean="0"/>
+              <a:t>split </a:t>
+            </a:r>
+            <a:r>
+              <a:rPr lang="ko-KR" altLang="en-US" sz="2000" dirty="0" smtClean="0"/>
+              <a:t>함수로 </a:t>
+            </a:r>
+            <a:r>
+              <a:rPr lang="en-US" altLang="ko-KR" sz="2000" dirty="0" smtClean="0"/>
+              <a:t>‘\n\n’, ‘ ‘</a:t>
+            </a:r>
+            <a:r>
+              <a:rPr lang="ko-KR" altLang="en-US" sz="2000" dirty="0" smtClean="0"/>
+              <a:t>을 기준으로 문자열들을 자른다</a:t>
+            </a:r>
+            <a:r>
+              <a:rPr lang="en-US" altLang="ko-KR" sz="2000" dirty="0" smtClean="0"/>
+              <a:t>. “&lt;p&gt;#</a:t>
+            </a:r>
+            <a:r>
+              <a:rPr lang="en-US" altLang="ko-KR" sz="2000" dirty="0" err="1" smtClean="0"/>
+              <a:t>hihi</a:t>
+            </a:r>
+            <a:r>
+              <a:rPr lang="en-US" altLang="ko-KR" sz="2000" dirty="0" smtClean="0"/>
+              <a:t>&lt;/p&gt;”</a:t>
+            </a:r>
+          </a:p>
+          <a:p>
+            <a:pPr marL="457200" indent="-457200">
+              <a:lnSpc>
+                <a:spcPct val="150000"/>
+              </a:lnSpc>
+              <a:buFont typeface="+mj-lt"/>
+              <a:buAutoNum type="arabicPeriod"/>
+            </a:pPr>
+            <a:r>
+              <a:rPr lang="ko-KR" altLang="en-US" sz="2000" dirty="0" smtClean="0"/>
+              <a:t>정규식 </a:t>
+            </a:r>
+            <a:r>
+              <a:rPr lang="en-US" altLang="ko-KR" sz="2000" dirty="0" smtClean="0"/>
+              <a:t>/(&lt;([^&gt;]+)&gt;)/</a:t>
+            </a:r>
+            <a:r>
+              <a:rPr lang="en-US" altLang="ko-KR" sz="2000" dirty="0" err="1" smtClean="0"/>
+              <a:t>ig</a:t>
+            </a:r>
+            <a:r>
+              <a:rPr lang="en-US" altLang="ko-KR" sz="2000" dirty="0" smtClean="0"/>
+              <a:t> </a:t>
+            </a:r>
+            <a:r>
+              <a:rPr lang="ko-KR" altLang="en-US" sz="2000" dirty="0" smtClean="0"/>
+              <a:t>을 이용해 태그들을 삭제한다</a:t>
+            </a:r>
+            <a:r>
+              <a:rPr lang="en-US" altLang="ko-KR" sz="2000" dirty="0" smtClean="0"/>
+              <a:t>. “#</a:t>
+            </a:r>
+            <a:r>
+              <a:rPr lang="en-US" altLang="ko-KR" sz="2000" dirty="0" err="1" smtClean="0"/>
+              <a:t>hihi</a:t>
+            </a:r>
+            <a:r>
+              <a:rPr lang="en-US" altLang="ko-KR" sz="2000" dirty="0" smtClean="0"/>
+              <a:t>”</a:t>
+            </a:r>
+          </a:p>
+          <a:p>
+            <a:pPr marL="457200" indent="-457200">
+              <a:lnSpc>
+                <a:spcPct val="150000"/>
+              </a:lnSpc>
+              <a:buFont typeface="+mj-lt"/>
+              <a:buAutoNum type="arabicPeriod"/>
+            </a:pPr>
+            <a:r>
+              <a:rPr lang="en-US" altLang="ko-KR" sz="2000" dirty="0" smtClean="0"/>
+              <a:t>split </a:t>
+            </a:r>
+            <a:r>
+              <a:rPr lang="ko-KR" altLang="en-US" sz="2000" dirty="0" smtClean="0"/>
+              <a:t>함수로 </a:t>
+            </a:r>
+            <a:r>
+              <a:rPr lang="en-US" altLang="ko-KR" sz="2000" dirty="0" smtClean="0"/>
+              <a:t>‘\n’</a:t>
+            </a:r>
+            <a:r>
+              <a:rPr lang="ko-KR" altLang="en-US" sz="2000" dirty="0" smtClean="0"/>
+              <a:t>을 기준으로 문자열들을 자른다</a:t>
+            </a:r>
+            <a:r>
+              <a:rPr lang="en-US" altLang="ko-KR" sz="2000" dirty="0" smtClean="0"/>
+              <a:t>. (</a:t>
+            </a:r>
+            <a:r>
+              <a:rPr lang="ko-KR" altLang="en-US" sz="2000" dirty="0" smtClean="0"/>
+              <a:t>엔터가 눌렀느냐의 여부로 </a:t>
+            </a:r>
+            <a:r>
+              <a:rPr lang="en-US" altLang="ko-KR" sz="2000" dirty="0" smtClean="0"/>
+              <a:t>\n</a:t>
+            </a:r>
+            <a:r>
+              <a:rPr lang="ko-KR" altLang="en-US" sz="2000" dirty="0" smtClean="0"/>
+              <a:t>이 추가적으로 문자열의 끝에 붙기 때문이다</a:t>
+            </a:r>
+            <a:r>
+              <a:rPr lang="en-US" altLang="ko-KR" sz="2000" dirty="0"/>
+              <a:t>)</a:t>
+            </a:r>
+            <a:endParaRPr lang="en-US" altLang="ko-KR" sz="2000" dirty="0" smtClean="0"/>
+          </a:p>
+          <a:p>
+            <a:pPr marL="457200" indent="-457200">
+              <a:lnSpc>
+                <a:spcPct val="150000"/>
+              </a:lnSpc>
+              <a:buFont typeface="+mj-lt"/>
+              <a:buAutoNum type="arabicPeriod"/>
+            </a:pPr>
+            <a:r>
+              <a:rPr lang="ko-KR" altLang="en-US" sz="2000" dirty="0" smtClean="0"/>
+              <a:t>이들 중 문자열의 </a:t>
+            </a:r>
+            <a:r>
+              <a:rPr lang="en-US" altLang="ko-KR" sz="2000" dirty="0" smtClean="0"/>
+              <a:t>0</a:t>
+            </a:r>
+            <a:r>
+              <a:rPr lang="ko-KR" altLang="en-US" sz="2000" dirty="0" smtClean="0"/>
+              <a:t>번째 요소가 </a:t>
+            </a:r>
+            <a:r>
+              <a:rPr lang="en-US" altLang="ko-KR" sz="2000" dirty="0" smtClean="0"/>
+              <a:t>‘#’</a:t>
+            </a:r>
+            <a:r>
+              <a:rPr lang="ko-KR" altLang="en-US" sz="2000" dirty="0" smtClean="0"/>
+              <a:t>인 문자열을 </a:t>
+            </a:r>
+            <a:r>
+              <a:rPr lang="en-US" altLang="ko-KR" sz="2000" dirty="0" smtClean="0"/>
+              <a:t>hash </a:t>
+            </a:r>
+            <a:r>
+              <a:rPr lang="ko-KR" altLang="en-US" sz="2000" dirty="0" smtClean="0"/>
+              <a:t>배열에 넣어서 반환한다</a:t>
+            </a:r>
+            <a:r>
+              <a:rPr lang="en-US" altLang="ko-KR" sz="2000" dirty="0" smtClean="0"/>
+              <a:t>.</a:t>
+            </a:r>
+            <a:endParaRPr lang="ko-KR" altLang="en-US" sz="2000" dirty="0"/>
+          </a:p>
+        </p:txBody>
+      </p:sp>
+      <p:sp>
+        <p:nvSpPr>
+          <p:cNvPr id="12" name="Bent-Up Arrow 11"/>
+          <p:cNvSpPr/>
+          <p:nvPr/>
+        </p:nvSpPr>
+        <p:spPr>
+          <a:xfrm rot="10800000" flipH="1">
+            <a:off x="4406589" y="2298961"/>
+            <a:ext cx="619579" cy="553616"/>
+          </a:xfrm>
+          <a:prstGeom prst="bentUpArrow">
+            <a:avLst>
+              <a:gd name="adj1" fmla="val 30795"/>
+              <a:gd name="adj2" fmla="val 25000"/>
+              <a:gd name="adj3" fmla="val 25000"/>
+            </a:avLst>
+          </a:prstGeom>
+        </p:spPr>
+        <p:style>
+          <a:lnRef idx="1">
+            <a:schemeClr val="accent6"/>
+          </a:lnRef>
+          <a:fillRef idx="2">
+            <a:schemeClr val="accent6"/>
+          </a:fillRef>
+          <a:effectRef idx="1">
+            <a:schemeClr val="accent6"/>
+          </a:effectRef>
+          <a:fontRef idx="minor">
+            <a:schemeClr val="dk1"/>
+          </a:fontRef>
+        </p:style>
+        <p:txBody>
+          <a:bodyPr rtlCol="0" anchor="ctr"/>
+          <a:lstStyle/>
+          <a:p>
+            <a:pPr algn="ctr"/>
+            <a:endParaRPr lang="ko-KR" altLang="en-US"/>
+          </a:p>
+        </p:txBody>
+      </p:sp>
+    </p:spTree>
+    <p:extLst>
+      <p:ext uri="{BB962C8B-B14F-4D97-AF65-F5344CB8AC3E}">
+        <p14:creationId xmlns:p14="http://schemas.microsoft.com/office/powerpoint/2010/main" val="2420630890"/>
+      </p:ext>
+    </p:extLst>
+  </p:cSld>
+  <p:clrMapOvr>
+    <a:masterClrMapping/>
+  </p:clrMapOvr>
+  <p:timing>
+    <p:tnLst>
+      <p:par>
+        <p:cTn id="1" dur="indefinite" restart="never" nodeType="tmRoot"/>
+      </p:par>
+    </p:tnLst>
+  </p:timing>
+</p:sld>
+</file>
+
+<file path=ppt/slides/slide17.xml><?xml version="1.0" encoding="utf-8"?>
+<p:sld xmlns:a="http://schemas.openxmlformats.org/drawingml/2006/main" xmlns:r="http://schemas.openxmlformats.org/officeDocument/2006/relationships" xmlns:p="http://schemas.openxmlformats.org/presentationml/2006/main">
+  <p:cSld>
+    <p:spTree>
+      <p:nvGrpSpPr>
+        <p:cNvPr id="1" name=""/>
+        <p:cNvGrpSpPr/>
+        <p:nvPr/>
+      </p:nvGrpSpPr>
+      <p:grpSpPr>
+        <a:xfrm>
+          <a:off x="0" y="0"/>
+          <a:ext cx="0" cy="0"/>
+          <a:chOff x="0" y="0"/>
+          <a:chExt cx="0" cy="0"/>
+        </a:xfrm>
+      </p:grpSpPr>
+      <p:sp>
+        <p:nvSpPr>
+          <p:cNvPr id="2" name="Subtitle 2"/>
+          <p:cNvSpPr txBox="1">
+            <a:spLocks/>
+          </p:cNvSpPr>
+          <p:nvPr/>
+        </p:nvSpPr>
+        <p:spPr>
+          <a:xfrm>
+            <a:off x="272716" y="198725"/>
+            <a:ext cx="7138737" cy="740243"/>
+          </a:xfrm>
+          <a:prstGeom prst="rect">
+            <a:avLst/>
+          </a:prstGeom>
+        </p:spPr>
+        <p:txBody>
+          <a:bodyPr/>
+          <a:lstStyle>
+            <a:lvl1pPr marL="228600" indent="-228600" algn="l" defTabSz="914400" rtl="0" eaLnBrk="1" latinLnBrk="1" hangingPunct="1">
+              <a:lnSpc>
+                <a:spcPct val="90000"/>
+              </a:lnSpc>
+              <a:spcBef>
+                <a:spcPts val="1000"/>
+              </a:spcBef>
+              <a:buFont typeface="Arial" panose="020B0604020202020204" pitchFamily="34" charset="0"/>
+              <a:buChar char="•"/>
+              <a:defRPr sz="2800" kern="1200">
+                <a:solidFill>
+                  <a:schemeClr val="tx1"/>
+                </a:solidFill>
+                <a:latin typeface="+mn-lt"/>
+                <a:ea typeface="+mn-ea"/>
+                <a:cs typeface="+mn-cs"/>
+              </a:defRPr>
+            </a:lvl1pPr>
+            <a:lvl2pPr marL="685800" indent="-228600" algn="l" defTabSz="914400" rtl="0" eaLnBrk="1" latinLnBrk="1" hangingPunct="1">
+              <a:lnSpc>
+                <a:spcPct val="90000"/>
+              </a:lnSpc>
+              <a:spcBef>
+                <a:spcPts val="500"/>
+              </a:spcBef>
+              <a:buFont typeface="Arial" panose="020B0604020202020204" pitchFamily="34" charset="0"/>
+              <a:buChar char="•"/>
+              <a:defRPr sz="2400" kern="1200">
+                <a:solidFill>
+                  <a:schemeClr val="tx1"/>
+                </a:solidFill>
+                <a:latin typeface="+mn-lt"/>
+                <a:ea typeface="+mn-ea"/>
+                <a:cs typeface="+mn-cs"/>
+              </a:defRPr>
+            </a:lvl2pPr>
+            <a:lvl3pPr marL="1143000" indent="-228600" algn="l" defTabSz="914400" rtl="0" eaLnBrk="1" latinLnBrk="1" hangingPunct="1">
+              <a:lnSpc>
+                <a:spcPct val="90000"/>
+              </a:lnSpc>
+              <a:spcBef>
+                <a:spcPts val="500"/>
+              </a:spcBef>
+              <a:buFont typeface="Arial" panose="020B0604020202020204" pitchFamily="34" charset="0"/>
+              <a:buChar char="•"/>
+              <a:defRPr sz="2000" kern="1200">
+                <a:solidFill>
+                  <a:schemeClr val="tx1"/>
+                </a:solidFill>
+                <a:latin typeface="+mn-lt"/>
+                <a:ea typeface="+mn-ea"/>
+                <a:cs typeface="+mn-cs"/>
+              </a:defRPr>
+            </a:lvl3pPr>
+            <a:lvl4pPr marL="1600200" indent="-228600" algn="l" defTabSz="914400" rtl="0" eaLnBrk="1" latinLnBrk="1" hangingPunct="1">
+              <a:lnSpc>
+                <a:spcPct val="90000"/>
+              </a:lnSpc>
+              <a:spcBef>
+                <a:spcPts val="500"/>
+              </a:spcBef>
+              <a:buFont typeface="Arial" panose="020B0604020202020204" pitchFamily="34" charset="0"/>
+              <a:buChar char="•"/>
+              <a:defRPr sz="1800" kern="1200">
+                <a:solidFill>
+                  <a:schemeClr val="tx1"/>
+                </a:solidFill>
+                <a:latin typeface="+mn-lt"/>
+                <a:ea typeface="+mn-ea"/>
+                <a:cs typeface="+mn-cs"/>
+              </a:defRPr>
+            </a:lvl4pPr>
+            <a:lvl5pPr marL="2057400" indent="-228600" algn="l" defTabSz="914400" rtl="0" eaLnBrk="1" latinLnBrk="1" hangingPunct="1">
+              <a:lnSpc>
+                <a:spcPct val="90000"/>
+              </a:lnSpc>
+              <a:spcBef>
+                <a:spcPts val="500"/>
+              </a:spcBef>
+              <a:buFont typeface="Arial" panose="020B0604020202020204" pitchFamily="34" charset="0"/>
+              <a:buChar char="•"/>
+              <a:defRPr sz="1800" kern="1200">
+                <a:solidFill>
+                  <a:schemeClr val="tx1"/>
+                </a:solidFill>
+                <a:latin typeface="+mn-lt"/>
+                <a:ea typeface="+mn-ea"/>
+                <a:cs typeface="+mn-cs"/>
+              </a:defRPr>
+            </a:lvl5pPr>
+            <a:lvl6pPr marL="2514600" indent="-228600" algn="l" defTabSz="914400" rtl="0" eaLnBrk="1" latinLnBrk="1" hangingPunct="1">
+              <a:lnSpc>
+                <a:spcPct val="90000"/>
+              </a:lnSpc>
+              <a:spcBef>
+                <a:spcPts val="500"/>
+              </a:spcBef>
+              <a:buFont typeface="Arial" panose="020B0604020202020204" pitchFamily="34" charset="0"/>
+              <a:buChar char="•"/>
+              <a:defRPr sz="1800" kern="1200">
+                <a:solidFill>
+                  <a:schemeClr val="tx1"/>
+                </a:solidFill>
+                <a:latin typeface="+mn-lt"/>
+                <a:ea typeface="+mn-ea"/>
+                <a:cs typeface="+mn-cs"/>
+              </a:defRPr>
+            </a:lvl6pPr>
+            <a:lvl7pPr marL="2971800" indent="-228600" algn="l" defTabSz="914400" rtl="0" eaLnBrk="1" latinLnBrk="1" hangingPunct="1">
+              <a:lnSpc>
+                <a:spcPct val="90000"/>
+              </a:lnSpc>
+              <a:spcBef>
+                <a:spcPts val="500"/>
+              </a:spcBef>
+              <a:buFont typeface="Arial" panose="020B0604020202020204" pitchFamily="34" charset="0"/>
+              <a:buChar char="•"/>
+              <a:defRPr sz="1800" kern="1200">
+                <a:solidFill>
+                  <a:schemeClr val="tx1"/>
+                </a:solidFill>
+                <a:latin typeface="+mn-lt"/>
+                <a:ea typeface="+mn-ea"/>
+                <a:cs typeface="+mn-cs"/>
+              </a:defRPr>
+            </a:lvl7pPr>
+            <a:lvl8pPr marL="3429000" indent="-228600" algn="l" defTabSz="914400" rtl="0" eaLnBrk="1" latinLnBrk="1" hangingPunct="1">
+              <a:lnSpc>
+                <a:spcPct val="90000"/>
+              </a:lnSpc>
+              <a:spcBef>
+                <a:spcPts val="500"/>
+              </a:spcBef>
+              <a:buFont typeface="Arial" panose="020B0604020202020204" pitchFamily="34" charset="0"/>
+              <a:buChar char="•"/>
+              <a:defRPr sz="1800" kern="1200">
+                <a:solidFill>
+                  <a:schemeClr val="tx1"/>
+                </a:solidFill>
+                <a:latin typeface="+mn-lt"/>
+                <a:ea typeface="+mn-ea"/>
+                <a:cs typeface="+mn-cs"/>
+              </a:defRPr>
+            </a:lvl8pPr>
+            <a:lvl9pPr marL="3886200" indent="-228600" algn="l" defTabSz="914400" rtl="0" eaLnBrk="1" latinLnBrk="1" hangingPunct="1">
+              <a:lnSpc>
+                <a:spcPct val="90000"/>
+              </a:lnSpc>
+              <a:spcBef>
+                <a:spcPts val="500"/>
+              </a:spcBef>
+              <a:buFont typeface="Arial" panose="020B0604020202020204" pitchFamily="34" charset="0"/>
+              <a:buChar char="•"/>
+              <a:defRPr sz="1800" kern="1200">
+                <a:solidFill>
+                  <a:schemeClr val="tx1"/>
+                </a:solidFill>
+                <a:latin typeface="+mn-lt"/>
+                <a:ea typeface="+mn-ea"/>
+                <a:cs typeface="+mn-cs"/>
+              </a:defRPr>
+            </a:lvl9pPr>
+          </a:lstStyle>
+          <a:p>
+            <a:pPr marL="0" indent="0" algn="ctr">
+              <a:buNone/>
+            </a:pPr>
+            <a:r>
+              <a:rPr lang="ko-KR" altLang="en-US" sz="4000" dirty="0" smtClean="0">
+                <a:latin typeface="+mn-ea"/>
+              </a:rPr>
+              <a:t>사진</a:t>
+            </a:r>
+            <a:r>
+              <a:rPr lang="en-US" altLang="ko-KR" sz="4000" dirty="0" smtClean="0">
+                <a:latin typeface="+mn-ea"/>
+              </a:rPr>
+              <a:t>, </a:t>
+            </a:r>
+            <a:r>
+              <a:rPr lang="ko-KR" altLang="en-US" sz="4000" dirty="0" smtClean="0">
+                <a:latin typeface="+mn-ea"/>
+              </a:rPr>
+              <a:t>비디오</a:t>
+            </a:r>
+            <a:r>
+              <a:rPr lang="en-US" altLang="ko-KR" sz="4000" dirty="0" smtClean="0">
+                <a:latin typeface="+mn-ea"/>
+              </a:rPr>
+              <a:t>, </a:t>
+            </a:r>
+            <a:r>
+              <a:rPr lang="ko-KR" altLang="en-US" sz="4000" dirty="0" smtClean="0">
+                <a:latin typeface="+mn-ea"/>
+              </a:rPr>
+              <a:t>일반 파일 저장</a:t>
+            </a:r>
+            <a:endParaRPr lang="ko-KR" altLang="en-US" sz="4000" dirty="0">
+              <a:latin typeface="+mn-ea"/>
+            </a:endParaRPr>
+          </a:p>
+        </p:txBody>
+      </p:sp>
+      <p:sp>
+        <p:nvSpPr>
+          <p:cNvPr id="5" name="TextBox 4"/>
+          <p:cNvSpPr txBox="1"/>
+          <p:nvPr/>
+        </p:nvSpPr>
+        <p:spPr>
+          <a:xfrm>
+            <a:off x="711912" y="1964995"/>
+            <a:ext cx="5891373" cy="400110"/>
+          </a:xfrm>
+          <a:prstGeom prst="rect">
+            <a:avLst/>
+          </a:prstGeom>
+          <a:noFill/>
+        </p:spPr>
+        <p:txBody>
+          <a:bodyPr wrap="square" rtlCol="0">
+            <a:spAutoFit/>
+          </a:bodyPr>
+          <a:lstStyle/>
+          <a:p>
+            <a:pPr algn="ctr"/>
+            <a:r>
+              <a:rPr lang="en-US" altLang="ko-KR" sz="2000" dirty="0" smtClean="0"/>
+              <a:t>File input tag</a:t>
+            </a:r>
+            <a:r>
+              <a:rPr lang="ko-KR" altLang="en-US" sz="2000" dirty="0" smtClean="0"/>
+              <a:t>에 입력된 파일</a:t>
+            </a:r>
+            <a:endParaRPr lang="ko-KR" altLang="en-US" sz="2000" dirty="0"/>
+          </a:p>
+        </p:txBody>
+      </p:sp>
+      <p:sp>
+        <p:nvSpPr>
+          <p:cNvPr id="4" name="Rectangle 3"/>
+          <p:cNvSpPr/>
+          <p:nvPr/>
+        </p:nvSpPr>
+        <p:spPr>
+          <a:xfrm>
+            <a:off x="272717" y="1162585"/>
+            <a:ext cx="2117558" cy="650202"/>
+          </a:xfrm>
+          <a:prstGeom prst="rect">
+            <a:avLst/>
+          </a:prstGeom>
+        </p:spPr>
+        <p:style>
+          <a:lnRef idx="1">
+            <a:schemeClr val="accent6"/>
+          </a:lnRef>
+          <a:fillRef idx="2">
+            <a:schemeClr val="accent6"/>
+          </a:fillRef>
+          <a:effectRef idx="1">
+            <a:schemeClr val="accent6"/>
+          </a:effectRef>
+          <a:fontRef idx="minor">
+            <a:schemeClr val="dk1"/>
+          </a:fontRef>
+        </p:style>
+        <p:txBody>
+          <a:bodyPr rtlCol="0" anchor="ctr"/>
+          <a:lstStyle/>
+          <a:p>
+            <a:pPr algn="ctr"/>
+            <a:r>
+              <a:rPr lang="en-US" altLang="ko-KR" sz="2000" dirty="0" smtClean="0"/>
+              <a:t>File Button</a:t>
+            </a:r>
+            <a:endParaRPr lang="ko-KR" altLang="en-US" sz="2000" dirty="0"/>
+          </a:p>
+        </p:txBody>
+      </p:sp>
+      <p:sp>
+        <p:nvSpPr>
+          <p:cNvPr id="7" name="Rectangle 6"/>
+          <p:cNvSpPr/>
+          <p:nvPr/>
+        </p:nvSpPr>
+        <p:spPr>
+          <a:xfrm>
+            <a:off x="561054" y="2641913"/>
+            <a:ext cx="10716545" cy="4216087"/>
+          </a:xfrm>
+          <a:prstGeom prst="rect">
+            <a:avLst/>
+          </a:prstGeom>
+        </p:spPr>
+        <p:style>
+          <a:lnRef idx="1">
+            <a:schemeClr val="accent6"/>
+          </a:lnRef>
+          <a:fillRef idx="2">
+            <a:schemeClr val="accent6"/>
+          </a:fillRef>
+          <a:effectRef idx="1">
+            <a:schemeClr val="accent6"/>
+          </a:effectRef>
+          <a:fontRef idx="minor">
+            <a:schemeClr val="dk1"/>
+          </a:fontRef>
+        </p:style>
+        <p:txBody>
+          <a:bodyPr rtlCol="0" anchor="ctr"/>
+          <a:lstStyle/>
+          <a:p>
+            <a:pPr algn="ctr"/>
+            <a:r>
+              <a:rPr lang="en-US" altLang="ko-KR" sz="3600" dirty="0">
+                <a:latin typeface="+mn-ea"/>
+              </a:rPr>
+              <a:t>Function </a:t>
+            </a:r>
+            <a:r>
+              <a:rPr lang="en-US" altLang="ko-KR" sz="3600" dirty="0" err="1" smtClean="0">
+                <a:latin typeface="+mn-ea"/>
+              </a:rPr>
+              <a:t>fileUpload</a:t>
+            </a:r>
+            <a:r>
+              <a:rPr lang="en-US" altLang="ko-KR" sz="3600" dirty="0" smtClean="0">
+                <a:latin typeface="+mn-ea"/>
+              </a:rPr>
+              <a:t>(), </a:t>
+            </a:r>
+            <a:r>
+              <a:rPr lang="en-US" altLang="ko-KR" sz="3600" dirty="0" err="1" smtClean="0">
+                <a:latin typeface="+mn-ea"/>
+              </a:rPr>
+              <a:t>imgUpload</a:t>
+            </a:r>
+            <a:r>
+              <a:rPr lang="en-US" altLang="ko-KR" sz="3600" dirty="0" smtClean="0">
+                <a:latin typeface="+mn-ea"/>
+              </a:rPr>
+              <a:t>(), </a:t>
+            </a:r>
+            <a:r>
+              <a:rPr lang="en-US" altLang="ko-KR" sz="3600" dirty="0" err="1" smtClean="0">
+                <a:latin typeface="+mn-ea"/>
+              </a:rPr>
+              <a:t>videoUpload</a:t>
+            </a:r>
+            <a:r>
+              <a:rPr lang="en-US" altLang="ko-KR" sz="3600" dirty="0" smtClean="0">
+                <a:latin typeface="+mn-ea"/>
+              </a:rPr>
+              <a:t>()</a:t>
+            </a:r>
+            <a:endParaRPr lang="ko-KR" altLang="en-US" sz="3600" dirty="0">
+              <a:latin typeface="+mn-ea"/>
+            </a:endParaRPr>
+          </a:p>
+          <a:p>
+            <a:pPr marL="457200" indent="-457200">
+              <a:lnSpc>
+                <a:spcPct val="150000"/>
+              </a:lnSpc>
+              <a:buFont typeface="+mj-lt"/>
+              <a:buAutoNum type="arabicPeriod"/>
+            </a:pPr>
+            <a:r>
+              <a:rPr lang="ko-KR" altLang="en-US" sz="2000" dirty="0" smtClean="0"/>
+              <a:t>해당되는 </a:t>
+            </a:r>
+            <a:r>
+              <a:rPr lang="en-US" altLang="ko-KR" sz="2000" dirty="0" smtClean="0"/>
+              <a:t>input tag</a:t>
+            </a:r>
+            <a:r>
+              <a:rPr lang="ko-KR" altLang="en-US" sz="2000" dirty="0" smtClean="0"/>
+              <a:t>에 파일이 입력됐는지 확인</a:t>
+            </a:r>
+            <a:endParaRPr lang="en-US" altLang="ko-KR" sz="2000" dirty="0" smtClean="0"/>
+          </a:p>
+          <a:p>
+            <a:pPr marL="457200" indent="-457200">
+              <a:lnSpc>
+                <a:spcPct val="150000"/>
+              </a:lnSpc>
+              <a:buFont typeface="+mj-lt"/>
+              <a:buAutoNum type="arabicPeriod"/>
+            </a:pPr>
+            <a:r>
+              <a:rPr lang="ko-KR" altLang="en-US" sz="2000" dirty="0" smtClean="0"/>
+              <a:t>입력됐다면 입력된 파일을 해당되는 위치에 저장</a:t>
+            </a:r>
+            <a:r>
+              <a:rPr lang="en-US" altLang="ko-KR" sz="2000" dirty="0"/>
+              <a:t/>
+            </a:r>
+            <a:br>
+              <a:rPr lang="en-US" altLang="ko-KR" sz="2000" dirty="0"/>
+            </a:br>
+            <a:r>
+              <a:rPr lang="en-US" altLang="ko-KR" sz="2000" dirty="0" err="1"/>
+              <a:t>var</a:t>
+            </a:r>
+            <a:r>
+              <a:rPr lang="en-US" altLang="ko-KR" sz="2000" dirty="0"/>
+              <a:t> </a:t>
+            </a:r>
+            <a:r>
+              <a:rPr lang="en-US" altLang="ko-KR" sz="2000" dirty="0" err="1"/>
+              <a:t>storageRef</a:t>
+            </a:r>
+            <a:r>
+              <a:rPr lang="en-US" altLang="ko-KR" sz="2000" dirty="0"/>
+              <a:t> = </a:t>
+            </a:r>
+            <a:r>
+              <a:rPr lang="en-US" altLang="ko-KR" sz="2000" dirty="0" err="1"/>
+              <a:t>firebase.storage</a:t>
+            </a:r>
+            <a:r>
+              <a:rPr lang="en-US" altLang="ko-KR" sz="2000" dirty="0"/>
+              <a:t>().ref</a:t>
+            </a:r>
+            <a:r>
+              <a:rPr lang="en-US" altLang="ko-KR" sz="2000" dirty="0" smtClean="0"/>
+              <a:t>('</a:t>
+            </a:r>
+            <a:r>
+              <a:rPr lang="ko-KR" altLang="en-US" sz="2000" dirty="0" smtClean="0"/>
+              <a:t>파일형태에 따른 디렉터리</a:t>
+            </a:r>
+            <a:r>
+              <a:rPr lang="en-US" altLang="ko-KR" sz="2000" dirty="0" smtClean="0"/>
+              <a:t>/' </a:t>
+            </a:r>
+            <a:r>
+              <a:rPr lang="en-US" altLang="ko-KR" sz="2000" dirty="0"/>
+              <a:t>+ </a:t>
+            </a:r>
+            <a:r>
+              <a:rPr lang="ko-KR" altLang="en-US" sz="2000" dirty="0" smtClean="0"/>
+              <a:t>일기의 키</a:t>
+            </a:r>
+            <a:r>
+              <a:rPr lang="en-US" altLang="ko-KR" sz="2000" dirty="0" smtClean="0"/>
+              <a:t> </a:t>
+            </a:r>
+            <a:r>
+              <a:rPr lang="en-US" altLang="ko-KR" sz="2000" dirty="0"/>
+              <a:t>+ '/' + </a:t>
+            </a:r>
+            <a:r>
+              <a:rPr lang="ko-KR" altLang="en-US" sz="2000" dirty="0" smtClean="0"/>
+              <a:t>파일이름</a:t>
+            </a:r>
+            <a:r>
+              <a:rPr lang="en-US" altLang="ko-KR" sz="2000" dirty="0" smtClean="0"/>
+              <a:t>);  </a:t>
+            </a:r>
+            <a:r>
+              <a:rPr lang="en-US" altLang="ko-KR" sz="2000" dirty="0" err="1"/>
+              <a:t>storageRef.put</a:t>
+            </a:r>
+            <a:r>
+              <a:rPr lang="en-US" altLang="ko-KR" sz="2000" dirty="0" smtClean="0"/>
+              <a:t>(</a:t>
+            </a:r>
+            <a:r>
+              <a:rPr lang="ko-KR" altLang="en-US" sz="2000" dirty="0" smtClean="0"/>
+              <a:t>파일</a:t>
+            </a:r>
+            <a:r>
+              <a:rPr lang="en-US" altLang="ko-KR" sz="2000" dirty="0" smtClean="0"/>
+              <a:t>);</a:t>
+            </a:r>
+            <a:br>
+              <a:rPr lang="en-US" altLang="ko-KR" sz="2000" dirty="0" smtClean="0"/>
+            </a:br>
+            <a:r>
+              <a:rPr lang="en-US" altLang="ko-KR" sz="2000" dirty="0" smtClean="0"/>
+              <a:t>file : /file/[</a:t>
+            </a:r>
+            <a:r>
+              <a:rPr lang="en-US" altLang="ko-KR" sz="2000" dirty="0" err="1" smtClean="0"/>
+              <a:t>diaryKey</a:t>
+            </a:r>
+            <a:r>
+              <a:rPr lang="en-US" altLang="ko-KR" sz="2000" dirty="0" smtClean="0"/>
+              <a:t>]/[filename]</a:t>
+            </a:r>
+            <a:br>
+              <a:rPr lang="en-US" altLang="ko-KR" sz="2000" dirty="0" smtClean="0"/>
+            </a:br>
+            <a:r>
+              <a:rPr lang="en-US" altLang="ko-KR" sz="2000" dirty="0" err="1" smtClean="0"/>
+              <a:t>img</a:t>
+            </a:r>
+            <a:r>
+              <a:rPr lang="en-US" altLang="ko-KR" sz="2000" dirty="0" smtClean="0"/>
+              <a:t> </a:t>
+            </a:r>
+            <a:r>
+              <a:rPr lang="en-US" altLang="ko-KR" sz="2000" dirty="0"/>
+              <a:t>: </a:t>
+            </a:r>
+            <a:r>
+              <a:rPr lang="en-US" altLang="ko-KR" sz="2000" dirty="0" smtClean="0"/>
+              <a:t>/</a:t>
+            </a:r>
+            <a:r>
+              <a:rPr lang="en-US" altLang="ko-KR" sz="2000" dirty="0" err="1" smtClean="0"/>
+              <a:t>img</a:t>
+            </a:r>
+            <a:r>
+              <a:rPr lang="en-US" altLang="ko-KR" sz="2000" dirty="0" smtClean="0"/>
+              <a:t>/[</a:t>
+            </a:r>
+            <a:r>
+              <a:rPr lang="en-US" altLang="ko-KR" sz="2000" dirty="0" err="1"/>
+              <a:t>diaryKey</a:t>
+            </a:r>
+            <a:r>
+              <a:rPr lang="en-US" altLang="ko-KR" sz="2000" dirty="0"/>
+              <a:t>]/[filename</a:t>
+            </a:r>
+            <a:r>
+              <a:rPr lang="en-US" altLang="ko-KR" sz="2000" dirty="0" smtClean="0"/>
+              <a:t>]</a:t>
+            </a:r>
+            <a:br>
+              <a:rPr lang="en-US" altLang="ko-KR" sz="2000" dirty="0" smtClean="0"/>
+            </a:br>
+            <a:r>
+              <a:rPr lang="en-US" altLang="ko-KR" sz="2000" dirty="0" smtClean="0"/>
+              <a:t>video </a:t>
+            </a:r>
+            <a:r>
+              <a:rPr lang="en-US" altLang="ko-KR" sz="2000" dirty="0"/>
+              <a:t>: </a:t>
+            </a:r>
+            <a:r>
+              <a:rPr lang="en-US" altLang="ko-KR" sz="2000" dirty="0" smtClean="0"/>
+              <a:t>/video/[</a:t>
+            </a:r>
+            <a:r>
+              <a:rPr lang="en-US" altLang="ko-KR" sz="2000" dirty="0" err="1"/>
+              <a:t>diaryKey</a:t>
+            </a:r>
+            <a:r>
+              <a:rPr lang="en-US" altLang="ko-KR" sz="2000" dirty="0"/>
+              <a:t>]/[filename]</a:t>
+            </a:r>
+            <a:endParaRPr lang="ko-KR" altLang="en-US" sz="2000" dirty="0"/>
+          </a:p>
+        </p:txBody>
+      </p:sp>
+      <p:sp>
+        <p:nvSpPr>
+          <p:cNvPr id="12" name="Bent-Up Arrow 11"/>
+          <p:cNvSpPr/>
+          <p:nvPr/>
+        </p:nvSpPr>
+        <p:spPr>
+          <a:xfrm rot="10800000" flipH="1">
+            <a:off x="5422886" y="2088297"/>
+            <a:ext cx="619579" cy="553616"/>
+          </a:xfrm>
+          <a:prstGeom prst="bentUpArrow">
+            <a:avLst>
+              <a:gd name="adj1" fmla="val 30795"/>
+              <a:gd name="adj2" fmla="val 25000"/>
+              <a:gd name="adj3" fmla="val 25000"/>
+            </a:avLst>
+          </a:prstGeom>
+        </p:spPr>
+        <p:style>
+          <a:lnRef idx="1">
+            <a:schemeClr val="accent6"/>
+          </a:lnRef>
+          <a:fillRef idx="2">
+            <a:schemeClr val="accent6"/>
+          </a:fillRef>
+          <a:effectRef idx="1">
+            <a:schemeClr val="accent6"/>
+          </a:effectRef>
+          <a:fontRef idx="minor">
+            <a:schemeClr val="dk1"/>
+          </a:fontRef>
+        </p:style>
+        <p:txBody>
+          <a:bodyPr rtlCol="0" anchor="ctr"/>
+          <a:lstStyle/>
+          <a:p>
+            <a:pPr algn="ctr"/>
+            <a:endParaRPr lang="ko-KR" altLang="en-US"/>
+          </a:p>
+        </p:txBody>
+      </p:sp>
+      <p:sp>
+        <p:nvSpPr>
+          <p:cNvPr id="8" name="Rectangle 7"/>
+          <p:cNvSpPr/>
+          <p:nvPr/>
+        </p:nvSpPr>
+        <p:spPr>
+          <a:xfrm>
+            <a:off x="2598820" y="1162585"/>
+            <a:ext cx="2117558" cy="650202"/>
+          </a:xfrm>
+          <a:prstGeom prst="rect">
+            <a:avLst/>
+          </a:prstGeom>
+        </p:spPr>
+        <p:style>
+          <a:lnRef idx="1">
+            <a:schemeClr val="accent6"/>
+          </a:lnRef>
+          <a:fillRef idx="2">
+            <a:schemeClr val="accent6"/>
+          </a:fillRef>
+          <a:effectRef idx="1">
+            <a:schemeClr val="accent6"/>
+          </a:effectRef>
+          <a:fontRef idx="minor">
+            <a:schemeClr val="dk1"/>
+          </a:fontRef>
+        </p:style>
+        <p:txBody>
+          <a:bodyPr rtlCol="0" anchor="ctr"/>
+          <a:lstStyle/>
+          <a:p>
+            <a:pPr algn="ctr"/>
+            <a:r>
+              <a:rPr lang="en-US" altLang="ko-KR" sz="2000" dirty="0" smtClean="0"/>
+              <a:t>Image Button</a:t>
+            </a:r>
+            <a:endParaRPr lang="ko-KR" altLang="en-US" sz="2000" dirty="0"/>
+          </a:p>
+        </p:txBody>
+      </p:sp>
+      <p:sp>
+        <p:nvSpPr>
+          <p:cNvPr id="9" name="Rectangle 8"/>
+          <p:cNvSpPr/>
+          <p:nvPr/>
+        </p:nvSpPr>
+        <p:spPr>
+          <a:xfrm>
+            <a:off x="4924923" y="1162585"/>
+            <a:ext cx="2117558" cy="650202"/>
+          </a:xfrm>
+          <a:prstGeom prst="rect">
+            <a:avLst/>
+          </a:prstGeom>
+        </p:spPr>
+        <p:style>
+          <a:lnRef idx="1">
+            <a:schemeClr val="accent6"/>
+          </a:lnRef>
+          <a:fillRef idx="2">
+            <a:schemeClr val="accent6"/>
+          </a:fillRef>
+          <a:effectRef idx="1">
+            <a:schemeClr val="accent6"/>
+          </a:effectRef>
+          <a:fontRef idx="minor">
+            <a:schemeClr val="dk1"/>
+          </a:fontRef>
+        </p:style>
+        <p:txBody>
+          <a:bodyPr rtlCol="0" anchor="ctr"/>
+          <a:lstStyle/>
+          <a:p>
+            <a:pPr algn="ctr"/>
+            <a:r>
+              <a:rPr lang="en-US" altLang="ko-KR" sz="2000" dirty="0" smtClean="0"/>
+              <a:t>Video Button</a:t>
+            </a:r>
+            <a:endParaRPr lang="ko-KR" altLang="en-US" sz="2000" dirty="0"/>
+          </a:p>
+        </p:txBody>
+      </p:sp>
+    </p:spTree>
+    <p:extLst>
+      <p:ext uri="{BB962C8B-B14F-4D97-AF65-F5344CB8AC3E}">
+        <p14:creationId xmlns:p14="http://schemas.microsoft.com/office/powerpoint/2010/main" val="3006460309"/>
+      </p:ext>
+    </p:extLst>
+  </p:cSld>
+  <p:clrMapOvr>
+    <a:masterClrMapping/>
+  </p:clrMapOvr>
+  <p:timing>
+    <p:tnLst>
+      <p:par>
+        <p:cTn id="1" dur="indefinite" restart="never" nodeType="tmRoot"/>
+      </p:par>
+    </p:tnLst>
+  </p:timing>
+</p:sld>
+</file>
+
+<file path=ppt/slides/slide18.xml><?xml version="1.0" encoding="utf-8"?>
+<p:sld xmlns:a="http://schemas.openxmlformats.org/drawingml/2006/main" xmlns:r="http://schemas.openxmlformats.org/officeDocument/2006/relationships" xmlns:p="http://schemas.openxmlformats.org/presentationml/2006/main">
+  <p:cSld>
+    <p:spTree>
+      <p:nvGrpSpPr>
+        <p:cNvPr id="1" name=""/>
+        <p:cNvGrpSpPr/>
+        <p:nvPr/>
+      </p:nvGrpSpPr>
+      <p:grpSpPr>
+        <a:xfrm>
+          <a:off x="0" y="0"/>
+          <a:ext cx="0" cy="0"/>
+          <a:chOff x="0" y="0"/>
+          <a:chExt cx="0" cy="0"/>
+        </a:xfrm>
+      </p:grpSpPr>
+      <p:sp>
+        <p:nvSpPr>
+          <p:cNvPr id="2" name="Subtitle 2"/>
+          <p:cNvSpPr txBox="1">
+            <a:spLocks/>
+          </p:cNvSpPr>
+          <p:nvPr/>
+        </p:nvSpPr>
+        <p:spPr>
+          <a:xfrm>
+            <a:off x="272716" y="198725"/>
+            <a:ext cx="4443663" cy="740243"/>
+          </a:xfrm>
+          <a:prstGeom prst="rect">
+            <a:avLst/>
+          </a:prstGeom>
+        </p:spPr>
+        <p:txBody>
+          <a:bodyPr/>
+          <a:lstStyle>
+            <a:lvl1pPr marL="228600" indent="-228600" algn="l" defTabSz="914400" rtl="0" eaLnBrk="1" latinLnBrk="1" hangingPunct="1">
+              <a:lnSpc>
+                <a:spcPct val="90000"/>
+              </a:lnSpc>
+              <a:spcBef>
+                <a:spcPts val="1000"/>
+              </a:spcBef>
+              <a:buFont typeface="Arial" panose="020B0604020202020204" pitchFamily="34" charset="0"/>
+              <a:buChar char="•"/>
+              <a:defRPr sz="2800" kern="1200">
+                <a:solidFill>
+                  <a:schemeClr val="tx1"/>
+                </a:solidFill>
+                <a:latin typeface="+mn-lt"/>
+                <a:ea typeface="+mn-ea"/>
+                <a:cs typeface="+mn-cs"/>
+              </a:defRPr>
+            </a:lvl1pPr>
+            <a:lvl2pPr marL="685800" indent="-228600" algn="l" defTabSz="914400" rtl="0" eaLnBrk="1" latinLnBrk="1" hangingPunct="1">
+              <a:lnSpc>
+                <a:spcPct val="90000"/>
+              </a:lnSpc>
+              <a:spcBef>
+                <a:spcPts val="500"/>
+              </a:spcBef>
+              <a:buFont typeface="Arial" panose="020B0604020202020204" pitchFamily="34" charset="0"/>
+              <a:buChar char="•"/>
+              <a:defRPr sz="2400" kern="1200">
+                <a:solidFill>
+                  <a:schemeClr val="tx1"/>
+                </a:solidFill>
+                <a:latin typeface="+mn-lt"/>
+                <a:ea typeface="+mn-ea"/>
+                <a:cs typeface="+mn-cs"/>
+              </a:defRPr>
+            </a:lvl2pPr>
+            <a:lvl3pPr marL="1143000" indent="-228600" algn="l" defTabSz="914400" rtl="0" eaLnBrk="1" latinLnBrk="1" hangingPunct="1">
+              <a:lnSpc>
+                <a:spcPct val="90000"/>
+              </a:lnSpc>
+              <a:spcBef>
+                <a:spcPts val="500"/>
+              </a:spcBef>
+              <a:buFont typeface="Arial" panose="020B0604020202020204" pitchFamily="34" charset="0"/>
+              <a:buChar char="•"/>
+              <a:defRPr sz="2000" kern="1200">
+                <a:solidFill>
+                  <a:schemeClr val="tx1"/>
+                </a:solidFill>
+                <a:latin typeface="+mn-lt"/>
+                <a:ea typeface="+mn-ea"/>
+                <a:cs typeface="+mn-cs"/>
+              </a:defRPr>
+            </a:lvl3pPr>
+            <a:lvl4pPr marL="1600200" indent="-228600" algn="l" defTabSz="914400" rtl="0" eaLnBrk="1" latinLnBrk="1" hangingPunct="1">
+              <a:lnSpc>
+                <a:spcPct val="90000"/>
+              </a:lnSpc>
+              <a:spcBef>
+                <a:spcPts val="500"/>
+              </a:spcBef>
+              <a:buFont typeface="Arial" panose="020B0604020202020204" pitchFamily="34" charset="0"/>
+              <a:buChar char="•"/>
+              <a:defRPr sz="1800" kern="1200">
+                <a:solidFill>
+                  <a:schemeClr val="tx1"/>
+                </a:solidFill>
+                <a:latin typeface="+mn-lt"/>
+                <a:ea typeface="+mn-ea"/>
+                <a:cs typeface="+mn-cs"/>
+              </a:defRPr>
+            </a:lvl4pPr>
+            <a:lvl5pPr marL="2057400" indent="-228600" algn="l" defTabSz="914400" rtl="0" eaLnBrk="1" latinLnBrk="1" hangingPunct="1">
+              <a:lnSpc>
+                <a:spcPct val="90000"/>
+              </a:lnSpc>
+              <a:spcBef>
+                <a:spcPts val="500"/>
+              </a:spcBef>
+              <a:buFont typeface="Arial" panose="020B0604020202020204" pitchFamily="34" charset="0"/>
+              <a:buChar char="•"/>
+              <a:defRPr sz="1800" kern="1200">
+                <a:solidFill>
+                  <a:schemeClr val="tx1"/>
+                </a:solidFill>
+                <a:latin typeface="+mn-lt"/>
+                <a:ea typeface="+mn-ea"/>
+                <a:cs typeface="+mn-cs"/>
+              </a:defRPr>
+            </a:lvl5pPr>
+            <a:lvl6pPr marL="2514600" indent="-228600" algn="l" defTabSz="914400" rtl="0" eaLnBrk="1" latinLnBrk="1" hangingPunct="1">
+              <a:lnSpc>
+                <a:spcPct val="90000"/>
+              </a:lnSpc>
+              <a:spcBef>
+                <a:spcPts val="500"/>
+              </a:spcBef>
+              <a:buFont typeface="Arial" panose="020B0604020202020204" pitchFamily="34" charset="0"/>
+              <a:buChar char="•"/>
+              <a:defRPr sz="1800" kern="1200">
+                <a:solidFill>
+                  <a:schemeClr val="tx1"/>
+                </a:solidFill>
+                <a:latin typeface="+mn-lt"/>
+                <a:ea typeface="+mn-ea"/>
+                <a:cs typeface="+mn-cs"/>
+              </a:defRPr>
+            </a:lvl6pPr>
+            <a:lvl7pPr marL="2971800" indent="-228600" algn="l" defTabSz="914400" rtl="0" eaLnBrk="1" latinLnBrk="1" hangingPunct="1">
+              <a:lnSpc>
+                <a:spcPct val="90000"/>
+              </a:lnSpc>
+              <a:spcBef>
+                <a:spcPts val="500"/>
+              </a:spcBef>
+              <a:buFont typeface="Arial" panose="020B0604020202020204" pitchFamily="34" charset="0"/>
+              <a:buChar char="•"/>
+              <a:defRPr sz="1800" kern="1200">
+                <a:solidFill>
+                  <a:schemeClr val="tx1"/>
+                </a:solidFill>
+                <a:latin typeface="+mn-lt"/>
+                <a:ea typeface="+mn-ea"/>
+                <a:cs typeface="+mn-cs"/>
+              </a:defRPr>
+            </a:lvl7pPr>
+            <a:lvl8pPr marL="3429000" indent="-228600" algn="l" defTabSz="914400" rtl="0" eaLnBrk="1" latinLnBrk="1" hangingPunct="1">
+              <a:lnSpc>
+                <a:spcPct val="90000"/>
+              </a:lnSpc>
+              <a:spcBef>
+                <a:spcPts val="500"/>
+              </a:spcBef>
+              <a:buFont typeface="Arial" panose="020B0604020202020204" pitchFamily="34" charset="0"/>
+              <a:buChar char="•"/>
+              <a:defRPr sz="1800" kern="1200">
+                <a:solidFill>
+                  <a:schemeClr val="tx1"/>
+                </a:solidFill>
+                <a:latin typeface="+mn-lt"/>
+                <a:ea typeface="+mn-ea"/>
+                <a:cs typeface="+mn-cs"/>
+              </a:defRPr>
+            </a:lvl8pPr>
+            <a:lvl9pPr marL="3886200" indent="-228600" algn="l" defTabSz="914400" rtl="0" eaLnBrk="1" latinLnBrk="1" hangingPunct="1">
+              <a:lnSpc>
+                <a:spcPct val="90000"/>
+              </a:lnSpc>
+              <a:spcBef>
+                <a:spcPts val="500"/>
+              </a:spcBef>
+              <a:buFont typeface="Arial" panose="020B0604020202020204" pitchFamily="34" charset="0"/>
+              <a:buChar char="•"/>
+              <a:defRPr sz="1800" kern="1200">
+                <a:solidFill>
+                  <a:schemeClr val="tx1"/>
+                </a:solidFill>
+                <a:latin typeface="+mn-lt"/>
+                <a:ea typeface="+mn-ea"/>
+                <a:cs typeface="+mn-cs"/>
+              </a:defRPr>
+            </a:lvl9pPr>
+          </a:lstStyle>
+          <a:p>
+            <a:pPr marL="0" indent="0" algn="ctr">
+              <a:buNone/>
+            </a:pPr>
+            <a:r>
+              <a:rPr lang="ko-KR" altLang="en-US" sz="4000" dirty="0" smtClean="0">
+                <a:latin typeface="+mn-ea"/>
+              </a:rPr>
+              <a:t>일기장 삭제 방법</a:t>
+            </a:r>
+            <a:endParaRPr lang="ko-KR" altLang="en-US" sz="4000" dirty="0">
+              <a:latin typeface="+mn-ea"/>
+            </a:endParaRPr>
+          </a:p>
+        </p:txBody>
+      </p:sp>
+      <p:sp>
+        <p:nvSpPr>
+          <p:cNvPr id="5" name="TextBox 4"/>
+          <p:cNvSpPr txBox="1"/>
+          <p:nvPr/>
+        </p:nvSpPr>
+        <p:spPr>
+          <a:xfrm>
+            <a:off x="236711" y="1736886"/>
+            <a:ext cx="4479667" cy="400110"/>
+          </a:xfrm>
+          <a:prstGeom prst="rect">
+            <a:avLst/>
+          </a:prstGeom>
+          <a:noFill/>
+        </p:spPr>
+        <p:txBody>
+          <a:bodyPr wrap="square" rtlCol="0">
+            <a:spAutoFit/>
+          </a:bodyPr>
+          <a:lstStyle/>
+          <a:p>
+            <a:pPr algn="ctr"/>
+            <a:r>
+              <a:rPr lang="en-US" altLang="ko-KR" sz="2000" dirty="0" err="1" smtClean="0"/>
+              <a:t>Onclick</a:t>
+            </a:r>
+            <a:r>
+              <a:rPr lang="en-US" altLang="ko-KR" sz="2000" dirty="0" smtClean="0"/>
+              <a:t> = “</a:t>
+            </a:r>
+            <a:r>
+              <a:rPr lang="en-US" altLang="ko-KR" sz="2000" dirty="0" err="1" smtClean="0"/>
+              <a:t>delClick</a:t>
+            </a:r>
+            <a:r>
+              <a:rPr lang="en-US" altLang="ko-KR" sz="2000" dirty="0" smtClean="0"/>
+              <a:t>();”</a:t>
+            </a:r>
+            <a:endParaRPr lang="ko-KR" altLang="en-US" sz="2000" dirty="0"/>
+          </a:p>
+        </p:txBody>
+      </p:sp>
+      <p:sp>
+        <p:nvSpPr>
+          <p:cNvPr id="4" name="Rectangle 3"/>
+          <p:cNvSpPr/>
+          <p:nvPr/>
+        </p:nvSpPr>
+        <p:spPr>
+          <a:xfrm>
+            <a:off x="639959" y="938968"/>
+            <a:ext cx="3199748" cy="746427"/>
+          </a:xfrm>
+          <a:prstGeom prst="rect">
+            <a:avLst/>
+          </a:prstGeom>
+        </p:spPr>
+        <p:style>
+          <a:lnRef idx="1">
+            <a:schemeClr val="accent6"/>
+          </a:lnRef>
+          <a:fillRef idx="2">
+            <a:schemeClr val="accent6"/>
+          </a:fillRef>
+          <a:effectRef idx="1">
+            <a:schemeClr val="accent6"/>
+          </a:effectRef>
+          <a:fontRef idx="minor">
+            <a:schemeClr val="dk1"/>
+          </a:fontRef>
+        </p:style>
+        <p:txBody>
+          <a:bodyPr rtlCol="0" anchor="ctr"/>
+          <a:lstStyle/>
+          <a:p>
+            <a:pPr algn="ctr"/>
+            <a:r>
+              <a:rPr lang="en-US" altLang="ko-KR" sz="2000" dirty="0" smtClean="0"/>
+              <a:t>Delete button</a:t>
+            </a:r>
+            <a:endParaRPr lang="ko-KR" altLang="en-US" sz="2000" dirty="0"/>
+          </a:p>
+        </p:txBody>
+      </p:sp>
+      <p:sp>
+        <p:nvSpPr>
+          <p:cNvPr id="7" name="Rectangle 6"/>
+          <p:cNvSpPr/>
+          <p:nvPr/>
+        </p:nvSpPr>
+        <p:spPr>
+          <a:xfrm>
+            <a:off x="1298992" y="2537107"/>
+            <a:ext cx="9486946" cy="3280610"/>
+          </a:xfrm>
+          <a:prstGeom prst="rect">
+            <a:avLst/>
+          </a:prstGeom>
+        </p:spPr>
+        <p:style>
+          <a:lnRef idx="1">
+            <a:schemeClr val="accent6"/>
+          </a:lnRef>
+          <a:fillRef idx="2">
+            <a:schemeClr val="accent6"/>
+          </a:fillRef>
+          <a:effectRef idx="1">
+            <a:schemeClr val="accent6"/>
+          </a:effectRef>
+          <a:fontRef idx="minor">
+            <a:schemeClr val="dk1"/>
+          </a:fontRef>
+        </p:style>
+        <p:txBody>
+          <a:bodyPr rtlCol="0" anchor="ctr"/>
+          <a:lstStyle/>
+          <a:p>
+            <a:pPr algn="ctr">
+              <a:lnSpc>
+                <a:spcPct val="150000"/>
+              </a:lnSpc>
+            </a:pPr>
+            <a:r>
+              <a:rPr lang="en-US" altLang="ko-KR" sz="3600" dirty="0" smtClean="0"/>
+              <a:t>Function </a:t>
+            </a:r>
+            <a:r>
+              <a:rPr lang="en-US" altLang="ko-KR" sz="3600" dirty="0" err="1" smtClean="0"/>
+              <a:t>delClick</a:t>
+            </a:r>
+            <a:r>
+              <a:rPr lang="en-US" altLang="ko-KR" sz="3600" dirty="0" smtClean="0"/>
+              <a:t>()</a:t>
+            </a:r>
+          </a:p>
+          <a:p>
+            <a:pPr marL="457200" indent="-457200">
+              <a:lnSpc>
+                <a:spcPct val="150000"/>
+              </a:lnSpc>
+              <a:buFont typeface="+mj-lt"/>
+              <a:buAutoNum type="arabicPeriod"/>
+            </a:pPr>
+            <a:r>
+              <a:rPr lang="ko-KR" altLang="en-US" sz="2000" dirty="0" smtClean="0"/>
+              <a:t>현재 글이 로드돼었는지 확인한다</a:t>
+            </a:r>
+            <a:r>
+              <a:rPr lang="en-US" altLang="ko-KR" sz="2000" dirty="0" smtClean="0"/>
+              <a:t>.</a:t>
+            </a:r>
+          </a:p>
+          <a:p>
+            <a:pPr marL="457200" indent="-457200">
+              <a:lnSpc>
+                <a:spcPct val="150000"/>
+              </a:lnSpc>
+              <a:buFont typeface="+mj-lt"/>
+              <a:buAutoNum type="arabicPeriod"/>
+            </a:pPr>
+            <a:r>
+              <a:rPr lang="ko-KR" altLang="en-US" sz="2000" dirty="0" smtClean="0"/>
+              <a:t>로드됐으면 현재 글을 삭제하고 새로운 일기 입력 창을 띄운다</a:t>
+            </a:r>
+            <a:r>
+              <a:rPr lang="en-US" altLang="ko-KR" sz="2000" dirty="0"/>
+              <a:t>.</a:t>
+            </a:r>
+            <a:br>
+              <a:rPr lang="en-US" altLang="ko-KR" sz="2000" dirty="0"/>
+            </a:br>
+            <a:r>
+              <a:rPr lang="en-US" altLang="ko-KR" sz="2000" dirty="0" err="1"/>
+              <a:t>var</a:t>
+            </a:r>
+            <a:r>
+              <a:rPr lang="en-US" altLang="ko-KR" sz="2000" dirty="0"/>
+              <a:t> </a:t>
+            </a:r>
+            <a:r>
+              <a:rPr lang="en-US" altLang="ko-KR" sz="2000" dirty="0" err="1"/>
+              <a:t>delRef</a:t>
+            </a:r>
+            <a:r>
+              <a:rPr lang="en-US" altLang="ko-KR" sz="2000" dirty="0"/>
+              <a:t> = </a:t>
+            </a:r>
+            <a:r>
+              <a:rPr lang="en-US" altLang="ko-KR" sz="2000" dirty="0" err="1"/>
+              <a:t>firebase.database</a:t>
+            </a:r>
+            <a:r>
+              <a:rPr lang="en-US" altLang="ko-KR" sz="2000" dirty="0"/>
+              <a:t>().ref('diary</a:t>
+            </a:r>
+            <a:r>
+              <a:rPr lang="en-US" altLang="ko-KR" sz="2000" dirty="0" smtClean="0"/>
+              <a:t>');</a:t>
+            </a:r>
+            <a:br>
+              <a:rPr lang="en-US" altLang="ko-KR" sz="2000" dirty="0" smtClean="0"/>
+            </a:br>
+            <a:r>
+              <a:rPr lang="en-US" altLang="ko-KR" sz="2000" dirty="0" err="1" smtClean="0"/>
+              <a:t>delRef.child</a:t>
+            </a:r>
+            <a:r>
+              <a:rPr lang="en-US" altLang="ko-KR" sz="2000" dirty="0" smtClean="0"/>
+              <a:t>(</a:t>
+            </a:r>
+            <a:r>
+              <a:rPr lang="ko-KR" altLang="en-US" sz="2000" dirty="0" smtClean="0"/>
+              <a:t>현재 로드됀 일기의 키</a:t>
+            </a:r>
+            <a:r>
+              <a:rPr lang="en-US" altLang="ko-KR" sz="2000" dirty="0" smtClean="0"/>
+              <a:t>).</a:t>
+            </a:r>
+            <a:r>
+              <a:rPr lang="en-US" altLang="ko-KR" sz="2000" dirty="0"/>
+              <a:t>remove</a:t>
+            </a:r>
+            <a:r>
+              <a:rPr lang="en-US" altLang="ko-KR" sz="2000" dirty="0" smtClean="0"/>
+              <a:t>();</a:t>
+            </a:r>
+            <a:endParaRPr lang="en-US" altLang="ko-KR" sz="2000" dirty="0"/>
+          </a:p>
+        </p:txBody>
+      </p:sp>
+      <p:sp>
+        <p:nvSpPr>
+          <p:cNvPr id="12" name="Bent-Up Arrow 11"/>
+          <p:cNvSpPr/>
+          <p:nvPr/>
+        </p:nvSpPr>
+        <p:spPr>
+          <a:xfrm rot="10800000" flipH="1">
+            <a:off x="4096799" y="1942021"/>
+            <a:ext cx="812085" cy="389950"/>
+          </a:xfrm>
+          <a:prstGeom prst="bentUpArrow">
+            <a:avLst>
+              <a:gd name="adj1" fmla="val 30795"/>
+              <a:gd name="adj2" fmla="val 25000"/>
+              <a:gd name="adj3" fmla="val 25000"/>
+            </a:avLst>
+          </a:prstGeom>
+        </p:spPr>
+        <p:style>
+          <a:lnRef idx="1">
+            <a:schemeClr val="accent6"/>
+          </a:lnRef>
+          <a:fillRef idx="2">
+            <a:schemeClr val="accent6"/>
+          </a:fillRef>
+          <a:effectRef idx="1">
+            <a:schemeClr val="accent6"/>
+          </a:effectRef>
+          <a:fontRef idx="minor">
+            <a:schemeClr val="dk1"/>
+          </a:fontRef>
+        </p:style>
+        <p:txBody>
+          <a:bodyPr rtlCol="0" anchor="ctr"/>
+          <a:lstStyle/>
+          <a:p>
+            <a:pPr algn="ctr"/>
+            <a:endParaRPr lang="ko-KR" altLang="en-US"/>
+          </a:p>
+        </p:txBody>
+      </p:sp>
+    </p:spTree>
+    <p:extLst>
+      <p:ext uri="{BB962C8B-B14F-4D97-AF65-F5344CB8AC3E}">
+        <p14:creationId xmlns:p14="http://schemas.microsoft.com/office/powerpoint/2010/main" val="2545448252"/>
+      </p:ext>
+    </p:extLst>
+  </p:cSld>
+  <p:clrMapOvr>
+    <a:masterClrMapping/>
+  </p:clrMapOvr>
+  <p:timing>
+    <p:tnLst>
+      <p:par>
+        <p:cTn id="1" dur="indefinite" restart="never" nodeType="tmRoot"/>
+      </p:par>
+    </p:tnLst>
+  </p:timing>
+</p:sld>
+</file>
+
+<file path=ppt/slides/slide19.xml><?xml version="1.0" encoding="utf-8"?>
+<p:sld xmlns:a="http://schemas.openxmlformats.org/drawingml/2006/main" xmlns:r="http://schemas.openxmlformats.org/officeDocument/2006/relationships" xmlns:p="http://schemas.openxmlformats.org/presentationml/2006/main">
+  <p:cSld>
+    <p:spTree>
+      <p:nvGrpSpPr>
+        <p:cNvPr id="1" name=""/>
+        <p:cNvGrpSpPr/>
+        <p:nvPr/>
+      </p:nvGrpSpPr>
+      <p:grpSpPr>
+        <a:xfrm>
+          <a:off x="0" y="0"/>
+          <a:ext cx="0" cy="0"/>
+          <a:chOff x="0" y="0"/>
+          <a:chExt cx="0" cy="0"/>
+        </a:xfrm>
+      </p:grpSpPr>
+      <p:sp>
+        <p:nvSpPr>
+          <p:cNvPr id="2" name="Subtitle 2"/>
+          <p:cNvSpPr txBox="1">
+            <a:spLocks/>
+          </p:cNvSpPr>
+          <p:nvPr/>
+        </p:nvSpPr>
+        <p:spPr>
+          <a:xfrm>
+            <a:off x="272716" y="198725"/>
+            <a:ext cx="4443663" cy="740243"/>
+          </a:xfrm>
+          <a:prstGeom prst="rect">
+            <a:avLst/>
+          </a:prstGeom>
+        </p:spPr>
+        <p:txBody>
+          <a:bodyPr/>
+          <a:lstStyle>
+            <a:lvl1pPr marL="228600" indent="-228600" algn="l" defTabSz="914400" rtl="0" eaLnBrk="1" latinLnBrk="1" hangingPunct="1">
+              <a:lnSpc>
+                <a:spcPct val="90000"/>
+              </a:lnSpc>
+              <a:spcBef>
+                <a:spcPts val="1000"/>
+              </a:spcBef>
+              <a:buFont typeface="Arial" panose="020B0604020202020204" pitchFamily="34" charset="0"/>
+              <a:buChar char="•"/>
+              <a:defRPr sz="2800" kern="1200">
+                <a:solidFill>
+                  <a:schemeClr val="tx1"/>
+                </a:solidFill>
+                <a:latin typeface="+mn-lt"/>
+                <a:ea typeface="+mn-ea"/>
+                <a:cs typeface="+mn-cs"/>
+              </a:defRPr>
+            </a:lvl1pPr>
+            <a:lvl2pPr marL="685800" indent="-228600" algn="l" defTabSz="914400" rtl="0" eaLnBrk="1" latinLnBrk="1" hangingPunct="1">
+              <a:lnSpc>
+                <a:spcPct val="90000"/>
+              </a:lnSpc>
+              <a:spcBef>
+                <a:spcPts val="500"/>
+              </a:spcBef>
+              <a:buFont typeface="Arial" panose="020B0604020202020204" pitchFamily="34" charset="0"/>
+              <a:buChar char="•"/>
+              <a:defRPr sz="2400" kern="1200">
+                <a:solidFill>
+                  <a:schemeClr val="tx1"/>
+                </a:solidFill>
+                <a:latin typeface="+mn-lt"/>
+                <a:ea typeface="+mn-ea"/>
+                <a:cs typeface="+mn-cs"/>
+              </a:defRPr>
+            </a:lvl2pPr>
+            <a:lvl3pPr marL="1143000" indent="-228600" algn="l" defTabSz="914400" rtl="0" eaLnBrk="1" latinLnBrk="1" hangingPunct="1">
+              <a:lnSpc>
+                <a:spcPct val="90000"/>
+              </a:lnSpc>
+              <a:spcBef>
+                <a:spcPts val="500"/>
+              </a:spcBef>
+              <a:buFont typeface="Arial" panose="020B0604020202020204" pitchFamily="34" charset="0"/>
+              <a:buChar char="•"/>
+              <a:defRPr sz="2000" kern="1200">
+                <a:solidFill>
+                  <a:schemeClr val="tx1"/>
+                </a:solidFill>
+                <a:latin typeface="+mn-lt"/>
+                <a:ea typeface="+mn-ea"/>
+                <a:cs typeface="+mn-cs"/>
+              </a:defRPr>
+            </a:lvl3pPr>
+            <a:lvl4pPr marL="1600200" indent="-228600" algn="l" defTabSz="914400" rtl="0" eaLnBrk="1" latinLnBrk="1" hangingPunct="1">
+              <a:lnSpc>
+                <a:spcPct val="90000"/>
+              </a:lnSpc>
+              <a:spcBef>
+                <a:spcPts val="500"/>
+              </a:spcBef>
+              <a:buFont typeface="Arial" panose="020B0604020202020204" pitchFamily="34" charset="0"/>
+              <a:buChar char="•"/>
+              <a:defRPr sz="1800" kern="1200">
+                <a:solidFill>
+                  <a:schemeClr val="tx1"/>
+                </a:solidFill>
+                <a:latin typeface="+mn-lt"/>
+                <a:ea typeface="+mn-ea"/>
+                <a:cs typeface="+mn-cs"/>
+              </a:defRPr>
+            </a:lvl4pPr>
+            <a:lvl5pPr marL="2057400" indent="-228600" algn="l" defTabSz="914400" rtl="0" eaLnBrk="1" latinLnBrk="1" hangingPunct="1">
+              <a:lnSpc>
+                <a:spcPct val="90000"/>
+              </a:lnSpc>
+              <a:spcBef>
+                <a:spcPts val="500"/>
+              </a:spcBef>
+              <a:buFont typeface="Arial" panose="020B0604020202020204" pitchFamily="34" charset="0"/>
+              <a:buChar char="•"/>
+              <a:defRPr sz="1800" kern="1200">
+                <a:solidFill>
+                  <a:schemeClr val="tx1"/>
+                </a:solidFill>
+                <a:latin typeface="+mn-lt"/>
+                <a:ea typeface="+mn-ea"/>
+                <a:cs typeface="+mn-cs"/>
+              </a:defRPr>
+            </a:lvl5pPr>
+            <a:lvl6pPr marL="2514600" indent="-228600" algn="l" defTabSz="914400" rtl="0" eaLnBrk="1" latinLnBrk="1" hangingPunct="1">
+              <a:lnSpc>
+                <a:spcPct val="90000"/>
+              </a:lnSpc>
+              <a:spcBef>
+                <a:spcPts val="500"/>
+              </a:spcBef>
+              <a:buFont typeface="Arial" panose="020B0604020202020204" pitchFamily="34" charset="0"/>
+              <a:buChar char="•"/>
+              <a:defRPr sz="1800" kern="1200">
+                <a:solidFill>
+                  <a:schemeClr val="tx1"/>
+                </a:solidFill>
+                <a:latin typeface="+mn-lt"/>
+                <a:ea typeface="+mn-ea"/>
+                <a:cs typeface="+mn-cs"/>
+              </a:defRPr>
+            </a:lvl6pPr>
+            <a:lvl7pPr marL="2971800" indent="-228600" algn="l" defTabSz="914400" rtl="0" eaLnBrk="1" latinLnBrk="1" hangingPunct="1">
+              <a:lnSpc>
+                <a:spcPct val="90000"/>
+              </a:lnSpc>
+              <a:spcBef>
+                <a:spcPts val="500"/>
+              </a:spcBef>
+              <a:buFont typeface="Arial" panose="020B0604020202020204" pitchFamily="34" charset="0"/>
+              <a:buChar char="•"/>
+              <a:defRPr sz="1800" kern="1200">
+                <a:solidFill>
+                  <a:schemeClr val="tx1"/>
+                </a:solidFill>
+                <a:latin typeface="+mn-lt"/>
+                <a:ea typeface="+mn-ea"/>
+                <a:cs typeface="+mn-cs"/>
+              </a:defRPr>
+            </a:lvl7pPr>
+            <a:lvl8pPr marL="3429000" indent="-228600" algn="l" defTabSz="914400" rtl="0" eaLnBrk="1" latinLnBrk="1" hangingPunct="1">
+              <a:lnSpc>
+                <a:spcPct val="90000"/>
+              </a:lnSpc>
+              <a:spcBef>
+                <a:spcPts val="500"/>
+              </a:spcBef>
+              <a:buFont typeface="Arial" panose="020B0604020202020204" pitchFamily="34" charset="0"/>
+              <a:buChar char="•"/>
+              <a:defRPr sz="1800" kern="1200">
+                <a:solidFill>
+                  <a:schemeClr val="tx1"/>
+                </a:solidFill>
+                <a:latin typeface="+mn-lt"/>
+                <a:ea typeface="+mn-ea"/>
+                <a:cs typeface="+mn-cs"/>
+              </a:defRPr>
+            </a:lvl8pPr>
+            <a:lvl9pPr marL="3886200" indent="-228600" algn="l" defTabSz="914400" rtl="0" eaLnBrk="1" latinLnBrk="1" hangingPunct="1">
+              <a:lnSpc>
+                <a:spcPct val="90000"/>
+              </a:lnSpc>
+              <a:spcBef>
+                <a:spcPts val="500"/>
+              </a:spcBef>
+              <a:buFont typeface="Arial" panose="020B0604020202020204" pitchFamily="34" charset="0"/>
+              <a:buChar char="•"/>
+              <a:defRPr sz="1800" kern="1200">
+                <a:solidFill>
+                  <a:schemeClr val="tx1"/>
+                </a:solidFill>
+                <a:latin typeface="+mn-lt"/>
+                <a:ea typeface="+mn-ea"/>
+                <a:cs typeface="+mn-cs"/>
+              </a:defRPr>
+            </a:lvl9pPr>
+          </a:lstStyle>
+          <a:p>
+            <a:pPr marL="0" indent="0" algn="ctr">
+              <a:buNone/>
+            </a:pPr>
+            <a:r>
+              <a:rPr lang="ko-KR" altLang="en-US" sz="4000" dirty="0" smtClean="0">
+                <a:latin typeface="+mn-ea"/>
+              </a:rPr>
+              <a:t>일기장 로드 방법</a:t>
+            </a:r>
+            <a:endParaRPr lang="ko-KR" altLang="en-US" sz="4000" dirty="0">
+              <a:latin typeface="+mn-ea"/>
+            </a:endParaRPr>
+          </a:p>
+        </p:txBody>
+      </p:sp>
+      <p:sp>
+        <p:nvSpPr>
+          <p:cNvPr id="5" name="TextBox 4"/>
+          <p:cNvSpPr txBox="1"/>
+          <p:nvPr/>
+        </p:nvSpPr>
+        <p:spPr>
+          <a:xfrm>
+            <a:off x="577515" y="1704019"/>
+            <a:ext cx="4479667" cy="400110"/>
+          </a:xfrm>
+          <a:prstGeom prst="rect">
+            <a:avLst/>
+          </a:prstGeom>
+          <a:noFill/>
+        </p:spPr>
+        <p:txBody>
+          <a:bodyPr wrap="square" rtlCol="0">
+            <a:spAutoFit/>
+          </a:bodyPr>
+          <a:lstStyle/>
+          <a:p>
+            <a:pPr algn="ctr"/>
+            <a:r>
+              <a:rPr lang="en-US" altLang="ko-KR" sz="2000" dirty="0" err="1" smtClean="0"/>
+              <a:t>Onclick</a:t>
+            </a:r>
+            <a:r>
+              <a:rPr lang="en-US" altLang="ko-KR" sz="2000" dirty="0" smtClean="0"/>
+              <a:t> = “</a:t>
+            </a:r>
+            <a:r>
+              <a:rPr lang="en-US" altLang="ko-KR" sz="2000" dirty="0" err="1" smtClean="0"/>
+              <a:t>loadDiary</a:t>
+            </a:r>
+            <a:r>
+              <a:rPr lang="en-US" altLang="ko-KR" sz="2000" dirty="0" smtClean="0"/>
+              <a:t>(</a:t>
+            </a:r>
+            <a:r>
+              <a:rPr lang="ko-KR" altLang="en-US" sz="2000" dirty="0" smtClean="0"/>
+              <a:t>일기의 키</a:t>
+            </a:r>
+            <a:r>
+              <a:rPr lang="en-US" altLang="ko-KR" sz="2000" dirty="0" smtClean="0"/>
+              <a:t>);”</a:t>
+            </a:r>
+            <a:endParaRPr lang="ko-KR" altLang="en-US" sz="2000" dirty="0"/>
+          </a:p>
+        </p:txBody>
+      </p:sp>
+      <p:sp>
+        <p:nvSpPr>
+          <p:cNvPr id="4" name="Rectangle 3"/>
+          <p:cNvSpPr/>
+          <p:nvPr/>
+        </p:nvSpPr>
+        <p:spPr>
+          <a:xfrm>
+            <a:off x="272716" y="885594"/>
+            <a:ext cx="5456041" cy="746427"/>
+          </a:xfrm>
+          <a:prstGeom prst="rect">
+            <a:avLst/>
+          </a:prstGeom>
+        </p:spPr>
+        <p:style>
+          <a:lnRef idx="1">
+            <a:schemeClr val="accent6"/>
+          </a:lnRef>
+          <a:fillRef idx="2">
+            <a:schemeClr val="accent6"/>
+          </a:fillRef>
+          <a:effectRef idx="1">
+            <a:schemeClr val="accent6"/>
+          </a:effectRef>
+          <a:fontRef idx="minor">
+            <a:schemeClr val="dk1"/>
+          </a:fontRef>
+        </p:style>
+        <p:txBody>
+          <a:bodyPr rtlCol="0" anchor="ctr"/>
+          <a:lstStyle/>
+          <a:p>
+            <a:pPr algn="ctr"/>
+            <a:r>
+              <a:rPr lang="ko-KR" altLang="en-US" sz="2000" dirty="0" smtClean="0"/>
+              <a:t>일기 리스트 </a:t>
+            </a:r>
+            <a:r>
+              <a:rPr lang="en-US" altLang="ko-KR" sz="2000" dirty="0" smtClean="0"/>
+              <a:t>HTML </a:t>
+            </a:r>
+            <a:r>
+              <a:rPr lang="ko-KR" altLang="en-US" sz="2000" dirty="0" smtClean="0"/>
+              <a:t>엘리먼트에 씌여진 함수</a:t>
+            </a:r>
+            <a:endParaRPr lang="ko-KR" altLang="en-US" sz="2000" dirty="0"/>
+          </a:p>
+        </p:txBody>
+      </p:sp>
+      <p:sp>
+        <p:nvSpPr>
+          <p:cNvPr id="7" name="Rectangle 6"/>
+          <p:cNvSpPr/>
+          <p:nvPr/>
+        </p:nvSpPr>
+        <p:spPr>
+          <a:xfrm>
+            <a:off x="924378" y="2919662"/>
+            <a:ext cx="10706148" cy="2852547"/>
+          </a:xfrm>
+          <a:prstGeom prst="rect">
+            <a:avLst/>
+          </a:prstGeom>
+        </p:spPr>
+        <p:style>
+          <a:lnRef idx="1">
+            <a:schemeClr val="accent6"/>
+          </a:lnRef>
+          <a:fillRef idx="2">
+            <a:schemeClr val="accent6"/>
+          </a:fillRef>
+          <a:effectRef idx="1">
+            <a:schemeClr val="accent6"/>
+          </a:effectRef>
+          <a:fontRef idx="minor">
+            <a:schemeClr val="dk1"/>
+          </a:fontRef>
+        </p:style>
+        <p:txBody>
+          <a:bodyPr rtlCol="0" anchor="ctr"/>
+          <a:lstStyle/>
+          <a:p>
+            <a:pPr algn="ctr">
+              <a:lnSpc>
+                <a:spcPct val="150000"/>
+              </a:lnSpc>
+            </a:pPr>
+            <a:r>
+              <a:rPr lang="en-US" altLang="ko-KR" sz="3600" dirty="0" smtClean="0"/>
+              <a:t>Function </a:t>
+            </a:r>
+            <a:r>
+              <a:rPr lang="en-US" altLang="ko-KR" sz="3600" dirty="0" err="1" smtClean="0"/>
+              <a:t>loadDiary</a:t>
+            </a:r>
+            <a:r>
+              <a:rPr lang="en-US" altLang="ko-KR" sz="3600" dirty="0" smtClean="0"/>
+              <a:t>(key)</a:t>
+            </a:r>
+          </a:p>
+          <a:p>
+            <a:pPr marL="457200" indent="-457200">
+              <a:lnSpc>
+                <a:spcPct val="150000"/>
+              </a:lnSpc>
+              <a:buFont typeface="+mj-lt"/>
+              <a:buAutoNum type="arabicPeriod"/>
+            </a:pPr>
+            <a:r>
+              <a:rPr lang="ko-KR" altLang="en-US" sz="2000" dirty="0" smtClean="0"/>
+              <a:t>넘겨받은 파라미터를 통해 로드하고자 하는 일기장의 데이터를 </a:t>
+            </a:r>
+            <a:r>
+              <a:rPr lang="en-US" altLang="ko-KR" sz="2000" dirty="0" smtClean="0"/>
+              <a:t>Firebase API</a:t>
+            </a:r>
+            <a:r>
+              <a:rPr lang="ko-KR" altLang="en-US" sz="2000" dirty="0" smtClean="0"/>
+              <a:t>로 받는다</a:t>
+            </a:r>
+            <a:r>
+              <a:rPr lang="en-US" altLang="ko-KR" sz="2000" dirty="0"/>
+              <a:t>.</a:t>
+            </a:r>
+            <a:br>
+              <a:rPr lang="en-US" altLang="ko-KR" sz="2000" dirty="0"/>
+            </a:br>
+            <a:r>
+              <a:rPr lang="en-US" altLang="ko-KR" sz="2000" dirty="0" err="1"/>
+              <a:t>firebase.database</a:t>
+            </a:r>
+            <a:r>
+              <a:rPr lang="en-US" altLang="ko-KR" sz="2000" dirty="0"/>
+              <a:t>().ref('diary/' + key).once('value').then(function(snapshot</a:t>
+            </a:r>
+            <a:r>
+              <a:rPr lang="en-US" altLang="ko-KR" sz="2000" dirty="0" smtClean="0"/>
+              <a:t>){~});</a:t>
+            </a:r>
+          </a:p>
+          <a:p>
+            <a:pPr marL="457200" indent="-457200">
+              <a:lnSpc>
+                <a:spcPct val="150000"/>
+              </a:lnSpc>
+              <a:buFont typeface="+mj-lt"/>
+              <a:buAutoNum type="arabicPeriod"/>
+            </a:pPr>
+            <a:r>
+              <a:rPr lang="en-US" altLang="ko-KR" sz="2000" dirty="0" smtClean="0"/>
+              <a:t>Snapshot</a:t>
+            </a:r>
+            <a:r>
+              <a:rPr lang="ko-KR" altLang="en-US" sz="2000" dirty="0" smtClean="0"/>
+              <a:t>의 데이터를 통해 일기장 </a:t>
+            </a:r>
+            <a:r>
+              <a:rPr lang="en-US" altLang="ko-KR" sz="2000" dirty="0" smtClean="0"/>
+              <a:t>HTML </a:t>
+            </a:r>
+            <a:r>
+              <a:rPr lang="ko-KR" altLang="en-US" sz="2000" dirty="0" smtClean="0"/>
+              <a:t>엘리먼트에 값을 기록한다</a:t>
+            </a:r>
+            <a:r>
+              <a:rPr lang="en-US" altLang="ko-KR" sz="2000" dirty="0" smtClean="0"/>
+              <a:t>. (</a:t>
+            </a:r>
+            <a:r>
+              <a:rPr lang="ko-KR" altLang="en-US" sz="2000" dirty="0" smtClean="0"/>
+              <a:t>제목</a:t>
+            </a:r>
+            <a:r>
+              <a:rPr lang="en-US" altLang="ko-KR" sz="2000" dirty="0" smtClean="0"/>
+              <a:t>, </a:t>
+            </a:r>
+            <a:r>
+              <a:rPr lang="ko-KR" altLang="en-US" sz="2000" dirty="0" smtClean="0"/>
+              <a:t>본문</a:t>
+            </a:r>
+            <a:r>
+              <a:rPr lang="en-US" altLang="ko-KR" sz="2000" dirty="0" smtClean="0"/>
+              <a:t>, </a:t>
+            </a:r>
+            <a:r>
+              <a:rPr lang="ko-KR" altLang="en-US" sz="2000" dirty="0" smtClean="0"/>
+              <a:t>이미지</a:t>
+            </a:r>
+            <a:r>
+              <a:rPr lang="en-US" altLang="ko-KR" sz="2000" dirty="0" smtClean="0"/>
+              <a:t>)</a:t>
+            </a:r>
+          </a:p>
+        </p:txBody>
+      </p:sp>
+      <p:sp>
+        <p:nvSpPr>
+          <p:cNvPr id="12" name="Bent-Up Arrow 11"/>
+          <p:cNvSpPr/>
+          <p:nvPr/>
+        </p:nvSpPr>
+        <p:spPr>
+          <a:xfrm rot="10800000" flipH="1">
+            <a:off x="5057182" y="1951861"/>
+            <a:ext cx="671575" cy="352941"/>
+          </a:xfrm>
+          <a:prstGeom prst="bentUpArrow">
+            <a:avLst>
+              <a:gd name="adj1" fmla="val 30795"/>
+              <a:gd name="adj2" fmla="val 25000"/>
+              <a:gd name="adj3" fmla="val 25000"/>
+            </a:avLst>
+          </a:prstGeom>
+        </p:spPr>
+        <p:style>
+          <a:lnRef idx="1">
+            <a:schemeClr val="accent6"/>
+          </a:lnRef>
+          <a:fillRef idx="2">
+            <a:schemeClr val="accent6"/>
+          </a:fillRef>
+          <a:effectRef idx="1">
+            <a:schemeClr val="accent6"/>
+          </a:effectRef>
+          <a:fontRef idx="minor">
+            <a:schemeClr val="dk1"/>
+          </a:fontRef>
+        </p:style>
+        <p:txBody>
+          <a:bodyPr rtlCol="0" anchor="ctr"/>
+          <a:lstStyle/>
+          <a:p>
+            <a:pPr algn="ctr"/>
+            <a:endParaRPr lang="ko-KR" altLang="en-US"/>
+          </a:p>
+        </p:txBody>
+      </p:sp>
+    </p:spTree>
+    <p:extLst>
+      <p:ext uri="{BB962C8B-B14F-4D97-AF65-F5344CB8AC3E}">
+        <p14:creationId xmlns:p14="http://schemas.microsoft.com/office/powerpoint/2010/main" val="678634414"/>
+      </p:ext>
+    </p:extLst>
+  </p:cSld>
+  <p:clrMapOvr>
+    <a:masterClrMapping/>
+  </p:clrMapOvr>
+  <p:timing>
+    <p:tnLst>
+      <p:par>
+        <p:cTn id="1" dur="indefinite" restart="never" nodeType="tmRoot"/>
+      </p:par>
+    </p:tnLst>
+  </p:timing>
 </p:sld>
 </file>
 
@@ -3365,6 +9110,2035 @@
   <p:clrMapOvr>
     <a:masterClrMapping/>
   </p:clrMapOvr>
+  <p:timing>
+    <p:tnLst>
+      <p:par>
+        <p:cTn id="1" dur="indefinite" restart="never" nodeType="tmRoot"/>
+      </p:par>
+    </p:tnLst>
+  </p:timing>
+</p:sld>
+</file>
+
+<file path=ppt/slides/slide20.xml><?xml version="1.0" encoding="utf-8"?>
+<p:sld xmlns:a="http://schemas.openxmlformats.org/drawingml/2006/main" xmlns:r="http://schemas.openxmlformats.org/officeDocument/2006/relationships" xmlns:p="http://schemas.openxmlformats.org/presentationml/2006/main">
+  <p:cSld>
+    <p:spTree>
+      <p:nvGrpSpPr>
+        <p:cNvPr id="1" name=""/>
+        <p:cNvGrpSpPr/>
+        <p:nvPr/>
+      </p:nvGrpSpPr>
+      <p:grpSpPr>
+        <a:xfrm>
+          <a:off x="0" y="0"/>
+          <a:ext cx="0" cy="0"/>
+          <a:chOff x="0" y="0"/>
+          <a:chExt cx="0" cy="0"/>
+        </a:xfrm>
+      </p:grpSpPr>
+      <p:sp>
+        <p:nvSpPr>
+          <p:cNvPr id="2" name="Subtitle 2"/>
+          <p:cNvSpPr txBox="1">
+            <a:spLocks/>
+          </p:cNvSpPr>
+          <p:nvPr/>
+        </p:nvSpPr>
+        <p:spPr>
+          <a:xfrm>
+            <a:off x="272716" y="198725"/>
+            <a:ext cx="11261558" cy="740243"/>
+          </a:xfrm>
+          <a:prstGeom prst="rect">
+            <a:avLst/>
+          </a:prstGeom>
+        </p:spPr>
+        <p:txBody>
+          <a:bodyPr/>
+          <a:lstStyle>
+            <a:lvl1pPr marL="228600" indent="-228600" algn="l" defTabSz="914400" rtl="0" eaLnBrk="1" latinLnBrk="1" hangingPunct="1">
+              <a:lnSpc>
+                <a:spcPct val="90000"/>
+              </a:lnSpc>
+              <a:spcBef>
+                <a:spcPts val="1000"/>
+              </a:spcBef>
+              <a:buFont typeface="Arial" panose="020B0604020202020204" pitchFamily="34" charset="0"/>
+              <a:buChar char="•"/>
+              <a:defRPr sz="2800" kern="1200">
+                <a:solidFill>
+                  <a:schemeClr val="tx1"/>
+                </a:solidFill>
+                <a:latin typeface="+mn-lt"/>
+                <a:ea typeface="+mn-ea"/>
+                <a:cs typeface="+mn-cs"/>
+              </a:defRPr>
+            </a:lvl1pPr>
+            <a:lvl2pPr marL="685800" indent="-228600" algn="l" defTabSz="914400" rtl="0" eaLnBrk="1" latinLnBrk="1" hangingPunct="1">
+              <a:lnSpc>
+                <a:spcPct val="90000"/>
+              </a:lnSpc>
+              <a:spcBef>
+                <a:spcPts val="500"/>
+              </a:spcBef>
+              <a:buFont typeface="Arial" panose="020B0604020202020204" pitchFamily="34" charset="0"/>
+              <a:buChar char="•"/>
+              <a:defRPr sz="2400" kern="1200">
+                <a:solidFill>
+                  <a:schemeClr val="tx1"/>
+                </a:solidFill>
+                <a:latin typeface="+mn-lt"/>
+                <a:ea typeface="+mn-ea"/>
+                <a:cs typeface="+mn-cs"/>
+              </a:defRPr>
+            </a:lvl2pPr>
+            <a:lvl3pPr marL="1143000" indent="-228600" algn="l" defTabSz="914400" rtl="0" eaLnBrk="1" latinLnBrk="1" hangingPunct="1">
+              <a:lnSpc>
+                <a:spcPct val="90000"/>
+              </a:lnSpc>
+              <a:spcBef>
+                <a:spcPts val="500"/>
+              </a:spcBef>
+              <a:buFont typeface="Arial" panose="020B0604020202020204" pitchFamily="34" charset="0"/>
+              <a:buChar char="•"/>
+              <a:defRPr sz="2000" kern="1200">
+                <a:solidFill>
+                  <a:schemeClr val="tx1"/>
+                </a:solidFill>
+                <a:latin typeface="+mn-lt"/>
+                <a:ea typeface="+mn-ea"/>
+                <a:cs typeface="+mn-cs"/>
+              </a:defRPr>
+            </a:lvl3pPr>
+            <a:lvl4pPr marL="1600200" indent="-228600" algn="l" defTabSz="914400" rtl="0" eaLnBrk="1" latinLnBrk="1" hangingPunct="1">
+              <a:lnSpc>
+                <a:spcPct val="90000"/>
+              </a:lnSpc>
+              <a:spcBef>
+                <a:spcPts val="500"/>
+              </a:spcBef>
+              <a:buFont typeface="Arial" panose="020B0604020202020204" pitchFamily="34" charset="0"/>
+              <a:buChar char="•"/>
+              <a:defRPr sz="1800" kern="1200">
+                <a:solidFill>
+                  <a:schemeClr val="tx1"/>
+                </a:solidFill>
+                <a:latin typeface="+mn-lt"/>
+                <a:ea typeface="+mn-ea"/>
+                <a:cs typeface="+mn-cs"/>
+              </a:defRPr>
+            </a:lvl4pPr>
+            <a:lvl5pPr marL="2057400" indent="-228600" algn="l" defTabSz="914400" rtl="0" eaLnBrk="1" latinLnBrk="1" hangingPunct="1">
+              <a:lnSpc>
+                <a:spcPct val="90000"/>
+              </a:lnSpc>
+              <a:spcBef>
+                <a:spcPts val="500"/>
+              </a:spcBef>
+              <a:buFont typeface="Arial" panose="020B0604020202020204" pitchFamily="34" charset="0"/>
+              <a:buChar char="•"/>
+              <a:defRPr sz="1800" kern="1200">
+                <a:solidFill>
+                  <a:schemeClr val="tx1"/>
+                </a:solidFill>
+                <a:latin typeface="+mn-lt"/>
+                <a:ea typeface="+mn-ea"/>
+                <a:cs typeface="+mn-cs"/>
+              </a:defRPr>
+            </a:lvl5pPr>
+            <a:lvl6pPr marL="2514600" indent="-228600" algn="l" defTabSz="914400" rtl="0" eaLnBrk="1" latinLnBrk="1" hangingPunct="1">
+              <a:lnSpc>
+                <a:spcPct val="90000"/>
+              </a:lnSpc>
+              <a:spcBef>
+                <a:spcPts val="500"/>
+              </a:spcBef>
+              <a:buFont typeface="Arial" panose="020B0604020202020204" pitchFamily="34" charset="0"/>
+              <a:buChar char="•"/>
+              <a:defRPr sz="1800" kern="1200">
+                <a:solidFill>
+                  <a:schemeClr val="tx1"/>
+                </a:solidFill>
+                <a:latin typeface="+mn-lt"/>
+                <a:ea typeface="+mn-ea"/>
+                <a:cs typeface="+mn-cs"/>
+              </a:defRPr>
+            </a:lvl6pPr>
+            <a:lvl7pPr marL="2971800" indent="-228600" algn="l" defTabSz="914400" rtl="0" eaLnBrk="1" latinLnBrk="1" hangingPunct="1">
+              <a:lnSpc>
+                <a:spcPct val="90000"/>
+              </a:lnSpc>
+              <a:spcBef>
+                <a:spcPts val="500"/>
+              </a:spcBef>
+              <a:buFont typeface="Arial" panose="020B0604020202020204" pitchFamily="34" charset="0"/>
+              <a:buChar char="•"/>
+              <a:defRPr sz="1800" kern="1200">
+                <a:solidFill>
+                  <a:schemeClr val="tx1"/>
+                </a:solidFill>
+                <a:latin typeface="+mn-lt"/>
+                <a:ea typeface="+mn-ea"/>
+                <a:cs typeface="+mn-cs"/>
+              </a:defRPr>
+            </a:lvl7pPr>
+            <a:lvl8pPr marL="3429000" indent="-228600" algn="l" defTabSz="914400" rtl="0" eaLnBrk="1" latinLnBrk="1" hangingPunct="1">
+              <a:lnSpc>
+                <a:spcPct val="90000"/>
+              </a:lnSpc>
+              <a:spcBef>
+                <a:spcPts val="500"/>
+              </a:spcBef>
+              <a:buFont typeface="Arial" panose="020B0604020202020204" pitchFamily="34" charset="0"/>
+              <a:buChar char="•"/>
+              <a:defRPr sz="1800" kern="1200">
+                <a:solidFill>
+                  <a:schemeClr val="tx1"/>
+                </a:solidFill>
+                <a:latin typeface="+mn-lt"/>
+                <a:ea typeface="+mn-ea"/>
+                <a:cs typeface="+mn-cs"/>
+              </a:defRPr>
+            </a:lvl8pPr>
+            <a:lvl9pPr marL="3886200" indent="-228600" algn="l" defTabSz="914400" rtl="0" eaLnBrk="1" latinLnBrk="1" hangingPunct="1">
+              <a:lnSpc>
+                <a:spcPct val="90000"/>
+              </a:lnSpc>
+              <a:spcBef>
+                <a:spcPts val="500"/>
+              </a:spcBef>
+              <a:buFont typeface="Arial" panose="020B0604020202020204" pitchFamily="34" charset="0"/>
+              <a:buChar char="•"/>
+              <a:defRPr sz="1800" kern="1200">
+                <a:solidFill>
+                  <a:schemeClr val="tx1"/>
+                </a:solidFill>
+                <a:latin typeface="+mn-lt"/>
+                <a:ea typeface="+mn-ea"/>
+                <a:cs typeface="+mn-cs"/>
+              </a:defRPr>
+            </a:lvl9pPr>
+          </a:lstStyle>
+          <a:p>
+            <a:pPr marL="0" indent="0" algn="ctr">
+              <a:buNone/>
+            </a:pPr>
+            <a:r>
+              <a:rPr lang="ko-KR" altLang="en-US" sz="4000" dirty="0" smtClean="0">
+                <a:latin typeface="+mn-ea"/>
+              </a:rPr>
+              <a:t>일기장 리스트 출력 방법</a:t>
+            </a:r>
+            <a:r>
+              <a:rPr lang="en-US" altLang="ko-KR" sz="4000" dirty="0" smtClean="0">
+                <a:latin typeface="+mn-ea"/>
+              </a:rPr>
+              <a:t>(</a:t>
+            </a:r>
+            <a:r>
+              <a:rPr lang="ko-KR" altLang="en-US" sz="4000" dirty="0" smtClean="0">
+                <a:latin typeface="+mn-ea"/>
+              </a:rPr>
+              <a:t>해쉬 태그로 일기 찾기</a:t>
+            </a:r>
+            <a:r>
+              <a:rPr lang="en-US" altLang="ko-KR" sz="4000" dirty="0" smtClean="0">
+                <a:latin typeface="+mn-ea"/>
+              </a:rPr>
+              <a:t>)</a:t>
+            </a:r>
+            <a:endParaRPr lang="ko-KR" altLang="en-US" sz="4000" dirty="0">
+              <a:latin typeface="+mn-ea"/>
+            </a:endParaRPr>
+          </a:p>
+        </p:txBody>
+      </p:sp>
+      <p:sp>
+        <p:nvSpPr>
+          <p:cNvPr id="5" name="TextBox 4"/>
+          <p:cNvSpPr txBox="1"/>
+          <p:nvPr/>
+        </p:nvSpPr>
+        <p:spPr>
+          <a:xfrm>
+            <a:off x="4039346" y="1757067"/>
+            <a:ext cx="1013918" cy="400110"/>
+          </a:xfrm>
+          <a:prstGeom prst="rect">
+            <a:avLst/>
+          </a:prstGeom>
+          <a:noFill/>
+        </p:spPr>
+        <p:txBody>
+          <a:bodyPr wrap="square" rtlCol="0">
+            <a:spAutoFit/>
+          </a:bodyPr>
+          <a:lstStyle/>
+          <a:p>
+            <a:pPr algn="ctr"/>
+            <a:r>
+              <a:rPr lang="en-US" altLang="ko-KR" sz="2000" dirty="0" smtClean="0"/>
+              <a:t>call</a:t>
+            </a:r>
+            <a:endParaRPr lang="ko-KR" altLang="en-US" sz="2000" dirty="0"/>
+          </a:p>
+        </p:txBody>
+      </p:sp>
+      <p:sp>
+        <p:nvSpPr>
+          <p:cNvPr id="4" name="Rectangle 3"/>
+          <p:cNvSpPr/>
+          <p:nvPr/>
+        </p:nvSpPr>
+        <p:spPr>
+          <a:xfrm>
+            <a:off x="119453" y="938967"/>
+            <a:ext cx="6946231" cy="746427"/>
+          </a:xfrm>
+          <a:prstGeom prst="rect">
+            <a:avLst/>
+          </a:prstGeom>
+        </p:spPr>
+        <p:style>
+          <a:lnRef idx="1">
+            <a:schemeClr val="accent6"/>
+          </a:lnRef>
+          <a:fillRef idx="2">
+            <a:schemeClr val="accent6"/>
+          </a:fillRef>
+          <a:effectRef idx="1">
+            <a:schemeClr val="accent6"/>
+          </a:effectRef>
+          <a:fontRef idx="minor">
+            <a:schemeClr val="dk1"/>
+          </a:fontRef>
+        </p:style>
+        <p:txBody>
+          <a:bodyPr rtlCol="0" anchor="ctr"/>
+          <a:lstStyle/>
+          <a:p>
+            <a:pPr algn="ctr"/>
+            <a:r>
+              <a:rPr lang="en-US" altLang="ko-KR" sz="2000" dirty="0" err="1"/>
+              <a:t>firebase.database</a:t>
+            </a:r>
+            <a:r>
+              <a:rPr lang="en-US" altLang="ko-KR" sz="2000" dirty="0"/>
+              <a:t>().ref('diary</a:t>
+            </a:r>
+            <a:r>
+              <a:rPr lang="en-US" altLang="ko-KR" sz="2000" dirty="0" smtClean="0"/>
+              <a:t>').on</a:t>
+            </a:r>
+            <a:r>
+              <a:rPr lang="en-US" altLang="ko-KR" sz="2000" dirty="0"/>
+              <a:t>("value", function(data</a:t>
+            </a:r>
+            <a:r>
+              <a:rPr lang="en-US" altLang="ko-KR" sz="2000" dirty="0" smtClean="0"/>
+              <a:t>){});</a:t>
+            </a:r>
+            <a:endParaRPr lang="ko-KR" altLang="en-US" sz="2000" dirty="0"/>
+          </a:p>
+        </p:txBody>
+      </p:sp>
+      <p:sp>
+        <p:nvSpPr>
+          <p:cNvPr id="7" name="Rectangle 6"/>
+          <p:cNvSpPr/>
+          <p:nvPr/>
+        </p:nvSpPr>
+        <p:spPr>
+          <a:xfrm>
+            <a:off x="1298992" y="2532737"/>
+            <a:ext cx="9486946" cy="3989924"/>
+          </a:xfrm>
+          <a:prstGeom prst="rect">
+            <a:avLst/>
+          </a:prstGeom>
+        </p:spPr>
+        <p:style>
+          <a:lnRef idx="1">
+            <a:schemeClr val="accent6"/>
+          </a:lnRef>
+          <a:fillRef idx="2">
+            <a:schemeClr val="accent6"/>
+          </a:fillRef>
+          <a:effectRef idx="1">
+            <a:schemeClr val="accent6"/>
+          </a:effectRef>
+          <a:fontRef idx="minor">
+            <a:schemeClr val="dk1"/>
+          </a:fontRef>
+        </p:style>
+        <p:txBody>
+          <a:bodyPr rtlCol="0" anchor="ctr"/>
+          <a:lstStyle/>
+          <a:p>
+            <a:pPr algn="ctr">
+              <a:lnSpc>
+                <a:spcPct val="150000"/>
+              </a:lnSpc>
+            </a:pPr>
+            <a:r>
+              <a:rPr lang="en-US" altLang="ko-KR" sz="3600" dirty="0" smtClean="0"/>
+              <a:t>Function </a:t>
+            </a:r>
+            <a:r>
+              <a:rPr lang="en-US" altLang="ko-KR" sz="3600" dirty="0" err="1" smtClean="0"/>
+              <a:t>printDiaryList</a:t>
+            </a:r>
+            <a:r>
+              <a:rPr lang="en-US" altLang="ko-KR" sz="3600" dirty="0" smtClean="0"/>
+              <a:t>(data, hash)</a:t>
+            </a:r>
+          </a:p>
+          <a:p>
+            <a:pPr marL="457200" indent="-457200">
+              <a:lnSpc>
+                <a:spcPct val="150000"/>
+              </a:lnSpc>
+              <a:buFont typeface="+mj-lt"/>
+              <a:buAutoNum type="arabicPeriod"/>
+            </a:pPr>
+            <a:r>
+              <a:rPr lang="ko-KR" altLang="en-US" sz="2000" dirty="0" smtClean="0"/>
+              <a:t>파라미터인 </a:t>
+            </a:r>
+            <a:r>
+              <a:rPr lang="en-US" altLang="ko-KR" sz="2000" dirty="0" smtClean="0"/>
+              <a:t>data</a:t>
+            </a:r>
+            <a:r>
+              <a:rPr lang="ko-KR" altLang="en-US" sz="2000" dirty="0" smtClean="0"/>
+              <a:t>는 </a:t>
+            </a:r>
+            <a:r>
+              <a:rPr lang="en-US" altLang="ko-KR" sz="2000" dirty="0" smtClean="0"/>
+              <a:t>diary </a:t>
+            </a:r>
+            <a:r>
+              <a:rPr lang="ko-KR" altLang="en-US" sz="2000" dirty="0" smtClean="0"/>
+              <a:t>디렉터리의 </a:t>
+            </a:r>
+            <a:r>
+              <a:rPr lang="en-US" altLang="ko-KR" sz="2000" dirty="0" smtClean="0"/>
+              <a:t>snapshot</a:t>
+            </a:r>
+            <a:r>
+              <a:rPr lang="ko-KR" altLang="en-US" sz="2000" dirty="0" smtClean="0"/>
+              <a:t>이다</a:t>
+            </a:r>
+            <a:r>
+              <a:rPr lang="en-US" altLang="ko-KR" sz="2000" dirty="0" smtClean="0"/>
+              <a:t>. data</a:t>
+            </a:r>
+            <a:r>
+              <a:rPr lang="ko-KR" altLang="en-US" sz="2000" dirty="0" smtClean="0"/>
+              <a:t>를 이용해 각각 일기장의 정보를 뽑아낸다</a:t>
+            </a:r>
+            <a:r>
+              <a:rPr lang="en-US" altLang="ko-KR" sz="2000" dirty="0" smtClean="0"/>
+              <a:t>.</a:t>
+            </a:r>
+          </a:p>
+          <a:p>
+            <a:pPr marL="457200" indent="-457200">
+              <a:lnSpc>
+                <a:spcPct val="150000"/>
+              </a:lnSpc>
+              <a:buFont typeface="+mj-lt"/>
+              <a:buAutoNum type="arabicPeriod"/>
+            </a:pPr>
+            <a:r>
+              <a:rPr lang="ko-KR" altLang="en-US" sz="2000" dirty="0" smtClean="0"/>
+              <a:t>만약 파라미터 </a:t>
+            </a:r>
+            <a:r>
+              <a:rPr lang="en-US" altLang="ko-KR" sz="2000" dirty="0" smtClean="0"/>
+              <a:t>hash</a:t>
+            </a:r>
+            <a:r>
+              <a:rPr lang="ko-KR" altLang="en-US" sz="2000" dirty="0" smtClean="0"/>
+              <a:t>가 </a:t>
+            </a:r>
+            <a:r>
+              <a:rPr lang="en-US" altLang="ko-KR" sz="2000" dirty="0" smtClean="0"/>
+              <a:t>null</a:t>
+            </a:r>
+            <a:r>
+              <a:rPr lang="ko-KR" altLang="en-US" sz="2000" dirty="0" smtClean="0"/>
+              <a:t>이면 찾고자하는 특정 </a:t>
+            </a:r>
+            <a:r>
+              <a:rPr lang="en-US" altLang="ko-KR" sz="2000" dirty="0" smtClean="0"/>
+              <a:t>hash </a:t>
+            </a:r>
+            <a:r>
+              <a:rPr lang="ko-KR" altLang="en-US" sz="2000" dirty="0" smtClean="0"/>
+              <a:t>태그의 글이 없는 것이고</a:t>
+            </a:r>
+            <a:r>
+              <a:rPr lang="en-US" altLang="ko-KR" sz="2000" dirty="0" smtClean="0"/>
+              <a:t>, null</a:t>
+            </a:r>
+            <a:r>
+              <a:rPr lang="ko-KR" altLang="en-US" sz="2000" dirty="0" smtClean="0"/>
+              <a:t>이 아니면 찾고자하는 </a:t>
+            </a:r>
+            <a:r>
+              <a:rPr lang="en-US" altLang="ko-KR" sz="2000" dirty="0" smtClean="0"/>
+              <a:t>hash </a:t>
+            </a:r>
+            <a:r>
+              <a:rPr lang="ko-KR" altLang="en-US" sz="2000" dirty="0" smtClean="0"/>
+              <a:t>태그의 글만을 출력해줘야한다</a:t>
+            </a:r>
+            <a:r>
+              <a:rPr lang="en-US" altLang="ko-KR" sz="2000" dirty="0" smtClean="0"/>
+              <a:t>. </a:t>
+            </a:r>
+            <a:br>
+              <a:rPr lang="en-US" altLang="ko-KR" sz="2000" dirty="0" smtClean="0"/>
+            </a:br>
+            <a:r>
+              <a:rPr lang="en-US" altLang="ko-KR" sz="2000" dirty="0" smtClean="0"/>
+              <a:t>(data[</a:t>
+            </a:r>
+            <a:r>
+              <a:rPr lang="ko-KR" altLang="en-US" sz="2000" dirty="0" smtClean="0"/>
+              <a:t>특정 키</a:t>
+            </a:r>
+            <a:r>
+              <a:rPr lang="en-US" altLang="ko-KR" sz="2000" dirty="0" smtClean="0"/>
+              <a:t>].hash</a:t>
+            </a:r>
+            <a:r>
+              <a:rPr lang="ko-KR" altLang="en-US" sz="2000" dirty="0" smtClean="0"/>
+              <a:t>의 값들과 파라미터 </a:t>
+            </a:r>
+            <a:r>
+              <a:rPr lang="en-US" altLang="ko-KR" sz="2000" dirty="0" smtClean="0"/>
+              <a:t>hash</a:t>
+            </a:r>
+            <a:r>
+              <a:rPr lang="ko-KR" altLang="en-US" sz="2000" dirty="0" smtClean="0"/>
+              <a:t>의 값을 비교하여 일기를 찾는다</a:t>
+            </a:r>
+            <a:r>
+              <a:rPr lang="en-US" altLang="ko-KR" sz="2000" dirty="0" smtClean="0"/>
+              <a:t>.)</a:t>
+            </a:r>
+          </a:p>
+          <a:p>
+            <a:pPr marL="457200" indent="-457200">
+              <a:lnSpc>
+                <a:spcPct val="150000"/>
+              </a:lnSpc>
+              <a:buFont typeface="+mj-lt"/>
+              <a:buAutoNum type="arabicPeriod"/>
+            </a:pPr>
+            <a:r>
+              <a:rPr lang="en-US" altLang="ko-KR" sz="2000" dirty="0"/>
+              <a:t>$("#</a:t>
+            </a:r>
+            <a:r>
+              <a:rPr lang="en-US" altLang="ko-KR" sz="2000" dirty="0" err="1"/>
+              <a:t>diaryList</a:t>
+            </a:r>
+            <a:r>
+              <a:rPr lang="en-US" altLang="ko-KR" sz="2000" dirty="0"/>
+              <a:t>").</a:t>
+            </a:r>
+            <a:r>
+              <a:rPr lang="en-US" altLang="ko-KR" sz="2000" dirty="0" smtClean="0"/>
+              <a:t>append(</a:t>
+            </a:r>
+            <a:r>
+              <a:rPr lang="ko-KR" altLang="en-US" sz="2000" dirty="0" smtClean="0"/>
+              <a:t>출력하고자 하는 내용</a:t>
+            </a:r>
+            <a:r>
+              <a:rPr lang="en-US" altLang="ko-KR" sz="2000" dirty="0" smtClean="0"/>
+              <a:t>)</a:t>
+            </a:r>
+            <a:r>
+              <a:rPr lang="ko-KR" altLang="en-US" sz="2000" dirty="0" smtClean="0"/>
+              <a:t>을 통해 리스트 엘리먼트에 출력한다</a:t>
+            </a:r>
+            <a:r>
+              <a:rPr lang="en-US" altLang="ko-KR" sz="2000" dirty="0" smtClean="0"/>
+              <a:t>.</a:t>
+            </a:r>
+            <a:endParaRPr lang="ko-KR" altLang="en-US" sz="2000" dirty="0"/>
+          </a:p>
+        </p:txBody>
+      </p:sp>
+      <p:sp>
+        <p:nvSpPr>
+          <p:cNvPr id="8" name="Rectangle 7"/>
+          <p:cNvSpPr/>
+          <p:nvPr/>
+        </p:nvSpPr>
+        <p:spPr>
+          <a:xfrm>
+            <a:off x="7586190" y="938968"/>
+            <a:ext cx="3199748" cy="746427"/>
+          </a:xfrm>
+          <a:prstGeom prst="rect">
+            <a:avLst/>
+          </a:prstGeom>
+        </p:spPr>
+        <p:style>
+          <a:lnRef idx="1">
+            <a:schemeClr val="accent6"/>
+          </a:lnRef>
+          <a:fillRef idx="2">
+            <a:schemeClr val="accent6"/>
+          </a:fillRef>
+          <a:effectRef idx="1">
+            <a:schemeClr val="accent6"/>
+          </a:effectRef>
+          <a:fontRef idx="minor">
+            <a:schemeClr val="dk1"/>
+          </a:fontRef>
+        </p:style>
+        <p:txBody>
+          <a:bodyPr rtlCol="0" anchor="ctr"/>
+          <a:lstStyle/>
+          <a:p>
+            <a:pPr algn="ctr"/>
+            <a:r>
+              <a:rPr lang="en-US" altLang="ko-KR" sz="2000" dirty="0" smtClean="0"/>
+              <a:t>Function </a:t>
+            </a:r>
+            <a:r>
+              <a:rPr lang="en-US" altLang="ko-KR" sz="2000" dirty="0" err="1" smtClean="0"/>
+              <a:t>searchHash</a:t>
+            </a:r>
+            <a:r>
+              <a:rPr lang="en-US" altLang="ko-KR" sz="2000" dirty="0" smtClean="0"/>
+              <a:t>()</a:t>
+            </a:r>
+            <a:endParaRPr lang="ko-KR" altLang="en-US" sz="2000" dirty="0"/>
+          </a:p>
+        </p:txBody>
+      </p:sp>
+      <p:sp>
+        <p:nvSpPr>
+          <p:cNvPr id="9" name="TextBox 8"/>
+          <p:cNvSpPr txBox="1"/>
+          <p:nvPr/>
+        </p:nvSpPr>
+        <p:spPr>
+          <a:xfrm>
+            <a:off x="8458630" y="1805179"/>
+            <a:ext cx="1454867" cy="400110"/>
+          </a:xfrm>
+          <a:prstGeom prst="rect">
+            <a:avLst/>
+          </a:prstGeom>
+          <a:noFill/>
+        </p:spPr>
+        <p:txBody>
+          <a:bodyPr wrap="square" rtlCol="0">
+            <a:spAutoFit/>
+          </a:bodyPr>
+          <a:lstStyle/>
+          <a:p>
+            <a:pPr algn="ctr"/>
+            <a:r>
+              <a:rPr lang="en-US" altLang="ko-KR" sz="2000" dirty="0" smtClean="0"/>
+              <a:t>call</a:t>
+            </a:r>
+            <a:endParaRPr lang="ko-KR" altLang="en-US" sz="2000" dirty="0"/>
+          </a:p>
+        </p:txBody>
+      </p:sp>
+      <p:sp>
+        <p:nvSpPr>
+          <p:cNvPr id="11" name="Bent-Up Arrow 10"/>
+          <p:cNvSpPr/>
+          <p:nvPr/>
+        </p:nvSpPr>
+        <p:spPr>
+          <a:xfrm rot="10800000">
+            <a:off x="7823975" y="1909011"/>
+            <a:ext cx="619579" cy="553616"/>
+          </a:xfrm>
+          <a:prstGeom prst="bentUpArrow">
+            <a:avLst>
+              <a:gd name="adj1" fmla="val 30795"/>
+              <a:gd name="adj2" fmla="val 25000"/>
+              <a:gd name="adj3" fmla="val 25000"/>
+            </a:avLst>
+          </a:prstGeom>
+        </p:spPr>
+        <p:style>
+          <a:lnRef idx="1">
+            <a:schemeClr val="accent6"/>
+          </a:lnRef>
+          <a:fillRef idx="2">
+            <a:schemeClr val="accent6"/>
+          </a:fillRef>
+          <a:effectRef idx="1">
+            <a:schemeClr val="accent6"/>
+          </a:effectRef>
+          <a:fontRef idx="minor">
+            <a:schemeClr val="dk1"/>
+          </a:fontRef>
+        </p:style>
+        <p:txBody>
+          <a:bodyPr rtlCol="0" anchor="ctr"/>
+          <a:lstStyle/>
+          <a:p>
+            <a:pPr algn="ctr"/>
+            <a:endParaRPr lang="ko-KR" altLang="en-US"/>
+          </a:p>
+        </p:txBody>
+      </p:sp>
+      <p:sp>
+        <p:nvSpPr>
+          <p:cNvPr id="12" name="Bent-Up Arrow 11"/>
+          <p:cNvSpPr/>
+          <p:nvPr/>
+        </p:nvSpPr>
+        <p:spPr>
+          <a:xfrm rot="10800000" flipH="1">
+            <a:off x="5422886" y="1832258"/>
+            <a:ext cx="619579" cy="553616"/>
+          </a:xfrm>
+          <a:prstGeom prst="bentUpArrow">
+            <a:avLst>
+              <a:gd name="adj1" fmla="val 30795"/>
+              <a:gd name="adj2" fmla="val 25000"/>
+              <a:gd name="adj3" fmla="val 25000"/>
+            </a:avLst>
+          </a:prstGeom>
+        </p:spPr>
+        <p:style>
+          <a:lnRef idx="1">
+            <a:schemeClr val="accent6"/>
+          </a:lnRef>
+          <a:fillRef idx="2">
+            <a:schemeClr val="accent6"/>
+          </a:fillRef>
+          <a:effectRef idx="1">
+            <a:schemeClr val="accent6"/>
+          </a:effectRef>
+          <a:fontRef idx="minor">
+            <a:schemeClr val="dk1"/>
+          </a:fontRef>
+        </p:style>
+        <p:txBody>
+          <a:bodyPr rtlCol="0" anchor="ctr"/>
+          <a:lstStyle/>
+          <a:p>
+            <a:pPr algn="ctr"/>
+            <a:endParaRPr lang="ko-KR" altLang="en-US"/>
+          </a:p>
+        </p:txBody>
+      </p:sp>
+    </p:spTree>
+    <p:extLst>
+      <p:ext uri="{BB962C8B-B14F-4D97-AF65-F5344CB8AC3E}">
+        <p14:creationId xmlns:p14="http://schemas.microsoft.com/office/powerpoint/2010/main" val="2734108516"/>
+      </p:ext>
+    </p:extLst>
+  </p:cSld>
+  <p:clrMapOvr>
+    <a:masterClrMapping/>
+  </p:clrMapOvr>
+  <p:timing>
+    <p:tnLst>
+      <p:par>
+        <p:cTn id="1" dur="indefinite" restart="never" nodeType="tmRoot"/>
+      </p:par>
+    </p:tnLst>
+  </p:timing>
+</p:sld>
+</file>
+
+<file path=ppt/slides/slide21.xml><?xml version="1.0" encoding="utf-8"?>
+<p:sld xmlns:a="http://schemas.openxmlformats.org/drawingml/2006/main" xmlns:r="http://schemas.openxmlformats.org/officeDocument/2006/relationships" xmlns:p="http://schemas.openxmlformats.org/presentationml/2006/main">
+  <p:cSld>
+    <p:spTree>
+      <p:nvGrpSpPr>
+        <p:cNvPr id="1" name=""/>
+        <p:cNvGrpSpPr/>
+        <p:nvPr/>
+      </p:nvGrpSpPr>
+      <p:grpSpPr>
+        <a:xfrm>
+          <a:off x="0" y="0"/>
+          <a:ext cx="0" cy="0"/>
+          <a:chOff x="0" y="0"/>
+          <a:chExt cx="0" cy="0"/>
+        </a:xfrm>
+      </p:grpSpPr>
+      <p:sp>
+        <p:nvSpPr>
+          <p:cNvPr id="2" name="Subtitle 2"/>
+          <p:cNvSpPr txBox="1">
+            <a:spLocks/>
+          </p:cNvSpPr>
+          <p:nvPr/>
+        </p:nvSpPr>
+        <p:spPr>
+          <a:xfrm>
+            <a:off x="272716" y="198725"/>
+            <a:ext cx="11261558" cy="740243"/>
+          </a:xfrm>
+          <a:prstGeom prst="rect">
+            <a:avLst/>
+          </a:prstGeom>
+        </p:spPr>
+        <p:txBody>
+          <a:bodyPr/>
+          <a:lstStyle>
+            <a:lvl1pPr marL="228600" indent="-228600" algn="l" defTabSz="914400" rtl="0" eaLnBrk="1" latinLnBrk="1" hangingPunct="1">
+              <a:lnSpc>
+                <a:spcPct val="90000"/>
+              </a:lnSpc>
+              <a:spcBef>
+                <a:spcPts val="1000"/>
+              </a:spcBef>
+              <a:buFont typeface="Arial" panose="020B0604020202020204" pitchFamily="34" charset="0"/>
+              <a:buChar char="•"/>
+              <a:defRPr sz="2800" kern="1200">
+                <a:solidFill>
+                  <a:schemeClr val="tx1"/>
+                </a:solidFill>
+                <a:latin typeface="+mn-lt"/>
+                <a:ea typeface="+mn-ea"/>
+                <a:cs typeface="+mn-cs"/>
+              </a:defRPr>
+            </a:lvl1pPr>
+            <a:lvl2pPr marL="685800" indent="-228600" algn="l" defTabSz="914400" rtl="0" eaLnBrk="1" latinLnBrk="1" hangingPunct="1">
+              <a:lnSpc>
+                <a:spcPct val="90000"/>
+              </a:lnSpc>
+              <a:spcBef>
+                <a:spcPts val="500"/>
+              </a:spcBef>
+              <a:buFont typeface="Arial" panose="020B0604020202020204" pitchFamily="34" charset="0"/>
+              <a:buChar char="•"/>
+              <a:defRPr sz="2400" kern="1200">
+                <a:solidFill>
+                  <a:schemeClr val="tx1"/>
+                </a:solidFill>
+                <a:latin typeface="+mn-lt"/>
+                <a:ea typeface="+mn-ea"/>
+                <a:cs typeface="+mn-cs"/>
+              </a:defRPr>
+            </a:lvl2pPr>
+            <a:lvl3pPr marL="1143000" indent="-228600" algn="l" defTabSz="914400" rtl="0" eaLnBrk="1" latinLnBrk="1" hangingPunct="1">
+              <a:lnSpc>
+                <a:spcPct val="90000"/>
+              </a:lnSpc>
+              <a:spcBef>
+                <a:spcPts val="500"/>
+              </a:spcBef>
+              <a:buFont typeface="Arial" panose="020B0604020202020204" pitchFamily="34" charset="0"/>
+              <a:buChar char="•"/>
+              <a:defRPr sz="2000" kern="1200">
+                <a:solidFill>
+                  <a:schemeClr val="tx1"/>
+                </a:solidFill>
+                <a:latin typeface="+mn-lt"/>
+                <a:ea typeface="+mn-ea"/>
+                <a:cs typeface="+mn-cs"/>
+              </a:defRPr>
+            </a:lvl3pPr>
+            <a:lvl4pPr marL="1600200" indent="-228600" algn="l" defTabSz="914400" rtl="0" eaLnBrk="1" latinLnBrk="1" hangingPunct="1">
+              <a:lnSpc>
+                <a:spcPct val="90000"/>
+              </a:lnSpc>
+              <a:spcBef>
+                <a:spcPts val="500"/>
+              </a:spcBef>
+              <a:buFont typeface="Arial" panose="020B0604020202020204" pitchFamily="34" charset="0"/>
+              <a:buChar char="•"/>
+              <a:defRPr sz="1800" kern="1200">
+                <a:solidFill>
+                  <a:schemeClr val="tx1"/>
+                </a:solidFill>
+                <a:latin typeface="+mn-lt"/>
+                <a:ea typeface="+mn-ea"/>
+                <a:cs typeface="+mn-cs"/>
+              </a:defRPr>
+            </a:lvl4pPr>
+            <a:lvl5pPr marL="2057400" indent="-228600" algn="l" defTabSz="914400" rtl="0" eaLnBrk="1" latinLnBrk="1" hangingPunct="1">
+              <a:lnSpc>
+                <a:spcPct val="90000"/>
+              </a:lnSpc>
+              <a:spcBef>
+                <a:spcPts val="500"/>
+              </a:spcBef>
+              <a:buFont typeface="Arial" panose="020B0604020202020204" pitchFamily="34" charset="0"/>
+              <a:buChar char="•"/>
+              <a:defRPr sz="1800" kern="1200">
+                <a:solidFill>
+                  <a:schemeClr val="tx1"/>
+                </a:solidFill>
+                <a:latin typeface="+mn-lt"/>
+                <a:ea typeface="+mn-ea"/>
+                <a:cs typeface="+mn-cs"/>
+              </a:defRPr>
+            </a:lvl5pPr>
+            <a:lvl6pPr marL="2514600" indent="-228600" algn="l" defTabSz="914400" rtl="0" eaLnBrk="1" latinLnBrk="1" hangingPunct="1">
+              <a:lnSpc>
+                <a:spcPct val="90000"/>
+              </a:lnSpc>
+              <a:spcBef>
+                <a:spcPts val="500"/>
+              </a:spcBef>
+              <a:buFont typeface="Arial" panose="020B0604020202020204" pitchFamily="34" charset="0"/>
+              <a:buChar char="•"/>
+              <a:defRPr sz="1800" kern="1200">
+                <a:solidFill>
+                  <a:schemeClr val="tx1"/>
+                </a:solidFill>
+                <a:latin typeface="+mn-lt"/>
+                <a:ea typeface="+mn-ea"/>
+                <a:cs typeface="+mn-cs"/>
+              </a:defRPr>
+            </a:lvl6pPr>
+            <a:lvl7pPr marL="2971800" indent="-228600" algn="l" defTabSz="914400" rtl="0" eaLnBrk="1" latinLnBrk="1" hangingPunct="1">
+              <a:lnSpc>
+                <a:spcPct val="90000"/>
+              </a:lnSpc>
+              <a:spcBef>
+                <a:spcPts val="500"/>
+              </a:spcBef>
+              <a:buFont typeface="Arial" panose="020B0604020202020204" pitchFamily="34" charset="0"/>
+              <a:buChar char="•"/>
+              <a:defRPr sz="1800" kern="1200">
+                <a:solidFill>
+                  <a:schemeClr val="tx1"/>
+                </a:solidFill>
+                <a:latin typeface="+mn-lt"/>
+                <a:ea typeface="+mn-ea"/>
+                <a:cs typeface="+mn-cs"/>
+              </a:defRPr>
+            </a:lvl7pPr>
+            <a:lvl8pPr marL="3429000" indent="-228600" algn="l" defTabSz="914400" rtl="0" eaLnBrk="1" latinLnBrk="1" hangingPunct="1">
+              <a:lnSpc>
+                <a:spcPct val="90000"/>
+              </a:lnSpc>
+              <a:spcBef>
+                <a:spcPts val="500"/>
+              </a:spcBef>
+              <a:buFont typeface="Arial" panose="020B0604020202020204" pitchFamily="34" charset="0"/>
+              <a:buChar char="•"/>
+              <a:defRPr sz="1800" kern="1200">
+                <a:solidFill>
+                  <a:schemeClr val="tx1"/>
+                </a:solidFill>
+                <a:latin typeface="+mn-lt"/>
+                <a:ea typeface="+mn-ea"/>
+                <a:cs typeface="+mn-cs"/>
+              </a:defRPr>
+            </a:lvl8pPr>
+            <a:lvl9pPr marL="3886200" indent="-228600" algn="l" defTabSz="914400" rtl="0" eaLnBrk="1" latinLnBrk="1" hangingPunct="1">
+              <a:lnSpc>
+                <a:spcPct val="90000"/>
+              </a:lnSpc>
+              <a:spcBef>
+                <a:spcPts val="500"/>
+              </a:spcBef>
+              <a:buFont typeface="Arial" panose="020B0604020202020204" pitchFamily="34" charset="0"/>
+              <a:buChar char="•"/>
+              <a:defRPr sz="1800" kern="1200">
+                <a:solidFill>
+                  <a:schemeClr val="tx1"/>
+                </a:solidFill>
+                <a:latin typeface="+mn-lt"/>
+                <a:ea typeface="+mn-ea"/>
+                <a:cs typeface="+mn-cs"/>
+              </a:defRPr>
+            </a:lvl9pPr>
+          </a:lstStyle>
+          <a:p>
+            <a:pPr marL="0" indent="0" algn="ctr">
+              <a:buNone/>
+            </a:pPr>
+            <a:r>
+              <a:rPr lang="en-US" altLang="ko-KR" sz="4000" dirty="0" err="1" smtClean="0">
+                <a:latin typeface="+mn-ea"/>
+              </a:rPr>
+              <a:t>Fuction</a:t>
+            </a:r>
+            <a:r>
+              <a:rPr lang="en-US" altLang="ko-KR" sz="4000" dirty="0" smtClean="0">
+                <a:latin typeface="+mn-ea"/>
+              </a:rPr>
+              <a:t> </a:t>
+            </a:r>
+            <a:r>
+              <a:rPr lang="en-US" altLang="ko-KR" sz="4000" dirty="0" err="1" smtClean="0">
+                <a:latin typeface="+mn-ea"/>
+              </a:rPr>
+              <a:t>searchHash</a:t>
+            </a:r>
+            <a:r>
+              <a:rPr lang="en-US" altLang="ko-KR" sz="4000" dirty="0" smtClean="0">
+                <a:latin typeface="+mn-ea"/>
+              </a:rPr>
+              <a:t>()</a:t>
+            </a:r>
+            <a:endParaRPr lang="ko-KR" altLang="en-US" sz="4000" dirty="0">
+              <a:latin typeface="+mn-ea"/>
+            </a:endParaRPr>
+          </a:p>
+        </p:txBody>
+      </p:sp>
+      <p:sp>
+        <p:nvSpPr>
+          <p:cNvPr id="5" name="TextBox 4"/>
+          <p:cNvSpPr txBox="1"/>
+          <p:nvPr/>
+        </p:nvSpPr>
+        <p:spPr>
+          <a:xfrm>
+            <a:off x="1298992" y="1800172"/>
+            <a:ext cx="3432044" cy="400110"/>
+          </a:xfrm>
+          <a:prstGeom prst="rect">
+            <a:avLst/>
+          </a:prstGeom>
+          <a:noFill/>
+        </p:spPr>
+        <p:txBody>
+          <a:bodyPr wrap="square" rtlCol="0">
+            <a:spAutoFit/>
+          </a:bodyPr>
+          <a:lstStyle/>
+          <a:p>
+            <a:pPr algn="ctr"/>
+            <a:r>
+              <a:rPr lang="en-US" altLang="ko-KR" sz="2000" dirty="0"/>
+              <a:t>$("#</a:t>
+            </a:r>
+            <a:r>
+              <a:rPr lang="en-US" altLang="ko-KR" sz="2000" dirty="0" err="1"/>
+              <a:t>hashBox</a:t>
+            </a:r>
+            <a:r>
+              <a:rPr lang="en-US" altLang="ko-KR" sz="2000" dirty="0"/>
+              <a:t>").</a:t>
+            </a:r>
+            <a:r>
+              <a:rPr lang="en-US" altLang="ko-KR" sz="2000" dirty="0" err="1"/>
+              <a:t>val</a:t>
+            </a:r>
+            <a:r>
+              <a:rPr lang="en-US" altLang="ko-KR" sz="2000" dirty="0"/>
+              <a:t>()</a:t>
+            </a:r>
+            <a:endParaRPr lang="ko-KR" altLang="en-US" sz="2000" dirty="0"/>
+          </a:p>
+        </p:txBody>
+      </p:sp>
+      <p:sp>
+        <p:nvSpPr>
+          <p:cNvPr id="4" name="Rectangle 3"/>
+          <p:cNvSpPr/>
+          <p:nvPr/>
+        </p:nvSpPr>
+        <p:spPr>
+          <a:xfrm>
+            <a:off x="1855540" y="938968"/>
+            <a:ext cx="2318947" cy="746427"/>
+          </a:xfrm>
+          <a:prstGeom prst="rect">
+            <a:avLst/>
+          </a:prstGeom>
+        </p:spPr>
+        <p:style>
+          <a:lnRef idx="1">
+            <a:schemeClr val="accent6"/>
+          </a:lnRef>
+          <a:fillRef idx="2">
+            <a:schemeClr val="accent6"/>
+          </a:fillRef>
+          <a:effectRef idx="1">
+            <a:schemeClr val="accent6"/>
+          </a:effectRef>
+          <a:fontRef idx="minor">
+            <a:schemeClr val="dk1"/>
+          </a:fontRef>
+        </p:style>
+        <p:txBody>
+          <a:bodyPr rtlCol="0" anchor="ctr"/>
+          <a:lstStyle/>
+          <a:p>
+            <a:pPr algn="ctr"/>
+            <a:r>
+              <a:rPr lang="en-US" altLang="ko-KR" sz="2000" dirty="0" smtClean="0"/>
+              <a:t>Hash </a:t>
+            </a:r>
+            <a:r>
+              <a:rPr lang="ko-KR" altLang="en-US" sz="2000" dirty="0" smtClean="0"/>
+              <a:t>태그 검색 폼</a:t>
+            </a:r>
+            <a:endParaRPr lang="ko-KR" altLang="en-US" sz="2000" dirty="0"/>
+          </a:p>
+        </p:txBody>
+      </p:sp>
+      <p:sp>
+        <p:nvSpPr>
+          <p:cNvPr id="7" name="Rectangle 6"/>
+          <p:cNvSpPr/>
+          <p:nvPr/>
+        </p:nvSpPr>
+        <p:spPr>
+          <a:xfrm>
+            <a:off x="1298992" y="2791326"/>
+            <a:ext cx="9486946" cy="2656514"/>
+          </a:xfrm>
+          <a:prstGeom prst="rect">
+            <a:avLst/>
+          </a:prstGeom>
+        </p:spPr>
+        <p:style>
+          <a:lnRef idx="1">
+            <a:schemeClr val="accent6"/>
+          </a:lnRef>
+          <a:fillRef idx="2">
+            <a:schemeClr val="accent6"/>
+          </a:fillRef>
+          <a:effectRef idx="1">
+            <a:schemeClr val="accent6"/>
+          </a:effectRef>
+          <a:fontRef idx="minor">
+            <a:schemeClr val="dk1"/>
+          </a:fontRef>
+        </p:style>
+        <p:txBody>
+          <a:bodyPr rtlCol="0" anchor="ctr"/>
+          <a:lstStyle/>
+          <a:p>
+            <a:pPr algn="ctr">
+              <a:lnSpc>
+                <a:spcPct val="150000"/>
+              </a:lnSpc>
+            </a:pPr>
+            <a:r>
+              <a:rPr lang="en-US" altLang="ko-KR" sz="3600" dirty="0" smtClean="0"/>
+              <a:t>Function </a:t>
+            </a:r>
+            <a:r>
+              <a:rPr lang="en-US" altLang="ko-KR" sz="3600" dirty="0" err="1">
+                <a:latin typeface="+mn-ea"/>
+              </a:rPr>
+              <a:t>searchHash</a:t>
+            </a:r>
+            <a:r>
+              <a:rPr lang="en-US" altLang="ko-KR" sz="3600" dirty="0">
+                <a:latin typeface="+mn-ea"/>
+              </a:rPr>
+              <a:t>() </a:t>
+            </a:r>
+            <a:endParaRPr lang="en-US" altLang="ko-KR" sz="3600" dirty="0" smtClean="0">
+              <a:latin typeface="+mn-ea"/>
+            </a:endParaRPr>
+          </a:p>
+          <a:p>
+            <a:pPr marL="457200" indent="-457200">
+              <a:lnSpc>
+                <a:spcPct val="150000"/>
+              </a:lnSpc>
+              <a:buAutoNum type="arabicPeriod"/>
+            </a:pPr>
+            <a:r>
+              <a:rPr lang="en-US" altLang="ko-KR" sz="2000" dirty="0" err="1" smtClean="0"/>
+              <a:t>hashBox</a:t>
+            </a:r>
+            <a:r>
+              <a:rPr lang="ko-KR" altLang="en-US" sz="2000" dirty="0" smtClean="0"/>
+              <a:t>의 데이터를 </a:t>
+            </a:r>
+            <a:r>
+              <a:rPr lang="en-US" altLang="ko-KR" sz="2000" dirty="0" smtClean="0"/>
+              <a:t>DB</a:t>
+            </a:r>
+            <a:r>
+              <a:rPr lang="ko-KR" altLang="en-US" sz="2000" dirty="0" smtClean="0"/>
+              <a:t>에 저장된 해쉬 태그의 형태가 맞게 수정한다</a:t>
+            </a:r>
+            <a:r>
+              <a:rPr lang="en-US" altLang="ko-KR" sz="2000" dirty="0" smtClean="0"/>
+              <a:t>.</a:t>
+            </a:r>
+          </a:p>
+          <a:p>
+            <a:pPr marL="457200" indent="-457200">
+              <a:lnSpc>
+                <a:spcPct val="150000"/>
+              </a:lnSpc>
+              <a:buAutoNum type="arabicPeriod"/>
+            </a:pPr>
+            <a:r>
+              <a:rPr lang="ko-KR" altLang="en-US" sz="2000" dirty="0" smtClean="0"/>
+              <a:t>이를 </a:t>
+            </a:r>
+            <a:r>
+              <a:rPr lang="en-US" altLang="ko-KR" sz="2000" dirty="0" err="1" smtClean="0"/>
+              <a:t>printDiaryList</a:t>
+            </a:r>
+            <a:r>
+              <a:rPr lang="en-US" altLang="ko-KR" sz="2000" dirty="0" smtClean="0"/>
+              <a:t> </a:t>
+            </a:r>
+            <a:r>
+              <a:rPr lang="ko-KR" altLang="en-US" sz="2000" dirty="0" smtClean="0"/>
+              <a:t>함수에 전달</a:t>
+            </a:r>
+            <a:endParaRPr lang="ko-KR" altLang="en-US" sz="2000" dirty="0"/>
+          </a:p>
+        </p:txBody>
+      </p:sp>
+      <p:sp>
+        <p:nvSpPr>
+          <p:cNvPr id="10" name="Bent-Up Arrow 9"/>
+          <p:cNvSpPr/>
+          <p:nvPr/>
+        </p:nvSpPr>
+        <p:spPr>
+          <a:xfrm rot="10800000" flipH="1">
+            <a:off x="4421246" y="1923474"/>
+            <a:ext cx="619579" cy="553616"/>
+          </a:xfrm>
+          <a:prstGeom prst="bentUpArrow">
+            <a:avLst>
+              <a:gd name="adj1" fmla="val 30795"/>
+              <a:gd name="adj2" fmla="val 25000"/>
+              <a:gd name="adj3" fmla="val 25000"/>
+            </a:avLst>
+          </a:prstGeom>
+        </p:spPr>
+        <p:style>
+          <a:lnRef idx="1">
+            <a:schemeClr val="accent6"/>
+          </a:lnRef>
+          <a:fillRef idx="2">
+            <a:schemeClr val="accent6"/>
+          </a:fillRef>
+          <a:effectRef idx="1">
+            <a:schemeClr val="accent6"/>
+          </a:effectRef>
+          <a:fontRef idx="minor">
+            <a:schemeClr val="dk1"/>
+          </a:fontRef>
+        </p:style>
+        <p:txBody>
+          <a:bodyPr rtlCol="0" anchor="ctr"/>
+          <a:lstStyle/>
+          <a:p>
+            <a:pPr algn="ctr"/>
+            <a:endParaRPr lang="ko-KR" altLang="en-US"/>
+          </a:p>
+        </p:txBody>
+      </p:sp>
+    </p:spTree>
+    <p:extLst>
+      <p:ext uri="{BB962C8B-B14F-4D97-AF65-F5344CB8AC3E}">
+        <p14:creationId xmlns:p14="http://schemas.microsoft.com/office/powerpoint/2010/main" val="2085513442"/>
+      </p:ext>
+    </p:extLst>
+  </p:cSld>
+  <p:clrMapOvr>
+    <a:masterClrMapping/>
+  </p:clrMapOvr>
+  <p:timing>
+    <p:tnLst>
+      <p:par>
+        <p:cTn id="1" dur="indefinite" restart="never" nodeType="tmRoot"/>
+      </p:par>
+    </p:tnLst>
+  </p:timing>
+</p:sld>
+</file>
+
+<file path=ppt/slides/slide22.xml><?xml version="1.0" encoding="utf-8"?>
+<p:sld xmlns:a="http://schemas.openxmlformats.org/drawingml/2006/main" xmlns:r="http://schemas.openxmlformats.org/officeDocument/2006/relationships" xmlns:p="http://schemas.openxmlformats.org/presentationml/2006/main">
+  <p:cSld>
+    <p:spTree>
+      <p:nvGrpSpPr>
+        <p:cNvPr id="1" name=""/>
+        <p:cNvGrpSpPr/>
+        <p:nvPr/>
+      </p:nvGrpSpPr>
+      <p:grpSpPr>
+        <a:xfrm>
+          <a:off x="0" y="0"/>
+          <a:ext cx="0" cy="0"/>
+          <a:chOff x="0" y="0"/>
+          <a:chExt cx="0" cy="0"/>
+        </a:xfrm>
+      </p:grpSpPr>
+      <p:sp>
+        <p:nvSpPr>
+          <p:cNvPr id="2" name="Subtitle 2"/>
+          <p:cNvSpPr txBox="1">
+            <a:spLocks/>
+          </p:cNvSpPr>
+          <p:nvPr/>
+        </p:nvSpPr>
+        <p:spPr>
+          <a:xfrm>
+            <a:off x="272716" y="198725"/>
+            <a:ext cx="5694947" cy="740243"/>
+          </a:xfrm>
+          <a:prstGeom prst="rect">
+            <a:avLst/>
+          </a:prstGeom>
+        </p:spPr>
+        <p:txBody>
+          <a:bodyPr/>
+          <a:lstStyle>
+            <a:lvl1pPr marL="228600" indent="-228600" algn="l" defTabSz="914400" rtl="0" eaLnBrk="1" latinLnBrk="1" hangingPunct="1">
+              <a:lnSpc>
+                <a:spcPct val="90000"/>
+              </a:lnSpc>
+              <a:spcBef>
+                <a:spcPts val="1000"/>
+              </a:spcBef>
+              <a:buFont typeface="Arial" panose="020B0604020202020204" pitchFamily="34" charset="0"/>
+              <a:buChar char="•"/>
+              <a:defRPr sz="2800" kern="1200">
+                <a:solidFill>
+                  <a:schemeClr val="tx1"/>
+                </a:solidFill>
+                <a:latin typeface="+mn-lt"/>
+                <a:ea typeface="+mn-ea"/>
+                <a:cs typeface="+mn-cs"/>
+              </a:defRPr>
+            </a:lvl1pPr>
+            <a:lvl2pPr marL="685800" indent="-228600" algn="l" defTabSz="914400" rtl="0" eaLnBrk="1" latinLnBrk="1" hangingPunct="1">
+              <a:lnSpc>
+                <a:spcPct val="90000"/>
+              </a:lnSpc>
+              <a:spcBef>
+                <a:spcPts val="500"/>
+              </a:spcBef>
+              <a:buFont typeface="Arial" panose="020B0604020202020204" pitchFamily="34" charset="0"/>
+              <a:buChar char="•"/>
+              <a:defRPr sz="2400" kern="1200">
+                <a:solidFill>
+                  <a:schemeClr val="tx1"/>
+                </a:solidFill>
+                <a:latin typeface="+mn-lt"/>
+                <a:ea typeface="+mn-ea"/>
+                <a:cs typeface="+mn-cs"/>
+              </a:defRPr>
+            </a:lvl2pPr>
+            <a:lvl3pPr marL="1143000" indent="-228600" algn="l" defTabSz="914400" rtl="0" eaLnBrk="1" latinLnBrk="1" hangingPunct="1">
+              <a:lnSpc>
+                <a:spcPct val="90000"/>
+              </a:lnSpc>
+              <a:spcBef>
+                <a:spcPts val="500"/>
+              </a:spcBef>
+              <a:buFont typeface="Arial" panose="020B0604020202020204" pitchFamily="34" charset="0"/>
+              <a:buChar char="•"/>
+              <a:defRPr sz="2000" kern="1200">
+                <a:solidFill>
+                  <a:schemeClr val="tx1"/>
+                </a:solidFill>
+                <a:latin typeface="+mn-lt"/>
+                <a:ea typeface="+mn-ea"/>
+                <a:cs typeface="+mn-cs"/>
+              </a:defRPr>
+            </a:lvl3pPr>
+            <a:lvl4pPr marL="1600200" indent="-228600" algn="l" defTabSz="914400" rtl="0" eaLnBrk="1" latinLnBrk="1" hangingPunct="1">
+              <a:lnSpc>
+                <a:spcPct val="90000"/>
+              </a:lnSpc>
+              <a:spcBef>
+                <a:spcPts val="500"/>
+              </a:spcBef>
+              <a:buFont typeface="Arial" panose="020B0604020202020204" pitchFamily="34" charset="0"/>
+              <a:buChar char="•"/>
+              <a:defRPr sz="1800" kern="1200">
+                <a:solidFill>
+                  <a:schemeClr val="tx1"/>
+                </a:solidFill>
+                <a:latin typeface="+mn-lt"/>
+                <a:ea typeface="+mn-ea"/>
+                <a:cs typeface="+mn-cs"/>
+              </a:defRPr>
+            </a:lvl4pPr>
+            <a:lvl5pPr marL="2057400" indent="-228600" algn="l" defTabSz="914400" rtl="0" eaLnBrk="1" latinLnBrk="1" hangingPunct="1">
+              <a:lnSpc>
+                <a:spcPct val="90000"/>
+              </a:lnSpc>
+              <a:spcBef>
+                <a:spcPts val="500"/>
+              </a:spcBef>
+              <a:buFont typeface="Arial" panose="020B0604020202020204" pitchFamily="34" charset="0"/>
+              <a:buChar char="•"/>
+              <a:defRPr sz="1800" kern="1200">
+                <a:solidFill>
+                  <a:schemeClr val="tx1"/>
+                </a:solidFill>
+                <a:latin typeface="+mn-lt"/>
+                <a:ea typeface="+mn-ea"/>
+                <a:cs typeface="+mn-cs"/>
+              </a:defRPr>
+            </a:lvl5pPr>
+            <a:lvl6pPr marL="2514600" indent="-228600" algn="l" defTabSz="914400" rtl="0" eaLnBrk="1" latinLnBrk="1" hangingPunct="1">
+              <a:lnSpc>
+                <a:spcPct val="90000"/>
+              </a:lnSpc>
+              <a:spcBef>
+                <a:spcPts val="500"/>
+              </a:spcBef>
+              <a:buFont typeface="Arial" panose="020B0604020202020204" pitchFamily="34" charset="0"/>
+              <a:buChar char="•"/>
+              <a:defRPr sz="1800" kern="1200">
+                <a:solidFill>
+                  <a:schemeClr val="tx1"/>
+                </a:solidFill>
+                <a:latin typeface="+mn-lt"/>
+                <a:ea typeface="+mn-ea"/>
+                <a:cs typeface="+mn-cs"/>
+              </a:defRPr>
+            </a:lvl6pPr>
+            <a:lvl7pPr marL="2971800" indent="-228600" algn="l" defTabSz="914400" rtl="0" eaLnBrk="1" latinLnBrk="1" hangingPunct="1">
+              <a:lnSpc>
+                <a:spcPct val="90000"/>
+              </a:lnSpc>
+              <a:spcBef>
+                <a:spcPts val="500"/>
+              </a:spcBef>
+              <a:buFont typeface="Arial" panose="020B0604020202020204" pitchFamily="34" charset="0"/>
+              <a:buChar char="•"/>
+              <a:defRPr sz="1800" kern="1200">
+                <a:solidFill>
+                  <a:schemeClr val="tx1"/>
+                </a:solidFill>
+                <a:latin typeface="+mn-lt"/>
+                <a:ea typeface="+mn-ea"/>
+                <a:cs typeface="+mn-cs"/>
+              </a:defRPr>
+            </a:lvl7pPr>
+            <a:lvl8pPr marL="3429000" indent="-228600" algn="l" defTabSz="914400" rtl="0" eaLnBrk="1" latinLnBrk="1" hangingPunct="1">
+              <a:lnSpc>
+                <a:spcPct val="90000"/>
+              </a:lnSpc>
+              <a:spcBef>
+                <a:spcPts val="500"/>
+              </a:spcBef>
+              <a:buFont typeface="Arial" panose="020B0604020202020204" pitchFamily="34" charset="0"/>
+              <a:buChar char="•"/>
+              <a:defRPr sz="1800" kern="1200">
+                <a:solidFill>
+                  <a:schemeClr val="tx1"/>
+                </a:solidFill>
+                <a:latin typeface="+mn-lt"/>
+                <a:ea typeface="+mn-ea"/>
+                <a:cs typeface="+mn-cs"/>
+              </a:defRPr>
+            </a:lvl8pPr>
+            <a:lvl9pPr marL="3886200" indent="-228600" algn="l" defTabSz="914400" rtl="0" eaLnBrk="1" latinLnBrk="1" hangingPunct="1">
+              <a:lnSpc>
+                <a:spcPct val="90000"/>
+              </a:lnSpc>
+              <a:spcBef>
+                <a:spcPts val="500"/>
+              </a:spcBef>
+              <a:buFont typeface="Arial" panose="020B0604020202020204" pitchFamily="34" charset="0"/>
+              <a:buChar char="•"/>
+              <a:defRPr sz="1800" kern="1200">
+                <a:solidFill>
+                  <a:schemeClr val="tx1"/>
+                </a:solidFill>
+                <a:latin typeface="+mn-lt"/>
+                <a:ea typeface="+mn-ea"/>
+                <a:cs typeface="+mn-cs"/>
+              </a:defRPr>
+            </a:lvl9pPr>
+          </a:lstStyle>
+          <a:p>
+            <a:pPr marL="0" indent="0" algn="ctr">
+              <a:buNone/>
+            </a:pPr>
+            <a:r>
+              <a:rPr lang="ko-KR" altLang="en-US" sz="4000" dirty="0" smtClean="0">
+                <a:latin typeface="+mn-ea"/>
+              </a:rPr>
+              <a:t>일기 리스트 무한스크롤</a:t>
+            </a:r>
+            <a:endParaRPr lang="ko-KR" altLang="en-US" sz="4000" dirty="0">
+              <a:latin typeface="+mn-ea"/>
+            </a:endParaRPr>
+          </a:p>
+        </p:txBody>
+      </p:sp>
+      <p:sp>
+        <p:nvSpPr>
+          <p:cNvPr id="4" name="Rectangle 3"/>
+          <p:cNvSpPr/>
+          <p:nvPr/>
+        </p:nvSpPr>
+        <p:spPr>
+          <a:xfrm>
+            <a:off x="53770" y="938968"/>
+            <a:ext cx="4153180" cy="729431"/>
+          </a:xfrm>
+          <a:prstGeom prst="rect">
+            <a:avLst/>
+          </a:prstGeom>
+        </p:spPr>
+        <p:style>
+          <a:lnRef idx="1">
+            <a:schemeClr val="accent6"/>
+          </a:lnRef>
+          <a:fillRef idx="2">
+            <a:schemeClr val="accent6"/>
+          </a:fillRef>
+          <a:effectRef idx="1">
+            <a:schemeClr val="accent6"/>
+          </a:effectRef>
+          <a:fontRef idx="minor">
+            <a:schemeClr val="dk1"/>
+          </a:fontRef>
+        </p:style>
+        <p:txBody>
+          <a:bodyPr rtlCol="0" anchor="ctr"/>
+          <a:lstStyle/>
+          <a:p>
+            <a:pPr algn="ctr"/>
+            <a:r>
+              <a:rPr lang="en-US" altLang="ko-KR" sz="2000" dirty="0"/>
+              <a:t>$("#</a:t>
+            </a:r>
+            <a:r>
+              <a:rPr lang="en-US" altLang="ko-KR" sz="2000" dirty="0" err="1"/>
+              <a:t>diaryList</a:t>
+            </a:r>
+            <a:r>
+              <a:rPr lang="en-US" altLang="ko-KR" sz="2000" dirty="0"/>
+              <a:t>").prop("</a:t>
+            </a:r>
+            <a:r>
+              <a:rPr lang="en-US" altLang="ko-KR" sz="2000" dirty="0" err="1"/>
+              <a:t>scrollHeight</a:t>
+            </a:r>
+            <a:r>
+              <a:rPr lang="en-US" altLang="ko-KR" sz="2000" dirty="0"/>
+              <a:t>")</a:t>
+            </a:r>
+            <a:endParaRPr lang="ko-KR" altLang="en-US" sz="2000" dirty="0"/>
+          </a:p>
+        </p:txBody>
+      </p:sp>
+      <p:sp>
+        <p:nvSpPr>
+          <p:cNvPr id="7" name="Rectangle 6"/>
+          <p:cNvSpPr/>
+          <p:nvPr/>
+        </p:nvSpPr>
+        <p:spPr>
+          <a:xfrm>
+            <a:off x="1224190" y="2699216"/>
+            <a:ext cx="9486946" cy="3496727"/>
+          </a:xfrm>
+          <a:prstGeom prst="rect">
+            <a:avLst/>
+          </a:prstGeom>
+        </p:spPr>
+        <p:style>
+          <a:lnRef idx="1">
+            <a:schemeClr val="accent6"/>
+          </a:lnRef>
+          <a:fillRef idx="2">
+            <a:schemeClr val="accent6"/>
+          </a:fillRef>
+          <a:effectRef idx="1">
+            <a:schemeClr val="accent6"/>
+          </a:effectRef>
+          <a:fontRef idx="minor">
+            <a:schemeClr val="dk1"/>
+          </a:fontRef>
+        </p:style>
+        <p:txBody>
+          <a:bodyPr rtlCol="0" anchor="ctr"/>
+          <a:lstStyle/>
+          <a:p>
+            <a:pPr algn="ctr">
+              <a:lnSpc>
+                <a:spcPct val="150000"/>
+              </a:lnSpc>
+            </a:pPr>
+            <a:r>
+              <a:rPr lang="en-US" altLang="ko-KR" sz="3600" dirty="0"/>
+              <a:t>$("#</a:t>
+            </a:r>
+            <a:r>
+              <a:rPr lang="en-US" altLang="ko-KR" sz="3600" dirty="0" err="1"/>
+              <a:t>diaryList</a:t>
+            </a:r>
+            <a:r>
+              <a:rPr lang="en-US" altLang="ko-KR" sz="3600" dirty="0"/>
+              <a:t>").</a:t>
+            </a:r>
+            <a:r>
+              <a:rPr lang="en-US" altLang="ko-KR" sz="3600" dirty="0" smtClean="0"/>
+              <a:t>scroll( ~~ );</a:t>
+            </a:r>
+          </a:p>
+          <a:p>
+            <a:pPr marL="457200" indent="-457200">
+              <a:lnSpc>
+                <a:spcPct val="150000"/>
+              </a:lnSpc>
+              <a:buFont typeface="+mj-lt"/>
+              <a:buAutoNum type="arabicPeriod"/>
+            </a:pPr>
+            <a:r>
+              <a:rPr lang="en-US" altLang="ko-KR" sz="2000" dirty="0" smtClean="0"/>
+              <a:t>( </a:t>
+            </a:r>
+            <a:r>
+              <a:rPr lang="en-US" altLang="ko-KR" sz="2000" dirty="0" err="1" smtClean="0"/>
+              <a:t>maxHeight</a:t>
+            </a:r>
+            <a:r>
+              <a:rPr lang="en-US" altLang="ko-KR" sz="2000" dirty="0" smtClean="0"/>
+              <a:t> &lt;= </a:t>
+            </a:r>
+            <a:r>
+              <a:rPr lang="en-US" altLang="ko-KR" sz="2000" dirty="0" err="1" smtClean="0"/>
+              <a:t>currScroll</a:t>
+            </a:r>
+            <a:r>
+              <a:rPr lang="en-US" altLang="ko-KR" sz="2000" dirty="0" smtClean="0"/>
+              <a:t> )</a:t>
+            </a:r>
+            <a:r>
+              <a:rPr lang="ko-KR" altLang="en-US" sz="2000" dirty="0" smtClean="0"/>
+              <a:t>이 </a:t>
+            </a:r>
+            <a:r>
+              <a:rPr lang="en-US" altLang="ko-KR" sz="2000" dirty="0" smtClean="0"/>
+              <a:t>true</a:t>
+            </a:r>
+            <a:r>
+              <a:rPr lang="ko-KR" altLang="en-US" sz="2000" dirty="0" smtClean="0"/>
+              <a:t>이면 스크롤은 리스트의 거의 아래로 내려져있는 상태이다</a:t>
+            </a:r>
+            <a:r>
+              <a:rPr lang="en-US" altLang="ko-KR" sz="2000" dirty="0" smtClean="0"/>
+              <a:t>.</a:t>
+            </a:r>
+          </a:p>
+          <a:p>
+            <a:pPr marL="457200" indent="-457200">
+              <a:lnSpc>
+                <a:spcPct val="150000"/>
+              </a:lnSpc>
+              <a:buFont typeface="+mj-lt"/>
+              <a:buAutoNum type="arabicPeriod"/>
+            </a:pPr>
+            <a:r>
+              <a:rPr lang="en-US" altLang="ko-KR" sz="2000" dirty="0" err="1" smtClean="0"/>
+              <a:t>printDiaryList</a:t>
+            </a:r>
+            <a:r>
+              <a:rPr lang="en-US" altLang="ko-KR" sz="2000" dirty="0" smtClean="0"/>
+              <a:t> </a:t>
+            </a:r>
+            <a:r>
+              <a:rPr lang="ko-KR" altLang="en-US" sz="2000" dirty="0" smtClean="0"/>
+              <a:t>함수는 </a:t>
+            </a:r>
+            <a:r>
+              <a:rPr lang="en-US" altLang="ko-KR" sz="2000" dirty="0" err="1" smtClean="0"/>
+              <a:t>countList</a:t>
+            </a:r>
+            <a:r>
+              <a:rPr lang="ko-KR" altLang="en-US" sz="2000" dirty="0" smtClean="0"/>
+              <a:t>의 값만큼 일기를 출력하는데 </a:t>
+            </a:r>
+            <a:r>
+              <a:rPr lang="en-US" altLang="ko-KR" sz="2000" dirty="0" smtClean="0"/>
+              <a:t>1</a:t>
+            </a:r>
+            <a:r>
+              <a:rPr lang="ko-KR" altLang="en-US" sz="2000" dirty="0" smtClean="0"/>
+              <a:t>번 조건식이 참이면 </a:t>
+            </a:r>
+            <a:r>
+              <a:rPr lang="en-US" altLang="ko-KR" sz="2000" dirty="0" err="1" smtClean="0"/>
+              <a:t>countList</a:t>
+            </a:r>
+            <a:r>
+              <a:rPr lang="ko-KR" altLang="en-US" sz="2000" dirty="0" smtClean="0"/>
+              <a:t>의 값을 </a:t>
+            </a:r>
+            <a:r>
+              <a:rPr lang="en-US" altLang="ko-KR" sz="2000" dirty="0" smtClean="0"/>
+              <a:t>5</a:t>
+            </a:r>
+            <a:r>
+              <a:rPr lang="ko-KR" altLang="en-US" sz="2000" dirty="0" smtClean="0"/>
+              <a:t>증가시킨다</a:t>
+            </a:r>
+            <a:r>
+              <a:rPr lang="en-US" altLang="ko-KR" sz="2000" dirty="0" smtClean="0"/>
+              <a:t>.</a:t>
+            </a:r>
+            <a:endParaRPr lang="ko-KR" altLang="en-US" sz="2000" dirty="0"/>
+          </a:p>
+        </p:txBody>
+      </p:sp>
+      <p:sp>
+        <p:nvSpPr>
+          <p:cNvPr id="8" name="Rectangle 7"/>
+          <p:cNvSpPr/>
+          <p:nvPr/>
+        </p:nvSpPr>
+        <p:spPr>
+          <a:xfrm>
+            <a:off x="4861410" y="938968"/>
+            <a:ext cx="3199748" cy="746427"/>
+          </a:xfrm>
+          <a:prstGeom prst="rect">
+            <a:avLst/>
+          </a:prstGeom>
+        </p:spPr>
+        <p:style>
+          <a:lnRef idx="1">
+            <a:schemeClr val="accent6"/>
+          </a:lnRef>
+          <a:fillRef idx="2">
+            <a:schemeClr val="accent6"/>
+          </a:fillRef>
+          <a:effectRef idx="1">
+            <a:schemeClr val="accent6"/>
+          </a:effectRef>
+          <a:fontRef idx="minor">
+            <a:schemeClr val="dk1"/>
+          </a:fontRef>
+        </p:style>
+        <p:txBody>
+          <a:bodyPr rtlCol="0" anchor="ctr"/>
+          <a:lstStyle/>
+          <a:p>
+            <a:pPr algn="ctr"/>
+            <a:r>
+              <a:rPr lang="en-US" altLang="ko-KR" sz="2000" dirty="0"/>
+              <a:t>$("#</a:t>
+            </a:r>
+            <a:r>
+              <a:rPr lang="en-US" altLang="ko-KR" sz="2000" dirty="0" err="1"/>
+              <a:t>diaryList</a:t>
+            </a:r>
+            <a:r>
+              <a:rPr lang="en-US" altLang="ko-KR" sz="2000" dirty="0"/>
+              <a:t>").</a:t>
+            </a:r>
+            <a:r>
+              <a:rPr lang="en-US" altLang="ko-KR" sz="2000" dirty="0" err="1"/>
+              <a:t>scrollTop</a:t>
+            </a:r>
+            <a:r>
+              <a:rPr lang="en-US" altLang="ko-KR" sz="2000" dirty="0"/>
+              <a:t>()</a:t>
+            </a:r>
+            <a:endParaRPr lang="ko-KR" altLang="en-US" sz="2000" dirty="0"/>
+          </a:p>
+        </p:txBody>
+      </p:sp>
+      <p:sp>
+        <p:nvSpPr>
+          <p:cNvPr id="11" name="Bent-Up Arrow 10"/>
+          <p:cNvSpPr/>
+          <p:nvPr/>
+        </p:nvSpPr>
+        <p:spPr>
+          <a:xfrm rot="10800000">
+            <a:off x="6810012" y="1880370"/>
+            <a:ext cx="619579" cy="553616"/>
+          </a:xfrm>
+          <a:prstGeom prst="bentUpArrow">
+            <a:avLst>
+              <a:gd name="adj1" fmla="val 30795"/>
+              <a:gd name="adj2" fmla="val 25000"/>
+              <a:gd name="adj3" fmla="val 25000"/>
+            </a:avLst>
+          </a:prstGeom>
+        </p:spPr>
+        <p:style>
+          <a:lnRef idx="1">
+            <a:schemeClr val="accent6"/>
+          </a:lnRef>
+          <a:fillRef idx="2">
+            <a:schemeClr val="accent6"/>
+          </a:fillRef>
+          <a:effectRef idx="1">
+            <a:schemeClr val="accent6"/>
+          </a:effectRef>
+          <a:fontRef idx="minor">
+            <a:schemeClr val="dk1"/>
+          </a:fontRef>
+        </p:style>
+        <p:txBody>
+          <a:bodyPr rtlCol="0" anchor="ctr"/>
+          <a:lstStyle/>
+          <a:p>
+            <a:pPr algn="ctr"/>
+            <a:endParaRPr lang="ko-KR" altLang="en-US"/>
+          </a:p>
+        </p:txBody>
+      </p:sp>
+      <p:sp>
+        <p:nvSpPr>
+          <p:cNvPr id="12" name="Bent-Up Arrow 11"/>
+          <p:cNvSpPr/>
+          <p:nvPr/>
+        </p:nvSpPr>
+        <p:spPr>
+          <a:xfrm rot="10800000" flipH="1">
+            <a:off x="4462654" y="1915497"/>
+            <a:ext cx="619579" cy="553616"/>
+          </a:xfrm>
+          <a:prstGeom prst="bentUpArrow">
+            <a:avLst>
+              <a:gd name="adj1" fmla="val 30795"/>
+              <a:gd name="adj2" fmla="val 25000"/>
+              <a:gd name="adj3" fmla="val 25000"/>
+            </a:avLst>
+          </a:prstGeom>
+        </p:spPr>
+        <p:style>
+          <a:lnRef idx="1">
+            <a:schemeClr val="accent6"/>
+          </a:lnRef>
+          <a:fillRef idx="2">
+            <a:schemeClr val="accent6"/>
+          </a:fillRef>
+          <a:effectRef idx="1">
+            <a:schemeClr val="accent6"/>
+          </a:effectRef>
+          <a:fontRef idx="minor">
+            <a:schemeClr val="dk1"/>
+          </a:fontRef>
+        </p:style>
+        <p:txBody>
+          <a:bodyPr rtlCol="0" anchor="ctr"/>
+          <a:lstStyle/>
+          <a:p>
+            <a:pPr algn="ctr"/>
+            <a:endParaRPr lang="ko-KR" altLang="en-US"/>
+          </a:p>
+        </p:txBody>
+      </p:sp>
+      <p:sp>
+        <p:nvSpPr>
+          <p:cNvPr id="10" name="Rectangle 9"/>
+          <p:cNvSpPr/>
+          <p:nvPr/>
+        </p:nvSpPr>
+        <p:spPr>
+          <a:xfrm>
+            <a:off x="8425554" y="938968"/>
+            <a:ext cx="3199748" cy="746427"/>
+          </a:xfrm>
+          <a:prstGeom prst="rect">
+            <a:avLst/>
+          </a:prstGeom>
+        </p:spPr>
+        <p:style>
+          <a:lnRef idx="1">
+            <a:schemeClr val="accent6"/>
+          </a:lnRef>
+          <a:fillRef idx="2">
+            <a:schemeClr val="accent6"/>
+          </a:fillRef>
+          <a:effectRef idx="1">
+            <a:schemeClr val="accent6"/>
+          </a:effectRef>
+          <a:fontRef idx="minor">
+            <a:schemeClr val="dk1"/>
+          </a:fontRef>
+        </p:style>
+        <p:txBody>
+          <a:bodyPr rtlCol="0" anchor="ctr"/>
+          <a:lstStyle/>
+          <a:p>
+            <a:pPr algn="ctr"/>
+            <a:r>
+              <a:rPr lang="en-US" altLang="ko-KR" sz="2000" dirty="0" err="1"/>
+              <a:t>diaryListHeight</a:t>
+            </a:r>
+            <a:endParaRPr lang="ko-KR" altLang="en-US" sz="2000" dirty="0"/>
+          </a:p>
+        </p:txBody>
+      </p:sp>
+      <p:sp>
+        <p:nvSpPr>
+          <p:cNvPr id="13" name="Line Callout 1 (Border and Accent Bar) 12"/>
+          <p:cNvSpPr/>
+          <p:nvPr/>
+        </p:nvSpPr>
+        <p:spPr>
+          <a:xfrm>
+            <a:off x="6625389" y="198725"/>
+            <a:ext cx="2871538" cy="514907"/>
+          </a:xfrm>
+          <a:prstGeom prst="accentBorderCallout1">
+            <a:avLst>
+              <a:gd name="adj1" fmla="val 65484"/>
+              <a:gd name="adj2" fmla="val 104269"/>
+              <a:gd name="adj3" fmla="val 168714"/>
+              <a:gd name="adj4" fmla="val 111146"/>
+            </a:avLst>
+          </a:prstGeom>
+        </p:spPr>
+        <p:style>
+          <a:lnRef idx="2">
+            <a:schemeClr val="dk1">
+              <a:shade val="50000"/>
+            </a:schemeClr>
+          </a:lnRef>
+          <a:fillRef idx="1">
+            <a:schemeClr val="dk1"/>
+          </a:fillRef>
+          <a:effectRef idx="0">
+            <a:schemeClr val="dk1"/>
+          </a:effectRef>
+          <a:fontRef idx="minor">
+            <a:schemeClr val="lt1"/>
+          </a:fontRef>
+        </p:style>
+        <p:txBody>
+          <a:bodyPr rtlCol="0" anchor="ctr"/>
+          <a:lstStyle/>
+          <a:p>
+            <a:pPr algn="ctr"/>
+            <a:r>
+              <a:rPr lang="en-US" altLang="ko-KR" dirty="0"/>
+              <a:t>window.innerHeight-170</a:t>
+            </a:r>
+            <a:endParaRPr lang="ko-KR" altLang="en-US" dirty="0"/>
+          </a:p>
+        </p:txBody>
+      </p:sp>
+      <p:sp>
+        <p:nvSpPr>
+          <p:cNvPr id="14" name="TextBox 13"/>
+          <p:cNvSpPr txBox="1"/>
+          <p:nvPr/>
+        </p:nvSpPr>
+        <p:spPr>
+          <a:xfrm>
+            <a:off x="2374232" y="1745519"/>
+            <a:ext cx="1731492" cy="400110"/>
+          </a:xfrm>
+          <a:prstGeom prst="rect">
+            <a:avLst/>
+          </a:prstGeom>
+          <a:noFill/>
+        </p:spPr>
+        <p:txBody>
+          <a:bodyPr wrap="square" rtlCol="0">
+            <a:spAutoFit/>
+          </a:bodyPr>
+          <a:lstStyle/>
+          <a:p>
+            <a:pPr algn="ctr"/>
+            <a:r>
+              <a:rPr lang="en-US" altLang="ko-KR" sz="2000" dirty="0" err="1" smtClean="0"/>
+              <a:t>maxHeigth</a:t>
+            </a:r>
+            <a:endParaRPr lang="ko-KR" altLang="en-US" sz="2000" dirty="0"/>
+          </a:p>
+        </p:txBody>
+      </p:sp>
+      <p:sp>
+        <p:nvSpPr>
+          <p:cNvPr id="15" name="TextBox 14"/>
+          <p:cNvSpPr txBox="1"/>
+          <p:nvPr/>
+        </p:nvSpPr>
+        <p:spPr>
+          <a:xfrm>
+            <a:off x="7429591" y="1721941"/>
+            <a:ext cx="1627530" cy="400110"/>
+          </a:xfrm>
+          <a:prstGeom prst="rect">
+            <a:avLst/>
+          </a:prstGeom>
+          <a:noFill/>
+        </p:spPr>
+        <p:txBody>
+          <a:bodyPr wrap="square" rtlCol="0">
+            <a:spAutoFit/>
+          </a:bodyPr>
+          <a:lstStyle/>
+          <a:p>
+            <a:pPr algn="ctr"/>
+            <a:r>
+              <a:rPr lang="en-US" altLang="ko-KR" sz="2000" dirty="0" err="1" smtClean="0"/>
+              <a:t>currScroll</a:t>
+            </a:r>
+            <a:endParaRPr lang="ko-KR" altLang="en-US" sz="2000" dirty="0"/>
+          </a:p>
+        </p:txBody>
+      </p:sp>
+      <p:sp>
+        <p:nvSpPr>
+          <p:cNvPr id="16" name="TextBox 15"/>
+          <p:cNvSpPr txBox="1"/>
+          <p:nvPr/>
+        </p:nvSpPr>
+        <p:spPr>
+          <a:xfrm>
+            <a:off x="8059244" y="1038683"/>
+            <a:ext cx="368225" cy="523220"/>
+          </a:xfrm>
+          <a:prstGeom prst="rect">
+            <a:avLst/>
+          </a:prstGeom>
+          <a:noFill/>
+        </p:spPr>
+        <p:txBody>
+          <a:bodyPr wrap="square" rtlCol="0">
+            <a:spAutoFit/>
+          </a:bodyPr>
+          <a:lstStyle/>
+          <a:p>
+            <a:pPr algn="ctr"/>
+            <a:r>
+              <a:rPr lang="en-US" altLang="ko-KR" sz="2800" dirty="0" smtClean="0"/>
+              <a:t>+</a:t>
+            </a:r>
+            <a:endParaRPr lang="ko-KR" altLang="en-US" sz="2800" dirty="0"/>
+          </a:p>
+        </p:txBody>
+      </p:sp>
+    </p:spTree>
+    <p:extLst>
+      <p:ext uri="{BB962C8B-B14F-4D97-AF65-F5344CB8AC3E}">
+        <p14:creationId xmlns:p14="http://schemas.microsoft.com/office/powerpoint/2010/main" val="214247411"/>
+      </p:ext>
+    </p:extLst>
+  </p:cSld>
+  <p:clrMapOvr>
+    <a:masterClrMapping/>
+  </p:clrMapOvr>
+  <p:timing>
+    <p:tnLst>
+      <p:par>
+        <p:cTn id="1" dur="indefinite" restart="never" nodeType="tmRoot"/>
+      </p:par>
+    </p:tnLst>
+  </p:timing>
 </p:sld>
 </file>
 
@@ -3395,8 +11169,8 @@
         </p:nvSpPr>
         <p:spPr>
           <a:xfrm>
-            <a:off x="3160294" y="-222886"/>
-            <a:ext cx="9031706" cy="7281411"/>
+            <a:off x="2807370" y="-271012"/>
+            <a:ext cx="9384630" cy="7281411"/>
           </a:xfrm>
           <a:prstGeom prst="rect">
             <a:avLst/>
@@ -3679,13 +11453,7 @@
               <a:rPr lang="ko-KR" altLang="en-US" dirty="0" smtClean="0">
                 <a:latin typeface="+mn-ea"/>
               </a:rPr>
-              <a:t>를 제공받고 다루는데 </a:t>
-            </a:r>
-            <a:r>
-              <a:rPr lang="ko-KR" altLang="en-US" dirty="0" smtClean="0">
-                <a:latin typeface="+mn-ea"/>
-              </a:rPr>
-              <a:t>사용</a:t>
+              <a:t>를 제공받고 다루는데 사용</a:t>
             </a:r>
             <a:endParaRPr lang="en-US" altLang="ko-KR" dirty="0" smtClean="0">
               <a:latin typeface="+mn-ea"/>
@@ -3736,7 +11504,19 @@
               <a:rPr lang="ko-KR" altLang="en-US" dirty="0" smtClean="0">
                 <a:latin typeface="+mn-ea"/>
               </a:rPr>
-              <a:t>으로 페이지 디자인하는데 사용</a:t>
+              <a:t>으로 </a:t>
+            </a:r>
+            <a:r>
+              <a:rPr lang="ko-KR" altLang="en-US" dirty="0" smtClean="0">
+                <a:latin typeface="+mn-ea"/>
+              </a:rPr>
+              <a:t>페이지를 </a:t>
+            </a:r>
+            <a:r>
+              <a:rPr lang="ko-KR" altLang="en-US" dirty="0" smtClean="0">
+                <a:latin typeface="+mn-ea"/>
+              </a:rPr>
+              <a:t>디자인하는데 사용</a:t>
             </a:r>
             <a:endParaRPr lang="en-US" altLang="ko-KR" dirty="0" smtClean="0">
               <a:latin typeface="+mn-ea"/>
@@ -3754,8 +11534,8 @@
         </p:nvSpPr>
         <p:spPr>
           <a:xfrm>
-            <a:off x="128335" y="2628601"/>
-            <a:ext cx="3031959" cy="1141294"/>
+            <a:off x="0" y="2644643"/>
+            <a:ext cx="2807370" cy="1141294"/>
           </a:xfrm>
           <a:prstGeom prst="rect">
             <a:avLst/>
@@ -3967,10 +11747,548 @@
   <p:clrMapOvr>
     <a:masterClrMapping/>
   </p:clrMapOvr>
+  <p:timing>
+    <p:tnLst>
+      <p:par>
+        <p:cTn id="1" dur="indefinite" restart="never" nodeType="tmRoot"/>
+      </p:par>
+    </p:tnLst>
+  </p:timing>
 </p:sld>
 </file>
 
 <file path=ppt/slides/slide4.xml><?xml version="1.0" encoding="utf-8"?>
+<p:sld xmlns:a="http://schemas.openxmlformats.org/drawingml/2006/main" xmlns:r="http://schemas.openxmlformats.org/officeDocument/2006/relationships" xmlns:p="http://schemas.openxmlformats.org/presentationml/2006/main">
+  <p:cSld>
+    <p:spTree>
+      <p:nvGrpSpPr>
+        <p:cNvPr id="1" name=""/>
+        <p:cNvGrpSpPr/>
+        <p:nvPr/>
+      </p:nvGrpSpPr>
+      <p:grpSpPr>
+        <a:xfrm>
+          <a:off x="0" y="0"/>
+          <a:ext cx="0" cy="0"/>
+          <a:chOff x="0" y="0"/>
+          <a:chExt cx="0" cy="0"/>
+        </a:xfrm>
+      </p:grpSpPr>
+      <p:sp>
+        <p:nvSpPr>
+          <p:cNvPr id="2" name="Subtitle 2"/>
+          <p:cNvSpPr txBox="1">
+            <a:spLocks/>
+          </p:cNvSpPr>
+          <p:nvPr/>
+        </p:nvSpPr>
+        <p:spPr>
+          <a:xfrm>
+            <a:off x="-144379" y="278937"/>
+            <a:ext cx="5406189" cy="740243"/>
+          </a:xfrm>
+          <a:prstGeom prst="rect">
+            <a:avLst/>
+          </a:prstGeom>
+        </p:spPr>
+        <p:txBody>
+          <a:bodyPr/>
+          <a:lstStyle>
+            <a:lvl1pPr marL="228600" indent="-228600" algn="l" defTabSz="914400" rtl="0" eaLnBrk="1" latinLnBrk="1" hangingPunct="1">
+              <a:lnSpc>
+                <a:spcPct val="90000"/>
+              </a:lnSpc>
+              <a:spcBef>
+                <a:spcPts val="1000"/>
+              </a:spcBef>
+              <a:buFont typeface="Arial" panose="020B0604020202020204" pitchFamily="34" charset="0"/>
+              <a:buChar char="•"/>
+              <a:defRPr sz="2800" kern="1200">
+                <a:solidFill>
+                  <a:schemeClr val="tx1"/>
+                </a:solidFill>
+                <a:latin typeface="+mn-lt"/>
+                <a:ea typeface="+mn-ea"/>
+                <a:cs typeface="+mn-cs"/>
+              </a:defRPr>
+            </a:lvl1pPr>
+            <a:lvl2pPr marL="685800" indent="-228600" algn="l" defTabSz="914400" rtl="0" eaLnBrk="1" latinLnBrk="1" hangingPunct="1">
+              <a:lnSpc>
+                <a:spcPct val="90000"/>
+              </a:lnSpc>
+              <a:spcBef>
+                <a:spcPts val="500"/>
+              </a:spcBef>
+              <a:buFont typeface="Arial" panose="020B0604020202020204" pitchFamily="34" charset="0"/>
+              <a:buChar char="•"/>
+              <a:defRPr sz="2400" kern="1200">
+                <a:solidFill>
+                  <a:schemeClr val="tx1"/>
+                </a:solidFill>
+                <a:latin typeface="+mn-lt"/>
+                <a:ea typeface="+mn-ea"/>
+                <a:cs typeface="+mn-cs"/>
+              </a:defRPr>
+            </a:lvl2pPr>
+            <a:lvl3pPr marL="1143000" indent="-228600" algn="l" defTabSz="914400" rtl="0" eaLnBrk="1" latinLnBrk="1" hangingPunct="1">
+              <a:lnSpc>
+                <a:spcPct val="90000"/>
+              </a:lnSpc>
+              <a:spcBef>
+                <a:spcPts val="500"/>
+              </a:spcBef>
+              <a:buFont typeface="Arial" panose="020B0604020202020204" pitchFamily="34" charset="0"/>
+              <a:buChar char="•"/>
+              <a:defRPr sz="2000" kern="1200">
+                <a:solidFill>
+                  <a:schemeClr val="tx1"/>
+                </a:solidFill>
+                <a:latin typeface="+mn-lt"/>
+                <a:ea typeface="+mn-ea"/>
+                <a:cs typeface="+mn-cs"/>
+              </a:defRPr>
+            </a:lvl3pPr>
+            <a:lvl4pPr marL="1600200" indent="-228600" algn="l" defTabSz="914400" rtl="0" eaLnBrk="1" latinLnBrk="1" hangingPunct="1">
+              <a:lnSpc>
+                <a:spcPct val="90000"/>
+              </a:lnSpc>
+              <a:spcBef>
+                <a:spcPts val="500"/>
+              </a:spcBef>
+              <a:buFont typeface="Arial" panose="020B0604020202020204" pitchFamily="34" charset="0"/>
+              <a:buChar char="•"/>
+              <a:defRPr sz="1800" kern="1200">
+                <a:solidFill>
+                  <a:schemeClr val="tx1"/>
+                </a:solidFill>
+                <a:latin typeface="+mn-lt"/>
+                <a:ea typeface="+mn-ea"/>
+                <a:cs typeface="+mn-cs"/>
+              </a:defRPr>
+            </a:lvl4pPr>
+            <a:lvl5pPr marL="2057400" indent="-228600" algn="l" defTabSz="914400" rtl="0" eaLnBrk="1" latinLnBrk="1" hangingPunct="1">
+              <a:lnSpc>
+                <a:spcPct val="90000"/>
+              </a:lnSpc>
+              <a:spcBef>
+                <a:spcPts val="500"/>
+              </a:spcBef>
+              <a:buFont typeface="Arial" panose="020B0604020202020204" pitchFamily="34" charset="0"/>
+              <a:buChar char="•"/>
+              <a:defRPr sz="1800" kern="1200">
+                <a:solidFill>
+                  <a:schemeClr val="tx1"/>
+                </a:solidFill>
+                <a:latin typeface="+mn-lt"/>
+                <a:ea typeface="+mn-ea"/>
+                <a:cs typeface="+mn-cs"/>
+              </a:defRPr>
+            </a:lvl5pPr>
+            <a:lvl6pPr marL="2514600" indent="-228600" algn="l" defTabSz="914400" rtl="0" eaLnBrk="1" latinLnBrk="1" hangingPunct="1">
+              <a:lnSpc>
+                <a:spcPct val="90000"/>
+              </a:lnSpc>
+              <a:spcBef>
+                <a:spcPts val="500"/>
+              </a:spcBef>
+              <a:buFont typeface="Arial" panose="020B0604020202020204" pitchFamily="34" charset="0"/>
+              <a:buChar char="•"/>
+              <a:defRPr sz="1800" kern="1200">
+                <a:solidFill>
+                  <a:schemeClr val="tx1"/>
+                </a:solidFill>
+                <a:latin typeface="+mn-lt"/>
+                <a:ea typeface="+mn-ea"/>
+                <a:cs typeface="+mn-cs"/>
+              </a:defRPr>
+            </a:lvl6pPr>
+            <a:lvl7pPr marL="2971800" indent="-228600" algn="l" defTabSz="914400" rtl="0" eaLnBrk="1" latinLnBrk="1" hangingPunct="1">
+              <a:lnSpc>
+                <a:spcPct val="90000"/>
+              </a:lnSpc>
+              <a:spcBef>
+                <a:spcPts val="500"/>
+              </a:spcBef>
+              <a:buFont typeface="Arial" panose="020B0604020202020204" pitchFamily="34" charset="0"/>
+              <a:buChar char="•"/>
+              <a:defRPr sz="1800" kern="1200">
+                <a:solidFill>
+                  <a:schemeClr val="tx1"/>
+                </a:solidFill>
+                <a:latin typeface="+mn-lt"/>
+                <a:ea typeface="+mn-ea"/>
+                <a:cs typeface="+mn-cs"/>
+              </a:defRPr>
+            </a:lvl7pPr>
+            <a:lvl8pPr marL="3429000" indent="-228600" algn="l" defTabSz="914400" rtl="0" eaLnBrk="1" latinLnBrk="1" hangingPunct="1">
+              <a:lnSpc>
+                <a:spcPct val="90000"/>
+              </a:lnSpc>
+              <a:spcBef>
+                <a:spcPts val="500"/>
+              </a:spcBef>
+              <a:buFont typeface="Arial" panose="020B0604020202020204" pitchFamily="34" charset="0"/>
+              <a:buChar char="•"/>
+              <a:defRPr sz="1800" kern="1200">
+                <a:solidFill>
+                  <a:schemeClr val="tx1"/>
+                </a:solidFill>
+                <a:latin typeface="+mn-lt"/>
+                <a:ea typeface="+mn-ea"/>
+                <a:cs typeface="+mn-cs"/>
+              </a:defRPr>
+            </a:lvl8pPr>
+            <a:lvl9pPr marL="3886200" indent="-228600" algn="l" defTabSz="914400" rtl="0" eaLnBrk="1" latinLnBrk="1" hangingPunct="1">
+              <a:lnSpc>
+                <a:spcPct val="90000"/>
+              </a:lnSpc>
+              <a:spcBef>
+                <a:spcPts val="500"/>
+              </a:spcBef>
+              <a:buFont typeface="Arial" panose="020B0604020202020204" pitchFamily="34" charset="0"/>
+              <a:buChar char="•"/>
+              <a:defRPr sz="1800" kern="1200">
+                <a:solidFill>
+                  <a:schemeClr val="tx1"/>
+                </a:solidFill>
+                <a:latin typeface="+mn-lt"/>
+                <a:ea typeface="+mn-ea"/>
+                <a:cs typeface="+mn-cs"/>
+              </a:defRPr>
+            </a:lvl9pPr>
+          </a:lstStyle>
+          <a:p>
+            <a:pPr marL="0" indent="0" algn="ctr">
+              <a:buNone/>
+            </a:pPr>
+            <a:r>
+              <a:rPr lang="ko-KR" altLang="en-US" sz="4000" smtClean="0">
+                <a:latin typeface="+mn-ea"/>
+              </a:rPr>
+              <a:t>프로젝트 파일 구성</a:t>
+            </a:r>
+            <a:endParaRPr lang="ko-KR" altLang="en-US" sz="4000" dirty="0">
+              <a:latin typeface="+mn-ea"/>
+            </a:endParaRPr>
+          </a:p>
+        </p:txBody>
+      </p:sp>
+      <p:sp>
+        <p:nvSpPr>
+          <p:cNvPr id="3" name="Subtitle 2"/>
+          <p:cNvSpPr txBox="1">
+            <a:spLocks/>
+          </p:cNvSpPr>
+          <p:nvPr/>
+        </p:nvSpPr>
+        <p:spPr>
+          <a:xfrm>
+            <a:off x="834191" y="1315959"/>
+            <a:ext cx="10250903" cy="4683789"/>
+          </a:xfrm>
+          <a:prstGeom prst="rect">
+            <a:avLst/>
+          </a:prstGeom>
+        </p:spPr>
+        <p:txBody>
+          <a:bodyPr/>
+          <a:lstStyle>
+            <a:lvl1pPr marL="228600" indent="-228600" algn="l" defTabSz="914400" rtl="0" eaLnBrk="1" latinLnBrk="1" hangingPunct="1">
+              <a:lnSpc>
+                <a:spcPct val="90000"/>
+              </a:lnSpc>
+              <a:spcBef>
+                <a:spcPts val="1000"/>
+              </a:spcBef>
+              <a:buFont typeface="Arial" panose="020B0604020202020204" pitchFamily="34" charset="0"/>
+              <a:buChar char="•"/>
+              <a:defRPr sz="2800" kern="1200">
+                <a:solidFill>
+                  <a:schemeClr val="tx1"/>
+                </a:solidFill>
+                <a:latin typeface="+mn-lt"/>
+                <a:ea typeface="+mn-ea"/>
+                <a:cs typeface="+mn-cs"/>
+              </a:defRPr>
+            </a:lvl1pPr>
+            <a:lvl2pPr marL="685800" indent="-228600" algn="l" defTabSz="914400" rtl="0" eaLnBrk="1" latinLnBrk="1" hangingPunct="1">
+              <a:lnSpc>
+                <a:spcPct val="90000"/>
+              </a:lnSpc>
+              <a:spcBef>
+                <a:spcPts val="500"/>
+              </a:spcBef>
+              <a:buFont typeface="Arial" panose="020B0604020202020204" pitchFamily="34" charset="0"/>
+              <a:buChar char="•"/>
+              <a:defRPr sz="2400" kern="1200">
+                <a:solidFill>
+                  <a:schemeClr val="tx1"/>
+                </a:solidFill>
+                <a:latin typeface="+mn-lt"/>
+                <a:ea typeface="+mn-ea"/>
+                <a:cs typeface="+mn-cs"/>
+              </a:defRPr>
+            </a:lvl2pPr>
+            <a:lvl3pPr marL="1143000" indent="-228600" algn="l" defTabSz="914400" rtl="0" eaLnBrk="1" latinLnBrk="1" hangingPunct="1">
+              <a:lnSpc>
+                <a:spcPct val="90000"/>
+              </a:lnSpc>
+              <a:spcBef>
+                <a:spcPts val="500"/>
+              </a:spcBef>
+              <a:buFont typeface="Arial" panose="020B0604020202020204" pitchFamily="34" charset="0"/>
+              <a:buChar char="•"/>
+              <a:defRPr sz="2000" kern="1200">
+                <a:solidFill>
+                  <a:schemeClr val="tx1"/>
+                </a:solidFill>
+                <a:latin typeface="+mn-lt"/>
+                <a:ea typeface="+mn-ea"/>
+                <a:cs typeface="+mn-cs"/>
+              </a:defRPr>
+            </a:lvl3pPr>
+            <a:lvl4pPr marL="1600200" indent="-228600" algn="l" defTabSz="914400" rtl="0" eaLnBrk="1" latinLnBrk="1" hangingPunct="1">
+              <a:lnSpc>
+                <a:spcPct val="90000"/>
+              </a:lnSpc>
+              <a:spcBef>
+                <a:spcPts val="500"/>
+              </a:spcBef>
+              <a:buFont typeface="Arial" panose="020B0604020202020204" pitchFamily="34" charset="0"/>
+              <a:buChar char="•"/>
+              <a:defRPr sz="1800" kern="1200">
+                <a:solidFill>
+                  <a:schemeClr val="tx1"/>
+                </a:solidFill>
+                <a:latin typeface="+mn-lt"/>
+                <a:ea typeface="+mn-ea"/>
+                <a:cs typeface="+mn-cs"/>
+              </a:defRPr>
+            </a:lvl4pPr>
+            <a:lvl5pPr marL="2057400" indent="-228600" algn="l" defTabSz="914400" rtl="0" eaLnBrk="1" latinLnBrk="1" hangingPunct="1">
+              <a:lnSpc>
+                <a:spcPct val="90000"/>
+              </a:lnSpc>
+              <a:spcBef>
+                <a:spcPts val="500"/>
+              </a:spcBef>
+              <a:buFont typeface="Arial" panose="020B0604020202020204" pitchFamily="34" charset="0"/>
+              <a:buChar char="•"/>
+              <a:defRPr sz="1800" kern="1200">
+                <a:solidFill>
+                  <a:schemeClr val="tx1"/>
+                </a:solidFill>
+                <a:latin typeface="+mn-lt"/>
+                <a:ea typeface="+mn-ea"/>
+                <a:cs typeface="+mn-cs"/>
+              </a:defRPr>
+            </a:lvl5pPr>
+            <a:lvl6pPr marL="2514600" indent="-228600" algn="l" defTabSz="914400" rtl="0" eaLnBrk="1" latinLnBrk="1" hangingPunct="1">
+              <a:lnSpc>
+                <a:spcPct val="90000"/>
+              </a:lnSpc>
+              <a:spcBef>
+                <a:spcPts val="500"/>
+              </a:spcBef>
+              <a:buFont typeface="Arial" panose="020B0604020202020204" pitchFamily="34" charset="0"/>
+              <a:buChar char="•"/>
+              <a:defRPr sz="1800" kern="1200">
+                <a:solidFill>
+                  <a:schemeClr val="tx1"/>
+                </a:solidFill>
+                <a:latin typeface="+mn-lt"/>
+                <a:ea typeface="+mn-ea"/>
+                <a:cs typeface="+mn-cs"/>
+              </a:defRPr>
+            </a:lvl6pPr>
+            <a:lvl7pPr marL="2971800" indent="-228600" algn="l" defTabSz="914400" rtl="0" eaLnBrk="1" latinLnBrk="1" hangingPunct="1">
+              <a:lnSpc>
+                <a:spcPct val="90000"/>
+              </a:lnSpc>
+              <a:spcBef>
+                <a:spcPts val="500"/>
+              </a:spcBef>
+              <a:buFont typeface="Arial" panose="020B0604020202020204" pitchFamily="34" charset="0"/>
+              <a:buChar char="•"/>
+              <a:defRPr sz="1800" kern="1200">
+                <a:solidFill>
+                  <a:schemeClr val="tx1"/>
+                </a:solidFill>
+                <a:latin typeface="+mn-lt"/>
+                <a:ea typeface="+mn-ea"/>
+                <a:cs typeface="+mn-cs"/>
+              </a:defRPr>
+            </a:lvl7pPr>
+            <a:lvl8pPr marL="3429000" indent="-228600" algn="l" defTabSz="914400" rtl="0" eaLnBrk="1" latinLnBrk="1" hangingPunct="1">
+              <a:lnSpc>
+                <a:spcPct val="90000"/>
+              </a:lnSpc>
+              <a:spcBef>
+                <a:spcPts val="500"/>
+              </a:spcBef>
+              <a:buFont typeface="Arial" panose="020B0604020202020204" pitchFamily="34" charset="0"/>
+              <a:buChar char="•"/>
+              <a:defRPr sz="1800" kern="1200">
+                <a:solidFill>
+                  <a:schemeClr val="tx1"/>
+                </a:solidFill>
+                <a:latin typeface="+mn-lt"/>
+                <a:ea typeface="+mn-ea"/>
+                <a:cs typeface="+mn-cs"/>
+              </a:defRPr>
+            </a:lvl8pPr>
+            <a:lvl9pPr marL="3886200" indent="-228600" algn="l" defTabSz="914400" rtl="0" eaLnBrk="1" latinLnBrk="1" hangingPunct="1">
+              <a:lnSpc>
+                <a:spcPct val="90000"/>
+              </a:lnSpc>
+              <a:spcBef>
+                <a:spcPts val="500"/>
+              </a:spcBef>
+              <a:buFont typeface="Arial" panose="020B0604020202020204" pitchFamily="34" charset="0"/>
+              <a:buChar char="•"/>
+              <a:defRPr sz="1800" kern="1200">
+                <a:solidFill>
+                  <a:schemeClr val="tx1"/>
+                </a:solidFill>
+                <a:latin typeface="+mn-lt"/>
+                <a:ea typeface="+mn-ea"/>
+                <a:cs typeface="+mn-cs"/>
+              </a:defRPr>
+            </a:lvl9pPr>
+          </a:lstStyle>
+          <a:p>
+            <a:pPr>
+              <a:lnSpc>
+                <a:spcPct val="150000"/>
+              </a:lnSpc>
+            </a:pPr>
+            <a:r>
+              <a:rPr lang="en-US" altLang="ko-KR" dirty="0" smtClean="0">
+                <a:latin typeface="+mn-ea"/>
+              </a:rPr>
+              <a:t>login.html, login.css, login.js : intro page</a:t>
+            </a:r>
+          </a:p>
+          <a:p>
+            <a:pPr>
+              <a:lnSpc>
+                <a:spcPct val="150000"/>
+              </a:lnSpc>
+            </a:pPr>
+            <a:r>
+              <a:rPr lang="en-US" altLang="ko-KR" dirty="0" smtClean="0">
+                <a:latin typeface="+mn-ea"/>
+              </a:rPr>
+              <a:t>diary.css, diary.js, diary.html : main page</a:t>
+            </a:r>
+          </a:p>
+          <a:p>
+            <a:pPr>
+              <a:lnSpc>
+                <a:spcPct val="150000"/>
+              </a:lnSpc>
+            </a:pPr>
+            <a:r>
+              <a:rPr lang="en-US" altLang="ko-KR" dirty="0">
+                <a:latin typeface="+mn-ea"/>
+              </a:rPr>
+              <a:t>project_doc_201611263_</a:t>
+            </a:r>
+            <a:r>
+              <a:rPr lang="ko-KR" altLang="en-US" dirty="0" smtClean="0">
+                <a:latin typeface="+mn-ea"/>
+              </a:rPr>
+              <a:t>박성호</a:t>
+            </a:r>
+            <a:r>
+              <a:rPr lang="en-US" altLang="ko-KR" dirty="0" smtClean="0">
+                <a:latin typeface="+mn-ea"/>
+              </a:rPr>
+              <a:t>.</a:t>
+            </a:r>
+            <a:r>
+              <a:rPr lang="en-US" altLang="ko-KR" dirty="0" err="1" smtClean="0">
+                <a:latin typeface="+mn-ea"/>
+              </a:rPr>
+              <a:t>pptx</a:t>
+            </a:r>
+            <a:r>
+              <a:rPr lang="en-US" altLang="ko-KR" dirty="0" smtClean="0">
+                <a:latin typeface="+mn-ea"/>
+              </a:rPr>
+              <a:t> : document for project</a:t>
+            </a:r>
+          </a:p>
+          <a:p>
+            <a:pPr>
+              <a:lnSpc>
+                <a:spcPct val="150000"/>
+              </a:lnSpc>
+            </a:pPr>
+            <a:r>
+              <a:rPr lang="en-US" altLang="ko-KR" dirty="0" smtClean="0">
+                <a:latin typeface="+mn-ea"/>
+              </a:rPr>
+              <a:t>profile.png : </a:t>
+            </a:r>
+            <a:r>
+              <a:rPr lang="en-US" altLang="ko-KR" dirty="0" err="1" smtClean="0">
+                <a:latin typeface="+mn-ea"/>
+              </a:rPr>
+              <a:t>img</a:t>
+            </a:r>
+            <a:r>
+              <a:rPr lang="en-US" altLang="ko-KR" dirty="0" smtClean="0">
+                <a:latin typeface="+mn-ea"/>
+              </a:rPr>
+              <a:t> file for intro page</a:t>
+            </a:r>
+          </a:p>
+          <a:p>
+            <a:pPr>
+              <a:lnSpc>
+                <a:spcPct val="150000"/>
+              </a:lnSpc>
+            </a:pPr>
+            <a:r>
+              <a:rPr lang="ko-KR" altLang="en-US" dirty="0" smtClean="0">
+                <a:latin typeface="+mn-ea"/>
+              </a:rPr>
+              <a:t>주석되거나 본 문서에서 설명되지 않는 기능들도 파일에 입력돼어있으니 문서 기준으로 프로젝트를 보시면 됩니다</a:t>
+            </a:r>
+            <a:r>
+              <a:rPr lang="en-US" altLang="ko-KR" dirty="0" smtClean="0">
+                <a:latin typeface="+mn-ea"/>
+              </a:rPr>
+              <a:t>.</a:t>
+            </a:r>
+            <a:endParaRPr lang="ko-KR" altLang="en-US" dirty="0">
+              <a:latin typeface="+mn-ea"/>
+            </a:endParaRPr>
+          </a:p>
+        </p:txBody>
+      </p:sp>
+    </p:spTree>
+    <p:extLst>
+      <p:ext uri="{BB962C8B-B14F-4D97-AF65-F5344CB8AC3E}">
+        <p14:creationId xmlns:p14="http://schemas.microsoft.com/office/powerpoint/2010/main" val="595530561"/>
+      </p:ext>
+    </p:extLst>
+  </p:cSld>
+  <p:clrMapOvr>
+    <a:masterClrMapping/>
+  </p:clrMapOvr>
+  <p:timing>
+    <p:tnLst>
+      <p:par>
+        <p:cTn id="1" dur="indefinite" restart="never" nodeType="tmRoot"/>
+      </p:par>
+    </p:tnLst>
+  </p:timing>
+</p:sld>
+</file>
+
+<file path=ppt/slides/slide5.xml><?xml version="1.0" encoding="utf-8"?>
 <p:sld xmlns:a="http://schemas.openxmlformats.org/drawingml/2006/main" xmlns:r="http://schemas.openxmlformats.org/officeDocument/2006/relationships" xmlns:p="http://schemas.openxmlformats.org/presentationml/2006/main">
   <p:cSld>
     <p:spTree>
@@ -4348,10 +12666,17 @@
   <p:clrMapOvr>
     <a:masterClrMapping/>
   </p:clrMapOvr>
+  <p:timing>
+    <p:tnLst>
+      <p:par>
+        <p:cTn id="1" dur="indefinite" restart="never" nodeType="tmRoot"/>
+      </p:par>
+    </p:tnLst>
+  </p:timing>
 </p:sld>
 </file>
 
-<file path=ppt/slides/slide5.xml><?xml version="1.0" encoding="utf-8"?>
+<file path=ppt/slides/slide6.xml><?xml version="1.0" encoding="utf-8"?>
 <p:sld xmlns:a="http://schemas.openxmlformats.org/drawingml/2006/main" xmlns:r="http://schemas.openxmlformats.org/officeDocument/2006/relationships" xmlns:p="http://schemas.openxmlformats.org/presentationml/2006/main">
   <p:cSld>
     <p:spTree>
@@ -4649,10 +12974,17 @@
   <p:clrMapOvr>
     <a:masterClrMapping/>
   </p:clrMapOvr>
+  <p:timing>
+    <p:tnLst>
+      <p:par>
+        <p:cTn id="1" dur="indefinite" restart="never" nodeType="tmRoot"/>
+      </p:par>
+    </p:tnLst>
+  </p:timing>
 </p:sld>
 </file>
 
-<file path=ppt/slides/slide6.xml><?xml version="1.0" encoding="utf-8"?>
+<file path=ppt/slides/slide7.xml><?xml version="1.0" encoding="utf-8"?>
 <p:sld xmlns:a="http://schemas.openxmlformats.org/drawingml/2006/main" xmlns:r="http://schemas.openxmlformats.org/officeDocument/2006/relationships" xmlns:p="http://schemas.openxmlformats.org/presentationml/2006/main">
   <p:cSld>
     <p:spTree>
@@ -4950,10 +13282,17 @@
   <p:clrMapOvr>
     <a:masterClrMapping/>
   </p:clrMapOvr>
+  <p:timing>
+    <p:tnLst>
+      <p:par>
+        <p:cTn id="1" dur="indefinite" restart="never" nodeType="tmRoot"/>
+      </p:par>
+    </p:tnLst>
+  </p:timing>
 </p:sld>
 </file>
 
-<file path=ppt/slides/slide7.xml><?xml version="1.0" encoding="utf-8"?>
+<file path=ppt/slides/slide8.xml><?xml version="1.0" encoding="utf-8"?>
 <p:sld xmlns:a="http://schemas.openxmlformats.org/drawingml/2006/main" xmlns:r="http://schemas.openxmlformats.org/officeDocument/2006/relationships" xmlns:p="http://schemas.openxmlformats.org/presentationml/2006/main">
   <p:cSld>
     <p:spTree>
@@ -5251,10 +13590,17 @@
   <p:clrMapOvr>
     <a:masterClrMapping/>
   </p:clrMapOvr>
+  <p:timing>
+    <p:tnLst>
+      <p:par>
+        <p:cTn id="1" dur="indefinite" restart="never" nodeType="tmRoot"/>
+      </p:par>
+    </p:tnLst>
+  </p:timing>
 </p:sld>
 </file>
 
-<file path=ppt/slides/slide8.xml><?xml version="1.0" encoding="utf-8"?>
+<file path=ppt/slides/slide9.xml><?xml version="1.0" encoding="utf-8"?>
 <p:sld xmlns:a="http://schemas.openxmlformats.org/drawingml/2006/main" xmlns:r="http://schemas.openxmlformats.org/officeDocument/2006/relationships" xmlns:p="http://schemas.openxmlformats.org/presentationml/2006/main">
   <p:cSld>
     <p:spTree>
@@ -5271,16 +13617,595 @@
           <a:chExt cx="0" cy="0"/>
         </a:xfrm>
       </p:grpSpPr>
+      <p:sp>
+        <p:nvSpPr>
+          <p:cNvPr id="2" name="Subtitle 2"/>
+          <p:cNvSpPr txBox="1">
+            <a:spLocks/>
+          </p:cNvSpPr>
+          <p:nvPr/>
+        </p:nvSpPr>
+        <p:spPr>
+          <a:xfrm>
+            <a:off x="-112295" y="126719"/>
+            <a:ext cx="6898105" cy="740243"/>
+          </a:xfrm>
+          <a:prstGeom prst="rect">
+            <a:avLst/>
+          </a:prstGeom>
+        </p:spPr>
+        <p:txBody>
+          <a:bodyPr/>
+          <a:lstStyle>
+            <a:lvl1pPr marL="228600" indent="-228600" algn="l" defTabSz="914400" rtl="0" eaLnBrk="1" latinLnBrk="1" hangingPunct="1">
+              <a:lnSpc>
+                <a:spcPct val="90000"/>
+              </a:lnSpc>
+              <a:spcBef>
+                <a:spcPts val="1000"/>
+              </a:spcBef>
+              <a:buFont typeface="Arial" panose="020B0604020202020204" pitchFamily="34" charset="0"/>
+              <a:buChar char="•"/>
+              <a:defRPr sz="2800" kern="1200">
+                <a:solidFill>
+                  <a:schemeClr val="tx1"/>
+                </a:solidFill>
+                <a:latin typeface="+mn-lt"/>
+                <a:ea typeface="+mn-ea"/>
+                <a:cs typeface="+mn-cs"/>
+              </a:defRPr>
+            </a:lvl1pPr>
+            <a:lvl2pPr marL="685800" indent="-228600" algn="l" defTabSz="914400" rtl="0" eaLnBrk="1" latinLnBrk="1" hangingPunct="1">
+              <a:lnSpc>
+                <a:spcPct val="90000"/>
+              </a:lnSpc>
+              <a:spcBef>
+                <a:spcPts val="500"/>
+              </a:spcBef>
+              <a:buFont typeface="Arial" panose="020B0604020202020204" pitchFamily="34" charset="0"/>
+              <a:buChar char="•"/>
+              <a:defRPr sz="2400" kern="1200">
+                <a:solidFill>
+                  <a:schemeClr val="tx1"/>
+                </a:solidFill>
+                <a:latin typeface="+mn-lt"/>
+                <a:ea typeface="+mn-ea"/>
+                <a:cs typeface="+mn-cs"/>
+              </a:defRPr>
+            </a:lvl2pPr>
+            <a:lvl3pPr marL="1143000" indent="-228600" algn="l" defTabSz="914400" rtl="0" eaLnBrk="1" latinLnBrk="1" hangingPunct="1">
+              <a:lnSpc>
+                <a:spcPct val="90000"/>
+              </a:lnSpc>
+              <a:spcBef>
+                <a:spcPts val="500"/>
+              </a:spcBef>
+              <a:buFont typeface="Arial" panose="020B0604020202020204" pitchFamily="34" charset="0"/>
+              <a:buChar char="•"/>
+              <a:defRPr sz="2000" kern="1200">
+                <a:solidFill>
+                  <a:schemeClr val="tx1"/>
+                </a:solidFill>
+                <a:latin typeface="+mn-lt"/>
+                <a:ea typeface="+mn-ea"/>
+                <a:cs typeface="+mn-cs"/>
+              </a:defRPr>
+            </a:lvl3pPr>
+            <a:lvl4pPr marL="1600200" indent="-228600" algn="l" defTabSz="914400" rtl="0" eaLnBrk="1" latinLnBrk="1" hangingPunct="1">
+              <a:lnSpc>
+                <a:spcPct val="90000"/>
+              </a:lnSpc>
+              <a:spcBef>
+                <a:spcPts val="500"/>
+              </a:spcBef>
+              <a:buFont typeface="Arial" panose="020B0604020202020204" pitchFamily="34" charset="0"/>
+              <a:buChar char="•"/>
+              <a:defRPr sz="1800" kern="1200">
+                <a:solidFill>
+                  <a:schemeClr val="tx1"/>
+                </a:solidFill>
+                <a:latin typeface="+mn-lt"/>
+                <a:ea typeface="+mn-ea"/>
+                <a:cs typeface="+mn-cs"/>
+              </a:defRPr>
+            </a:lvl4pPr>
+            <a:lvl5pPr marL="2057400" indent="-228600" algn="l" defTabSz="914400" rtl="0" eaLnBrk="1" latinLnBrk="1" hangingPunct="1">
+              <a:lnSpc>
+                <a:spcPct val="90000"/>
+              </a:lnSpc>
+              <a:spcBef>
+                <a:spcPts val="500"/>
+              </a:spcBef>
+              <a:buFont typeface="Arial" panose="020B0604020202020204" pitchFamily="34" charset="0"/>
+              <a:buChar char="•"/>
+              <a:defRPr sz="1800" kern="1200">
+                <a:solidFill>
+                  <a:schemeClr val="tx1"/>
+                </a:solidFill>
+                <a:latin typeface="+mn-lt"/>
+                <a:ea typeface="+mn-ea"/>
+                <a:cs typeface="+mn-cs"/>
+              </a:defRPr>
+            </a:lvl5pPr>
+            <a:lvl6pPr marL="2514600" indent="-228600" algn="l" defTabSz="914400" rtl="0" eaLnBrk="1" latinLnBrk="1" hangingPunct="1">
+              <a:lnSpc>
+                <a:spcPct val="90000"/>
+              </a:lnSpc>
+              <a:spcBef>
+                <a:spcPts val="500"/>
+              </a:spcBef>
+              <a:buFont typeface="Arial" panose="020B0604020202020204" pitchFamily="34" charset="0"/>
+              <a:buChar char="•"/>
+              <a:defRPr sz="1800" kern="1200">
+                <a:solidFill>
+                  <a:schemeClr val="tx1"/>
+                </a:solidFill>
+                <a:latin typeface="+mn-lt"/>
+                <a:ea typeface="+mn-ea"/>
+                <a:cs typeface="+mn-cs"/>
+              </a:defRPr>
+            </a:lvl6pPr>
+            <a:lvl7pPr marL="2971800" indent="-228600" algn="l" defTabSz="914400" rtl="0" eaLnBrk="1" latinLnBrk="1" hangingPunct="1">
+              <a:lnSpc>
+                <a:spcPct val="90000"/>
+              </a:lnSpc>
+              <a:spcBef>
+                <a:spcPts val="500"/>
+              </a:spcBef>
+              <a:buFont typeface="Arial" panose="020B0604020202020204" pitchFamily="34" charset="0"/>
+              <a:buChar char="•"/>
+              <a:defRPr sz="1800" kern="1200">
+                <a:solidFill>
+                  <a:schemeClr val="tx1"/>
+                </a:solidFill>
+                <a:latin typeface="+mn-lt"/>
+                <a:ea typeface="+mn-ea"/>
+                <a:cs typeface="+mn-cs"/>
+              </a:defRPr>
+            </a:lvl7pPr>
+            <a:lvl8pPr marL="3429000" indent="-228600" algn="l" defTabSz="914400" rtl="0" eaLnBrk="1" latinLnBrk="1" hangingPunct="1">
+              <a:lnSpc>
+                <a:spcPct val="90000"/>
+              </a:lnSpc>
+              <a:spcBef>
+                <a:spcPts val="500"/>
+              </a:spcBef>
+              <a:buFont typeface="Arial" panose="020B0604020202020204" pitchFamily="34" charset="0"/>
+              <a:buChar char="•"/>
+              <a:defRPr sz="1800" kern="1200">
+                <a:solidFill>
+                  <a:schemeClr val="tx1"/>
+                </a:solidFill>
+                <a:latin typeface="+mn-lt"/>
+                <a:ea typeface="+mn-ea"/>
+                <a:cs typeface="+mn-cs"/>
+              </a:defRPr>
+            </a:lvl8pPr>
+            <a:lvl9pPr marL="3886200" indent="-228600" algn="l" defTabSz="914400" rtl="0" eaLnBrk="1" latinLnBrk="1" hangingPunct="1">
+              <a:lnSpc>
+                <a:spcPct val="90000"/>
+              </a:lnSpc>
+              <a:spcBef>
+                <a:spcPts val="500"/>
+              </a:spcBef>
+              <a:buFont typeface="Arial" panose="020B0604020202020204" pitchFamily="34" charset="0"/>
+              <a:buChar char="•"/>
+              <a:defRPr sz="1800" kern="1200">
+                <a:solidFill>
+                  <a:schemeClr val="tx1"/>
+                </a:solidFill>
+                <a:latin typeface="+mn-lt"/>
+                <a:ea typeface="+mn-ea"/>
+                <a:cs typeface="+mn-cs"/>
+              </a:defRPr>
+            </a:lvl9pPr>
+          </a:lstStyle>
+          <a:p>
+            <a:pPr marL="0" indent="0" algn="ctr">
+              <a:buNone/>
+            </a:pPr>
+            <a:r>
+              <a:rPr lang="ko-KR" altLang="en-US" sz="4000" dirty="0" smtClean="0">
+                <a:latin typeface="+mn-ea"/>
+              </a:rPr>
+              <a:t>레이아웃 구성</a:t>
+            </a:r>
+            <a:r>
+              <a:rPr lang="en-US" altLang="ko-KR" sz="4000" dirty="0" smtClean="0">
+                <a:latin typeface="+mn-ea"/>
+              </a:rPr>
+              <a:t>, </a:t>
+            </a:r>
+            <a:r>
+              <a:rPr lang="en-US" altLang="ko-KR" sz="4000" dirty="0" smtClean="0">
+                <a:latin typeface="+mn-ea"/>
+              </a:rPr>
+              <a:t>Diary </a:t>
+            </a:r>
+            <a:r>
+              <a:rPr lang="en-US" altLang="ko-KR" sz="4000" dirty="0" smtClean="0">
+                <a:latin typeface="+mn-ea"/>
+              </a:rPr>
+              <a:t>Page</a:t>
+            </a:r>
+            <a:endParaRPr lang="ko-KR" altLang="en-US" sz="4000" dirty="0">
+              <a:latin typeface="+mn-ea"/>
+            </a:endParaRPr>
+          </a:p>
+        </p:txBody>
+      </p:sp>
+      <p:pic>
+        <p:nvPicPr>
+          <p:cNvPr id="5" name="Picture 4"/>
+          <p:cNvPicPr>
+            <a:picLocks noChangeAspect="1"/>
+          </p:cNvPicPr>
+          <p:nvPr/>
+        </p:nvPicPr>
+        <p:blipFill>
+          <a:blip r:embed="rId2" cstate="print">
+            <a:extLst>
+              <a:ext uri="{28A0092B-C50C-407E-A947-70E740481C1C}">
+                <a14:useLocalDpi xmlns:a14="http://schemas.microsoft.com/office/drawing/2010/main" val="0"/>
+              </a:ext>
+            </a:extLst>
+          </a:blip>
+          <a:stretch>
+            <a:fillRect/>
+          </a:stretch>
+        </p:blipFill>
+        <p:spPr>
+          <a:xfrm>
+            <a:off x="866830" y="866962"/>
+            <a:ext cx="10507021" cy="5803434"/>
+          </a:xfrm>
+          <a:prstGeom prst="rect">
+            <a:avLst/>
+          </a:prstGeom>
+          <a:ln>
+            <a:solidFill>
+              <a:schemeClr val="tx1"/>
+            </a:solidFill>
+          </a:ln>
+        </p:spPr>
+      </p:pic>
+      <p:sp>
+        <p:nvSpPr>
+          <p:cNvPr id="4" name="Rectangle 3"/>
+          <p:cNvSpPr/>
+          <p:nvPr/>
+        </p:nvSpPr>
+        <p:spPr>
+          <a:xfrm>
+            <a:off x="866831" y="866963"/>
+            <a:ext cx="10507021" cy="400364"/>
+          </a:xfrm>
+          <a:prstGeom prst="rect">
+            <a:avLst/>
+          </a:prstGeom>
+          <a:noFill/>
+          <a:ln w="57150">
+            <a:solidFill>
+              <a:srgbClr val="FF0000"/>
+            </a:solidFill>
+            <a:prstDash val="dash"/>
+          </a:ln>
+        </p:spPr>
+        <p:style>
+          <a:lnRef idx="2">
+            <a:schemeClr val="accent1">
+              <a:shade val="50000"/>
+            </a:schemeClr>
+          </a:lnRef>
+          <a:fillRef idx="1">
+            <a:schemeClr val="accent1"/>
+          </a:fillRef>
+          <a:effectRef idx="0">
+            <a:schemeClr val="accent1"/>
+          </a:effectRef>
+          <a:fontRef idx="minor">
+            <a:schemeClr val="lt1"/>
+          </a:fontRef>
+        </p:style>
+        <p:txBody>
+          <a:bodyPr rtlCol="0" anchor="ctr"/>
+          <a:lstStyle/>
+          <a:p>
+            <a:pPr algn="ctr"/>
+            <a:endParaRPr lang="ko-KR" altLang="en-US"/>
+          </a:p>
+        </p:txBody>
+      </p:sp>
+      <p:sp>
+        <p:nvSpPr>
+          <p:cNvPr id="7" name="Rectangle 6"/>
+          <p:cNvSpPr/>
+          <p:nvPr/>
+        </p:nvSpPr>
+        <p:spPr>
+          <a:xfrm>
+            <a:off x="1411704" y="1607205"/>
+            <a:ext cx="4427621" cy="4697341"/>
+          </a:xfrm>
+          <a:prstGeom prst="rect">
+            <a:avLst/>
+          </a:prstGeom>
+          <a:noFill/>
+          <a:ln w="57150">
+            <a:solidFill>
+              <a:srgbClr val="FF0000"/>
+            </a:solidFill>
+            <a:prstDash val="dash"/>
+          </a:ln>
+        </p:spPr>
+        <p:style>
+          <a:lnRef idx="2">
+            <a:schemeClr val="accent1">
+              <a:shade val="50000"/>
+            </a:schemeClr>
+          </a:lnRef>
+          <a:fillRef idx="1">
+            <a:schemeClr val="accent1"/>
+          </a:fillRef>
+          <a:effectRef idx="0">
+            <a:schemeClr val="accent1"/>
+          </a:effectRef>
+          <a:fontRef idx="minor">
+            <a:schemeClr val="lt1"/>
+          </a:fontRef>
+        </p:style>
+        <p:txBody>
+          <a:bodyPr rtlCol="0" anchor="ctr"/>
+          <a:lstStyle/>
+          <a:p>
+            <a:pPr algn="ctr"/>
+            <a:endParaRPr lang="ko-KR" altLang="en-US"/>
+          </a:p>
+        </p:txBody>
+      </p:sp>
+      <p:sp>
+        <p:nvSpPr>
+          <p:cNvPr id="8" name="Rectangle 7"/>
+          <p:cNvSpPr/>
+          <p:nvPr/>
+        </p:nvSpPr>
+        <p:spPr>
+          <a:xfrm>
+            <a:off x="6031831" y="1607205"/>
+            <a:ext cx="4940969" cy="4697342"/>
+          </a:xfrm>
+          <a:prstGeom prst="rect">
+            <a:avLst/>
+          </a:prstGeom>
+          <a:noFill/>
+          <a:ln w="57150">
+            <a:solidFill>
+              <a:srgbClr val="FF0000"/>
+            </a:solidFill>
+            <a:prstDash val="dash"/>
+          </a:ln>
+        </p:spPr>
+        <p:style>
+          <a:lnRef idx="2">
+            <a:schemeClr val="accent1">
+              <a:shade val="50000"/>
+            </a:schemeClr>
+          </a:lnRef>
+          <a:fillRef idx="1">
+            <a:schemeClr val="accent1"/>
+          </a:fillRef>
+          <a:effectRef idx="0">
+            <a:schemeClr val="accent1"/>
+          </a:effectRef>
+          <a:fontRef idx="minor">
+            <a:schemeClr val="lt1"/>
+          </a:fontRef>
+        </p:style>
+        <p:txBody>
+          <a:bodyPr rtlCol="0" anchor="ctr"/>
+          <a:lstStyle/>
+          <a:p>
+            <a:pPr algn="ctr"/>
+            <a:endParaRPr lang="ko-KR" altLang="en-US"/>
+          </a:p>
+        </p:txBody>
+      </p:sp>
+      <p:sp>
+        <p:nvSpPr>
+          <p:cNvPr id="9" name="Line Callout 1 (Border and Accent Bar) 8"/>
+          <p:cNvSpPr/>
+          <p:nvPr/>
+        </p:nvSpPr>
+        <p:spPr>
+          <a:xfrm>
+            <a:off x="1195135" y="5135250"/>
+            <a:ext cx="1607738" cy="1329015"/>
+          </a:xfrm>
+          <a:prstGeom prst="accentBorderCallout1">
+            <a:avLst>
+              <a:gd name="adj1" fmla="val 17543"/>
+              <a:gd name="adj2" fmla="val 109080"/>
+              <a:gd name="adj3" fmla="val -6226"/>
+              <a:gd name="adj4" fmla="val 159099"/>
+            </a:avLst>
+          </a:prstGeom>
+        </p:spPr>
+        <p:style>
+          <a:lnRef idx="2">
+            <a:schemeClr val="dk1">
+              <a:shade val="50000"/>
+            </a:schemeClr>
+          </a:lnRef>
+          <a:fillRef idx="1">
+            <a:schemeClr val="dk1"/>
+          </a:fillRef>
+          <a:effectRef idx="0">
+            <a:schemeClr val="dk1"/>
+          </a:effectRef>
+          <a:fontRef idx="minor">
+            <a:schemeClr val="lt1"/>
+          </a:fontRef>
+        </p:style>
+        <p:txBody>
+          <a:bodyPr rtlCol="0" anchor="ctr"/>
+          <a:lstStyle/>
+          <a:p>
+            <a:pPr algn="ctr"/>
+            <a:r>
+              <a:rPr lang="en-US" altLang="ko-KR" dirty="0"/>
+              <a:t>col-md-6 </a:t>
+            </a:r>
+            <a:endParaRPr lang="en-US" altLang="ko-KR" dirty="0" smtClean="0"/>
+          </a:p>
+          <a:p>
+            <a:pPr algn="ctr"/>
+            <a:r>
+              <a:rPr lang="en-US" altLang="ko-KR" dirty="0" smtClean="0"/>
+              <a:t>col-sm-12 </a:t>
+            </a:r>
+            <a:endParaRPr lang="en-US" altLang="ko-KR" dirty="0" smtClean="0"/>
+          </a:p>
+          <a:p>
+            <a:pPr algn="ctr"/>
+            <a:r>
+              <a:rPr lang="en-US" altLang="ko-KR" dirty="0" smtClean="0"/>
+              <a:t>col-xs-12</a:t>
+            </a:r>
+            <a:endParaRPr lang="ko-KR" altLang="en-US" dirty="0"/>
+          </a:p>
+        </p:txBody>
+      </p:sp>
+      <p:sp>
+        <p:nvSpPr>
+          <p:cNvPr id="10" name="Line Callout 1 (Border and Accent Bar) 9"/>
+          <p:cNvSpPr/>
+          <p:nvPr/>
+        </p:nvSpPr>
+        <p:spPr>
+          <a:xfrm>
+            <a:off x="9565588" y="5158456"/>
+            <a:ext cx="1607738" cy="1329015"/>
+          </a:xfrm>
+          <a:prstGeom prst="accentBorderCallout1">
+            <a:avLst>
+              <a:gd name="adj1" fmla="val 18750"/>
+              <a:gd name="adj2" fmla="val -4670"/>
+              <a:gd name="adj3" fmla="val 7051"/>
+              <a:gd name="adj4" fmla="val -63411"/>
+            </a:avLst>
+          </a:prstGeom>
+        </p:spPr>
+        <p:style>
+          <a:lnRef idx="2">
+            <a:schemeClr val="dk1">
+              <a:shade val="50000"/>
+            </a:schemeClr>
+          </a:lnRef>
+          <a:fillRef idx="1">
+            <a:schemeClr val="dk1"/>
+          </a:fillRef>
+          <a:effectRef idx="0">
+            <a:schemeClr val="dk1"/>
+          </a:effectRef>
+          <a:fontRef idx="minor">
+            <a:schemeClr val="lt1"/>
+          </a:fontRef>
+        </p:style>
+        <p:txBody>
+          <a:bodyPr rtlCol="0" anchor="ctr"/>
+          <a:lstStyle/>
+          <a:p>
+            <a:pPr algn="ctr"/>
+            <a:r>
+              <a:rPr lang="en-US" altLang="ko-KR" dirty="0"/>
+              <a:t>col-md-6 </a:t>
+            </a:r>
+            <a:endParaRPr lang="en-US" altLang="ko-KR" dirty="0" smtClean="0"/>
+          </a:p>
+          <a:p>
+            <a:pPr algn="ctr"/>
+            <a:r>
+              <a:rPr lang="en-US" altLang="ko-KR" dirty="0" smtClean="0"/>
+              <a:t>col-sm-12 </a:t>
+            </a:r>
+            <a:endParaRPr lang="en-US" altLang="ko-KR" dirty="0" smtClean="0"/>
+          </a:p>
+          <a:p>
+            <a:pPr algn="ctr"/>
+            <a:r>
+              <a:rPr lang="en-US" altLang="ko-KR" dirty="0" smtClean="0"/>
+              <a:t>col-xs-12</a:t>
+            </a:r>
+            <a:endParaRPr lang="ko-KR" altLang="en-US" dirty="0"/>
+          </a:p>
+        </p:txBody>
+      </p:sp>
+      <p:sp>
+        <p:nvSpPr>
+          <p:cNvPr id="6" name="Line Callout 1 (Border and Accent Bar) 5"/>
+          <p:cNvSpPr/>
+          <p:nvPr/>
+        </p:nvSpPr>
+        <p:spPr>
+          <a:xfrm>
+            <a:off x="7716252" y="169130"/>
+            <a:ext cx="2422359" cy="514907"/>
+          </a:xfrm>
+          <a:prstGeom prst="accentBorderCallout1">
+            <a:avLst>
+              <a:gd name="adj1" fmla="val 18750"/>
+              <a:gd name="adj2" fmla="val -4670"/>
+              <a:gd name="adj3" fmla="val 162482"/>
+              <a:gd name="adj4" fmla="val -30194"/>
+            </a:avLst>
+          </a:prstGeom>
+        </p:spPr>
+        <p:style>
+          <a:lnRef idx="2">
+            <a:schemeClr val="dk1">
+              <a:shade val="50000"/>
+            </a:schemeClr>
+          </a:lnRef>
+          <a:fillRef idx="1">
+            <a:schemeClr val="dk1"/>
+          </a:fillRef>
+          <a:effectRef idx="0">
+            <a:schemeClr val="dk1"/>
+          </a:effectRef>
+          <a:fontRef idx="minor">
+            <a:schemeClr val="lt1"/>
+          </a:fontRef>
+        </p:style>
+        <p:txBody>
+          <a:bodyPr rtlCol="0" anchor="ctr"/>
+          <a:lstStyle/>
+          <a:p>
+            <a:pPr algn="ctr"/>
+            <a:r>
+              <a:rPr lang="en-US" altLang="ko-KR" dirty="0" smtClean="0"/>
+              <a:t>Fixed navigator bar</a:t>
+            </a:r>
+            <a:endParaRPr lang="ko-KR" altLang="en-US" dirty="0"/>
+          </a:p>
+        </p:txBody>
+      </p:sp>
     </p:spTree>
     <p:extLst>
       <p:ext uri="{BB962C8B-B14F-4D97-AF65-F5344CB8AC3E}">
-        <p14:creationId xmlns:p14="http://schemas.microsoft.com/office/powerpoint/2010/main" val="3604890299"/>
+        <p14:creationId xmlns:p14="http://schemas.microsoft.com/office/powerpoint/2010/main" val="3662827517"/>
       </p:ext>
     </p:extLst>
   </p:cSld>
   <p:clrMapOvr>
     <a:masterClrMapping/>
   </p:clrMapOvr>
+  <p:timing>
+    <p:tnLst>
+      <p:par>
+        <p:cTn id="1" dur="indefinite" restart="never" nodeType="tmRoot"/>
+      </p:par>
+    </p:tnLst>
+  </p:timing>
 </p:sld>
 </file>
 

--- a/project_doc_201611263_박성호.pptx
+++ b/project_doc_201611263_박성호.pptx
@@ -27,6 +27,7 @@
     <p:sldId id="275" r:id="rId21"/>
     <p:sldId id="278" r:id="rId22"/>
     <p:sldId id="276" r:id="rId23"/>
+    <p:sldId id="280" r:id="rId24"/>
   </p:sldIdLst>
   <p:sldSz cx="12192000" cy="6858000"/>
   <p:notesSz cx="6858000" cy="9144000"/>
@@ -3334,19 +3335,7 @@
               <a:rPr lang="en-US" altLang="ko-KR" sz="4000" dirty="0" smtClean="0">
                 <a:latin typeface="+mn-ea"/>
               </a:rPr>
-              <a:t>, </a:t>
-            </a:r>
-            <a:r>
-              <a:rPr lang="en-US" altLang="ko-KR" sz="4000" dirty="0" smtClean="0">
-                <a:latin typeface="+mn-ea"/>
-              </a:rPr>
-              <a:t>Diary </a:t>
-            </a:r>
-            <a:r>
-              <a:rPr lang="en-US" altLang="ko-KR" sz="4000" dirty="0" smtClean="0">
-                <a:latin typeface="+mn-ea"/>
-              </a:rPr>
-              <a:t>Page</a:t>
+              <a:t>, Diary Page</a:t>
             </a:r>
             <a:endParaRPr lang="ko-KR" altLang="en-US" sz="4000" dirty="0">
               <a:latin typeface="+mn-ea"/>
@@ -3746,15 +3735,64 @@
         </p:nvSpPr>
         <p:spPr>
           <a:xfrm>
-            <a:off x="8886771" y="3883564"/>
+            <a:off x="8148834" y="4737406"/>
             <a:ext cx="2781654" cy="570650"/>
           </a:xfrm>
           <a:prstGeom prst="accentBorderCallout1">
             <a:avLst>
               <a:gd name="adj1" fmla="val 18750"/>
               <a:gd name="adj2" fmla="val -4670"/>
-              <a:gd name="adj3" fmla="val 376111"/>
-              <a:gd name="adj4" fmla="val -61251"/>
+              <a:gd name="adj3" fmla="val 47201"/>
+              <a:gd name="adj4" fmla="val -23765"/>
+            </a:avLst>
+          </a:prstGeom>
+        </p:spPr>
+        <p:style>
+          <a:lnRef idx="2">
+            <a:schemeClr val="dk1">
+              <a:shade val="50000"/>
+            </a:schemeClr>
+          </a:lnRef>
+          <a:fillRef idx="1">
+            <a:schemeClr val="dk1"/>
+          </a:fillRef>
+          <a:effectRef idx="0">
+            <a:schemeClr val="dk1"/>
+          </a:effectRef>
+          <a:fontRef idx="minor">
+            <a:schemeClr val="lt1"/>
+          </a:fontRef>
+        </p:style>
+        <p:txBody>
+          <a:bodyPr rtlCol="0" anchor="ctr"/>
+          <a:lstStyle/>
+          <a:p>
+            <a:pPr algn="ctr"/>
+            <a:r>
+              <a:rPr lang="ko-KR" altLang="en-US" smtClean="0"/>
+              <a:t>이미지가 표시되는 곳</a:t>
+            </a:r>
+            <a:endParaRPr lang="ko-KR" altLang="en-US" dirty="0"/>
+          </a:p>
+        </p:txBody>
+      </p:sp>
+      <p:sp>
+        <p:nvSpPr>
+          <p:cNvPr id="15" name="Line Callout 1 (Border and Accent Bar) 14"/>
+          <p:cNvSpPr/>
+          <p:nvPr/>
+        </p:nvSpPr>
+        <p:spPr>
+          <a:xfrm>
+            <a:off x="8148834" y="5951691"/>
+            <a:ext cx="2781654" cy="570650"/>
+          </a:xfrm>
+          <a:prstGeom prst="accentBorderCallout1">
+            <a:avLst>
+              <a:gd name="adj1" fmla="val 18750"/>
+              <a:gd name="adj2" fmla="val -4670"/>
+              <a:gd name="adj3" fmla="val 47201"/>
+              <a:gd name="adj4" fmla="val -23765"/>
             </a:avLst>
           </a:prstGeom>
         </p:spPr>
@@ -4029,25 +4067,7 @@
               <a:rPr lang="en-US" altLang="ko-KR" sz="4000" dirty="0" smtClean="0">
                 <a:latin typeface="+mn-ea"/>
               </a:rPr>
-              <a:t>, </a:t>
-            </a:r>
-            <a:r>
-              <a:rPr lang="en-US" altLang="ko-KR" sz="4000" dirty="0" smtClean="0">
-                <a:latin typeface="+mn-ea"/>
-              </a:rPr>
-              <a:t>Diary</a:t>
-            </a:r>
-            <a:r>
-              <a:rPr lang="en-US" altLang="ko-KR" sz="4000" dirty="0" smtClean="0">
-                <a:latin typeface="+mn-ea"/>
-              </a:rPr>
-              <a:t> </a:t>
-            </a:r>
-            <a:r>
-              <a:rPr lang="en-US" altLang="ko-KR" sz="4000" dirty="0" smtClean="0">
-                <a:latin typeface="+mn-ea"/>
-              </a:rPr>
-              <a:t>Page, 3 layout</a:t>
+              <a:t>, Diary Page, 3 layout</a:t>
             </a:r>
             <a:endParaRPr lang="ko-KR" altLang="en-US" sz="4000" dirty="0">
               <a:latin typeface="+mn-ea"/>
@@ -4354,25 +4374,7 @@
               <a:rPr lang="en-US" altLang="ko-KR" sz="4000" dirty="0" smtClean="0">
                 <a:latin typeface="+mn-ea"/>
               </a:rPr>
-              <a:t>, </a:t>
-            </a:r>
-            <a:r>
-              <a:rPr lang="en-US" altLang="ko-KR" sz="4000" dirty="0" smtClean="0">
-                <a:latin typeface="+mn-ea"/>
-              </a:rPr>
-              <a:t>Diary</a:t>
-            </a:r>
-            <a:r>
-              <a:rPr lang="en-US" altLang="ko-KR" sz="4000" dirty="0" smtClean="0">
-                <a:latin typeface="+mn-ea"/>
-              </a:rPr>
-              <a:t> </a:t>
-            </a:r>
-            <a:r>
-              <a:rPr lang="en-US" altLang="ko-KR" sz="4000" dirty="0" smtClean="0">
-                <a:latin typeface="+mn-ea"/>
-              </a:rPr>
-              <a:t>Page, 3 layout</a:t>
+              <a:t>, Diary Page, 3 layout</a:t>
             </a:r>
             <a:endParaRPr lang="ko-KR" altLang="en-US" sz="4000" dirty="0">
               <a:latin typeface="+mn-ea"/>
@@ -4784,25 +4786,7 @@
               <a:rPr lang="en-US" altLang="ko-KR" sz="4000" dirty="0" smtClean="0">
                 <a:latin typeface="+mn-ea"/>
               </a:rPr>
-              <a:t>, </a:t>
-            </a:r>
-            <a:r>
-              <a:rPr lang="en-US" altLang="ko-KR" sz="4000" dirty="0" smtClean="0">
-                <a:latin typeface="+mn-ea"/>
-              </a:rPr>
-              <a:t>Diary</a:t>
-            </a:r>
-            <a:r>
-              <a:rPr lang="en-US" altLang="ko-KR" sz="4000" dirty="0" smtClean="0">
-                <a:latin typeface="+mn-ea"/>
-              </a:rPr>
-              <a:t> </a:t>
-            </a:r>
-            <a:r>
-              <a:rPr lang="en-US" altLang="ko-KR" sz="4000" dirty="0" smtClean="0">
-                <a:latin typeface="+mn-ea"/>
-              </a:rPr>
-              <a:t>Page, 3 layout</a:t>
+              <a:t>, Diary Page, 3 layout</a:t>
             </a:r>
             <a:endParaRPr lang="ko-KR" altLang="en-US" sz="4000" dirty="0">
               <a:latin typeface="+mn-ea"/>
@@ -9540,8 +9524,29 @@
             </a:r>
             <a:r>
               <a:rPr lang="en-US" altLang="ko-KR" sz="2000" dirty="0" smtClean="0"/>
+              <a:t>. </a:t>
+            </a:r>
+            <a:r>
+              <a:rPr lang="en-US" altLang="ko-KR" sz="2000" dirty="0" smtClean="0"/>
+              <a:t>data</a:t>
+            </a:r>
+            <a:r>
+              <a:rPr lang="ko-KR" altLang="en-US" sz="2000" dirty="0" smtClean="0"/>
+              <a:t>는 </a:t>
+            </a:r>
+            <a:r>
+              <a:rPr lang="en-US" altLang="ko-KR" sz="2000" dirty="0" smtClean="0"/>
+              <a:t>order </a:t>
+            </a:r>
+            <a:r>
+              <a:rPr lang="ko-KR" altLang="en-US" sz="2000" dirty="0" smtClean="0"/>
+              <a:t>함수를 통해 정렬한다</a:t>
+            </a:r>
+            <a:r>
+              <a:rPr lang="en-US" altLang="ko-KR" sz="2000" dirty="0" smtClean="0"/>
               <a:t>.</a:t>
             </a:r>
+            <a:endParaRPr lang="en-US" altLang="ko-KR" sz="2000" dirty="0" smtClean="0"/>
           </a:p>
           <a:p>
             <a:pPr marL="457200" indent="-457200">
@@ -11142,6 +11147,402 @@
 </p:sld>
 </file>
 
+<file path=ppt/slides/slide23.xml><?xml version="1.0" encoding="utf-8"?>
+<p:sld xmlns:a="http://schemas.openxmlformats.org/drawingml/2006/main" xmlns:r="http://schemas.openxmlformats.org/officeDocument/2006/relationships" xmlns:p="http://schemas.openxmlformats.org/presentationml/2006/main">
+  <p:cSld>
+    <p:spTree>
+      <p:nvGrpSpPr>
+        <p:cNvPr id="1" name=""/>
+        <p:cNvGrpSpPr/>
+        <p:nvPr/>
+      </p:nvGrpSpPr>
+      <p:grpSpPr>
+        <a:xfrm>
+          <a:off x="0" y="0"/>
+          <a:ext cx="0" cy="0"/>
+          <a:chOff x="0" y="0"/>
+          <a:chExt cx="0" cy="0"/>
+        </a:xfrm>
+      </p:grpSpPr>
+      <p:sp>
+        <p:nvSpPr>
+          <p:cNvPr id="2" name="Subtitle 2"/>
+          <p:cNvSpPr txBox="1">
+            <a:spLocks/>
+          </p:cNvSpPr>
+          <p:nvPr/>
+        </p:nvSpPr>
+        <p:spPr>
+          <a:xfrm>
+            <a:off x="272716" y="198725"/>
+            <a:ext cx="6272463" cy="740243"/>
+          </a:xfrm>
+          <a:prstGeom prst="rect">
+            <a:avLst/>
+          </a:prstGeom>
+        </p:spPr>
+        <p:txBody>
+          <a:bodyPr/>
+          <a:lstStyle>
+            <a:lvl1pPr marL="228600" indent="-228600" algn="l" defTabSz="914400" rtl="0" eaLnBrk="1" latinLnBrk="1" hangingPunct="1">
+              <a:lnSpc>
+                <a:spcPct val="90000"/>
+              </a:lnSpc>
+              <a:spcBef>
+                <a:spcPts val="1000"/>
+              </a:spcBef>
+              <a:buFont typeface="Arial" panose="020B0604020202020204" pitchFamily="34" charset="0"/>
+              <a:buChar char="•"/>
+              <a:defRPr sz="2800" kern="1200">
+                <a:solidFill>
+                  <a:schemeClr val="tx1"/>
+                </a:solidFill>
+                <a:latin typeface="+mn-lt"/>
+                <a:ea typeface="+mn-ea"/>
+                <a:cs typeface="+mn-cs"/>
+              </a:defRPr>
+            </a:lvl1pPr>
+            <a:lvl2pPr marL="685800" indent="-228600" algn="l" defTabSz="914400" rtl="0" eaLnBrk="1" latinLnBrk="1" hangingPunct="1">
+              <a:lnSpc>
+                <a:spcPct val="90000"/>
+              </a:lnSpc>
+              <a:spcBef>
+                <a:spcPts val="500"/>
+              </a:spcBef>
+              <a:buFont typeface="Arial" panose="020B0604020202020204" pitchFamily="34" charset="0"/>
+              <a:buChar char="•"/>
+              <a:defRPr sz="2400" kern="1200">
+                <a:solidFill>
+                  <a:schemeClr val="tx1"/>
+                </a:solidFill>
+                <a:latin typeface="+mn-lt"/>
+                <a:ea typeface="+mn-ea"/>
+                <a:cs typeface="+mn-cs"/>
+              </a:defRPr>
+            </a:lvl2pPr>
+            <a:lvl3pPr marL="1143000" indent="-228600" algn="l" defTabSz="914400" rtl="0" eaLnBrk="1" latinLnBrk="1" hangingPunct="1">
+              <a:lnSpc>
+                <a:spcPct val="90000"/>
+              </a:lnSpc>
+              <a:spcBef>
+                <a:spcPts val="500"/>
+              </a:spcBef>
+              <a:buFont typeface="Arial" panose="020B0604020202020204" pitchFamily="34" charset="0"/>
+              <a:buChar char="•"/>
+              <a:defRPr sz="2000" kern="1200">
+                <a:solidFill>
+                  <a:schemeClr val="tx1"/>
+                </a:solidFill>
+                <a:latin typeface="+mn-lt"/>
+                <a:ea typeface="+mn-ea"/>
+                <a:cs typeface="+mn-cs"/>
+              </a:defRPr>
+            </a:lvl3pPr>
+            <a:lvl4pPr marL="1600200" indent="-228600" algn="l" defTabSz="914400" rtl="0" eaLnBrk="1" latinLnBrk="1" hangingPunct="1">
+              <a:lnSpc>
+                <a:spcPct val="90000"/>
+              </a:lnSpc>
+              <a:spcBef>
+                <a:spcPts val="500"/>
+              </a:spcBef>
+              <a:buFont typeface="Arial" panose="020B0604020202020204" pitchFamily="34" charset="0"/>
+              <a:buChar char="•"/>
+              <a:defRPr sz="1800" kern="1200">
+                <a:solidFill>
+                  <a:schemeClr val="tx1"/>
+                </a:solidFill>
+                <a:latin typeface="+mn-lt"/>
+                <a:ea typeface="+mn-ea"/>
+                <a:cs typeface="+mn-cs"/>
+              </a:defRPr>
+            </a:lvl4pPr>
+            <a:lvl5pPr marL="2057400" indent="-228600" algn="l" defTabSz="914400" rtl="0" eaLnBrk="1" latinLnBrk="1" hangingPunct="1">
+              <a:lnSpc>
+                <a:spcPct val="90000"/>
+              </a:lnSpc>
+              <a:spcBef>
+                <a:spcPts val="500"/>
+              </a:spcBef>
+              <a:buFont typeface="Arial" panose="020B0604020202020204" pitchFamily="34" charset="0"/>
+              <a:buChar char="•"/>
+              <a:defRPr sz="1800" kern="1200">
+                <a:solidFill>
+                  <a:schemeClr val="tx1"/>
+                </a:solidFill>
+                <a:latin typeface="+mn-lt"/>
+                <a:ea typeface="+mn-ea"/>
+                <a:cs typeface="+mn-cs"/>
+              </a:defRPr>
+            </a:lvl5pPr>
+            <a:lvl6pPr marL="2514600" indent="-228600" algn="l" defTabSz="914400" rtl="0" eaLnBrk="1" latinLnBrk="1" hangingPunct="1">
+              <a:lnSpc>
+                <a:spcPct val="90000"/>
+              </a:lnSpc>
+              <a:spcBef>
+                <a:spcPts val="500"/>
+              </a:spcBef>
+              <a:buFont typeface="Arial" panose="020B0604020202020204" pitchFamily="34" charset="0"/>
+              <a:buChar char="•"/>
+              <a:defRPr sz="1800" kern="1200">
+                <a:solidFill>
+                  <a:schemeClr val="tx1"/>
+                </a:solidFill>
+                <a:latin typeface="+mn-lt"/>
+                <a:ea typeface="+mn-ea"/>
+                <a:cs typeface="+mn-cs"/>
+              </a:defRPr>
+            </a:lvl6pPr>
+            <a:lvl7pPr marL="2971800" indent="-228600" algn="l" defTabSz="914400" rtl="0" eaLnBrk="1" latinLnBrk="1" hangingPunct="1">
+              <a:lnSpc>
+                <a:spcPct val="90000"/>
+              </a:lnSpc>
+              <a:spcBef>
+                <a:spcPts val="500"/>
+              </a:spcBef>
+              <a:buFont typeface="Arial" panose="020B0604020202020204" pitchFamily="34" charset="0"/>
+              <a:buChar char="•"/>
+              <a:defRPr sz="1800" kern="1200">
+                <a:solidFill>
+                  <a:schemeClr val="tx1"/>
+                </a:solidFill>
+                <a:latin typeface="+mn-lt"/>
+                <a:ea typeface="+mn-ea"/>
+                <a:cs typeface="+mn-cs"/>
+              </a:defRPr>
+            </a:lvl7pPr>
+            <a:lvl8pPr marL="3429000" indent="-228600" algn="l" defTabSz="914400" rtl="0" eaLnBrk="1" latinLnBrk="1" hangingPunct="1">
+              <a:lnSpc>
+                <a:spcPct val="90000"/>
+              </a:lnSpc>
+              <a:spcBef>
+                <a:spcPts val="500"/>
+              </a:spcBef>
+              <a:buFont typeface="Arial" panose="020B0604020202020204" pitchFamily="34" charset="0"/>
+              <a:buChar char="•"/>
+              <a:defRPr sz="1800" kern="1200">
+                <a:solidFill>
+                  <a:schemeClr val="tx1"/>
+                </a:solidFill>
+                <a:latin typeface="+mn-lt"/>
+                <a:ea typeface="+mn-ea"/>
+                <a:cs typeface="+mn-cs"/>
+              </a:defRPr>
+            </a:lvl8pPr>
+            <a:lvl9pPr marL="3886200" indent="-228600" algn="l" defTabSz="914400" rtl="0" eaLnBrk="1" latinLnBrk="1" hangingPunct="1">
+              <a:lnSpc>
+                <a:spcPct val="90000"/>
+              </a:lnSpc>
+              <a:spcBef>
+                <a:spcPts val="500"/>
+              </a:spcBef>
+              <a:buFont typeface="Arial" panose="020B0604020202020204" pitchFamily="34" charset="0"/>
+              <a:buChar char="•"/>
+              <a:defRPr sz="1800" kern="1200">
+                <a:solidFill>
+                  <a:schemeClr val="tx1"/>
+                </a:solidFill>
+                <a:latin typeface="+mn-lt"/>
+                <a:ea typeface="+mn-ea"/>
+                <a:cs typeface="+mn-cs"/>
+              </a:defRPr>
+            </a:lvl9pPr>
+          </a:lstStyle>
+          <a:p>
+            <a:pPr marL="0" indent="0" algn="ctr">
+              <a:buNone/>
+            </a:pPr>
+            <a:r>
+              <a:rPr lang="ko-KR" altLang="en-US" sz="4000" dirty="0" smtClean="0">
+                <a:latin typeface="+mn-ea"/>
+              </a:rPr>
+              <a:t>일기장 </a:t>
+            </a:r>
+            <a:r>
+              <a:rPr lang="ko-KR" altLang="en-US" sz="4000" dirty="0" smtClean="0">
+                <a:latin typeface="+mn-ea"/>
+              </a:rPr>
+              <a:t>리스트 정렬 방법</a:t>
+            </a:r>
+            <a:endParaRPr lang="en-US" altLang="ko-KR" sz="4000" dirty="0" smtClean="0">
+              <a:latin typeface="+mn-ea"/>
+            </a:endParaRPr>
+          </a:p>
+        </p:txBody>
+      </p:sp>
+      <p:sp>
+        <p:nvSpPr>
+          <p:cNvPr id="7" name="Rectangle 6"/>
+          <p:cNvSpPr/>
+          <p:nvPr/>
+        </p:nvSpPr>
+        <p:spPr>
+          <a:xfrm>
+            <a:off x="635620" y="1780672"/>
+            <a:ext cx="10706148" cy="2903621"/>
+          </a:xfrm>
+          <a:prstGeom prst="rect">
+            <a:avLst/>
+          </a:prstGeom>
+        </p:spPr>
+        <p:style>
+          <a:lnRef idx="1">
+            <a:schemeClr val="accent6"/>
+          </a:lnRef>
+          <a:fillRef idx="2">
+            <a:schemeClr val="accent6"/>
+          </a:fillRef>
+          <a:effectRef idx="1">
+            <a:schemeClr val="accent6"/>
+          </a:effectRef>
+          <a:fontRef idx="minor">
+            <a:schemeClr val="dk1"/>
+          </a:fontRef>
+        </p:style>
+        <p:txBody>
+          <a:bodyPr rtlCol="0" anchor="ctr"/>
+          <a:lstStyle/>
+          <a:p>
+            <a:pPr algn="ctr">
+              <a:lnSpc>
+                <a:spcPct val="150000"/>
+              </a:lnSpc>
+            </a:pPr>
+            <a:r>
+              <a:rPr lang="en-US" altLang="ko-KR" sz="3600" dirty="0" smtClean="0"/>
+              <a:t>Function </a:t>
+            </a:r>
+            <a:r>
+              <a:rPr lang="en-US" altLang="ko-KR" sz="3600" dirty="0" smtClean="0"/>
+              <a:t>order(data)</a:t>
+            </a:r>
+            <a:endParaRPr lang="en-US" altLang="ko-KR" sz="2000" dirty="0" smtClean="0"/>
+          </a:p>
+          <a:p>
+            <a:pPr marL="457200" indent="-457200">
+              <a:lnSpc>
+                <a:spcPct val="150000"/>
+              </a:lnSpc>
+              <a:buFont typeface="+mj-lt"/>
+              <a:buAutoNum type="arabicPeriod"/>
+            </a:pPr>
+            <a:r>
+              <a:rPr lang="ko-KR" altLang="en-US" sz="2000" dirty="0" smtClean="0"/>
+              <a:t>파라미터의 </a:t>
+            </a:r>
+            <a:r>
+              <a:rPr lang="en-US" altLang="ko-KR" sz="2000" dirty="0" smtClean="0"/>
+              <a:t>data</a:t>
+            </a:r>
+            <a:r>
+              <a:rPr lang="ko-KR" altLang="en-US" sz="2000" dirty="0" smtClean="0"/>
+              <a:t>는 </a:t>
+            </a:r>
+            <a:r>
+              <a:rPr lang="en-US" altLang="ko-KR" sz="2000" dirty="0" smtClean="0"/>
+              <a:t>diary </a:t>
+            </a:r>
+            <a:r>
+              <a:rPr lang="ko-KR" altLang="en-US" sz="2000" dirty="0" smtClean="0"/>
+              <a:t>디렉터리의 </a:t>
+            </a:r>
+            <a:r>
+              <a:rPr lang="en-US" altLang="ko-KR" sz="2000" dirty="0" err="1" smtClean="0"/>
+              <a:t>snapsho</a:t>
+            </a:r>
+            <a:r>
+              <a:rPr lang="ko-KR" altLang="en-US" sz="2000" dirty="0" smtClean="0"/>
+              <a:t>이다</a:t>
+            </a:r>
+            <a:r>
+              <a:rPr lang="en-US" altLang="ko-KR" sz="2000" dirty="0" smtClean="0"/>
+              <a:t>.</a:t>
+            </a:r>
+          </a:p>
+          <a:p>
+            <a:pPr marL="457200" indent="-457200">
+              <a:lnSpc>
+                <a:spcPct val="150000"/>
+              </a:lnSpc>
+              <a:buFont typeface="+mj-lt"/>
+              <a:buAutoNum type="arabicPeriod"/>
+            </a:pPr>
+            <a:r>
+              <a:rPr lang="en-US" altLang="ko-KR" sz="2000" dirty="0" smtClean="0"/>
+              <a:t>Bubble sort</a:t>
+            </a:r>
+            <a:r>
+              <a:rPr lang="ko-KR" altLang="en-US" sz="2000" dirty="0" smtClean="0"/>
+              <a:t>를 이용하여 </a:t>
+            </a:r>
+            <a:r>
+              <a:rPr lang="en-US" altLang="ko-KR" sz="2000" dirty="0" smtClean="0"/>
+              <a:t>date</a:t>
+            </a:r>
+            <a:r>
+              <a:rPr lang="ko-KR" altLang="en-US" sz="2000" dirty="0" smtClean="0"/>
+              <a:t>값을 참조하여 오름차순으로 </a:t>
+            </a:r>
+            <a:r>
+              <a:rPr lang="en-US" altLang="ko-KR" sz="2000" dirty="0" smtClean="0"/>
+              <a:t>data</a:t>
+            </a:r>
+            <a:r>
+              <a:rPr lang="ko-KR" altLang="en-US" sz="2000" dirty="0" smtClean="0"/>
+              <a:t>를 정렬한다</a:t>
+            </a:r>
+            <a:r>
+              <a:rPr lang="en-US" altLang="ko-KR" sz="2000" dirty="0" smtClean="0"/>
+              <a:t>.</a:t>
+            </a:r>
+          </a:p>
+          <a:p>
+            <a:pPr marL="457200" indent="-457200">
+              <a:lnSpc>
+                <a:spcPct val="150000"/>
+              </a:lnSpc>
+              <a:buFont typeface="+mj-lt"/>
+              <a:buAutoNum type="arabicPeriod"/>
+            </a:pPr>
+            <a:r>
+              <a:rPr lang="ko-KR" altLang="en-US" sz="2000" dirty="0" smtClean="0"/>
+              <a:t>정렬된 </a:t>
+            </a:r>
+            <a:r>
+              <a:rPr lang="en-US" altLang="ko-KR" sz="2000" dirty="0" smtClean="0"/>
+              <a:t>data</a:t>
+            </a:r>
+            <a:r>
+              <a:rPr lang="ko-KR" altLang="en-US" sz="2000" dirty="0" smtClean="0"/>
+              <a:t>를 반환한다</a:t>
+            </a:r>
+            <a:r>
+              <a:rPr lang="en-US" altLang="ko-KR" sz="2000" dirty="0" smtClean="0"/>
+              <a:t>.</a:t>
+            </a:r>
+            <a:endParaRPr lang="en-US" altLang="ko-KR" sz="2000" dirty="0" smtClean="0"/>
+          </a:p>
+        </p:txBody>
+      </p:sp>
+    </p:spTree>
+    <p:extLst>
+      <p:ext uri="{BB962C8B-B14F-4D97-AF65-F5344CB8AC3E}">
+        <p14:creationId xmlns:p14="http://schemas.microsoft.com/office/powerpoint/2010/main" val="3097616243"/>
+      </p:ext>
+    </p:extLst>
+  </p:cSld>
+  <p:clrMapOvr>
+    <a:masterClrMapping/>
+  </p:clrMapOvr>
+  <p:timing>
+    <p:tnLst>
+      <p:par>
+        <p:cTn id="1" dur="indefinite" restart="never" nodeType="tmRoot"/>
+      </p:par>
+    </p:tnLst>
+  </p:timing>
+</p:sld>
+</file>
+
 <file path=ppt/slides/slide3.xml><?xml version="1.0" encoding="utf-8"?>
 <p:sld xmlns:a="http://schemas.openxmlformats.org/drawingml/2006/main" xmlns:r="http://schemas.openxmlformats.org/officeDocument/2006/relationships" xmlns:p="http://schemas.openxmlformats.org/presentationml/2006/main">
   <p:cSld>
@@ -11504,19 +11905,7 @@
               <a:rPr lang="ko-KR" altLang="en-US" dirty="0" smtClean="0">
                 <a:latin typeface="+mn-ea"/>
               </a:rPr>
-              <a:t>으로 </a:t>
-            </a:r>
-            <a:r>
-              <a:rPr lang="ko-KR" altLang="en-US" dirty="0" smtClean="0">
-                <a:latin typeface="+mn-ea"/>
-              </a:rPr>
-              <a:t>페이지를 </a:t>
-            </a:r>
-            <a:r>
-              <a:rPr lang="ko-KR" altLang="en-US" dirty="0" smtClean="0">
-                <a:latin typeface="+mn-ea"/>
-              </a:rPr>
-              <a:t>디자인하는데 사용</a:t>
+              <a:t>으로 페이지를 디자인하는데 사용</a:t>
             </a:r>
             <a:endParaRPr lang="en-US" altLang="ko-KR" dirty="0" smtClean="0">
               <a:latin typeface="+mn-ea"/>
@@ -13814,19 +14203,7 @@
               <a:rPr lang="en-US" altLang="ko-KR" sz="4000" dirty="0" smtClean="0">
                 <a:latin typeface="+mn-ea"/>
               </a:rPr>
-              <a:t>, </a:t>
-            </a:r>
-            <a:r>
-              <a:rPr lang="en-US" altLang="ko-KR" sz="4000" dirty="0" smtClean="0">
-                <a:latin typeface="+mn-ea"/>
-              </a:rPr>
-              <a:t>Diary </a:t>
-            </a:r>
-            <a:r>
-              <a:rPr lang="en-US" altLang="ko-KR" sz="4000" dirty="0" smtClean="0">
-                <a:latin typeface="+mn-ea"/>
-              </a:rPr>
-              <a:t>Page</a:t>
+              <a:t>, Diary Page</a:t>
             </a:r>
             <a:endParaRPr lang="ko-KR" altLang="en-US" sz="4000" dirty="0">
               <a:latin typeface="+mn-ea"/>
@@ -14063,7 +14440,6 @@
               <a:rPr lang="en-US" altLang="ko-KR" dirty="0" smtClean="0"/>
               <a:t>col-sm-12 </a:t>
             </a:r>
-            <a:endParaRPr lang="en-US" altLang="ko-KR" dirty="0" smtClean="0"/>
           </a:p>
           <a:p>
             <a:pPr algn="ctr"/>
@@ -14128,7 +14504,6 @@
               <a:rPr lang="en-US" altLang="ko-KR" dirty="0" smtClean="0"/>
               <a:t>col-sm-12 </a:t>
             </a:r>
-            <a:endParaRPr lang="en-US" altLang="ko-KR" dirty="0" smtClean="0"/>
           </a:p>
           <a:p>
             <a:pPr algn="ctr"/>

--- a/project_doc_201611263_박성호.pptx
+++ b/project_doc_201611263_박성호.pptx
@@ -5903,8 +5903,8 @@
         </p:nvSpPr>
         <p:spPr>
           <a:xfrm>
-            <a:off x="994191" y="2490171"/>
-            <a:ext cx="10475913" cy="4309764"/>
+            <a:off x="870194" y="2434187"/>
+            <a:ext cx="10427367" cy="4309764"/>
           </a:xfrm>
           <a:prstGeom prst="rect">
             <a:avLst/>
@@ -6102,7 +6102,13 @@
               <a:rPr lang="ko-KR" altLang="en-US" sz="2000" dirty="0" smtClean="0">
                 <a:latin typeface="+mn-ea"/>
               </a:rPr>
-              <a:t>에 저장</a:t>
+              <a:t>에 </a:t>
+            </a:r>
+            <a:r>
+              <a:rPr lang="ko-KR" altLang="en-US" sz="2000" dirty="0" smtClean="0">
+                <a:latin typeface="+mn-ea"/>
+              </a:rPr>
+              <a:t>저장</a:t>
             </a:r>
             <a:endParaRPr lang="en-US" altLang="ko-KR" sz="2000" dirty="0" smtClean="0"/>
           </a:p>
@@ -7774,6 +7780,253 @@
           </a:p>
         </p:txBody>
       </p:sp>
+      <p:sp>
+        <p:nvSpPr>
+          <p:cNvPr id="10" name="Subtitle 2"/>
+          <p:cNvSpPr txBox="1">
+            <a:spLocks/>
+          </p:cNvSpPr>
+          <p:nvPr/>
+        </p:nvSpPr>
+        <p:spPr>
+          <a:xfrm>
+            <a:off x="7539793" y="455803"/>
+            <a:ext cx="4652207" cy="1771547"/>
+          </a:xfrm>
+          <a:prstGeom prst="rect">
+            <a:avLst/>
+          </a:prstGeom>
+        </p:spPr>
+        <p:txBody>
+          <a:bodyPr/>
+          <a:lstStyle>
+            <a:lvl1pPr marL="228600" indent="-228600" algn="l" defTabSz="914400" rtl="0" eaLnBrk="1" latinLnBrk="1" hangingPunct="1">
+              <a:lnSpc>
+                <a:spcPct val="90000"/>
+              </a:lnSpc>
+              <a:spcBef>
+                <a:spcPts val="1000"/>
+              </a:spcBef>
+              <a:buFont typeface="Arial" panose="020B0604020202020204" pitchFamily="34" charset="0"/>
+              <a:buChar char="•"/>
+              <a:defRPr sz="2800" kern="1200">
+                <a:solidFill>
+                  <a:schemeClr val="tx1"/>
+                </a:solidFill>
+                <a:latin typeface="+mn-lt"/>
+                <a:ea typeface="+mn-ea"/>
+                <a:cs typeface="+mn-cs"/>
+              </a:defRPr>
+            </a:lvl1pPr>
+            <a:lvl2pPr marL="685800" indent="-228600" algn="l" defTabSz="914400" rtl="0" eaLnBrk="1" latinLnBrk="1" hangingPunct="1">
+              <a:lnSpc>
+                <a:spcPct val="90000"/>
+              </a:lnSpc>
+              <a:spcBef>
+                <a:spcPts val="500"/>
+              </a:spcBef>
+              <a:buFont typeface="Arial" panose="020B0604020202020204" pitchFamily="34" charset="0"/>
+              <a:buChar char="•"/>
+              <a:defRPr sz="2400" kern="1200">
+                <a:solidFill>
+                  <a:schemeClr val="tx1"/>
+                </a:solidFill>
+                <a:latin typeface="+mn-lt"/>
+                <a:ea typeface="+mn-ea"/>
+                <a:cs typeface="+mn-cs"/>
+              </a:defRPr>
+            </a:lvl2pPr>
+            <a:lvl3pPr marL="1143000" indent="-228600" algn="l" defTabSz="914400" rtl="0" eaLnBrk="1" latinLnBrk="1" hangingPunct="1">
+              <a:lnSpc>
+                <a:spcPct val="90000"/>
+              </a:lnSpc>
+              <a:spcBef>
+                <a:spcPts val="500"/>
+              </a:spcBef>
+              <a:buFont typeface="Arial" panose="020B0604020202020204" pitchFamily="34" charset="0"/>
+              <a:buChar char="•"/>
+              <a:defRPr sz="2000" kern="1200">
+                <a:solidFill>
+                  <a:schemeClr val="tx1"/>
+                </a:solidFill>
+                <a:latin typeface="+mn-lt"/>
+                <a:ea typeface="+mn-ea"/>
+                <a:cs typeface="+mn-cs"/>
+              </a:defRPr>
+            </a:lvl3pPr>
+            <a:lvl4pPr marL="1600200" indent="-228600" algn="l" defTabSz="914400" rtl="0" eaLnBrk="1" latinLnBrk="1" hangingPunct="1">
+              <a:lnSpc>
+                <a:spcPct val="90000"/>
+              </a:lnSpc>
+              <a:spcBef>
+                <a:spcPts val="500"/>
+              </a:spcBef>
+              <a:buFont typeface="Arial" panose="020B0604020202020204" pitchFamily="34" charset="0"/>
+              <a:buChar char="•"/>
+              <a:defRPr sz="1800" kern="1200">
+                <a:solidFill>
+                  <a:schemeClr val="tx1"/>
+                </a:solidFill>
+                <a:latin typeface="+mn-lt"/>
+                <a:ea typeface="+mn-ea"/>
+                <a:cs typeface="+mn-cs"/>
+              </a:defRPr>
+            </a:lvl4pPr>
+            <a:lvl5pPr marL="2057400" indent="-228600" algn="l" defTabSz="914400" rtl="0" eaLnBrk="1" latinLnBrk="1" hangingPunct="1">
+              <a:lnSpc>
+                <a:spcPct val="90000"/>
+              </a:lnSpc>
+              <a:spcBef>
+                <a:spcPts val="500"/>
+              </a:spcBef>
+              <a:buFont typeface="Arial" panose="020B0604020202020204" pitchFamily="34" charset="0"/>
+              <a:buChar char="•"/>
+              <a:defRPr sz="1800" kern="1200">
+                <a:solidFill>
+                  <a:schemeClr val="tx1"/>
+                </a:solidFill>
+                <a:latin typeface="+mn-lt"/>
+                <a:ea typeface="+mn-ea"/>
+                <a:cs typeface="+mn-cs"/>
+              </a:defRPr>
+            </a:lvl5pPr>
+            <a:lvl6pPr marL="2514600" indent="-228600" algn="l" defTabSz="914400" rtl="0" eaLnBrk="1" latinLnBrk="1" hangingPunct="1">
+              <a:lnSpc>
+                <a:spcPct val="90000"/>
+              </a:lnSpc>
+              <a:spcBef>
+                <a:spcPts val="500"/>
+              </a:spcBef>
+              <a:buFont typeface="Arial" panose="020B0604020202020204" pitchFamily="34" charset="0"/>
+              <a:buChar char="•"/>
+              <a:defRPr sz="1800" kern="1200">
+                <a:solidFill>
+                  <a:schemeClr val="tx1"/>
+                </a:solidFill>
+                <a:latin typeface="+mn-lt"/>
+                <a:ea typeface="+mn-ea"/>
+                <a:cs typeface="+mn-cs"/>
+              </a:defRPr>
+            </a:lvl6pPr>
+            <a:lvl7pPr marL="2971800" indent="-228600" algn="l" defTabSz="914400" rtl="0" eaLnBrk="1" latinLnBrk="1" hangingPunct="1">
+              <a:lnSpc>
+                <a:spcPct val="90000"/>
+              </a:lnSpc>
+              <a:spcBef>
+                <a:spcPts val="500"/>
+              </a:spcBef>
+              <a:buFont typeface="Arial" panose="020B0604020202020204" pitchFamily="34" charset="0"/>
+              <a:buChar char="•"/>
+              <a:defRPr sz="1800" kern="1200">
+                <a:solidFill>
+                  <a:schemeClr val="tx1"/>
+                </a:solidFill>
+                <a:latin typeface="+mn-lt"/>
+                <a:ea typeface="+mn-ea"/>
+                <a:cs typeface="+mn-cs"/>
+              </a:defRPr>
+            </a:lvl7pPr>
+            <a:lvl8pPr marL="3429000" indent="-228600" algn="l" defTabSz="914400" rtl="0" eaLnBrk="1" latinLnBrk="1" hangingPunct="1">
+              <a:lnSpc>
+                <a:spcPct val="90000"/>
+              </a:lnSpc>
+              <a:spcBef>
+                <a:spcPts val="500"/>
+              </a:spcBef>
+              <a:buFont typeface="Arial" panose="020B0604020202020204" pitchFamily="34" charset="0"/>
+              <a:buChar char="•"/>
+              <a:defRPr sz="1800" kern="1200">
+                <a:solidFill>
+                  <a:schemeClr val="tx1"/>
+                </a:solidFill>
+                <a:latin typeface="+mn-lt"/>
+                <a:ea typeface="+mn-ea"/>
+                <a:cs typeface="+mn-cs"/>
+              </a:defRPr>
+            </a:lvl8pPr>
+            <a:lvl9pPr marL="3886200" indent="-228600" algn="l" defTabSz="914400" rtl="0" eaLnBrk="1" latinLnBrk="1" hangingPunct="1">
+              <a:lnSpc>
+                <a:spcPct val="90000"/>
+              </a:lnSpc>
+              <a:spcBef>
+                <a:spcPts val="500"/>
+              </a:spcBef>
+              <a:buFont typeface="Arial" panose="020B0604020202020204" pitchFamily="34" charset="0"/>
+              <a:buChar char="•"/>
+              <a:defRPr sz="1800" kern="1200">
+                <a:solidFill>
+                  <a:schemeClr val="tx1"/>
+                </a:solidFill>
+                <a:latin typeface="+mn-lt"/>
+                <a:ea typeface="+mn-ea"/>
+                <a:cs typeface="+mn-cs"/>
+              </a:defRPr>
+            </a:lvl9pPr>
+          </a:lstStyle>
+          <a:p>
+            <a:pPr marL="0" indent="0">
+              <a:buNone/>
+            </a:pPr>
+            <a:r>
+              <a:rPr lang="ko-KR" altLang="en-US" sz="2400" dirty="0" smtClean="0">
+                <a:latin typeface="+mn-ea"/>
+              </a:rPr>
+              <a:t>사진</a:t>
+            </a:r>
+            <a:r>
+              <a:rPr lang="en-US" altLang="ko-KR" sz="2400" dirty="0" smtClean="0">
+                <a:latin typeface="+mn-ea"/>
+              </a:rPr>
+              <a:t>, </a:t>
+            </a:r>
+            <a:r>
+              <a:rPr lang="ko-KR" altLang="en-US" sz="2400" dirty="0" smtClean="0">
+                <a:latin typeface="+mn-ea"/>
+              </a:rPr>
+              <a:t>비디오</a:t>
+            </a:r>
+            <a:r>
+              <a:rPr lang="en-US" altLang="ko-KR" sz="2400" dirty="0" smtClean="0">
+                <a:latin typeface="+mn-ea"/>
+              </a:rPr>
+              <a:t>, </a:t>
+            </a:r>
+            <a:r>
+              <a:rPr lang="ko-KR" altLang="en-US" sz="2400" dirty="0" smtClean="0">
+                <a:latin typeface="+mn-ea"/>
+              </a:rPr>
+              <a:t>일반 </a:t>
+            </a:r>
+            <a:r>
+              <a:rPr lang="ko-KR" altLang="en-US" sz="2400" dirty="0" smtClean="0">
+                <a:latin typeface="+mn-ea"/>
+              </a:rPr>
+              <a:t>파일이 이미 스토리지에 저장된 상태에서 글을 수정하되</a:t>
+            </a:r>
+            <a:r>
+              <a:rPr lang="en-US" altLang="ko-KR" sz="2400" dirty="0" smtClean="0">
+                <a:latin typeface="+mn-ea"/>
+              </a:rPr>
+              <a:t>, </a:t>
+            </a:r>
+            <a:r>
+              <a:rPr lang="ko-KR" altLang="en-US" sz="2400" dirty="0" smtClean="0">
+                <a:latin typeface="+mn-ea"/>
+              </a:rPr>
+              <a:t>새로운 파일을 업로드하지 않으면 기존의 파일은 유지한다</a:t>
+            </a:r>
+            <a:r>
+              <a:rPr lang="en-US" altLang="ko-KR" sz="2400" dirty="0" smtClean="0">
+                <a:latin typeface="+mn-ea"/>
+              </a:rPr>
+              <a:t>.</a:t>
+            </a:r>
+            <a:endParaRPr lang="ko-KR" altLang="en-US" sz="2400" dirty="0">
+              <a:latin typeface="+mn-ea"/>
+            </a:endParaRPr>
+          </a:p>
+        </p:txBody>
+      </p:sp>
     </p:spTree>
     <p:extLst>
       <p:ext uri="{BB962C8B-B14F-4D97-AF65-F5344CB8AC3E}">
@@ -8763,6 +9016,7 @@
               <a:rPr lang="en-US" altLang="ko-KR" sz="2000" dirty="0" smtClean="0"/>
               <a:t>)</a:t>
             </a:r>
+            <a:endParaRPr lang="en-US" altLang="ko-KR" sz="2000" dirty="0" smtClean="0"/>
           </a:p>
         </p:txBody>
       </p:sp>
@@ -9524,11 +9778,7 @@
             </a:r>
             <a:r>
               <a:rPr lang="en-US" altLang="ko-KR" sz="2000" dirty="0" smtClean="0"/>
-              <a:t>. </a:t>
-            </a:r>
-            <a:r>
-              <a:rPr lang="en-US" altLang="ko-KR" sz="2000" dirty="0" smtClean="0"/>
-              <a:t>data</a:t>
+              <a:t>. data</a:t>
             </a:r>
             <a:r>
               <a:rPr lang="ko-KR" altLang="en-US" sz="2000" dirty="0" smtClean="0"/>
@@ -9546,7 +9796,6 @@
               <a:rPr lang="en-US" altLang="ko-KR" sz="2000" dirty="0" smtClean="0"/>
               <a:t>.</a:t>
             </a:r>
-            <a:endParaRPr lang="en-US" altLang="ko-KR" sz="2000" dirty="0" smtClean="0"/>
           </a:p>
           <a:p>
             <a:pPr marL="457200" indent="-457200">
@@ -11355,13 +11604,7 @@
               <a:rPr lang="ko-KR" altLang="en-US" sz="4000" dirty="0" smtClean="0">
                 <a:latin typeface="+mn-ea"/>
               </a:rPr>
-              <a:t>일기장 </a:t>
-            </a:r>
-            <a:r>
-              <a:rPr lang="ko-KR" altLang="en-US" sz="4000" dirty="0" smtClean="0">
-                <a:latin typeface="+mn-ea"/>
-              </a:rPr>
-              <a:t>리스트 정렬 방법</a:t>
+              <a:t>일기장 리스트 정렬 방법</a:t>
             </a:r>
             <a:endParaRPr lang="en-US" altLang="ko-KR" sz="4000" dirty="0" smtClean="0">
               <a:latin typeface="+mn-ea"/>
@@ -11409,11 +11652,7 @@
             </a:pPr>
             <a:r>
               <a:rPr lang="en-US" altLang="ko-KR" sz="3600" dirty="0" smtClean="0"/>
-              <a:t>Function </a:t>
-            </a:r>
-            <a:r>
-              <a:rPr lang="en-US" altLang="ko-KR" sz="3600" dirty="0" smtClean="0"/>
-              <a:t>order(data)</a:t>
+              <a:t>Function order(data)</a:t>
             </a:r>
             <a:endParaRPr lang="en-US" altLang="ko-KR" sz="2000" dirty="0" smtClean="0"/>
           </a:p>
@@ -11519,7 +11758,6 @@
               <a:rPr lang="en-US" altLang="ko-KR" sz="2000" dirty="0" smtClean="0"/>
               <a:t>.</a:t>
             </a:r>
-            <a:endParaRPr lang="en-US" altLang="ko-KR" sz="2000" dirty="0" smtClean="0"/>
           </a:p>
         </p:txBody>
       </p:sp>
